--- a/secure-coding/slides/delivery/06__Defensive-Programming.pptx
+++ b/secure-coding/slides/delivery/06__Defensive-Programming.pptx
@@ -1,77 +1,77 @@
 
 <file path=ppt/presentation.xml><?xml version="1.0" encoding="utf-8"?>
-<p:presentation xmlns:a="http://schemas.openxmlformats.org/drawingml/2006/main" xmlns:r="http://schemas.openxmlformats.org/officeDocument/2006/relationships" xmlns:p="http://schemas.openxmlformats.org/presentationml/2006/main" showSpecialPlsOnTitleSld="0" saveSubsetFonts="1" autoCompressPictures="0">
+<p:presentation xmlns:a="http://schemas.openxmlformats.org/drawingml/2006/main" xmlns:r="http://schemas.openxmlformats.org/officeDocument/2006/relationships" xmlns:p="http://schemas.openxmlformats.org/presentationml/2006/main" showSpecialPlsOnTitleSld="0" autoCompressPictures="0">
   <p:sldMasterIdLst>
-    <p:sldMasterId id="2147483651" r:id="rId1"/>
+    <p:sldMasterId id="2147483648" r:id="rId1"/>
   </p:sldMasterIdLst>
   <p:notesMasterIdLst>
-    <p:notesMasterId r:id="rId2"/>
+    <p:notesMasterId r:id="rId62"/>
   </p:notesMasterIdLst>
   <p:handoutMasterIdLst>
-    <p:handoutMasterId r:id="rId3"/>
+    <p:handoutMasterId r:id="rId63"/>
   </p:handoutMasterIdLst>
   <p:sldIdLst>
-    <p:sldId id="256" r:id="rId9"/>
-    <p:sldId id="257" r:id="rId10"/>
-    <p:sldId id="258" r:id="rId11"/>
-    <p:sldId id="259" r:id="rId12"/>
-    <p:sldId id="260" r:id="rId13"/>
-    <p:sldId id="261" r:id="rId14"/>
-    <p:sldId id="262" r:id="rId15"/>
-    <p:sldId id="263" r:id="rId16"/>
-    <p:sldId id="264" r:id="rId17"/>
-    <p:sldId id="265" r:id="rId18"/>
-    <p:sldId id="266" r:id="rId19"/>
-    <p:sldId id="267" r:id="rId20"/>
-    <p:sldId id="268" r:id="rId21"/>
-    <p:sldId id="269" r:id="rId22"/>
-    <p:sldId id="270" r:id="rId23"/>
-    <p:sldId id="271" r:id="rId24"/>
-    <p:sldId id="272" r:id="rId25"/>
-    <p:sldId id="273" r:id="rId26"/>
-    <p:sldId id="274" r:id="rId27"/>
-    <p:sldId id="275" r:id="rId28"/>
-    <p:sldId id="276" r:id="rId29"/>
-    <p:sldId id="277" r:id="rId30"/>
-    <p:sldId id="278" r:id="rId31"/>
-    <p:sldId id="279" r:id="rId32"/>
-    <p:sldId id="280" r:id="rId33"/>
-    <p:sldId id="281" r:id="rId34"/>
-    <p:sldId id="282" r:id="rId35"/>
-    <p:sldId id="283" r:id="rId36"/>
-    <p:sldId id="284" r:id="rId37"/>
-    <p:sldId id="285" r:id="rId38"/>
-    <p:sldId id="286" r:id="rId39"/>
-    <p:sldId id="287" r:id="rId40"/>
-    <p:sldId id="288" r:id="rId41"/>
-    <p:sldId id="289" r:id="rId42"/>
-    <p:sldId id="290" r:id="rId43"/>
-    <p:sldId id="291" r:id="rId44"/>
-    <p:sldId id="292" r:id="rId45"/>
-    <p:sldId id="293" r:id="rId46"/>
-    <p:sldId id="294" r:id="rId47"/>
-    <p:sldId id="295" r:id="rId48"/>
-    <p:sldId id="296" r:id="rId49"/>
-    <p:sldId id="297" r:id="rId50"/>
-    <p:sldId id="298" r:id="rId51"/>
-    <p:sldId id="299" r:id="rId52"/>
-    <p:sldId id="300" r:id="rId53"/>
-    <p:sldId id="301" r:id="rId54"/>
-    <p:sldId id="302" r:id="rId55"/>
-    <p:sldId id="303" r:id="rId56"/>
-    <p:sldId id="304" r:id="rId57"/>
-    <p:sldId id="305" r:id="rId58"/>
-    <p:sldId id="306" r:id="rId59"/>
-    <p:sldId id="307" r:id="rId60"/>
-    <p:sldId id="308" r:id="rId61"/>
-    <p:sldId id="309" r:id="rId62"/>
-    <p:sldId id="310" r:id="rId63"/>
-    <p:sldId id="311" r:id="rId64"/>
-    <p:sldId id="312" r:id="rId65"/>
-    <p:sldId id="313" r:id="rId66"/>
-    <p:sldId id="314" r:id="rId67"/>
+    <p:sldId id="256" r:id="rId3"/>
+    <p:sldId id="257" r:id="rId4"/>
+    <p:sldId id="258" r:id="rId5"/>
+    <p:sldId id="259" r:id="rId6"/>
+    <p:sldId id="260" r:id="rId7"/>
+    <p:sldId id="261" r:id="rId8"/>
+    <p:sldId id="262" r:id="rId9"/>
+    <p:sldId id="263" r:id="rId10"/>
+    <p:sldId id="264" r:id="rId11"/>
+    <p:sldId id="265" r:id="rId12"/>
+    <p:sldId id="266" r:id="rId13"/>
+    <p:sldId id="267" r:id="rId14"/>
+    <p:sldId id="268" r:id="rId15"/>
+    <p:sldId id="269" r:id="rId16"/>
+    <p:sldId id="270" r:id="rId17"/>
+    <p:sldId id="271" r:id="rId18"/>
+    <p:sldId id="272" r:id="rId19"/>
+    <p:sldId id="273" r:id="rId20"/>
+    <p:sldId id="274" r:id="rId21"/>
+    <p:sldId id="275" r:id="rId22"/>
+    <p:sldId id="276" r:id="rId23"/>
+    <p:sldId id="277" r:id="rId24"/>
+    <p:sldId id="278" r:id="rId25"/>
+    <p:sldId id="279" r:id="rId26"/>
+    <p:sldId id="280" r:id="rId27"/>
+    <p:sldId id="281" r:id="rId28"/>
+    <p:sldId id="282" r:id="rId29"/>
+    <p:sldId id="283" r:id="rId30"/>
+    <p:sldId id="284" r:id="rId31"/>
+    <p:sldId id="285" r:id="rId32"/>
+    <p:sldId id="286" r:id="rId33"/>
+    <p:sldId id="287" r:id="rId34"/>
+    <p:sldId id="288" r:id="rId35"/>
+    <p:sldId id="289" r:id="rId36"/>
+    <p:sldId id="290" r:id="rId37"/>
+    <p:sldId id="291" r:id="rId38"/>
+    <p:sldId id="292" r:id="rId39"/>
+    <p:sldId id="293" r:id="rId40"/>
+    <p:sldId id="294" r:id="rId41"/>
+    <p:sldId id="295" r:id="rId42"/>
+    <p:sldId id="296" r:id="rId43"/>
+    <p:sldId id="297" r:id="rId44"/>
+    <p:sldId id="298" r:id="rId45"/>
+    <p:sldId id="299" r:id="rId46"/>
+    <p:sldId id="300" r:id="rId47"/>
+    <p:sldId id="301" r:id="rId48"/>
+    <p:sldId id="302" r:id="rId49"/>
+    <p:sldId id="303" r:id="rId50"/>
+    <p:sldId id="304" r:id="rId51"/>
+    <p:sldId id="305" r:id="rId52"/>
+    <p:sldId id="306" r:id="rId53"/>
+    <p:sldId id="307" r:id="rId54"/>
+    <p:sldId id="308" r:id="rId55"/>
+    <p:sldId id="309" r:id="rId56"/>
+    <p:sldId id="310" r:id="rId57"/>
+    <p:sldId id="311" r:id="rId58"/>
+    <p:sldId id="312" r:id="rId59"/>
+    <p:sldId id="313" r:id="rId60"/>
+    <p:sldId id="314" r:id="rId61"/>
   </p:sldIdLst>
-  <p:sldSz cx="9372600" cy="8297863"/>
+  <p:sldSz cx="9372600" cy="8297545"/>
   <p:notesSz cx="7315200" cy="9601200"/>
   <p:defaultTextStyle>
     <a:defPPr>
@@ -89,8 +89,8 @@
           <a:schemeClr val="tx1"/>
         </a:solidFill>
         <a:latin typeface="Garamond" pitchFamily="18" charset="0"/>
-        <a:ea typeface="ＭＳ Ｐゴシック"/>
-        <a:cs typeface="ＭＳ Ｐゴシック"/>
+        <a:ea typeface="MS PGothic"/>
+        <a:cs typeface="MS PGothic"/>
       </a:defRPr>
     </a:lvl1pPr>
     <a:lvl2pPr marL="457200" algn="l" rtl="0" fontAlgn="base">
@@ -105,8 +105,8 @@
           <a:schemeClr val="tx1"/>
         </a:solidFill>
         <a:latin typeface="Garamond" pitchFamily="18" charset="0"/>
-        <a:ea typeface="ＭＳ Ｐゴシック"/>
-        <a:cs typeface="ＭＳ Ｐゴシック"/>
+        <a:ea typeface="MS PGothic"/>
+        <a:cs typeface="MS PGothic"/>
       </a:defRPr>
     </a:lvl2pPr>
     <a:lvl3pPr marL="914400" algn="l" rtl="0" fontAlgn="base">
@@ -121,8 +121,8 @@
           <a:schemeClr val="tx1"/>
         </a:solidFill>
         <a:latin typeface="Garamond" pitchFamily="18" charset="0"/>
-        <a:ea typeface="ＭＳ Ｐゴシック"/>
-        <a:cs typeface="ＭＳ Ｐゴシック"/>
+        <a:ea typeface="MS PGothic"/>
+        <a:cs typeface="MS PGothic"/>
       </a:defRPr>
     </a:lvl3pPr>
     <a:lvl4pPr marL="1371600" algn="l" rtl="0" fontAlgn="base">
@@ -137,8 +137,8 @@
           <a:schemeClr val="tx1"/>
         </a:solidFill>
         <a:latin typeface="Garamond" pitchFamily="18" charset="0"/>
-        <a:ea typeface="ＭＳ Ｐゴシック"/>
-        <a:cs typeface="ＭＳ Ｐゴシック"/>
+        <a:ea typeface="MS PGothic"/>
+        <a:cs typeface="MS PGothic"/>
       </a:defRPr>
     </a:lvl4pPr>
     <a:lvl5pPr marL="1828800" algn="l" rtl="0" fontAlgn="base">
@@ -153,8 +153,8 @@
           <a:schemeClr val="tx1"/>
         </a:solidFill>
         <a:latin typeface="Garamond" pitchFamily="18" charset="0"/>
-        <a:ea typeface="ＭＳ Ｐゴシック"/>
-        <a:cs typeface="ＭＳ Ｐゴシック"/>
+        <a:ea typeface="MS PGothic"/>
+        <a:cs typeface="MS PGothic"/>
       </a:defRPr>
     </a:lvl5pPr>
     <a:lvl6pPr marL="2286000" algn="l" defTabSz="914400" rtl="0" eaLnBrk="1" latinLnBrk="0" hangingPunct="1">
@@ -163,8 +163,8 @@
           <a:schemeClr val="tx1"/>
         </a:solidFill>
         <a:latin typeface="Garamond" pitchFamily="18" charset="0"/>
-        <a:ea typeface="ＭＳ Ｐゴシック"/>
-        <a:cs typeface="ＭＳ Ｐゴシック"/>
+        <a:ea typeface="MS PGothic"/>
+        <a:cs typeface="MS PGothic"/>
       </a:defRPr>
     </a:lvl6pPr>
     <a:lvl7pPr marL="2743200" algn="l" defTabSz="914400" rtl="0" eaLnBrk="1" latinLnBrk="0" hangingPunct="1">
@@ -173,8 +173,8 @@
           <a:schemeClr val="tx1"/>
         </a:solidFill>
         <a:latin typeface="Garamond" pitchFamily="18" charset="0"/>
-        <a:ea typeface="ＭＳ Ｐゴシック"/>
-        <a:cs typeface="ＭＳ Ｐゴシック"/>
+        <a:ea typeface="MS PGothic"/>
+        <a:cs typeface="MS PGothic"/>
       </a:defRPr>
     </a:lvl7pPr>
     <a:lvl8pPr marL="3200400" algn="l" defTabSz="914400" rtl="0" eaLnBrk="1" latinLnBrk="0" hangingPunct="1">
@@ -183,8 +183,8 @@
           <a:schemeClr val="tx1"/>
         </a:solidFill>
         <a:latin typeface="Garamond" pitchFamily="18" charset="0"/>
-        <a:ea typeface="ＭＳ Ｐゴシック"/>
-        <a:cs typeface="ＭＳ Ｐゴシック"/>
+        <a:ea typeface="MS PGothic"/>
+        <a:cs typeface="MS PGothic"/>
       </a:defRPr>
     </a:lvl8pPr>
     <a:lvl9pPr marL="3657600" algn="l" defTabSz="914400" rtl="0" eaLnBrk="1" latinLnBrk="0" hangingPunct="1">
@@ -193,41 +193,11 @@
           <a:schemeClr val="tx1"/>
         </a:solidFill>
         <a:latin typeface="Garamond" pitchFamily="18" charset="0"/>
-        <a:ea typeface="ＭＳ Ｐゴシック"/>
-        <a:cs typeface="ＭＳ Ｐゴシック"/>
+        <a:ea typeface="MS PGothic"/>
+        <a:cs typeface="MS PGothic"/>
       </a:defRPr>
     </a:lvl9pPr>
   </p:defaultTextStyle>
-  <p:extLst>
-    <p:ext uri="{EFAFB233-063F-42B5-8137-9DF3F51BA10A}">
-      <p15:sldGuideLst xmlns:p15="http://schemas.microsoft.com/office/powerpoint/2012/main">
-        <p15:guide id="1" orient="horz" pos="2614" userDrawn="1">
-          <p15:clr>
-            <a:srgbClr val="A4A3A4"/>
-          </p15:clr>
-        </p15:guide>
-        <p15:guide id="2" pos="2952" userDrawn="1">
-          <p15:clr>
-            <a:srgbClr val="A4A3A4"/>
-          </p15:clr>
-        </p15:guide>
-      </p15:sldGuideLst>
-    </p:ext>
-    <p:ext uri="{2D200454-40CA-4A62-9FC3-DE9A4176ACB9}">
-      <p15:notesGuideLst xmlns:p15="http://schemas.microsoft.com/office/powerpoint/2012/main">
-        <p15:guide id="1" orient="horz" pos="3024">
-          <p15:clr>
-            <a:srgbClr val="A4A3A4"/>
-          </p15:clr>
-        </p15:guide>
-        <p15:guide id="2" pos="2308">
-          <p15:clr>
-            <a:srgbClr val="A4A3A4"/>
-          </p15:clr>
-        </p15:guide>
-      </p15:notesGuideLst>
-    </p:ext>
-  </p:extLst>
 </p:presentation>
 </file>
 
@@ -237,9 +207,7 @@
   <p:cmAuthor id="2" name="Mark Kerzner" initials="MK" lastIdx="6" clrIdx="1"/>
   <p:cmAuthor id="3" name="Mary Beth Conlee" initials="MBC" lastIdx="7" clrIdx="2"/>
   <p:cmAuthor id="4" name="Michelle" initials="M" lastIdx="5" clrIdx="3"/>
-  <p:cmAuthor id="5" name="Tricia Murphy" initials="TM" lastIdx="4" clrIdx="4">
-    <p:extLst/>
-  </p:cmAuthor>
+  <p:cmAuthor id="5" name="Tricia Murphy" initials="TM" lastIdx="4" clrIdx="4"/>
 </p:cmAuthorLst>
 </file>
 
@@ -290,20 +258,14 @@
           <a:ln w="9525">
             <a:noFill/>
             <a:miter lim="800000"/>
-            <a:headEnd/>
-            <a:tailEnd/>
           </a:ln>
         </p:spPr>
         <p:txBody>
-          <a:bodyPr vert="horz" wrap="square" lIns="96603" tIns="48303" rIns="96603" bIns="48303" numCol="1" anchor="b" anchorCtr="0" compatLnSpc="1">
-            <a:prstTxWarp prst="textNoShape">
-              <a:avLst/>
-            </a:prstTxWarp>
-          </a:bodyPr>
+          <a:bodyPr vert="horz" wrap="square" lIns="96603" tIns="48303" rIns="96603" bIns="48303" numCol="1" anchor="b" anchorCtr="0" compatLnSpc="1"/>
           <a:lstStyle>
             <a:lvl1pPr defTabSz="965200">
               <a:defRPr sz="1200">
-                <a:latin typeface="Times New Roman" pitchFamily="18" charset="0"/>
+                <a:latin typeface="Times New Roman" panose="02020603050405020304" pitchFamily="-110" charset="0"/>
               </a:defRPr>
             </a:lvl1pPr>
           </a:lstStyle>
@@ -315,6 +277,7 @@
               <a:rPr lang="en-US" dirty="0"/>
               <a:t>Copyright © 2017 Elephant Scale. All rights reserved.</a:t>
             </a:r>
+            <a:endParaRPr lang="en-US" dirty="0"/>
           </a:p>
         </p:txBody>
       </p:sp>
@@ -340,20 +303,14 @@
           <a:ln w="9525">
             <a:noFill/>
             <a:miter lim="800000"/>
-            <a:headEnd/>
-            <a:tailEnd/>
           </a:ln>
         </p:spPr>
         <p:txBody>
-          <a:bodyPr vert="horz" wrap="square" lIns="96603" tIns="48303" rIns="96603" bIns="48303" numCol="1" anchor="b" anchorCtr="0" compatLnSpc="1">
-            <a:prstTxWarp prst="textNoShape">
-              <a:avLst/>
-            </a:prstTxWarp>
-          </a:bodyPr>
+          <a:bodyPr vert="horz" wrap="square" lIns="96603" tIns="48303" rIns="96603" bIns="48303" numCol="1" anchor="b" anchorCtr="0" compatLnSpc="1"/>
           <a:lstStyle>
             <a:lvl1pPr algn="r" defTabSz="965200">
               <a:defRPr sz="1200">
-                <a:latin typeface="Times New Roman" pitchFamily="18" charset="0"/>
+                <a:latin typeface="Times New Roman" panose="02020603050405020304" pitchFamily="-110" charset="0"/>
               </a:defRPr>
             </a:lvl1pPr>
           </a:lstStyle>
@@ -363,21 +320,12 @@
             </a:pPr>
             <a:fld id="{97E62689-8C7D-4291-A094-4E689FEC4C3B}" type="slidenum">
               <a:rPr lang="en-US"/>
-              <a:pPr>
-                <a:defRPr/>
-              </a:pPr>
-              <a:t>‹#›</a:t>
             </a:fld>
             <a:endParaRPr lang="en-US" dirty="0"/>
           </a:p>
         </p:txBody>
       </p:sp>
     </p:spTree>
-    <p:extLst>
-      <p:ext uri="{BB962C8B-B14F-4D97-AF65-F5344CB8AC3E}">
-        <p14:creationId xmlns:p14="http://schemas.microsoft.com/office/powerpoint/2010/main" val="3239291525"/>
-      </p:ext>
-    </p:extLst>
   </p:cSld>
   <p:clrMap bg1="lt1" tx1="dk1" bg2="lt2" tx2="dk2" accent1="accent1" accent2="accent2" accent3="accent3" accent4="accent4" accent5="accent5" accent6="accent6" hlink="hlink" folHlink="folHlink"/>
   <p:hf hdr="0" ftr="0" dt="0"/>
@@ -433,8 +381,6 @@
               <a:srgbClr val="000000"/>
             </a:solidFill>
             <a:miter lim="800000"/>
-            <a:headEnd/>
-            <a:tailEnd/>
           </a:ln>
         </p:spPr>
       </p:sp>
@@ -460,21 +406,15 @@
           <a:ln w="9525">
             <a:noFill/>
             <a:miter lim="800000"/>
-            <a:headEnd/>
-            <a:tailEnd/>
           </a:ln>
           <a:effectLst/>
         </p:spPr>
         <p:txBody>
-          <a:bodyPr vert="horz" wrap="square" lIns="0" tIns="0" rIns="0" bIns="0" numCol="1" anchor="b" anchorCtr="1" compatLnSpc="1">
-            <a:prstTxWarp prst="textNoShape">
-              <a:avLst/>
-            </a:prstTxWarp>
-          </a:bodyPr>
+          <a:bodyPr vert="horz" wrap="square" lIns="0" tIns="0" rIns="0" bIns="0" numCol="1" anchor="b" anchorCtr="1" compatLnSpc="1"/>
           <a:lstStyle>
             <a:lvl1pPr algn="ctr" defTabSz="965200" eaLnBrk="0" hangingPunct="0">
               <a:defRPr sz="900">
-                <a:latin typeface="Arial" charset="0"/>
+                <a:latin typeface="Arial" panose="020B0604020202020204" pitchFamily="34" charset="0"/>
               </a:defRPr>
             </a:lvl1pPr>
           </a:lstStyle>
@@ -486,6 +426,7 @@
               <a:rPr lang="en-US" dirty="0"/>
               <a:t>Copyright © 2017 Elephant Scale. All rights reserved.</a:t>
             </a:r>
+            <a:endParaRPr lang="en-US" dirty="0"/>
           </a:p>
         </p:txBody>
       </p:sp>
@@ -511,21 +452,15 @@
           <a:ln w="9525">
             <a:noFill/>
             <a:miter lim="800000"/>
-            <a:headEnd/>
-            <a:tailEnd/>
           </a:ln>
           <a:effectLst/>
         </p:spPr>
         <p:txBody>
-          <a:bodyPr vert="horz" wrap="square" lIns="0" tIns="0" rIns="0" bIns="0" numCol="1" anchor="b" anchorCtr="0" compatLnSpc="1">
-            <a:prstTxWarp prst="textNoShape">
-              <a:avLst/>
-            </a:prstTxWarp>
-          </a:bodyPr>
+          <a:bodyPr vert="horz" wrap="square" lIns="0" tIns="0" rIns="0" bIns="0" numCol="1" anchor="b" anchorCtr="0" compatLnSpc="1"/>
           <a:lstStyle>
             <a:lvl1pPr algn="r" defTabSz="965200" eaLnBrk="0" hangingPunct="0">
               <a:defRPr b="1">
-                <a:latin typeface="Arial" charset="0"/>
+                <a:latin typeface="Arial" panose="020B0604020202020204" pitchFamily="34" charset="0"/>
               </a:defRPr>
             </a:lvl1pPr>
           </a:lstStyle>
@@ -535,10 +470,6 @@
             </a:pPr>
             <a:fld id="{EFAADD5D-AF76-45EE-AA5F-6DAC73BF167A}" type="slidenum">
               <a:rPr lang="en-US"/>
-              <a:pPr>
-                <a:defRPr/>
-              </a:pPr>
-              <a:t>‹#›</a:t>
             </a:fld>
             <a:endParaRPr lang="en-US" dirty="0"/>
           </a:p>
@@ -564,24 +495,26 @@
           <a:ln w="9525">
             <a:noFill/>
             <a:miter lim="800000"/>
-            <a:headEnd/>
-            <a:tailEnd/>
           </a:ln>
         </p:spPr>
         <p:txBody>
           <a:bodyPr wrap="none" lIns="96386" tIns="48194" rIns="96386" bIns="48194"/>
           <a:lstStyle/>
           <a:p>
-            <a:pPr defTabSz="960438">
+            <a:pPr defTabSz="960755">
               <a:defRPr/>
             </a:pPr>
             <a:r>
               <a:rPr lang="en-US" sz="1200" b="1" u="sng" dirty="0">
-                <a:latin typeface="Times New Roman" pitchFamily="18" charset="0"/>
-                <a:cs typeface="Times New Roman" pitchFamily="18" charset="0"/>
+                <a:latin typeface="Times New Roman" panose="02020603050405020304" pitchFamily="-110" charset="0"/>
+                <a:cs typeface="Times New Roman" panose="02020603050405020304" pitchFamily="-110" charset="0"/>
               </a:rPr>
               <a:t>Notes:</a:t>
             </a:r>
+            <a:endParaRPr lang="en-US" sz="1200" b="1" u="sng" dirty="0">
+              <a:latin typeface="Times New Roman" panose="02020603050405020304" pitchFamily="-110" charset="0"/>
+              <a:cs typeface="Times New Roman" panose="02020603050405020304" pitchFamily="-110" charset="0"/>
+            </a:endParaRPr>
           </a:p>
         </p:txBody>
       </p:sp>
@@ -607,16 +540,10 @@
           <a:ln w="9525">
             <a:noFill/>
             <a:miter lim="800000"/>
-            <a:headEnd/>
-            <a:tailEnd/>
           </a:ln>
         </p:spPr>
         <p:txBody>
-          <a:bodyPr vert="horz" wrap="square" lIns="91537" tIns="45768" rIns="91537" bIns="45768" numCol="1" anchor="t" anchorCtr="0" compatLnSpc="1">
-            <a:prstTxWarp prst="textNoShape">
-              <a:avLst/>
-            </a:prstTxWarp>
-          </a:bodyPr>
+          <a:bodyPr vert="horz" wrap="square" lIns="91537" tIns="45768" rIns="91537" bIns="45768" numCol="1" anchor="t" anchorCtr="0" compatLnSpc="1"/>
           <a:lstStyle/>
           <a:p>
             <a:pPr lvl="0"/>
@@ -646,8 +573,6 @@
               <a:srgbClr val="000000"/>
             </a:solidFill>
             <a:round/>
-            <a:headEnd/>
-            <a:tailEnd/>
           </a:ln>
           <a:effectLst/>
         </p:spPr>
@@ -662,7 +587,7 @@
               <a:defRPr/>
             </a:pPr>
             <a:endParaRPr lang="en-US" dirty="0">
-              <a:latin typeface="Garamond" pitchFamily="-110" charset="0"/>
+              <a:latin typeface="Garamond" pitchFamily="18" charset="0"/>
               <a:ea typeface="+mn-ea"/>
               <a:cs typeface="+mn-cs"/>
             </a:endParaRPr>
@@ -670,11 +595,6 @@
         </p:txBody>
       </p:sp>
     </p:spTree>
-    <p:extLst>
-      <p:ext uri="{BB962C8B-B14F-4D97-AF65-F5344CB8AC3E}">
-        <p14:creationId xmlns:p14="http://schemas.microsoft.com/office/powerpoint/2010/main" val="953744030"/>
-      </p:ext>
-    </p:extLst>
   </p:cSld>
   <p:clrMap bg1="lt1" tx1="dk1" bg2="lt2" tx2="dk2" accent1="accent1" accent2="accent2" accent3="accent3" accent4="accent4" accent5="accent5" accent6="accent6" hlink="hlink" folHlink="folHlink"/>
   <p:hf dt="0"/>
@@ -687,15 +607,15 @@
         <a:spcPct val="0"/>
       </a:spcAft>
       <a:buSzPct val="65000"/>
-      <a:buFont typeface="Wingdings" pitchFamily="2" charset="2"/>
+      <a:buFont typeface="Wingdings" panose="05000000000000000000" pitchFamily="2" charset="2"/>
       <a:buNone/>
       <a:defRPr sz="1200" kern="1200">
         <a:solidFill>
           <a:schemeClr val="tx1"/>
         </a:solidFill>
-        <a:latin typeface="Times New Roman" pitchFamily="-110" charset="0"/>
-        <a:ea typeface="ＭＳ Ｐゴシック" pitchFamily="-110" charset="-128"/>
-        <a:cs typeface="ＭＳ Ｐゴシック" pitchFamily="-110" charset="-128"/>
+        <a:latin typeface="Times New Roman" panose="02020603050405020304" pitchFamily="-110" charset="0"/>
+        <a:ea typeface="MS PGothic" pitchFamily="-110" charset="-128"/>
+        <a:cs typeface="MS PGothic" pitchFamily="-110" charset="-128"/>
       </a:defRPr>
     </a:lvl1pPr>
     <a:lvl2pPr marL="282575" indent="0" algn="l" rtl="0" eaLnBrk="0" fontAlgn="base" hangingPunct="0">
@@ -710,12 +630,12 @@
         <a:solidFill>
           <a:schemeClr val="tx1"/>
         </a:solidFill>
-        <a:latin typeface="Times New Roman" pitchFamily="-110" charset="0"/>
-        <a:ea typeface="ＭＳ Ｐゴシック" pitchFamily="-110" charset="-128"/>
-        <a:cs typeface="ＭＳ Ｐゴシック"/>
+        <a:latin typeface="Times New Roman" panose="02020603050405020304" pitchFamily="-110" charset="0"/>
+        <a:ea typeface="MS PGothic" pitchFamily="-110" charset="-128"/>
+        <a:cs typeface="MS PGothic"/>
       </a:defRPr>
     </a:lvl2pPr>
-    <a:lvl3pPr marL="744538" indent="-173038" algn="l" rtl="0" eaLnBrk="0" fontAlgn="base" hangingPunct="0">
+    <a:lvl3pPr marL="744855" indent="-173355" algn="l" rtl="0" eaLnBrk="0" fontAlgn="base" hangingPunct="0">
       <a:spcBef>
         <a:spcPct val="30000"/>
       </a:spcBef>
@@ -727,9 +647,9 @@
         <a:solidFill>
           <a:schemeClr val="tx1"/>
         </a:solidFill>
-        <a:latin typeface="Times New Roman" pitchFamily="-110" charset="0"/>
-        <a:ea typeface="ＭＳ Ｐゴシック" pitchFamily="-110" charset="-128"/>
-        <a:cs typeface="ＭＳ Ｐゴシック"/>
+        <a:latin typeface="Times New Roman" panose="02020603050405020304" pitchFamily="-110" charset="0"/>
+        <a:ea typeface="MS PGothic" pitchFamily="-110" charset="-128"/>
+        <a:cs typeface="MS PGothic"/>
       </a:defRPr>
     </a:lvl3pPr>
     <a:lvl4pPr marL="1600200" indent="-228600" algn="l" rtl="0" eaLnBrk="0" fontAlgn="base" hangingPunct="0">
@@ -743,9 +663,9 @@
         <a:solidFill>
           <a:schemeClr val="tx1"/>
         </a:solidFill>
-        <a:latin typeface="Times New Roman" pitchFamily="-110" charset="0"/>
-        <a:ea typeface="ＭＳ Ｐゴシック" pitchFamily="-110" charset="-128"/>
-        <a:cs typeface="ＭＳ Ｐゴシック"/>
+        <a:latin typeface="Times New Roman" panose="02020603050405020304" pitchFamily="-110" charset="0"/>
+        <a:ea typeface="MS PGothic" pitchFamily="-110" charset="-128"/>
+        <a:cs typeface="MS PGothic"/>
       </a:defRPr>
     </a:lvl4pPr>
     <a:lvl5pPr marL="2057400" indent="-228600" algn="l" rtl="0" eaLnBrk="0" fontAlgn="base" hangingPunct="0">
@@ -759,9 +679,9 @@
         <a:solidFill>
           <a:schemeClr val="tx1"/>
         </a:solidFill>
-        <a:latin typeface="Times New Roman" pitchFamily="-110" charset="0"/>
-        <a:ea typeface="ＭＳ Ｐゴシック" pitchFamily="-110" charset="-128"/>
-        <a:cs typeface="ＭＳ Ｐゴシック"/>
+        <a:latin typeface="Times New Roman" panose="02020603050405020304" pitchFamily="-110" charset="0"/>
+        <a:ea typeface="MS PGothic" pitchFamily="-110" charset="-128"/>
+        <a:cs typeface="MS PGothic"/>
       </a:defRPr>
     </a:lvl5pPr>
     <a:lvl6pPr marL="2286000" algn="l" defTabSz="457200" rtl="0" eaLnBrk="1" latinLnBrk="0" hangingPunct="1">
@@ -809,7 +729,7 @@
 </file>
 
 <file path=ppt/slideLayouts/slideLayout1.xml><?xml version="1.0" encoding="utf-8"?>
-<p:sldLayout xmlns:a="http://schemas.openxmlformats.org/drawingml/2006/main" xmlns:r="http://schemas.openxmlformats.org/officeDocument/2006/relationships" xmlns:p="http://schemas.openxmlformats.org/presentationml/2006/main" showMasterSp="0" type="title" preserve="1">
+<p:sldLayout xmlns:a="http://schemas.openxmlformats.org/drawingml/2006/main" xmlns:r="http://schemas.openxmlformats.org/officeDocument/2006/relationships" xmlns:p="http://schemas.openxmlformats.org/presentationml/2006/main" type="title" preserve="1" showMasterSp="0">
   <p:cSld name="Title Slide">
     <p:bg>
       <p:bgPr>
@@ -844,7 +764,9 @@
         <p:blipFill rotWithShape="1">
           <a:blip r:embed="rId2"/>
           <a:srcRect t="19473"/>
-          <a:stretch/>
+          <a:stretch>
+            <a:fillRect/>
+          </a:stretch>
         </p:blipFill>
         <p:spPr bwMode="auto">
           <a:xfrm>
@@ -895,6 +817,7 @@
               <a:rPr lang="en-US"/>
               <a:t>Click to edit Master subtitle style</a:t>
             </a:r>
+            <a:endParaRPr lang="en-US"/>
           </a:p>
         </p:txBody>
       </p:sp>
@@ -926,6 +849,7 @@
               <a:rPr lang="en-US"/>
               <a:t>Click to edit Master title style</a:t>
             </a:r>
+            <a:endParaRPr lang="en-US"/>
           </a:p>
         </p:txBody>
       </p:sp>
@@ -975,6 +899,7 @@
               <a:rPr lang="en-US" dirty="0"/>
               <a:t>Click to edit Master title style</a:t>
             </a:r>
+            <a:endParaRPr lang="en-US" dirty="0"/>
           </a:p>
         </p:txBody>
       </p:sp>
@@ -998,6 +923,7 @@
               <a:rPr lang="en-US" dirty="0"/>
               <a:t>Click to edit Master text styles</a:t>
             </a:r>
+            <a:endParaRPr lang="en-US" dirty="0"/>
           </a:p>
           <a:p>
             <a:pPr lvl="1"/>
@@ -1005,6 +931,7 @@
               <a:rPr lang="en-US" dirty="0"/>
               <a:t>Second level</a:t>
             </a:r>
+            <a:endParaRPr lang="en-US" dirty="0"/>
           </a:p>
           <a:p>
             <a:pPr lvl="2"/>
@@ -1012,6 +939,7 @@
               <a:rPr lang="en-US" dirty="0"/>
               <a:t>Third level</a:t>
             </a:r>
+            <a:endParaRPr lang="en-US" dirty="0"/>
           </a:p>
           <a:p>
             <a:pPr lvl="3"/>
@@ -1019,6 +947,7 @@
               <a:rPr lang="en-US" dirty="0"/>
               <a:t>Fourth level</a:t>
             </a:r>
+            <a:endParaRPr lang="en-US" dirty="0"/>
           </a:p>
           <a:p>
             <a:pPr lvl="4"/>
@@ -1026,6 +955,7 @@
               <a:rPr lang="en-US" dirty="0"/>
               <a:t>Fifth level</a:t>
             </a:r>
+            <a:endParaRPr lang="en-US" dirty="0"/>
           </a:p>
         </p:txBody>
       </p:sp>
@@ -1051,6 +981,7 @@
               <a:rPr lang="en-US" dirty="0"/>
               <a:t>Copyright © 2017 Elephant Scale. All rights reserved.</a:t>
             </a:r>
+            <a:endParaRPr lang="en-US" dirty="0"/>
           </a:p>
         </p:txBody>
       </p:sp>
@@ -1074,10 +1005,6 @@
             </a:pPr>
             <a:fld id="{77EF9825-4C23-4085-A4E3-B5565466BD91}" type="slidenum">
               <a:rPr lang="en-US" smtClean="0"/>
-              <a:pPr>
-                <a:defRPr/>
-              </a:pPr>
-              <a:t>‹#›</a:t>
             </a:fld>
             <a:endParaRPr lang="en-US" dirty="0"/>
           </a:p>
@@ -1132,6 +1059,7 @@
               <a:rPr lang="en-US"/>
               <a:t>Click to edit Master title style</a:t>
             </a:r>
+            <a:endParaRPr lang="en-US"/>
           </a:p>
         </p:txBody>
       </p:sp>
@@ -1160,6 +1088,7 @@
               <a:rPr lang="en-US"/>
               <a:t>Click to edit Master text styles</a:t>
             </a:r>
+            <a:endParaRPr lang="en-US"/>
           </a:p>
           <a:p>
             <a:pPr lvl="1"/>
@@ -1167,6 +1096,7 @@
               <a:rPr lang="en-US"/>
               <a:t>Second level</a:t>
             </a:r>
+            <a:endParaRPr lang="en-US"/>
           </a:p>
           <a:p>
             <a:pPr lvl="2"/>
@@ -1174,6 +1104,7 @@
               <a:rPr lang="en-US"/>
               <a:t>Third level</a:t>
             </a:r>
+            <a:endParaRPr lang="en-US"/>
           </a:p>
           <a:p>
             <a:pPr lvl="3"/>
@@ -1181,6 +1112,7 @@
               <a:rPr lang="en-US"/>
               <a:t>Fourth level</a:t>
             </a:r>
+            <a:endParaRPr lang="en-US"/>
           </a:p>
           <a:p>
             <a:pPr lvl="4"/>
@@ -1188,6 +1120,7 @@
               <a:rPr lang="en-US"/>
               <a:t>Fifth level</a:t>
             </a:r>
+            <a:endParaRPr lang="en-US"/>
           </a:p>
         </p:txBody>
       </p:sp>
@@ -1216,6 +1149,7 @@
               <a:rPr lang="en-US"/>
               <a:t>Click to edit Master text styles</a:t>
             </a:r>
+            <a:endParaRPr lang="en-US"/>
           </a:p>
           <a:p>
             <a:pPr lvl="1"/>
@@ -1223,6 +1157,7 @@
               <a:rPr lang="en-US"/>
               <a:t>Second level</a:t>
             </a:r>
+            <a:endParaRPr lang="en-US"/>
           </a:p>
           <a:p>
             <a:pPr lvl="2"/>
@@ -1230,6 +1165,7 @@
               <a:rPr lang="en-US"/>
               <a:t>Third level</a:t>
             </a:r>
+            <a:endParaRPr lang="en-US"/>
           </a:p>
           <a:p>
             <a:pPr lvl="3"/>
@@ -1237,6 +1173,7 @@
               <a:rPr lang="en-US"/>
               <a:t>Fourth level</a:t>
             </a:r>
+            <a:endParaRPr lang="en-US"/>
           </a:p>
           <a:p>
             <a:pPr lvl="4"/>
@@ -1244,6 +1181,7 @@
               <a:rPr lang="en-US"/>
               <a:t>Fifth level</a:t>
             </a:r>
+            <a:endParaRPr lang="en-US"/>
           </a:p>
         </p:txBody>
       </p:sp>
@@ -1272,6 +1210,7 @@
               <a:rPr lang="en-US"/>
               <a:t>Click to edit Master text styles</a:t>
             </a:r>
+            <a:endParaRPr lang="en-US"/>
           </a:p>
           <a:p>
             <a:pPr lvl="1"/>
@@ -1279,6 +1218,7 @@
               <a:rPr lang="en-US"/>
               <a:t>Second level</a:t>
             </a:r>
+            <a:endParaRPr lang="en-US"/>
           </a:p>
           <a:p>
             <a:pPr lvl="2"/>
@@ -1286,6 +1226,7 @@
               <a:rPr lang="en-US"/>
               <a:t>Third level</a:t>
             </a:r>
+            <a:endParaRPr lang="en-US"/>
           </a:p>
           <a:p>
             <a:pPr lvl="3"/>
@@ -1293,6 +1234,7 @@
               <a:rPr lang="en-US"/>
               <a:t>Fourth level</a:t>
             </a:r>
+            <a:endParaRPr lang="en-US"/>
           </a:p>
           <a:p>
             <a:pPr lvl="4"/>
@@ -1300,6 +1242,7 @@
               <a:rPr lang="en-US"/>
               <a:t>Fifth level</a:t>
             </a:r>
+            <a:endParaRPr lang="en-US"/>
           </a:p>
         </p:txBody>
       </p:sp>
@@ -1313,9 +1256,7 @@
             <p:ph type="sldNum" sz="quarter" idx="11"/>
           </p:nvPr>
         </p:nvSpPr>
-        <p:spPr>
-          <a:ln/>
-        </p:spPr>
+        <p:spPr/>
         <p:txBody>
           <a:bodyPr/>
           <a:lstStyle>
@@ -1329,10 +1270,6 @@
             </a:pPr>
             <a:fld id="{040E4B02-67B9-4228-B08B-2561CEE6B946}" type="slidenum">
               <a:rPr lang="en-US"/>
-              <a:pPr>
-                <a:defRPr/>
-              </a:pPr>
-              <a:t>‹#›</a:t>
             </a:fld>
             <a:endParaRPr lang="en-US" dirty="0"/>
           </a:p>
@@ -1348,9 +1285,7 @@
             <p:ph type="ftr" sz="quarter" idx="12"/>
           </p:nvPr>
         </p:nvSpPr>
-        <p:spPr>
-          <a:ln/>
-        </p:spPr>
+        <p:spPr/>
         <p:txBody>
           <a:bodyPr/>
           <a:lstStyle>
@@ -1366,6 +1301,7 @@
               <a:rPr lang="en-US" dirty="0"/>
               <a:t>Copyright © 2017 Elephant Scale. All rights reserved.</a:t>
             </a:r>
+            <a:endParaRPr lang="en-US" dirty="0"/>
           </a:p>
         </p:txBody>
       </p:sp>
@@ -1418,6 +1354,7 @@
               <a:rPr lang="en-US"/>
               <a:t>Click to edit Master title style</a:t>
             </a:r>
+            <a:endParaRPr lang="en-US"/>
           </a:p>
         </p:txBody>
       </p:sp>
@@ -1446,6 +1383,7 @@
               <a:rPr lang="en-US"/>
               <a:t>Click to edit Master text styles</a:t>
             </a:r>
+            <a:endParaRPr lang="en-US"/>
           </a:p>
           <a:p>
             <a:pPr lvl="1"/>
@@ -1453,6 +1391,7 @@
               <a:rPr lang="en-US"/>
               <a:t>Second level</a:t>
             </a:r>
+            <a:endParaRPr lang="en-US"/>
           </a:p>
           <a:p>
             <a:pPr lvl="2"/>
@@ -1460,6 +1399,7 @@
               <a:rPr lang="en-US"/>
               <a:t>Third level</a:t>
             </a:r>
+            <a:endParaRPr lang="en-US"/>
           </a:p>
           <a:p>
             <a:pPr lvl="3"/>
@@ -1467,6 +1407,7 @@
               <a:rPr lang="en-US"/>
               <a:t>Fourth level</a:t>
             </a:r>
+            <a:endParaRPr lang="en-US"/>
           </a:p>
           <a:p>
             <a:pPr lvl="4"/>
@@ -1474,6 +1415,7 @@
               <a:rPr lang="en-US"/>
               <a:t>Fifth level</a:t>
             </a:r>
+            <a:endParaRPr lang="en-US"/>
           </a:p>
         </p:txBody>
       </p:sp>
@@ -1502,6 +1444,7 @@
               <a:rPr lang="en-US"/>
               <a:t>Click to edit Master text styles</a:t>
             </a:r>
+            <a:endParaRPr lang="en-US"/>
           </a:p>
           <a:p>
             <a:pPr lvl="1"/>
@@ -1509,6 +1452,7 @@
               <a:rPr lang="en-US"/>
               <a:t>Second level</a:t>
             </a:r>
+            <a:endParaRPr lang="en-US"/>
           </a:p>
           <a:p>
             <a:pPr lvl="2"/>
@@ -1516,6 +1460,7 @@
               <a:rPr lang="en-US"/>
               <a:t>Third level</a:t>
             </a:r>
+            <a:endParaRPr lang="en-US"/>
           </a:p>
           <a:p>
             <a:pPr lvl="3"/>
@@ -1523,6 +1468,7 @@
               <a:rPr lang="en-US"/>
               <a:t>Fourth level</a:t>
             </a:r>
+            <a:endParaRPr lang="en-US"/>
           </a:p>
           <a:p>
             <a:pPr lvl="4"/>
@@ -1530,6 +1476,7 @@
               <a:rPr lang="en-US"/>
               <a:t>Fifth level</a:t>
             </a:r>
+            <a:endParaRPr lang="en-US"/>
           </a:p>
         </p:txBody>
       </p:sp>
@@ -1543,9 +1490,7 @@
             <p:ph type="sldNum" sz="quarter" idx="11"/>
           </p:nvPr>
         </p:nvSpPr>
-        <p:spPr>
-          <a:ln/>
-        </p:spPr>
+        <p:spPr/>
         <p:txBody>
           <a:bodyPr/>
           <a:lstStyle>
@@ -1559,10 +1504,6 @@
             </a:pPr>
             <a:fld id="{A86CC632-9864-46F1-8EAB-FCD3BB9CEC9A}" type="slidenum">
               <a:rPr lang="en-US"/>
-              <a:pPr>
-                <a:defRPr/>
-              </a:pPr>
-              <a:t>‹#›</a:t>
             </a:fld>
             <a:endParaRPr lang="en-US" dirty="0"/>
           </a:p>
@@ -1578,9 +1519,7 @@
             <p:ph type="ftr" sz="quarter" idx="12"/>
           </p:nvPr>
         </p:nvSpPr>
-        <p:spPr>
-          <a:ln/>
-        </p:spPr>
+        <p:spPr/>
         <p:txBody>
           <a:bodyPr/>
           <a:lstStyle>
@@ -1596,6 +1535,7 @@
               <a:rPr lang="en-US" dirty="0"/>
               <a:t>Copyright © 2017 Elephant Scale. All rights reserved.</a:t>
             </a:r>
+            <a:endParaRPr lang="en-US" dirty="0"/>
           </a:p>
         </p:txBody>
       </p:sp>
@@ -1654,15 +1594,10 @@
           <a:ln w="9525">
             <a:noFill/>
             <a:miter lim="800000"/>
-            <a:headEnd/>
-            <a:tailEnd/>
           </a:ln>
         </p:spPr>
         <p:txBody>
           <a:bodyPr vert="horz" wrap="square" lIns="92007" tIns="46005" rIns="92007" bIns="46005" numCol="1" anchor="t" anchorCtr="0" compatLnSpc="1">
-            <a:prstTxWarp prst="textNoShape">
-              <a:avLst/>
-            </a:prstTxWarp>
             <a:normAutofit/>
           </a:bodyPr>
           <a:lstStyle/>
@@ -1672,6 +1607,7 @@
               <a:rPr lang="en-US" dirty="0"/>
               <a:t>Click to edit Master text styles</a:t>
             </a:r>
+            <a:endParaRPr lang="en-US" dirty="0"/>
           </a:p>
           <a:p>
             <a:pPr lvl="1"/>
@@ -1679,6 +1615,7 @@
               <a:rPr lang="en-US" dirty="0"/>
               <a:t>Second level</a:t>
             </a:r>
+            <a:endParaRPr lang="en-US" dirty="0"/>
           </a:p>
           <a:p>
             <a:pPr lvl="2"/>
@@ -1686,6 +1623,7 @@
               <a:rPr lang="en-US" dirty="0"/>
               <a:t>Third level</a:t>
             </a:r>
+            <a:endParaRPr lang="en-US" dirty="0"/>
           </a:p>
           <a:p>
             <a:pPr lvl="3"/>
@@ -1693,6 +1631,7 @@
               <a:rPr lang="en-US" dirty="0"/>
               <a:t>Fourth level</a:t>
             </a:r>
+            <a:endParaRPr lang="en-US" dirty="0"/>
           </a:p>
           <a:p>
             <a:pPr lvl="4"/>
@@ -1700,6 +1639,7 @@
               <a:rPr lang="en-US" dirty="0"/>
               <a:t>Fifth level</a:t>
             </a:r>
+            <a:endParaRPr lang="en-US" dirty="0"/>
           </a:p>
         </p:txBody>
       </p:sp>
@@ -1725,26 +1665,20 @@
           <a:ln w="9525">
             <a:noFill/>
             <a:miter lim="800000"/>
-            <a:headEnd/>
-            <a:tailEnd/>
           </a:ln>
           <a:effectLst/>
         </p:spPr>
         <p:txBody>
-          <a:bodyPr vert="horz" wrap="square" lIns="0" tIns="0" rIns="0" bIns="0" numCol="1" anchor="b" anchorCtr="0" compatLnSpc="1">
-            <a:prstTxWarp prst="textNoShape">
-              <a:avLst/>
-            </a:prstTxWarp>
-          </a:bodyPr>
+          <a:bodyPr vert="horz" wrap="square" lIns="0" tIns="0" rIns="0" bIns="0" numCol="1" anchor="b" anchorCtr="0" compatLnSpc="1"/>
           <a:lstStyle>
             <a:lvl1pPr algn="r" eaLnBrk="0" hangingPunct="0">
               <a:defRPr b="1">
                 <a:solidFill>
                   <a:srgbClr val="000000"/>
                 </a:solidFill>
-                <a:latin typeface="Arial" charset="0"/>
-                <a:ea typeface="ＭＳ Ｐゴシック" charset="0"/>
-                <a:cs typeface="ＭＳ Ｐゴシック" charset="0"/>
+                <a:latin typeface="Arial" panose="020B0604020202020204" pitchFamily="34" charset="0"/>
+                <a:ea typeface="MS PGothic" charset="0"/>
+                <a:cs typeface="MS PGothic" charset="0"/>
               </a:defRPr>
             </a:lvl1pPr>
           </a:lstStyle>
@@ -1754,10 +1688,6 @@
             </a:pPr>
             <a:fld id="{77EF9825-4C23-4085-A4E3-B5565466BD91}" type="slidenum">
               <a:rPr lang="en-US"/>
-              <a:pPr>
-                <a:defRPr/>
-              </a:pPr>
-              <a:t>‹#›</a:t>
             </a:fld>
             <a:endParaRPr lang="en-US" dirty="0"/>
           </a:p>
@@ -1785,16 +1715,11 @@
           <a:ln w="9525">
             <a:noFill/>
             <a:miter lim="800000"/>
-            <a:headEnd/>
-            <a:tailEnd/>
           </a:ln>
           <a:effectLst/>
         </p:spPr>
         <p:txBody>
           <a:bodyPr vert="horz" wrap="square" lIns="0" tIns="0" rIns="0" bIns="0" numCol="1" anchor="t" anchorCtr="0" compatLnSpc="1">
-            <a:prstTxWarp prst="textNoShape">
-              <a:avLst/>
-            </a:prstTxWarp>
             <a:spAutoFit/>
           </a:bodyPr>
           <a:lstStyle>
@@ -1820,6 +1745,7 @@
               <a:rPr lang="en-US" dirty="0"/>
               <a:t>Copyright © 2017 Elephant Scale. All rights reserved.</a:t>
             </a:r>
+            <a:endParaRPr lang="en-US" dirty="0"/>
           </a:p>
         </p:txBody>
       </p:sp>
@@ -1832,7 +1758,7 @@
           <p:nvPr/>
         </p:nvPicPr>
         <p:blipFill>
-          <a:blip r:embed="rId6"/>
+          <a:blip r:embed="rId5"/>
           <a:srcRect/>
           <a:stretch>
             <a:fillRect/>
@@ -1879,16 +1805,10 @@
           <a:ln w="9525">
             <a:noFill/>
             <a:miter lim="800000"/>
-            <a:headEnd/>
-            <a:tailEnd/>
           </a:ln>
         </p:spPr>
         <p:txBody>
-          <a:bodyPr vert="horz" wrap="square" lIns="92007" tIns="46005" rIns="92007" bIns="46005" numCol="1" anchor="b" anchorCtr="0" compatLnSpc="1">
-            <a:prstTxWarp prst="textNoShape">
-              <a:avLst/>
-            </a:prstTxWarp>
-          </a:bodyPr>
+          <a:bodyPr vert="horz" wrap="square" lIns="92007" tIns="46005" rIns="92007" bIns="46005" numCol="1" anchor="b" anchorCtr="0" compatLnSpc="1"/>
           <a:lstStyle/>
           <a:p>
             <a:pPr lvl="0"/>
@@ -1896,6 +1816,7 @@
               <a:rPr lang="en-US" dirty="0"/>
               <a:t>Click to edit Master title style</a:t>
             </a:r>
+            <a:endParaRPr lang="en-US" dirty="0"/>
           </a:p>
         </p:txBody>
       </p:sp>
@@ -1903,10 +1824,10 @@
   </p:cSld>
   <p:clrMap bg1="dk2" tx1="lt1" bg2="dk1" tx2="lt2" accent1="accent1" accent2="accent2" accent3="accent3" accent4="accent4" accent5="accent5" accent6="accent6" hlink="hlink" folHlink="folHlink"/>
   <p:sldLayoutIdLst>
-    <p:sldLayoutId id="2147483656" r:id="rId1"/>
-    <p:sldLayoutId id="2147483655" r:id="rId2"/>
-    <p:sldLayoutId id="2147483654" r:id="rId3"/>
-    <p:sldLayoutId id="2147483653" r:id="rId4"/>
+    <p:sldLayoutId id="2147483649" r:id="rId1"/>
+    <p:sldLayoutId id="2147483650" r:id="rId2"/>
+    <p:sldLayoutId id="2147483651" r:id="rId3"/>
+    <p:sldLayoutId id="2147483652" r:id="rId4"/>
   </p:sldLayoutIdLst>
   <p:hf hdr="0" dt="0"/>
   <p:txStyles>
@@ -1923,8 +1844,8 @@
             <a:schemeClr val="tx1"/>
           </a:solidFill>
           <a:latin typeface="+mj-lt"/>
-          <a:ea typeface="ＭＳ Ｐゴシック" pitchFamily="-110" charset="-128"/>
-          <a:cs typeface="ＭＳ Ｐゴシック" pitchFamily="-110" charset="-128"/>
+          <a:ea typeface="MS PGothic" pitchFamily="-110" charset="-128"/>
+          <a:cs typeface="MS PGothic" pitchFamily="-110" charset="-128"/>
         </a:defRPr>
       </a:lvl1pPr>
       <a:lvl2pPr algn="l" rtl="0" eaLnBrk="0" fontAlgn="base" hangingPunct="0">
@@ -1938,9 +1859,9 @@
           <a:solidFill>
             <a:schemeClr val="tx1"/>
           </a:solidFill>
-          <a:latin typeface="Verdana" pitchFamily="-110" charset="0"/>
-          <a:ea typeface="ＭＳ Ｐゴシック" pitchFamily="-110" charset="-128"/>
-          <a:cs typeface="ＭＳ Ｐゴシック" pitchFamily="-110" charset="-128"/>
+          <a:latin typeface="Verdana" panose="020B0604030504040204" pitchFamily="-110" charset="0"/>
+          <a:ea typeface="MS PGothic" pitchFamily="-110" charset="-128"/>
+          <a:cs typeface="MS PGothic" pitchFamily="-110" charset="-128"/>
         </a:defRPr>
       </a:lvl2pPr>
       <a:lvl3pPr algn="l" rtl="0" eaLnBrk="0" fontAlgn="base" hangingPunct="0">
@@ -1954,9 +1875,9 @@
           <a:solidFill>
             <a:schemeClr val="tx1"/>
           </a:solidFill>
-          <a:latin typeface="Verdana" pitchFamily="-110" charset="0"/>
-          <a:ea typeface="ＭＳ Ｐゴシック" pitchFamily="-110" charset="-128"/>
-          <a:cs typeface="ＭＳ Ｐゴシック" pitchFamily="-110" charset="-128"/>
+          <a:latin typeface="Verdana" panose="020B0604030504040204" pitchFamily="-110" charset="0"/>
+          <a:ea typeface="MS PGothic" pitchFamily="-110" charset="-128"/>
+          <a:cs typeface="MS PGothic" pitchFamily="-110" charset="-128"/>
         </a:defRPr>
       </a:lvl3pPr>
       <a:lvl4pPr algn="l" rtl="0" eaLnBrk="0" fontAlgn="base" hangingPunct="0">
@@ -1970,9 +1891,9 @@
           <a:solidFill>
             <a:schemeClr val="tx1"/>
           </a:solidFill>
-          <a:latin typeface="Verdana" pitchFamily="-110" charset="0"/>
-          <a:ea typeface="ＭＳ Ｐゴシック" pitchFamily="-110" charset="-128"/>
-          <a:cs typeface="ＭＳ Ｐゴシック" pitchFamily="-110" charset="-128"/>
+          <a:latin typeface="Verdana" panose="020B0604030504040204" pitchFamily="-110" charset="0"/>
+          <a:ea typeface="MS PGothic" pitchFamily="-110" charset="-128"/>
+          <a:cs typeface="MS PGothic" pitchFamily="-110" charset="-128"/>
         </a:defRPr>
       </a:lvl4pPr>
       <a:lvl5pPr algn="l" rtl="0" eaLnBrk="0" fontAlgn="base" hangingPunct="0">
@@ -1986,9 +1907,9 @@
           <a:solidFill>
             <a:schemeClr val="tx1"/>
           </a:solidFill>
-          <a:latin typeface="Verdana" pitchFamily="-110" charset="0"/>
-          <a:ea typeface="ＭＳ Ｐゴシック" pitchFamily="-110" charset="-128"/>
-          <a:cs typeface="ＭＳ Ｐゴシック" pitchFamily="-110" charset="-128"/>
+          <a:latin typeface="Verdana" panose="020B0604030504040204" pitchFamily="-110" charset="0"/>
+          <a:ea typeface="MS PGothic" pitchFamily="-110" charset="-128"/>
+          <a:cs typeface="MS PGothic" pitchFamily="-110" charset="-128"/>
         </a:defRPr>
       </a:lvl5pPr>
       <a:lvl6pPr marL="457200" algn="l" rtl="0" eaLnBrk="0" fontAlgn="base" hangingPunct="0">
@@ -2002,7 +1923,7 @@
           <a:solidFill>
             <a:schemeClr val="tx1"/>
           </a:solidFill>
-          <a:latin typeface="Verdana" pitchFamily="-110" charset="0"/>
+          <a:latin typeface="Verdana" panose="020B0604030504040204" pitchFamily="-110" charset="0"/>
         </a:defRPr>
       </a:lvl6pPr>
       <a:lvl7pPr marL="914400" algn="l" rtl="0" eaLnBrk="0" fontAlgn="base" hangingPunct="0">
@@ -2016,7 +1937,7 @@
           <a:solidFill>
             <a:schemeClr val="tx1"/>
           </a:solidFill>
-          <a:latin typeface="Verdana" pitchFamily="-110" charset="0"/>
+          <a:latin typeface="Verdana" panose="020B0604030504040204" pitchFamily="-110" charset="0"/>
         </a:defRPr>
       </a:lvl7pPr>
       <a:lvl8pPr marL="1371600" algn="l" rtl="0" eaLnBrk="0" fontAlgn="base" hangingPunct="0">
@@ -2030,7 +1951,7 @@
           <a:solidFill>
             <a:schemeClr val="tx1"/>
           </a:solidFill>
-          <a:latin typeface="Verdana" pitchFamily="-110" charset="0"/>
+          <a:latin typeface="Verdana" panose="020B0604030504040204" pitchFamily="-110" charset="0"/>
         </a:defRPr>
       </a:lvl8pPr>
       <a:lvl9pPr marL="1828800" algn="l" rtl="0" eaLnBrk="0" fontAlgn="base" hangingPunct="0">
@@ -2044,12 +1965,12 @@
           <a:solidFill>
             <a:schemeClr val="tx1"/>
           </a:solidFill>
-          <a:latin typeface="Verdana" pitchFamily="-110" charset="0"/>
+          <a:latin typeface="Verdana" panose="020B0604030504040204" pitchFamily="-110" charset="0"/>
         </a:defRPr>
       </a:lvl9pPr>
     </p:titleStyle>
     <p:bodyStyle>
-      <a:lvl1pPr marL="290513" indent="-290513" algn="l" rtl="0" eaLnBrk="0" fontAlgn="base" hangingPunct="0">
+      <a:lvl1pPr marL="290830" indent="-290830" algn="l" rtl="0" eaLnBrk="0" fontAlgn="base" hangingPunct="0">
         <a:spcBef>
           <a:spcPct val="20000"/>
         </a:spcBef>
@@ -2060,18 +1981,18 @@
           <a:schemeClr val="tx2"/>
         </a:buClr>
         <a:buSzPct val="65000"/>
-        <a:buFont typeface="Wingdings" pitchFamily="2" charset="2"/>
+        <a:buFont typeface="Wingdings" panose="05000000000000000000" pitchFamily="2" charset="2"/>
         <a:buChar char=""/>
         <a:defRPr sz="2400">
           <a:solidFill>
             <a:srgbClr val="000000"/>
           </a:solidFill>
           <a:latin typeface="+mn-lt"/>
-          <a:ea typeface="ＭＳ Ｐゴシック" pitchFamily="-110" charset="-128"/>
-          <a:cs typeface="ＭＳ Ｐゴシック" pitchFamily="-110" charset="-128"/>
+          <a:ea typeface="MS PGothic" pitchFamily="-110" charset="-128"/>
+          <a:cs typeface="MS PGothic" pitchFamily="-110" charset="-128"/>
         </a:defRPr>
       </a:lvl1pPr>
-      <a:lvl2pPr marL="633413" indent="-228600" algn="l" rtl="0" eaLnBrk="0" fontAlgn="base" hangingPunct="0">
+      <a:lvl2pPr marL="633730" indent="-228600" algn="l" rtl="0" eaLnBrk="0" fontAlgn="base" hangingPunct="0">
         <a:spcBef>
           <a:spcPct val="20000"/>
         </a:spcBef>
@@ -2087,11 +2008,11 @@
             <a:srgbClr val="000000"/>
           </a:solidFill>
           <a:latin typeface="+mn-lt"/>
-          <a:ea typeface="ＭＳ Ｐゴシック" pitchFamily="-110" charset="-128"/>
-          <a:cs typeface="ＭＳ Ｐゴシック"/>
+          <a:ea typeface="MS PGothic" pitchFamily="-110" charset="-128"/>
+          <a:cs typeface="MS PGothic"/>
         </a:defRPr>
       </a:lvl2pPr>
-      <a:lvl3pPr marL="969963" indent="-222250" algn="l" rtl="0" eaLnBrk="0" fontAlgn="base" hangingPunct="0">
+      <a:lvl3pPr marL="970280" indent="-222250" algn="l" rtl="0" eaLnBrk="0" fontAlgn="base" hangingPunct="0">
         <a:spcBef>
           <a:spcPct val="20000"/>
         </a:spcBef>
@@ -2104,11 +2025,11 @@
             <a:srgbClr val="000000"/>
           </a:solidFill>
           <a:latin typeface="+mn-lt"/>
-          <a:ea typeface="ＭＳ Ｐゴシック" pitchFamily="-110" charset="-128"/>
-          <a:cs typeface="ＭＳ Ｐゴシック"/>
+          <a:ea typeface="MS PGothic" pitchFamily="-110" charset="-128"/>
+          <a:cs typeface="MS PGothic"/>
         </a:defRPr>
       </a:lvl3pPr>
-      <a:lvl4pPr marL="1258888" indent="-228600" algn="l" rtl="0" eaLnBrk="0" fontAlgn="base" hangingPunct="0">
+      <a:lvl4pPr marL="1259205" indent="-228600" algn="l" rtl="0" eaLnBrk="0" fontAlgn="base" hangingPunct="0">
         <a:spcBef>
           <a:spcPct val="0"/>
         </a:spcBef>
@@ -2126,11 +2047,11 @@
             <a:srgbClr val="000000"/>
           </a:solidFill>
           <a:latin typeface="+mn-lt"/>
-          <a:ea typeface="ＭＳ Ｐゴシック" pitchFamily="-110" charset="-128"/>
-          <a:cs typeface="ＭＳ Ｐゴシック"/>
+          <a:ea typeface="MS PGothic" pitchFamily="-110" charset="-128"/>
+          <a:cs typeface="MS PGothic"/>
         </a:defRPr>
       </a:lvl4pPr>
-      <a:lvl5pPr marL="2055813" indent="-230188" algn="l" rtl="0" eaLnBrk="0" fontAlgn="base" hangingPunct="0">
+      <a:lvl5pPr marL="2056130" indent="-230505" algn="l" rtl="0" eaLnBrk="0" fontAlgn="base" hangingPunct="0">
         <a:spcBef>
           <a:spcPct val="20000"/>
         </a:spcBef>
@@ -2144,12 +2065,12 @@
           <a:solidFill>
             <a:schemeClr val="tx1"/>
           </a:solidFill>
-          <a:latin typeface="Times New Roman" pitchFamily="-110" charset="0"/>
-          <a:ea typeface="ＭＳ Ｐゴシック" pitchFamily="-110" charset="-128"/>
-          <a:cs typeface="ＭＳ Ｐゴシック"/>
+          <a:latin typeface="Times New Roman" panose="02020603050405020304" pitchFamily="-110" charset="0"/>
+          <a:ea typeface="MS PGothic" pitchFamily="-110" charset="-128"/>
+          <a:cs typeface="MS PGothic"/>
         </a:defRPr>
       </a:lvl5pPr>
-      <a:lvl6pPr marL="2513013" indent="-230188" algn="l" rtl="0" eaLnBrk="0" fontAlgn="base" hangingPunct="0">
+      <a:lvl6pPr marL="2513330" indent="-230505" algn="l" rtl="0" eaLnBrk="0" fontAlgn="base" hangingPunct="0">
         <a:spcBef>
           <a:spcPct val="20000"/>
         </a:spcBef>
@@ -2163,11 +2084,11 @@
           <a:solidFill>
             <a:schemeClr val="tx1"/>
           </a:solidFill>
-          <a:latin typeface="Times New Roman" pitchFamily="-110" charset="0"/>
-          <a:ea typeface="ＭＳ Ｐゴシック" pitchFamily="-110" charset="-128"/>
+          <a:latin typeface="Times New Roman" panose="02020603050405020304" pitchFamily="-110" charset="0"/>
+          <a:ea typeface="MS PGothic" pitchFamily="-110" charset="-128"/>
         </a:defRPr>
       </a:lvl6pPr>
-      <a:lvl7pPr marL="2970213" indent="-230188" algn="l" rtl="0" eaLnBrk="0" fontAlgn="base" hangingPunct="0">
+      <a:lvl7pPr marL="2970530" indent="-230505" algn="l" rtl="0" eaLnBrk="0" fontAlgn="base" hangingPunct="0">
         <a:spcBef>
           <a:spcPct val="20000"/>
         </a:spcBef>
@@ -2181,11 +2102,11 @@
           <a:solidFill>
             <a:schemeClr val="tx1"/>
           </a:solidFill>
-          <a:latin typeface="Times New Roman" pitchFamily="-110" charset="0"/>
-          <a:ea typeface="ＭＳ Ｐゴシック" pitchFamily="-110" charset="-128"/>
+          <a:latin typeface="Times New Roman" panose="02020603050405020304" pitchFamily="-110" charset="0"/>
+          <a:ea typeface="MS PGothic" pitchFamily="-110" charset="-128"/>
         </a:defRPr>
       </a:lvl7pPr>
-      <a:lvl8pPr marL="3427413" indent="-230188" algn="l" rtl="0" eaLnBrk="0" fontAlgn="base" hangingPunct="0">
+      <a:lvl8pPr marL="3427730" indent="-230505" algn="l" rtl="0" eaLnBrk="0" fontAlgn="base" hangingPunct="0">
         <a:spcBef>
           <a:spcPct val="20000"/>
         </a:spcBef>
@@ -2199,11 +2120,11 @@
           <a:solidFill>
             <a:schemeClr val="tx1"/>
           </a:solidFill>
-          <a:latin typeface="Times New Roman" pitchFamily="-110" charset="0"/>
-          <a:ea typeface="ＭＳ Ｐゴシック" pitchFamily="-110" charset="-128"/>
+          <a:latin typeface="Times New Roman" panose="02020603050405020304" pitchFamily="-110" charset="0"/>
+          <a:ea typeface="MS PGothic" pitchFamily="-110" charset="-128"/>
         </a:defRPr>
       </a:lvl8pPr>
-      <a:lvl9pPr marL="3884613" indent="-230188" algn="l" rtl="0" eaLnBrk="0" fontAlgn="base" hangingPunct="0">
+      <a:lvl9pPr marL="3884930" indent="-230505" algn="l" rtl="0" eaLnBrk="0" fontAlgn="base" hangingPunct="0">
         <a:spcBef>
           <a:spcPct val="20000"/>
         </a:spcBef>
@@ -2217,8 +2138,8 @@
           <a:solidFill>
             <a:schemeClr val="tx1"/>
           </a:solidFill>
-          <a:latin typeface="Times New Roman" pitchFamily="-110" charset="0"/>
-          <a:ea typeface="ＭＳ Ｐゴシック" pitchFamily="-110" charset="-128"/>
+          <a:latin typeface="Times New Roman" panose="02020603050405020304" pitchFamily="-110" charset="0"/>
+          <a:ea typeface="MS PGothic" pitchFamily="-110" charset="-128"/>
         </a:defRPr>
       </a:lvl9pPr>
     </p:bodyStyle>
@@ -2322,7 +2243,7 @@
 </file>
 
 <file path=ppt/slides/slide1.xml><?xml version="1.0" encoding="utf-8"?>
-<p:sld xmlns:a="http://schemas.openxmlformats.org/drawingml/2006/main" xmlns:p="http://schemas.openxmlformats.org/presentationml/2006/main" xmlns:r="http://schemas.openxmlformats.org/officeDocument/2006/relationships">
+<p:sld xmlns:a="http://schemas.openxmlformats.org/drawingml/2006/main" xmlns:r="http://schemas.openxmlformats.org/officeDocument/2006/relationships" xmlns:p="http://schemas.openxmlformats.org/presentationml/2006/main">
   <p:cSld>
     <p:spTree>
       <p:nvGrpSpPr>
@@ -2338,7 +2259,7 @@
             <a:spLocks noGrp="1"/>
           </p:cNvSpPr>
           <p:nvPr>
-            <p:ph type="subTitle" idx="1" sz="quarter"/>
+            <p:ph type="subTitle" sz="quarter" idx="1"/>
           </p:nvPr>
         </p:nvSpPr>
         <p:spPr/>
@@ -2399,6 +2320,11 @@
               </a:rPr>
               <a:t>Copyright © 2021 by Elephant Scale, All Rights Reserved</a:t>
             </a:r>
+            <a:endParaRPr sz="800">
+              <a:solidFill>
+                <a:srgbClr val="000000"/>
+              </a:solidFill>
+            </a:endParaRPr>
           </a:p>
         </p:txBody>
       </p:sp>
@@ -2411,7 +2337,7 @@
 </file>
 
 <file path=ppt/slides/slide10.xml><?xml version="1.0" encoding="utf-8"?>
-<p:sld xmlns:a="http://schemas.openxmlformats.org/drawingml/2006/main" xmlns:p="http://schemas.openxmlformats.org/presentationml/2006/main" xmlns:r="http://schemas.openxmlformats.org/officeDocument/2006/relationships">
+<p:sld xmlns:a="http://schemas.openxmlformats.org/drawingml/2006/main" xmlns:r="http://schemas.openxmlformats.org/officeDocument/2006/relationships" xmlns:p="http://schemas.openxmlformats.org/presentationml/2006/main">
   <p:cSld>
     <p:spTree>
       <p:nvGrpSpPr>
@@ -2427,7 +2353,7 @@
             <a:spLocks noGrp="1"/>
           </p:cNvSpPr>
           <p:nvPr>
-            <p:ph type="subTitle" idx="1" sz="quarter"/>
+            <p:ph type="subTitle" sz="quarter" idx="1"/>
           </p:nvPr>
         </p:nvSpPr>
         <p:spPr/>
@@ -2533,6 +2459,11 @@
               </a:rPr>
               <a:t>Copyright © 2021 by Elephant Scale, All Rights Reserved</a:t>
             </a:r>
+            <a:endParaRPr sz="800">
+              <a:solidFill>
+                <a:srgbClr val="000000"/>
+              </a:solidFill>
+            </a:endParaRPr>
           </a:p>
         </p:txBody>
       </p:sp>
@@ -2545,7 +2476,7 @@
 </file>
 
 <file path=ppt/slides/slide11.xml><?xml version="1.0" encoding="utf-8"?>
-<p:sld xmlns:a="http://schemas.openxmlformats.org/drawingml/2006/main" xmlns:p="http://schemas.openxmlformats.org/presentationml/2006/main" xmlns:r="http://schemas.openxmlformats.org/officeDocument/2006/relationships">
+<p:sld xmlns:a="http://schemas.openxmlformats.org/drawingml/2006/main" xmlns:r="http://schemas.openxmlformats.org/officeDocument/2006/relationships" xmlns:p="http://schemas.openxmlformats.org/presentationml/2006/main">
   <p:cSld>
     <p:spTree>
       <p:nvGrpSpPr>
@@ -2666,6 +2597,11 @@
               </a:rPr>
               <a:t>Copyright © 2021 by Elephant Scale, All Rights Reserved</a:t>
             </a:r>
+            <a:endParaRPr sz="800">
+              <a:solidFill>
+                <a:srgbClr val="000000"/>
+              </a:solidFill>
+            </a:endParaRPr>
           </a:p>
         </p:txBody>
       </p:sp>
@@ -2678,7 +2614,7 @@
 </file>
 
 <file path=ppt/slides/slide12.xml><?xml version="1.0" encoding="utf-8"?>
-<p:sld xmlns:a="http://schemas.openxmlformats.org/drawingml/2006/main" xmlns:p="http://schemas.openxmlformats.org/presentationml/2006/main" xmlns:r="http://schemas.openxmlformats.org/officeDocument/2006/relationships">
+<p:sld xmlns:a="http://schemas.openxmlformats.org/drawingml/2006/main" xmlns:r="http://schemas.openxmlformats.org/officeDocument/2006/relationships" xmlns:p="http://schemas.openxmlformats.org/presentationml/2006/main">
   <p:cSld>
     <p:spTree>
       <p:nvGrpSpPr>
@@ -2774,6 +2710,11 @@
               </a:rPr>
               <a:t>Copyright © 2021 by Elephant Scale, All Rights Reserved</a:t>
             </a:r>
+            <a:endParaRPr sz="800">
+              <a:solidFill>
+                <a:srgbClr val="000000"/>
+              </a:solidFill>
+            </a:endParaRPr>
           </a:p>
         </p:txBody>
       </p:sp>
@@ -2786,7 +2727,7 @@
 </file>
 
 <file path=ppt/slides/slide13.xml><?xml version="1.0" encoding="utf-8"?>
-<p:sld xmlns:a="http://schemas.openxmlformats.org/drawingml/2006/main" xmlns:p="http://schemas.openxmlformats.org/presentationml/2006/main" xmlns:r="http://schemas.openxmlformats.org/officeDocument/2006/relationships">
+<p:sld xmlns:a="http://schemas.openxmlformats.org/drawingml/2006/main" xmlns:r="http://schemas.openxmlformats.org/officeDocument/2006/relationships" xmlns:p="http://schemas.openxmlformats.org/presentationml/2006/main">
   <p:cSld>
     <p:spTree>
       <p:nvGrpSpPr>
@@ -2851,10 +2792,13 @@
             </a:r>
             <a:r>
               <a:rPr>
-                <a:latin typeface="Courier New"/>
+                <a:latin typeface="Courier New" panose="02070309020205020404"/>
               </a:rPr>
               <a:t> int Fr = (4.3/1.25)*N;</a:t>
             </a:r>
+            <a:endParaRPr>
+              <a:latin typeface="Courier New" panose="02070309020205020404"/>
+            </a:endParaRPr>
           </a:p>
           <a:p>
             <a:r>
@@ -2864,18 +2808,24 @@
           <a:p>
             <a:r>
               <a:rPr>
-                <a:latin typeface="Courier New"/>
+                <a:latin typeface="Courier New" panose="02070309020205020404"/>
               </a:rPr>
               <a:t> cons int PI = 3.1415</a:t>
             </a:r>
+            <a:endParaRPr>
+              <a:latin typeface="Courier New" panose="02070309020205020404"/>
+            </a:endParaRPr>
           </a:p>
           <a:p>
             <a:r>
               <a:rPr>
-                <a:latin typeface="Courier New"/>
+                <a:latin typeface="Courier New" panose="02070309020205020404"/>
               </a:rPr>
               <a:t> int Surface = PI * r * r;</a:t>
             </a:r>
+            <a:endParaRPr>
+              <a:latin typeface="Courier New" panose="02070309020205020404"/>
+            </a:endParaRPr>
           </a:p>
         </p:txBody>
       </p:sp>
@@ -2909,6 +2859,11 @@
               </a:rPr>
               <a:t>Copyright © 2021 by Elephant Scale, All Rights Reserved</a:t>
             </a:r>
+            <a:endParaRPr sz="800">
+              <a:solidFill>
+                <a:srgbClr val="000000"/>
+              </a:solidFill>
+            </a:endParaRPr>
           </a:p>
         </p:txBody>
       </p:sp>
@@ -2921,7 +2876,7 @@
 </file>
 
 <file path=ppt/slides/slide14.xml><?xml version="1.0" encoding="utf-8"?>
-<p:sld xmlns:a="http://schemas.openxmlformats.org/drawingml/2006/main" xmlns:p="http://schemas.openxmlformats.org/presentationml/2006/main" xmlns:r="http://schemas.openxmlformats.org/officeDocument/2006/relationships">
+<p:sld xmlns:a="http://schemas.openxmlformats.org/drawingml/2006/main" xmlns:r="http://schemas.openxmlformats.org/officeDocument/2006/relationships" xmlns:p="http://schemas.openxmlformats.org/presentationml/2006/main">
   <p:cSld>
     <p:spTree>
       <p:nvGrpSpPr>
@@ -2937,7 +2892,7 @@
             <a:spLocks noGrp="1"/>
           </p:cNvSpPr>
           <p:nvPr>
-            <p:ph type="subTitle" idx="1" sz="quarter"/>
+            <p:ph type="subTitle" sz="quarter" idx="1"/>
           </p:nvPr>
         </p:nvSpPr>
         <p:spPr/>
@@ -3043,6 +2998,11 @@
               </a:rPr>
               <a:t>Copyright © 2021 by Elephant Scale, All Rights Reserved</a:t>
             </a:r>
+            <a:endParaRPr sz="800">
+              <a:solidFill>
+                <a:srgbClr val="000000"/>
+              </a:solidFill>
+            </a:endParaRPr>
           </a:p>
         </p:txBody>
       </p:sp>
@@ -3055,7 +3015,7 @@
 </file>
 
 <file path=ppt/slides/slide15.xml><?xml version="1.0" encoding="utf-8"?>
-<p:sld xmlns:a="http://schemas.openxmlformats.org/drawingml/2006/main" xmlns:p="http://schemas.openxmlformats.org/presentationml/2006/main" xmlns:r="http://schemas.openxmlformats.org/officeDocument/2006/relationships">
+<p:sld xmlns:a="http://schemas.openxmlformats.org/drawingml/2006/main" xmlns:r="http://schemas.openxmlformats.org/officeDocument/2006/relationships" xmlns:p="http://schemas.openxmlformats.org/presentationml/2006/main">
   <p:cSld>
     <p:spTree>
       <p:nvGrpSpPr>
@@ -3151,6 +3111,11 @@
               </a:rPr>
               <a:t>Copyright © 2021 by Elephant Scale, All Rights Reserved</a:t>
             </a:r>
+            <a:endParaRPr sz="800">
+              <a:solidFill>
+                <a:srgbClr val="000000"/>
+              </a:solidFill>
+            </a:endParaRPr>
           </a:p>
         </p:txBody>
       </p:sp>
@@ -3163,7 +3128,7 @@
 </file>
 
 <file path=ppt/slides/slide16.xml><?xml version="1.0" encoding="utf-8"?>
-<p:sld xmlns:a="http://schemas.openxmlformats.org/drawingml/2006/main" xmlns:p="http://schemas.openxmlformats.org/presentationml/2006/main" xmlns:r="http://schemas.openxmlformats.org/officeDocument/2006/relationships">
+<p:sld xmlns:a="http://schemas.openxmlformats.org/drawingml/2006/main" xmlns:r="http://schemas.openxmlformats.org/officeDocument/2006/relationships" xmlns:p="http://schemas.openxmlformats.org/presentationml/2006/main">
   <p:cSld>
     <p:spTree>
       <p:nvGrpSpPr>
@@ -3269,6 +3234,11 @@
               </a:rPr>
               <a:t>Copyright © 2021 by Elephant Scale, All Rights Reserved</a:t>
             </a:r>
+            <a:endParaRPr sz="800">
+              <a:solidFill>
+                <a:srgbClr val="000000"/>
+              </a:solidFill>
+            </a:endParaRPr>
           </a:p>
         </p:txBody>
       </p:sp>
@@ -3281,7 +3251,7 @@
 </file>
 
 <file path=ppt/slides/slide17.xml><?xml version="1.0" encoding="utf-8"?>
-<p:sld xmlns:a="http://schemas.openxmlformats.org/drawingml/2006/main" xmlns:p="http://schemas.openxmlformats.org/presentationml/2006/main" xmlns:r="http://schemas.openxmlformats.org/officeDocument/2006/relationships">
+<p:sld xmlns:a="http://schemas.openxmlformats.org/drawingml/2006/main" xmlns:r="http://schemas.openxmlformats.org/officeDocument/2006/relationships" xmlns:p="http://schemas.openxmlformats.org/presentationml/2006/main">
   <p:cSld>
     <p:spTree>
       <p:nvGrpSpPr>
@@ -3367,6 +3337,11 @@
               </a:rPr>
               <a:t>Copyright © 2021 by Elephant Scale, All Rights Reserved</a:t>
             </a:r>
+            <a:endParaRPr sz="800">
+              <a:solidFill>
+                <a:srgbClr val="000000"/>
+              </a:solidFill>
+            </a:endParaRPr>
           </a:p>
         </p:txBody>
       </p:sp>
@@ -3379,7 +3354,7 @@
 </file>
 
 <file path=ppt/slides/slide18.xml><?xml version="1.0" encoding="utf-8"?>
-<p:sld xmlns:a="http://schemas.openxmlformats.org/drawingml/2006/main" xmlns:p="http://schemas.openxmlformats.org/presentationml/2006/main" xmlns:r="http://schemas.openxmlformats.org/officeDocument/2006/relationships">
+<p:sld xmlns:a="http://schemas.openxmlformats.org/drawingml/2006/main" xmlns:r="http://schemas.openxmlformats.org/officeDocument/2006/relationships" xmlns:p="http://schemas.openxmlformats.org/presentationml/2006/main">
   <p:cSld>
     <p:spTree>
       <p:nvGrpSpPr>
@@ -3395,7 +3370,7 @@
             <a:spLocks noGrp="1"/>
           </p:cNvSpPr>
           <p:nvPr>
-            <p:ph type="subTitle" idx="1" sz="quarter"/>
+            <p:ph type="subTitle" sz="quarter" idx="1"/>
           </p:nvPr>
         </p:nvSpPr>
         <p:spPr/>
@@ -3501,6 +3476,11 @@
               </a:rPr>
               <a:t>Copyright © 2021 by Elephant Scale, All Rights Reserved</a:t>
             </a:r>
+            <a:endParaRPr sz="800">
+              <a:solidFill>
+                <a:srgbClr val="000000"/>
+              </a:solidFill>
+            </a:endParaRPr>
           </a:p>
         </p:txBody>
       </p:sp>
@@ -3513,7 +3493,7 @@
 </file>
 
 <file path=ppt/slides/slide19.xml><?xml version="1.0" encoding="utf-8"?>
-<p:sld xmlns:a="http://schemas.openxmlformats.org/drawingml/2006/main" xmlns:p="http://schemas.openxmlformats.org/presentationml/2006/main" xmlns:r="http://schemas.openxmlformats.org/officeDocument/2006/relationships">
+<p:sld xmlns:a="http://schemas.openxmlformats.org/drawingml/2006/main" xmlns:r="http://schemas.openxmlformats.org/officeDocument/2006/relationships" xmlns:p="http://schemas.openxmlformats.org/presentationml/2006/main">
   <p:cSld>
     <p:spTree>
       <p:nvGrpSpPr>
@@ -3593,6 +3573,11 @@
               </a:rPr>
               <a:t>Copyright © 2021 by Elephant Scale, All Rights Reserved</a:t>
             </a:r>
+            <a:endParaRPr sz="800">
+              <a:solidFill>
+                <a:srgbClr val="000000"/>
+              </a:solidFill>
+            </a:endParaRPr>
           </a:p>
         </p:txBody>
       </p:sp>
@@ -3605,15 +3590,15 @@
           <p:nvPr/>
         </p:nvPicPr>
         <p:blipFill>
-          <a:blip r:embed="rId2"/>
+          <a:blip r:embed="rId1"/>
           <a:stretch>
             <a:fillRect/>
           </a:stretch>
         </p:blipFill>
         <p:spPr>
           <a:xfrm>
-            <a:off x="0" y="914400"/>
-            <a:ext cx="9855200" cy="2921000"/>
+            <a:off x="38100" y="948690"/>
+            <a:ext cx="9213850" cy="2731135"/>
           </a:xfrm>
           <a:prstGeom prst="rect">
             <a:avLst/>
@@ -3629,7 +3614,7 @@
 </file>
 
 <file path=ppt/slides/slide2.xml><?xml version="1.0" encoding="utf-8"?>
-<p:sld xmlns:a="http://schemas.openxmlformats.org/drawingml/2006/main" xmlns:p="http://schemas.openxmlformats.org/presentationml/2006/main" xmlns:r="http://schemas.openxmlformats.org/officeDocument/2006/relationships">
+<p:sld xmlns:a="http://schemas.openxmlformats.org/drawingml/2006/main" xmlns:r="http://schemas.openxmlformats.org/officeDocument/2006/relationships" xmlns:p="http://schemas.openxmlformats.org/presentationml/2006/main">
   <p:cSld>
     <p:spTree>
       <p:nvGrpSpPr>
@@ -3728,6 +3713,11 @@
               </a:rPr>
               <a:t>Copyright © 2021 by Elephant Scale, All Rights Reserved</a:t>
             </a:r>
+            <a:endParaRPr sz="800">
+              <a:solidFill>
+                <a:srgbClr val="000000"/>
+              </a:solidFill>
+            </a:endParaRPr>
           </a:p>
         </p:txBody>
       </p:sp>
@@ -3740,7 +3730,7 @@
 </file>
 
 <file path=ppt/slides/slide20.xml><?xml version="1.0" encoding="utf-8"?>
-<p:sld xmlns:a="http://schemas.openxmlformats.org/drawingml/2006/main" xmlns:p="http://schemas.openxmlformats.org/presentationml/2006/main" xmlns:r="http://schemas.openxmlformats.org/officeDocument/2006/relationships">
+<p:sld xmlns:a="http://schemas.openxmlformats.org/drawingml/2006/main" xmlns:r="http://schemas.openxmlformats.org/officeDocument/2006/relationships" xmlns:p="http://schemas.openxmlformats.org/presentationml/2006/main">
   <p:cSld>
     <p:spTree>
       <p:nvGrpSpPr>
@@ -3852,6 +3842,11 @@
               </a:rPr>
               <a:t>Copyright © 2021 by Elephant Scale, All Rights Reserved</a:t>
             </a:r>
+            <a:endParaRPr sz="800">
+              <a:solidFill>
+                <a:srgbClr val="000000"/>
+              </a:solidFill>
+            </a:endParaRPr>
           </a:p>
         </p:txBody>
       </p:sp>
@@ -3864,7 +3859,7 @@
           <p:nvPr/>
         </p:nvPicPr>
         <p:blipFill>
-          <a:blip r:embed="rId2"/>
+          <a:blip r:embed="rId1"/>
           <a:stretch>
             <a:fillRect/>
           </a:stretch>
@@ -3888,7 +3883,7 @@
 </file>
 
 <file path=ppt/slides/slide21.xml><?xml version="1.0" encoding="utf-8"?>
-<p:sld xmlns:a="http://schemas.openxmlformats.org/drawingml/2006/main" xmlns:p="http://schemas.openxmlformats.org/presentationml/2006/main" xmlns:r="http://schemas.openxmlformats.org/officeDocument/2006/relationships">
+<p:sld xmlns:a="http://schemas.openxmlformats.org/drawingml/2006/main" xmlns:r="http://schemas.openxmlformats.org/officeDocument/2006/relationships" xmlns:p="http://schemas.openxmlformats.org/presentationml/2006/main">
   <p:cSld>
     <p:spTree>
       <p:nvGrpSpPr>
@@ -4021,6 +4016,11 @@
               </a:rPr>
               <a:t>Copyright © 2021 by Elephant Scale, All Rights Reserved</a:t>
             </a:r>
+            <a:endParaRPr sz="800">
+              <a:solidFill>
+                <a:srgbClr val="000000"/>
+              </a:solidFill>
+            </a:endParaRPr>
           </a:p>
         </p:txBody>
       </p:sp>
@@ -4033,7 +4033,7 @@
 </file>
 
 <file path=ppt/slides/slide22.xml><?xml version="1.0" encoding="utf-8"?>
-<p:sld xmlns:a="http://schemas.openxmlformats.org/drawingml/2006/main" xmlns:p="http://schemas.openxmlformats.org/presentationml/2006/main" xmlns:r="http://schemas.openxmlformats.org/officeDocument/2006/relationships">
+<p:sld xmlns:a="http://schemas.openxmlformats.org/drawingml/2006/main" xmlns:r="http://schemas.openxmlformats.org/officeDocument/2006/relationships" xmlns:p="http://schemas.openxmlformats.org/presentationml/2006/main">
   <p:cSld>
     <p:spTree>
       <p:nvGrpSpPr>
@@ -4113,6 +4113,11 @@
               </a:rPr>
               <a:t>Copyright © 2021 by Elephant Scale, All Rights Reserved</a:t>
             </a:r>
+            <a:endParaRPr sz="800">
+              <a:solidFill>
+                <a:srgbClr val="000000"/>
+              </a:solidFill>
+            </a:endParaRPr>
           </a:p>
         </p:txBody>
       </p:sp>
@@ -4125,7 +4130,7 @@
           <p:nvPr/>
         </p:nvPicPr>
         <p:blipFill>
-          <a:blip r:embed="rId2"/>
+          <a:blip r:embed="rId1"/>
           <a:stretch>
             <a:fillRect/>
           </a:stretch>
@@ -4149,7 +4154,7 @@
 </file>
 
 <file path=ppt/slides/slide23.xml><?xml version="1.0" encoding="utf-8"?>
-<p:sld xmlns:a="http://schemas.openxmlformats.org/drawingml/2006/main" xmlns:p="http://schemas.openxmlformats.org/presentationml/2006/main" xmlns:r="http://schemas.openxmlformats.org/officeDocument/2006/relationships">
+<p:sld xmlns:a="http://schemas.openxmlformats.org/drawingml/2006/main" xmlns:r="http://schemas.openxmlformats.org/officeDocument/2006/relationships" xmlns:p="http://schemas.openxmlformats.org/presentationml/2006/main">
   <p:cSld>
     <p:spTree>
       <p:nvGrpSpPr>
@@ -4234,6 +4239,11 @@
               </a:rPr>
               <a:t>Copyright © 2021 by Elephant Scale, All Rights Reserved</a:t>
             </a:r>
+            <a:endParaRPr sz="800">
+              <a:solidFill>
+                <a:srgbClr val="000000"/>
+              </a:solidFill>
+            </a:endParaRPr>
           </a:p>
         </p:txBody>
       </p:sp>
@@ -4246,15 +4256,15 @@
           <p:nvPr/>
         </p:nvPicPr>
         <p:blipFill>
-          <a:blip r:embed="rId2"/>
+          <a:blip r:embed="rId1"/>
           <a:stretch>
             <a:fillRect/>
           </a:stretch>
         </p:blipFill>
         <p:spPr>
           <a:xfrm>
-            <a:off x="0" y="1353312"/>
-            <a:ext cx="11226800" cy="2921000"/>
+            <a:off x="0" y="1853565"/>
+            <a:ext cx="9304655" cy="2420620"/>
           </a:xfrm>
           <a:prstGeom prst="rect">
             <a:avLst/>
@@ -4270,7 +4280,7 @@
 </file>
 
 <file path=ppt/slides/slide24.xml><?xml version="1.0" encoding="utf-8"?>
-<p:sld xmlns:a="http://schemas.openxmlformats.org/drawingml/2006/main" xmlns:p="http://schemas.openxmlformats.org/presentationml/2006/main" xmlns:r="http://schemas.openxmlformats.org/officeDocument/2006/relationships">
+<p:sld xmlns:a="http://schemas.openxmlformats.org/drawingml/2006/main" xmlns:r="http://schemas.openxmlformats.org/officeDocument/2006/relationships" xmlns:p="http://schemas.openxmlformats.org/presentationml/2006/main">
   <p:cSld>
     <p:spTree>
       <p:nvGrpSpPr>
@@ -4286,7 +4296,7 @@
             <a:spLocks noGrp="1"/>
           </p:cNvSpPr>
           <p:nvPr>
-            <p:ph type="subTitle" idx="1" sz="quarter"/>
+            <p:ph type="subTitle" sz="quarter" idx="1"/>
           </p:nvPr>
         </p:nvSpPr>
         <p:spPr/>
@@ -4392,6 +4402,11 @@
               </a:rPr>
               <a:t>Copyright © 2021 by Elephant Scale, All Rights Reserved</a:t>
             </a:r>
+            <a:endParaRPr sz="800">
+              <a:solidFill>
+                <a:srgbClr val="000000"/>
+              </a:solidFill>
+            </a:endParaRPr>
           </a:p>
         </p:txBody>
       </p:sp>
@@ -4404,7 +4419,7 @@
 </file>
 
 <file path=ppt/slides/slide25.xml><?xml version="1.0" encoding="utf-8"?>
-<p:sld xmlns:a="http://schemas.openxmlformats.org/drawingml/2006/main" xmlns:p="http://schemas.openxmlformats.org/presentationml/2006/main" xmlns:r="http://schemas.openxmlformats.org/officeDocument/2006/relationships">
+<p:sld xmlns:a="http://schemas.openxmlformats.org/drawingml/2006/main" xmlns:r="http://schemas.openxmlformats.org/officeDocument/2006/relationships" xmlns:p="http://schemas.openxmlformats.org/presentationml/2006/main">
   <p:cSld>
     <p:spTree>
       <p:nvGrpSpPr>
@@ -4526,6 +4541,11 @@
               </a:rPr>
               <a:t>Copyright © 2021 by Elephant Scale, All Rights Reserved</a:t>
             </a:r>
+            <a:endParaRPr sz="800">
+              <a:solidFill>
+                <a:srgbClr val="000000"/>
+              </a:solidFill>
+            </a:endParaRPr>
           </a:p>
         </p:txBody>
       </p:sp>
@@ -4538,7 +4558,7 @@
 </file>
 
 <file path=ppt/slides/slide26.xml><?xml version="1.0" encoding="utf-8"?>
-<p:sld xmlns:a="http://schemas.openxmlformats.org/drawingml/2006/main" xmlns:p="http://schemas.openxmlformats.org/presentationml/2006/main" xmlns:r="http://schemas.openxmlformats.org/officeDocument/2006/relationships">
+<p:sld xmlns:a="http://schemas.openxmlformats.org/drawingml/2006/main" xmlns:r="http://schemas.openxmlformats.org/officeDocument/2006/relationships" xmlns:p="http://schemas.openxmlformats.org/presentationml/2006/main">
   <p:cSld>
     <p:spTree>
       <p:nvGrpSpPr>
@@ -4628,6 +4648,11 @@
               </a:rPr>
               <a:t>Copyright © 2021 by Elephant Scale, All Rights Reserved</a:t>
             </a:r>
+            <a:endParaRPr sz="800">
+              <a:solidFill>
+                <a:srgbClr val="000000"/>
+              </a:solidFill>
+            </a:endParaRPr>
           </a:p>
         </p:txBody>
       </p:sp>
@@ -4640,7 +4665,7 @@
           <p:nvPr/>
         </p:nvPicPr>
         <p:blipFill>
-          <a:blip r:embed="rId2"/>
+          <a:blip r:embed="rId1"/>
           <a:stretch>
             <a:fillRect/>
           </a:stretch>
@@ -4664,7 +4689,7 @@
           <p:nvPr/>
         </p:nvPicPr>
         <p:blipFill>
-          <a:blip r:embed="rId3"/>
+          <a:blip r:embed="rId2"/>
           <a:stretch>
             <a:fillRect/>
           </a:stretch>
@@ -4688,7 +4713,7 @@
           <p:nvPr/>
         </p:nvPicPr>
         <p:blipFill>
-          <a:blip r:embed="rId4"/>
+          <a:blip r:embed="rId3"/>
           <a:stretch>
             <a:fillRect/>
           </a:stretch>
@@ -4712,7 +4737,7 @@
 </file>
 
 <file path=ppt/slides/slide27.xml><?xml version="1.0" encoding="utf-8"?>
-<p:sld xmlns:a="http://schemas.openxmlformats.org/drawingml/2006/main" xmlns:p="http://schemas.openxmlformats.org/presentationml/2006/main" xmlns:r="http://schemas.openxmlformats.org/officeDocument/2006/relationships">
+<p:sld xmlns:a="http://schemas.openxmlformats.org/drawingml/2006/main" xmlns:r="http://schemas.openxmlformats.org/officeDocument/2006/relationships" xmlns:p="http://schemas.openxmlformats.org/presentationml/2006/main">
   <p:cSld>
     <p:spTree>
       <p:nvGrpSpPr>
@@ -4728,7 +4753,7 @@
             <a:spLocks noGrp="1"/>
           </p:cNvSpPr>
           <p:nvPr>
-            <p:ph type="subTitle" idx="1" sz="quarter"/>
+            <p:ph type="subTitle" sz="quarter" idx="1"/>
           </p:nvPr>
         </p:nvSpPr>
         <p:spPr/>
@@ -4834,6 +4859,11 @@
               </a:rPr>
               <a:t>Copyright © 2021 by Elephant Scale, All Rights Reserved</a:t>
             </a:r>
+            <a:endParaRPr sz="800">
+              <a:solidFill>
+                <a:srgbClr val="000000"/>
+              </a:solidFill>
+            </a:endParaRPr>
           </a:p>
         </p:txBody>
       </p:sp>
@@ -4846,7 +4876,7 @@
 </file>
 
 <file path=ppt/slides/slide28.xml><?xml version="1.0" encoding="utf-8"?>
-<p:sld xmlns:a="http://schemas.openxmlformats.org/drawingml/2006/main" xmlns:p="http://schemas.openxmlformats.org/presentationml/2006/main" xmlns:r="http://schemas.openxmlformats.org/officeDocument/2006/relationships">
+<p:sld xmlns:a="http://schemas.openxmlformats.org/drawingml/2006/main" xmlns:r="http://schemas.openxmlformats.org/officeDocument/2006/relationships" xmlns:p="http://schemas.openxmlformats.org/presentationml/2006/main">
   <p:cSld>
     <p:spTree>
       <p:nvGrpSpPr>
@@ -4963,6 +4993,11 @@
               </a:rPr>
               <a:t>Copyright © 2021 by Elephant Scale, All Rights Reserved</a:t>
             </a:r>
+            <a:endParaRPr sz="800">
+              <a:solidFill>
+                <a:srgbClr val="000000"/>
+              </a:solidFill>
+            </a:endParaRPr>
           </a:p>
         </p:txBody>
       </p:sp>
@@ -4975,7 +5010,7 @@
 </file>
 
 <file path=ppt/slides/slide29.xml><?xml version="1.0" encoding="utf-8"?>
-<p:sld xmlns:a="http://schemas.openxmlformats.org/drawingml/2006/main" xmlns:p="http://schemas.openxmlformats.org/presentationml/2006/main" xmlns:r="http://schemas.openxmlformats.org/officeDocument/2006/relationships">
+<p:sld xmlns:a="http://schemas.openxmlformats.org/drawingml/2006/main" xmlns:r="http://schemas.openxmlformats.org/officeDocument/2006/relationships" xmlns:p="http://schemas.openxmlformats.org/presentationml/2006/main">
   <p:cSld>
     <p:spTree>
       <p:nvGrpSpPr>
@@ -5081,6 +5116,11 @@
               </a:rPr>
               <a:t>Copyright © 2021 by Elephant Scale, All Rights Reserved</a:t>
             </a:r>
+            <a:endParaRPr sz="800">
+              <a:solidFill>
+                <a:srgbClr val="000000"/>
+              </a:solidFill>
+            </a:endParaRPr>
           </a:p>
         </p:txBody>
       </p:sp>
@@ -5093,7 +5133,7 @@
 </file>
 
 <file path=ppt/slides/slide3.xml><?xml version="1.0" encoding="utf-8"?>
-<p:sld xmlns:a="http://schemas.openxmlformats.org/drawingml/2006/main" xmlns:p="http://schemas.openxmlformats.org/presentationml/2006/main" xmlns:r="http://schemas.openxmlformats.org/officeDocument/2006/relationships">
+<p:sld xmlns:a="http://schemas.openxmlformats.org/drawingml/2006/main" xmlns:r="http://schemas.openxmlformats.org/officeDocument/2006/relationships" xmlns:p="http://schemas.openxmlformats.org/presentationml/2006/main">
   <p:cSld>
     <p:spTree>
       <p:nvGrpSpPr>
@@ -5184,6 +5224,11 @@
               </a:rPr>
               <a:t>Copyright © 2021 by Elephant Scale, All Rights Reserved</a:t>
             </a:r>
+            <a:endParaRPr sz="800">
+              <a:solidFill>
+                <a:srgbClr val="000000"/>
+              </a:solidFill>
+            </a:endParaRPr>
           </a:p>
         </p:txBody>
       </p:sp>
@@ -5196,7 +5241,7 @@
 </file>
 
 <file path=ppt/slides/slide30.xml><?xml version="1.0" encoding="utf-8"?>
-<p:sld xmlns:a="http://schemas.openxmlformats.org/drawingml/2006/main" xmlns:p="http://schemas.openxmlformats.org/presentationml/2006/main" xmlns:r="http://schemas.openxmlformats.org/officeDocument/2006/relationships">
+<p:sld xmlns:a="http://schemas.openxmlformats.org/drawingml/2006/main" xmlns:r="http://schemas.openxmlformats.org/officeDocument/2006/relationships" xmlns:p="http://schemas.openxmlformats.org/presentationml/2006/main">
   <p:cSld>
     <p:spTree>
       <p:nvGrpSpPr>
@@ -5275,6 +5320,11 @@
               </a:rPr>
               <a:t>Copyright © 2021 by Elephant Scale, All Rights Reserved</a:t>
             </a:r>
+            <a:endParaRPr sz="800">
+              <a:solidFill>
+                <a:srgbClr val="000000"/>
+              </a:solidFill>
+            </a:endParaRPr>
           </a:p>
         </p:txBody>
       </p:sp>
@@ -5287,7 +5337,7 @@
           <p:nvPr/>
         </p:nvPicPr>
         <p:blipFill>
-          <a:blip r:embed="rId2"/>
+          <a:blip r:embed="rId1"/>
           <a:stretch>
             <a:fillRect/>
           </a:stretch>
@@ -5311,7 +5361,7 @@
 </file>
 
 <file path=ppt/slides/slide31.xml><?xml version="1.0" encoding="utf-8"?>
-<p:sld xmlns:a="http://schemas.openxmlformats.org/drawingml/2006/main" xmlns:p="http://schemas.openxmlformats.org/presentationml/2006/main" xmlns:r="http://schemas.openxmlformats.org/officeDocument/2006/relationships">
+<p:sld xmlns:a="http://schemas.openxmlformats.org/drawingml/2006/main" xmlns:r="http://schemas.openxmlformats.org/officeDocument/2006/relationships" xmlns:p="http://schemas.openxmlformats.org/presentationml/2006/main">
   <p:cSld>
     <p:spTree>
       <p:nvGrpSpPr>
@@ -5395,6 +5445,11 @@
               </a:rPr>
               <a:t>Copyright © 2021 by Elephant Scale, All Rights Reserved</a:t>
             </a:r>
+            <a:endParaRPr sz="800">
+              <a:solidFill>
+                <a:srgbClr val="000000"/>
+              </a:solidFill>
+            </a:endParaRPr>
           </a:p>
         </p:txBody>
       </p:sp>
@@ -5407,7 +5462,7 @@
           <p:nvPr/>
         </p:nvPicPr>
         <p:blipFill>
-          <a:blip r:embed="rId2"/>
+          <a:blip r:embed="rId1"/>
           <a:stretch>
             <a:fillRect/>
           </a:stretch>
@@ -5431,7 +5486,7 @@
           <p:nvPr/>
         </p:nvPicPr>
         <p:blipFill>
-          <a:blip r:embed="rId3"/>
+          <a:blip r:embed="rId2"/>
           <a:stretch>
             <a:fillRect/>
           </a:stretch>
@@ -5455,7 +5510,7 @@
 </file>
 
 <file path=ppt/slides/slide32.xml><?xml version="1.0" encoding="utf-8"?>
-<p:sld xmlns:a="http://schemas.openxmlformats.org/drawingml/2006/main" xmlns:p="http://schemas.openxmlformats.org/presentationml/2006/main" xmlns:r="http://schemas.openxmlformats.org/officeDocument/2006/relationships">
+<p:sld xmlns:a="http://schemas.openxmlformats.org/drawingml/2006/main" xmlns:r="http://schemas.openxmlformats.org/officeDocument/2006/relationships" xmlns:p="http://schemas.openxmlformats.org/presentationml/2006/main">
   <p:cSld>
     <p:spTree>
       <p:nvGrpSpPr>
@@ -5471,7 +5526,7 @@
             <a:spLocks noGrp="1"/>
           </p:cNvSpPr>
           <p:nvPr>
-            <p:ph type="subTitle" idx="1" sz="quarter"/>
+            <p:ph type="subTitle" sz="quarter" idx="1"/>
           </p:nvPr>
         </p:nvSpPr>
         <p:spPr/>
@@ -5577,6 +5632,11 @@
               </a:rPr>
               <a:t>Copyright © 2021 by Elephant Scale, All Rights Reserved</a:t>
             </a:r>
+            <a:endParaRPr sz="800">
+              <a:solidFill>
+                <a:srgbClr val="000000"/>
+              </a:solidFill>
+            </a:endParaRPr>
           </a:p>
         </p:txBody>
       </p:sp>
@@ -5589,7 +5649,7 @@
 </file>
 
 <file path=ppt/slides/slide33.xml><?xml version="1.0" encoding="utf-8"?>
-<p:sld xmlns:a="http://schemas.openxmlformats.org/drawingml/2006/main" xmlns:p="http://schemas.openxmlformats.org/presentationml/2006/main" xmlns:r="http://schemas.openxmlformats.org/officeDocument/2006/relationships">
+<p:sld xmlns:a="http://schemas.openxmlformats.org/drawingml/2006/main" xmlns:r="http://schemas.openxmlformats.org/officeDocument/2006/relationships" xmlns:p="http://schemas.openxmlformats.org/presentationml/2006/main">
   <p:cSld>
     <p:spTree>
       <p:nvGrpSpPr>
@@ -5695,6 +5755,11 @@
               </a:rPr>
               <a:t>Copyright © 2021 by Elephant Scale, All Rights Reserved</a:t>
             </a:r>
+            <a:endParaRPr sz="800">
+              <a:solidFill>
+                <a:srgbClr val="000000"/>
+              </a:solidFill>
+            </a:endParaRPr>
           </a:p>
         </p:txBody>
       </p:sp>
@@ -5707,7 +5772,7 @@
 </file>
 
 <file path=ppt/slides/slide34.xml><?xml version="1.0" encoding="utf-8"?>
-<p:sld xmlns:a="http://schemas.openxmlformats.org/drawingml/2006/main" xmlns:p="http://schemas.openxmlformats.org/presentationml/2006/main" xmlns:r="http://schemas.openxmlformats.org/officeDocument/2006/relationships">
+<p:sld xmlns:a="http://schemas.openxmlformats.org/drawingml/2006/main" xmlns:r="http://schemas.openxmlformats.org/officeDocument/2006/relationships" xmlns:p="http://schemas.openxmlformats.org/presentationml/2006/main">
   <p:cSld>
     <p:spTree>
       <p:nvGrpSpPr>
@@ -5723,7 +5788,7 @@
             <a:spLocks noGrp="1"/>
           </p:cNvSpPr>
           <p:nvPr>
-            <p:ph type="subTitle" idx="1" sz="quarter"/>
+            <p:ph type="subTitle" sz="quarter" idx="1"/>
           </p:nvPr>
         </p:nvSpPr>
         <p:spPr/>
@@ -5829,6 +5894,11 @@
               </a:rPr>
               <a:t>Copyright © 2021 by Elephant Scale, All Rights Reserved</a:t>
             </a:r>
+            <a:endParaRPr sz="800">
+              <a:solidFill>
+                <a:srgbClr val="000000"/>
+              </a:solidFill>
+            </a:endParaRPr>
           </a:p>
         </p:txBody>
       </p:sp>
@@ -5841,7 +5911,7 @@
 </file>
 
 <file path=ppt/slides/slide35.xml><?xml version="1.0" encoding="utf-8"?>
-<p:sld xmlns:a="http://schemas.openxmlformats.org/drawingml/2006/main" xmlns:p="http://schemas.openxmlformats.org/presentationml/2006/main" xmlns:r="http://schemas.openxmlformats.org/officeDocument/2006/relationships">
+<p:sld xmlns:a="http://schemas.openxmlformats.org/drawingml/2006/main" xmlns:r="http://schemas.openxmlformats.org/officeDocument/2006/relationships" xmlns:p="http://schemas.openxmlformats.org/presentationml/2006/main">
   <p:cSld>
     <p:spTree>
       <p:nvGrpSpPr>
@@ -5932,6 +6002,11 @@
               </a:rPr>
               <a:t>Copyright © 2021 by Elephant Scale, All Rights Reserved</a:t>
             </a:r>
+            <a:endParaRPr sz="800">
+              <a:solidFill>
+                <a:srgbClr val="000000"/>
+              </a:solidFill>
+            </a:endParaRPr>
           </a:p>
         </p:txBody>
       </p:sp>
@@ -5944,7 +6019,7 @@
 </file>
 
 <file path=ppt/slides/slide36.xml><?xml version="1.0" encoding="utf-8"?>
-<p:sld xmlns:a="http://schemas.openxmlformats.org/drawingml/2006/main" xmlns:p="http://schemas.openxmlformats.org/presentationml/2006/main" xmlns:r="http://schemas.openxmlformats.org/officeDocument/2006/relationships">
+<p:sld xmlns:a="http://schemas.openxmlformats.org/drawingml/2006/main" xmlns:r="http://schemas.openxmlformats.org/officeDocument/2006/relationships" xmlns:p="http://schemas.openxmlformats.org/presentationml/2006/main">
   <p:cSld>
     <p:spTree>
       <p:nvGrpSpPr>
@@ -6063,6 +6138,11 @@
               </a:rPr>
               <a:t>Copyright © 2021 by Elephant Scale, All Rights Reserved</a:t>
             </a:r>
+            <a:endParaRPr sz="800">
+              <a:solidFill>
+                <a:srgbClr val="000000"/>
+              </a:solidFill>
+            </a:endParaRPr>
           </a:p>
         </p:txBody>
       </p:sp>
@@ -6075,7 +6155,7 @@
 </file>
 
 <file path=ppt/slides/slide37.xml><?xml version="1.0" encoding="utf-8"?>
-<p:sld xmlns:a="http://schemas.openxmlformats.org/drawingml/2006/main" xmlns:p="http://schemas.openxmlformats.org/presentationml/2006/main" xmlns:r="http://schemas.openxmlformats.org/officeDocument/2006/relationships">
+<p:sld xmlns:a="http://schemas.openxmlformats.org/drawingml/2006/main" xmlns:r="http://schemas.openxmlformats.org/officeDocument/2006/relationships" xmlns:p="http://schemas.openxmlformats.org/presentationml/2006/main">
   <p:cSld>
     <p:spTree>
       <p:nvGrpSpPr>
@@ -6227,6 +6307,11 @@
               </a:rPr>
               <a:t>Copyright © 2021 by Elephant Scale, All Rights Reserved</a:t>
             </a:r>
+            <a:endParaRPr sz="800">
+              <a:solidFill>
+                <a:srgbClr val="000000"/>
+              </a:solidFill>
+            </a:endParaRPr>
           </a:p>
         </p:txBody>
       </p:sp>
@@ -6239,7 +6324,7 @@
 </file>
 
 <file path=ppt/slides/slide38.xml><?xml version="1.0" encoding="utf-8"?>
-<p:sld xmlns:a="http://schemas.openxmlformats.org/drawingml/2006/main" xmlns:p="http://schemas.openxmlformats.org/presentationml/2006/main" xmlns:r="http://schemas.openxmlformats.org/officeDocument/2006/relationships">
+<p:sld xmlns:a="http://schemas.openxmlformats.org/drawingml/2006/main" xmlns:r="http://schemas.openxmlformats.org/officeDocument/2006/relationships" xmlns:p="http://schemas.openxmlformats.org/presentationml/2006/main">
   <p:cSld>
     <p:spTree>
       <p:nvGrpSpPr>
@@ -6255,7 +6340,7 @@
             <a:spLocks noGrp="1"/>
           </p:cNvSpPr>
           <p:nvPr>
-            <p:ph type="subTitle" idx="1" sz="quarter"/>
+            <p:ph type="subTitle" sz="quarter" idx="1"/>
           </p:nvPr>
         </p:nvSpPr>
         <p:spPr/>
@@ -6361,6 +6446,11 @@
               </a:rPr>
               <a:t>Copyright © 2021 by Elephant Scale, All Rights Reserved</a:t>
             </a:r>
+            <a:endParaRPr sz="800">
+              <a:solidFill>
+                <a:srgbClr val="000000"/>
+              </a:solidFill>
+            </a:endParaRPr>
           </a:p>
         </p:txBody>
       </p:sp>
@@ -6373,7 +6463,7 @@
 </file>
 
 <file path=ppt/slides/slide39.xml><?xml version="1.0" encoding="utf-8"?>
-<p:sld xmlns:a="http://schemas.openxmlformats.org/drawingml/2006/main" xmlns:p="http://schemas.openxmlformats.org/presentationml/2006/main" xmlns:r="http://schemas.openxmlformats.org/officeDocument/2006/relationships">
+<p:sld xmlns:a="http://schemas.openxmlformats.org/drawingml/2006/main" xmlns:r="http://schemas.openxmlformats.org/officeDocument/2006/relationships" xmlns:p="http://schemas.openxmlformats.org/presentationml/2006/main">
   <p:cSld>
     <p:spTree>
       <p:nvGrpSpPr>
@@ -6475,6 +6565,11 @@
               </a:rPr>
               <a:t>Copyright © 2021 by Elephant Scale, All Rights Reserved</a:t>
             </a:r>
+            <a:endParaRPr sz="800">
+              <a:solidFill>
+                <a:srgbClr val="000000"/>
+              </a:solidFill>
+            </a:endParaRPr>
           </a:p>
         </p:txBody>
       </p:sp>
@@ -6582,11 +6677,7 @@
                   <a:txBody>
                     <a:bodyPr/>
                     <a:lstStyle/>
-                    <a:p>
-                      <a:r>
-                        <a:t/>
-                      </a:r>
-                    </a:p>
+                    <a:p/>
                   </a:txBody>
                   <a:tcPr/>
                 </a:tc>
@@ -6594,11 +6685,7 @@
                   <a:txBody>
                     <a:bodyPr/>
                     <a:lstStyle/>
-                    <a:p>
-                      <a:r>
-                        <a:t/>
-                      </a:r>
-                    </a:p>
+                    <a:p/>
                   </a:txBody>
                   <a:tcPr/>
                 </a:tc>
@@ -6606,11 +6693,7 @@
                   <a:txBody>
                     <a:bodyPr/>
                     <a:lstStyle/>
-                    <a:p>
-                      <a:r>
-                        <a:t/>
-                      </a:r>
-                    </a:p>
+                    <a:p/>
                   </a:txBody>
                   <a:tcPr/>
                 </a:tc>
@@ -6628,7 +6711,7 @@
 </file>
 
 <file path=ppt/slides/slide4.xml><?xml version="1.0" encoding="utf-8"?>
-<p:sld xmlns:a="http://schemas.openxmlformats.org/drawingml/2006/main" xmlns:p="http://schemas.openxmlformats.org/presentationml/2006/main" xmlns:r="http://schemas.openxmlformats.org/officeDocument/2006/relationships">
+<p:sld xmlns:a="http://schemas.openxmlformats.org/drawingml/2006/main" xmlns:r="http://schemas.openxmlformats.org/officeDocument/2006/relationships" xmlns:p="http://schemas.openxmlformats.org/presentationml/2006/main">
   <p:cSld>
     <p:spTree>
       <p:nvGrpSpPr>
@@ -6644,7 +6727,7 @@
             <a:spLocks noGrp="1"/>
           </p:cNvSpPr>
           <p:nvPr>
-            <p:ph type="subTitle" idx="1" sz="quarter"/>
+            <p:ph type="subTitle" sz="quarter" idx="1"/>
           </p:nvPr>
         </p:nvSpPr>
         <p:spPr/>
@@ -6750,6 +6833,11 @@
               </a:rPr>
               <a:t>Copyright © 2021 by Elephant Scale, All Rights Reserved</a:t>
             </a:r>
+            <a:endParaRPr sz="800">
+              <a:solidFill>
+                <a:srgbClr val="000000"/>
+              </a:solidFill>
+            </a:endParaRPr>
           </a:p>
         </p:txBody>
       </p:sp>
@@ -6762,7 +6850,7 @@
 </file>
 
 <file path=ppt/slides/slide40.xml><?xml version="1.0" encoding="utf-8"?>
-<p:sld xmlns:a="http://schemas.openxmlformats.org/drawingml/2006/main" xmlns:p="http://schemas.openxmlformats.org/presentationml/2006/main" xmlns:r="http://schemas.openxmlformats.org/officeDocument/2006/relationships">
+<p:sld xmlns:a="http://schemas.openxmlformats.org/drawingml/2006/main" xmlns:r="http://schemas.openxmlformats.org/officeDocument/2006/relationships" xmlns:p="http://schemas.openxmlformats.org/presentationml/2006/main">
   <p:cSld>
     <p:spTree>
       <p:nvGrpSpPr>
@@ -6822,7 +6910,7 @@
             </a:r>
             <a:r>
               <a:rPr>
-                <a:latin typeface="Courier New"/>
+                <a:latin typeface="Courier New" panose="02070309020205020404"/>
               </a:rPr>
               <a:t> plaintext</a:t>
             </a:r>
@@ -6831,7 +6919,7 @@
             </a:r>
             <a:r>
               <a:rPr>
-                <a:latin typeface="Courier New"/>
+                <a:latin typeface="Courier New" panose="02070309020205020404"/>
               </a:rPr>
               <a:t> ciphertext</a:t>
             </a:r>
@@ -6847,7 +6935,7 @@
           <a:p>
             <a:r>
               <a:rPr>
-                <a:latin typeface="Courier New"/>
+                <a:latin typeface="Courier New" panose="02070309020205020404"/>
               </a:rPr>
               <a:t> Encryption Key</a:t>
             </a:r>
@@ -6897,6 +6985,11 @@
               </a:rPr>
               <a:t>Copyright © 2021 by Elephant Scale, All Rights Reserved</a:t>
             </a:r>
+            <a:endParaRPr sz="800">
+              <a:solidFill>
+                <a:srgbClr val="000000"/>
+              </a:solidFill>
+            </a:endParaRPr>
           </a:p>
         </p:txBody>
       </p:sp>
@@ -6909,7 +7002,7 @@
 </file>
 
 <file path=ppt/slides/slide41.xml><?xml version="1.0" encoding="utf-8"?>
-<p:sld xmlns:a="http://schemas.openxmlformats.org/drawingml/2006/main" xmlns:p="http://schemas.openxmlformats.org/presentationml/2006/main" xmlns:r="http://schemas.openxmlformats.org/officeDocument/2006/relationships">
+<p:sld xmlns:a="http://schemas.openxmlformats.org/drawingml/2006/main" xmlns:r="http://schemas.openxmlformats.org/officeDocument/2006/relationships" xmlns:p="http://schemas.openxmlformats.org/presentationml/2006/main">
   <p:cSld>
     <p:spTree>
       <p:nvGrpSpPr>
@@ -7025,6 +7118,11 @@
               </a:rPr>
               <a:t>Copyright © 2021 by Elephant Scale, All Rights Reserved</a:t>
             </a:r>
+            <a:endParaRPr sz="800">
+              <a:solidFill>
+                <a:srgbClr val="000000"/>
+              </a:solidFill>
+            </a:endParaRPr>
           </a:p>
         </p:txBody>
       </p:sp>
@@ -7037,7 +7135,7 @@
 </file>
 
 <file path=ppt/slides/slide42.xml><?xml version="1.0" encoding="utf-8"?>
-<p:sld xmlns:a="http://schemas.openxmlformats.org/drawingml/2006/main" xmlns:p="http://schemas.openxmlformats.org/presentationml/2006/main" xmlns:r="http://schemas.openxmlformats.org/officeDocument/2006/relationships">
+<p:sld xmlns:a="http://schemas.openxmlformats.org/drawingml/2006/main" xmlns:r="http://schemas.openxmlformats.org/officeDocument/2006/relationships" xmlns:p="http://schemas.openxmlformats.org/presentationml/2006/main">
   <p:cSld>
     <p:spTree>
       <p:nvGrpSpPr>
@@ -7143,6 +7241,11 @@
               </a:rPr>
               <a:t>Copyright © 2021 by Elephant Scale, All Rights Reserved</a:t>
             </a:r>
+            <a:endParaRPr sz="800">
+              <a:solidFill>
+                <a:srgbClr val="000000"/>
+              </a:solidFill>
+            </a:endParaRPr>
           </a:p>
         </p:txBody>
       </p:sp>
@@ -7155,7 +7258,7 @@
 </file>
 
 <file path=ppt/slides/slide43.xml><?xml version="1.0" encoding="utf-8"?>
-<p:sld xmlns:a="http://schemas.openxmlformats.org/drawingml/2006/main" xmlns:p="http://schemas.openxmlformats.org/presentationml/2006/main" xmlns:r="http://schemas.openxmlformats.org/officeDocument/2006/relationships">
+<p:sld xmlns:a="http://schemas.openxmlformats.org/drawingml/2006/main" xmlns:r="http://schemas.openxmlformats.org/officeDocument/2006/relationships" xmlns:p="http://schemas.openxmlformats.org/presentationml/2006/main">
   <p:cSld>
     <p:spTree>
       <p:nvGrpSpPr>
@@ -7245,6 +7348,11 @@
               </a:rPr>
               <a:t>Copyright © 2021 by Elephant Scale, All Rights Reserved</a:t>
             </a:r>
+            <a:endParaRPr sz="800">
+              <a:solidFill>
+                <a:srgbClr val="000000"/>
+              </a:solidFill>
+            </a:endParaRPr>
           </a:p>
         </p:txBody>
       </p:sp>
@@ -7257,7 +7365,7 @@
           <p:nvPr/>
         </p:nvPicPr>
         <p:blipFill>
-          <a:blip r:embed="rId2"/>
+          <a:blip r:embed="rId1"/>
           <a:stretch>
             <a:fillRect/>
           </a:stretch>
@@ -7281,7 +7389,7 @@
 </file>
 
 <file path=ppt/slides/slide44.xml><?xml version="1.0" encoding="utf-8"?>
-<p:sld xmlns:a="http://schemas.openxmlformats.org/drawingml/2006/main" xmlns:p="http://schemas.openxmlformats.org/presentationml/2006/main" xmlns:r="http://schemas.openxmlformats.org/officeDocument/2006/relationships">
+<p:sld xmlns:a="http://schemas.openxmlformats.org/drawingml/2006/main" xmlns:r="http://schemas.openxmlformats.org/officeDocument/2006/relationships" xmlns:p="http://schemas.openxmlformats.org/presentationml/2006/main">
   <p:cSld>
     <p:spTree>
       <p:nvGrpSpPr>
@@ -7382,6 +7490,11 @@
               </a:rPr>
               <a:t>Copyright © 2021 by Elephant Scale, All Rights Reserved</a:t>
             </a:r>
+            <a:endParaRPr sz="800">
+              <a:solidFill>
+                <a:srgbClr val="000000"/>
+              </a:solidFill>
+            </a:endParaRPr>
           </a:p>
         </p:txBody>
       </p:sp>
@@ -7394,7 +7507,7 @@
 </file>
 
 <file path=ppt/slides/slide45.xml><?xml version="1.0" encoding="utf-8"?>
-<p:sld xmlns:a="http://schemas.openxmlformats.org/drawingml/2006/main" xmlns:p="http://schemas.openxmlformats.org/presentationml/2006/main" xmlns:r="http://schemas.openxmlformats.org/officeDocument/2006/relationships">
+<p:sld xmlns:a="http://schemas.openxmlformats.org/drawingml/2006/main" xmlns:r="http://schemas.openxmlformats.org/officeDocument/2006/relationships" xmlns:p="http://schemas.openxmlformats.org/presentationml/2006/main">
   <p:cSld>
     <p:spTree>
       <p:nvGrpSpPr>
@@ -7505,6 +7618,11 @@
               </a:rPr>
               <a:t>Copyright © 2021 by Elephant Scale, All Rights Reserved</a:t>
             </a:r>
+            <a:endParaRPr sz="800">
+              <a:solidFill>
+                <a:srgbClr val="000000"/>
+              </a:solidFill>
+            </a:endParaRPr>
           </a:p>
         </p:txBody>
       </p:sp>
@@ -7517,7 +7635,7 @@
 </file>
 
 <file path=ppt/slides/slide46.xml><?xml version="1.0" encoding="utf-8"?>
-<p:sld xmlns:a="http://schemas.openxmlformats.org/drawingml/2006/main" xmlns:p="http://schemas.openxmlformats.org/presentationml/2006/main" xmlns:r="http://schemas.openxmlformats.org/officeDocument/2006/relationships">
+<p:sld xmlns:a="http://schemas.openxmlformats.org/drawingml/2006/main" xmlns:r="http://schemas.openxmlformats.org/officeDocument/2006/relationships" xmlns:p="http://schemas.openxmlformats.org/presentationml/2006/main">
   <p:cSld>
     <p:spTree>
       <p:nvGrpSpPr>
@@ -7618,6 +7736,11 @@
               </a:rPr>
               <a:t>Copyright © 2021 by Elephant Scale, All Rights Reserved</a:t>
             </a:r>
+            <a:endParaRPr sz="800">
+              <a:solidFill>
+                <a:srgbClr val="000000"/>
+              </a:solidFill>
+            </a:endParaRPr>
           </a:p>
         </p:txBody>
       </p:sp>
@@ -7630,7 +7753,7 @@
 </file>
 
 <file path=ppt/slides/slide47.xml><?xml version="1.0" encoding="utf-8"?>
-<p:sld xmlns:a="http://schemas.openxmlformats.org/drawingml/2006/main" xmlns:p="http://schemas.openxmlformats.org/presentationml/2006/main" xmlns:r="http://schemas.openxmlformats.org/officeDocument/2006/relationships">
+<p:sld xmlns:a="http://schemas.openxmlformats.org/drawingml/2006/main" xmlns:r="http://schemas.openxmlformats.org/officeDocument/2006/relationships" xmlns:p="http://schemas.openxmlformats.org/presentationml/2006/main">
   <p:cSld>
     <p:spTree>
       <p:nvGrpSpPr>
@@ -7726,6 +7849,11 @@
               </a:rPr>
               <a:t>Copyright © 2021 by Elephant Scale, All Rights Reserved</a:t>
             </a:r>
+            <a:endParaRPr sz="800">
+              <a:solidFill>
+                <a:srgbClr val="000000"/>
+              </a:solidFill>
+            </a:endParaRPr>
           </a:p>
         </p:txBody>
       </p:sp>
@@ -7738,7 +7866,7 @@
 </file>
 
 <file path=ppt/slides/slide48.xml><?xml version="1.0" encoding="utf-8"?>
-<p:sld xmlns:a="http://schemas.openxmlformats.org/drawingml/2006/main" xmlns:p="http://schemas.openxmlformats.org/presentationml/2006/main" xmlns:r="http://schemas.openxmlformats.org/officeDocument/2006/relationships">
+<p:sld xmlns:a="http://schemas.openxmlformats.org/drawingml/2006/main" xmlns:r="http://schemas.openxmlformats.org/officeDocument/2006/relationships" xmlns:p="http://schemas.openxmlformats.org/presentationml/2006/main">
   <p:cSld>
     <p:spTree>
       <p:nvGrpSpPr>
@@ -7834,6 +7962,11 @@
               </a:rPr>
               <a:t>Copyright © 2021 by Elephant Scale, All Rights Reserved</a:t>
             </a:r>
+            <a:endParaRPr sz="800">
+              <a:solidFill>
+                <a:srgbClr val="000000"/>
+              </a:solidFill>
+            </a:endParaRPr>
           </a:p>
         </p:txBody>
       </p:sp>
@@ -7846,7 +7979,7 @@
 </file>
 
 <file path=ppt/slides/slide49.xml><?xml version="1.0" encoding="utf-8"?>
-<p:sld xmlns:a="http://schemas.openxmlformats.org/drawingml/2006/main" xmlns:p="http://schemas.openxmlformats.org/presentationml/2006/main" xmlns:r="http://schemas.openxmlformats.org/officeDocument/2006/relationships">
+<p:sld xmlns:a="http://schemas.openxmlformats.org/drawingml/2006/main" xmlns:r="http://schemas.openxmlformats.org/officeDocument/2006/relationships" xmlns:p="http://schemas.openxmlformats.org/presentationml/2006/main">
   <p:cSld>
     <p:spTree>
       <p:nvGrpSpPr>
@@ -7957,6 +8090,11 @@
               </a:rPr>
               <a:t>Copyright © 2021 by Elephant Scale, All Rights Reserved</a:t>
             </a:r>
+            <a:endParaRPr sz="800">
+              <a:solidFill>
+                <a:srgbClr val="000000"/>
+              </a:solidFill>
+            </a:endParaRPr>
           </a:p>
         </p:txBody>
       </p:sp>
@@ -7969,7 +8107,7 @@
 </file>
 
 <file path=ppt/slides/slide5.xml><?xml version="1.0" encoding="utf-8"?>
-<p:sld xmlns:a="http://schemas.openxmlformats.org/drawingml/2006/main" xmlns:p="http://schemas.openxmlformats.org/presentationml/2006/main" xmlns:r="http://schemas.openxmlformats.org/officeDocument/2006/relationships">
+<p:sld xmlns:a="http://schemas.openxmlformats.org/drawingml/2006/main" xmlns:r="http://schemas.openxmlformats.org/officeDocument/2006/relationships" xmlns:p="http://schemas.openxmlformats.org/presentationml/2006/main">
   <p:cSld>
     <p:spTree>
       <p:nvGrpSpPr>
@@ -8075,6 +8213,11 @@
               </a:rPr>
               <a:t>Copyright © 2021 by Elephant Scale, All Rights Reserved</a:t>
             </a:r>
+            <a:endParaRPr sz="800">
+              <a:solidFill>
+                <a:srgbClr val="000000"/>
+              </a:solidFill>
+            </a:endParaRPr>
           </a:p>
         </p:txBody>
       </p:sp>
@@ -8087,7 +8230,7 @@
 </file>
 
 <file path=ppt/slides/slide50.xml><?xml version="1.0" encoding="utf-8"?>
-<p:sld xmlns:a="http://schemas.openxmlformats.org/drawingml/2006/main" xmlns:p="http://schemas.openxmlformats.org/presentationml/2006/main" xmlns:r="http://schemas.openxmlformats.org/officeDocument/2006/relationships">
+<p:sld xmlns:a="http://schemas.openxmlformats.org/drawingml/2006/main" xmlns:r="http://schemas.openxmlformats.org/officeDocument/2006/relationships" xmlns:p="http://schemas.openxmlformats.org/presentationml/2006/main">
   <p:cSld>
     <p:spTree>
       <p:nvGrpSpPr>
@@ -8188,6 +8331,11 @@
               </a:rPr>
               <a:t>Copyright © 2021 by Elephant Scale, All Rights Reserved</a:t>
             </a:r>
+            <a:endParaRPr sz="800">
+              <a:solidFill>
+                <a:srgbClr val="000000"/>
+              </a:solidFill>
+            </a:endParaRPr>
           </a:p>
         </p:txBody>
       </p:sp>
@@ -8200,7 +8348,7 @@
 </file>
 
 <file path=ppt/slides/slide51.xml><?xml version="1.0" encoding="utf-8"?>
-<p:sld xmlns:a="http://schemas.openxmlformats.org/drawingml/2006/main" xmlns:p="http://schemas.openxmlformats.org/presentationml/2006/main" xmlns:r="http://schemas.openxmlformats.org/officeDocument/2006/relationships">
+<p:sld xmlns:a="http://schemas.openxmlformats.org/drawingml/2006/main" xmlns:r="http://schemas.openxmlformats.org/officeDocument/2006/relationships" xmlns:p="http://schemas.openxmlformats.org/presentationml/2006/main">
   <p:cSld>
     <p:spTree>
       <p:nvGrpSpPr>
@@ -8306,6 +8454,11 @@
               </a:rPr>
               <a:t>Copyright © 2021 by Elephant Scale, All Rights Reserved</a:t>
             </a:r>
+            <a:endParaRPr sz="800">
+              <a:solidFill>
+                <a:srgbClr val="000000"/>
+              </a:solidFill>
+            </a:endParaRPr>
           </a:p>
         </p:txBody>
       </p:sp>
@@ -8318,7 +8471,7 @@
 </file>
 
 <file path=ppt/slides/slide52.xml><?xml version="1.0" encoding="utf-8"?>
-<p:sld xmlns:a="http://schemas.openxmlformats.org/drawingml/2006/main" xmlns:p="http://schemas.openxmlformats.org/presentationml/2006/main" xmlns:r="http://schemas.openxmlformats.org/officeDocument/2006/relationships">
+<p:sld xmlns:a="http://schemas.openxmlformats.org/drawingml/2006/main" xmlns:r="http://schemas.openxmlformats.org/officeDocument/2006/relationships" xmlns:p="http://schemas.openxmlformats.org/presentationml/2006/main">
   <p:cSld>
     <p:spTree>
       <p:nvGrpSpPr>
@@ -8334,7 +8487,7 @@
             <a:spLocks noGrp="1"/>
           </p:cNvSpPr>
           <p:nvPr>
-            <p:ph type="subTitle" idx="1" sz="quarter"/>
+            <p:ph type="subTitle" sz="quarter" idx="1"/>
           </p:nvPr>
         </p:nvSpPr>
         <p:spPr/>
@@ -8386,6 +8539,7 @@
               <a:t>Secure connection with SSL
 </a:t>
             </a:r>
+            <a:endParaRPr b="1"/>
           </a:p>
         </p:txBody>
       </p:sp>
@@ -8440,6 +8594,11 @@
               </a:rPr>
               <a:t>Copyright © 2021 by Elephant Scale, All Rights Reserved</a:t>
             </a:r>
+            <a:endParaRPr sz="800">
+              <a:solidFill>
+                <a:srgbClr val="000000"/>
+              </a:solidFill>
+            </a:endParaRPr>
           </a:p>
         </p:txBody>
       </p:sp>
@@ -8452,7 +8611,7 @@
 </file>
 
 <file path=ppt/slides/slide53.xml><?xml version="1.0" encoding="utf-8"?>
-<p:sld xmlns:a="http://schemas.openxmlformats.org/drawingml/2006/main" xmlns:p="http://schemas.openxmlformats.org/presentationml/2006/main" xmlns:r="http://schemas.openxmlformats.org/officeDocument/2006/relationships">
+<p:sld xmlns:a="http://schemas.openxmlformats.org/drawingml/2006/main" xmlns:r="http://schemas.openxmlformats.org/officeDocument/2006/relationships" xmlns:p="http://schemas.openxmlformats.org/presentationml/2006/main">
   <p:cSld>
     <p:spTree>
       <p:nvGrpSpPr>
@@ -8538,6 +8697,11 @@
               </a:rPr>
               <a:t>Copyright © 2021 by Elephant Scale, All Rights Reserved</a:t>
             </a:r>
+            <a:endParaRPr sz="800">
+              <a:solidFill>
+                <a:srgbClr val="000000"/>
+              </a:solidFill>
+            </a:endParaRPr>
           </a:p>
         </p:txBody>
       </p:sp>
@@ -8550,7 +8714,7 @@
 </file>
 
 <file path=ppt/slides/slide54.xml><?xml version="1.0" encoding="utf-8"?>
-<p:sld xmlns:a="http://schemas.openxmlformats.org/drawingml/2006/main" xmlns:p="http://schemas.openxmlformats.org/presentationml/2006/main" xmlns:r="http://schemas.openxmlformats.org/officeDocument/2006/relationships">
+<p:sld xmlns:a="http://schemas.openxmlformats.org/drawingml/2006/main" xmlns:r="http://schemas.openxmlformats.org/officeDocument/2006/relationships" xmlns:p="http://schemas.openxmlformats.org/presentationml/2006/main">
   <p:cSld>
     <p:spTree>
       <p:nvGrpSpPr>
@@ -8639,6 +8803,11 @@
               </a:rPr>
               <a:t>Copyright © 2021 by Elephant Scale, All Rights Reserved</a:t>
             </a:r>
+            <a:endParaRPr sz="800">
+              <a:solidFill>
+                <a:srgbClr val="000000"/>
+              </a:solidFill>
+            </a:endParaRPr>
           </a:p>
         </p:txBody>
       </p:sp>
@@ -8651,7 +8820,7 @@
           <p:nvPr/>
         </p:nvPicPr>
         <p:blipFill>
-          <a:blip r:embed="rId2"/>
+          <a:blip r:embed="rId1"/>
           <a:stretch>
             <a:fillRect/>
           </a:stretch>
@@ -8675,7 +8844,7 @@
 </file>
 
 <file path=ppt/slides/slide55.xml><?xml version="1.0" encoding="utf-8"?>
-<p:sld xmlns:a="http://schemas.openxmlformats.org/drawingml/2006/main" xmlns:p="http://schemas.openxmlformats.org/presentationml/2006/main" xmlns:r="http://schemas.openxmlformats.org/officeDocument/2006/relationships">
+<p:sld xmlns:a="http://schemas.openxmlformats.org/drawingml/2006/main" xmlns:r="http://schemas.openxmlformats.org/officeDocument/2006/relationships" xmlns:p="http://schemas.openxmlformats.org/presentationml/2006/main">
   <p:cSld>
     <p:spTree>
       <p:nvGrpSpPr>
@@ -8756,6 +8925,11 @@
               </a:rPr>
               <a:t>Copyright © 2021 by Elephant Scale, All Rights Reserved</a:t>
             </a:r>
+            <a:endParaRPr sz="800">
+              <a:solidFill>
+                <a:srgbClr val="000000"/>
+              </a:solidFill>
+            </a:endParaRPr>
           </a:p>
         </p:txBody>
       </p:sp>
@@ -8768,7 +8942,7 @@
 </file>
 
 <file path=ppt/slides/slide56.xml><?xml version="1.0" encoding="utf-8"?>
-<p:sld xmlns:a="http://schemas.openxmlformats.org/drawingml/2006/main" xmlns:p="http://schemas.openxmlformats.org/presentationml/2006/main" xmlns:r="http://schemas.openxmlformats.org/officeDocument/2006/relationships">
+<p:sld xmlns:a="http://schemas.openxmlformats.org/drawingml/2006/main" xmlns:r="http://schemas.openxmlformats.org/officeDocument/2006/relationships" xmlns:p="http://schemas.openxmlformats.org/presentationml/2006/main">
   <p:cSld>
     <p:spTree>
       <p:nvGrpSpPr>
@@ -8864,6 +9038,11 @@
               </a:rPr>
               <a:t>Copyright © 2021 by Elephant Scale, All Rights Reserved</a:t>
             </a:r>
+            <a:endParaRPr sz="800">
+              <a:solidFill>
+                <a:srgbClr val="000000"/>
+              </a:solidFill>
+            </a:endParaRPr>
           </a:p>
         </p:txBody>
       </p:sp>
@@ -8876,7 +9055,7 @@
 </file>
 
 <file path=ppt/slides/slide57.xml><?xml version="1.0" encoding="utf-8"?>
-<p:sld xmlns:a="http://schemas.openxmlformats.org/drawingml/2006/main" xmlns:p="http://schemas.openxmlformats.org/presentationml/2006/main" xmlns:r="http://schemas.openxmlformats.org/officeDocument/2006/relationships">
+<p:sld xmlns:a="http://schemas.openxmlformats.org/drawingml/2006/main" xmlns:r="http://schemas.openxmlformats.org/officeDocument/2006/relationships" xmlns:p="http://schemas.openxmlformats.org/presentationml/2006/main">
   <p:cSld>
     <p:spTree>
       <p:nvGrpSpPr>
@@ -8967,6 +9146,11 @@
               </a:rPr>
               <a:t>Copyright © 2021 by Elephant Scale, All Rights Reserved</a:t>
             </a:r>
+            <a:endParaRPr sz="800">
+              <a:solidFill>
+                <a:srgbClr val="000000"/>
+              </a:solidFill>
+            </a:endParaRPr>
           </a:p>
         </p:txBody>
       </p:sp>
@@ -8979,7 +9163,7 @@
 </file>
 
 <file path=ppt/slides/slide58.xml><?xml version="1.0" encoding="utf-8"?>
-<p:sld xmlns:a="http://schemas.openxmlformats.org/drawingml/2006/main" xmlns:p="http://schemas.openxmlformats.org/presentationml/2006/main" xmlns:r="http://schemas.openxmlformats.org/officeDocument/2006/relationships">
+<p:sld xmlns:a="http://schemas.openxmlformats.org/drawingml/2006/main" xmlns:r="http://schemas.openxmlformats.org/officeDocument/2006/relationships" xmlns:p="http://schemas.openxmlformats.org/presentationml/2006/main">
   <p:cSld>
     <p:spTree>
       <p:nvGrpSpPr>
@@ -9070,6 +9254,11 @@
               </a:rPr>
               <a:t>Copyright © 2021 by Elephant Scale, All Rights Reserved</a:t>
             </a:r>
+            <a:endParaRPr sz="800">
+              <a:solidFill>
+                <a:srgbClr val="000000"/>
+              </a:solidFill>
+            </a:endParaRPr>
           </a:p>
         </p:txBody>
       </p:sp>
@@ -9082,7 +9271,7 @@
 </file>
 
 <file path=ppt/slides/slide59.xml><?xml version="1.0" encoding="utf-8"?>
-<p:sld xmlns:a="http://schemas.openxmlformats.org/drawingml/2006/main" xmlns:p="http://schemas.openxmlformats.org/presentationml/2006/main" xmlns:r="http://schemas.openxmlformats.org/officeDocument/2006/relationships">
+<p:sld xmlns:a="http://schemas.openxmlformats.org/drawingml/2006/main" xmlns:r="http://schemas.openxmlformats.org/officeDocument/2006/relationships" xmlns:p="http://schemas.openxmlformats.org/presentationml/2006/main">
   <p:cSld>
     <p:spTree>
       <p:nvGrpSpPr>
@@ -9166,6 +9355,11 @@
               </a:rPr>
               <a:t>Copyright © 2021 by Elephant Scale, All Rights Reserved</a:t>
             </a:r>
+            <a:endParaRPr sz="800">
+              <a:solidFill>
+                <a:srgbClr val="000000"/>
+              </a:solidFill>
+            </a:endParaRPr>
           </a:p>
         </p:txBody>
       </p:sp>
@@ -9178,15 +9372,15 @@
           <p:nvPr/>
         </p:nvPicPr>
         <p:blipFill>
-          <a:blip r:embed="rId2"/>
+          <a:blip r:embed="rId1"/>
           <a:stretch>
             <a:fillRect/>
           </a:stretch>
         </p:blipFill>
         <p:spPr>
           <a:xfrm>
-            <a:off x="704088" y="914400"/>
-            <a:ext cx="9229725" cy="3076575"/>
+            <a:off x="704215" y="1156970"/>
+            <a:ext cx="8502015" cy="2834005"/>
           </a:xfrm>
           <a:prstGeom prst="rect">
             <a:avLst/>
@@ -9202,7 +9396,7 @@
 </file>
 
 <file path=ppt/slides/slide6.xml><?xml version="1.0" encoding="utf-8"?>
-<p:sld xmlns:a="http://schemas.openxmlformats.org/drawingml/2006/main" xmlns:p="http://schemas.openxmlformats.org/presentationml/2006/main" xmlns:r="http://schemas.openxmlformats.org/officeDocument/2006/relationships">
+<p:sld xmlns:a="http://schemas.openxmlformats.org/drawingml/2006/main" xmlns:r="http://schemas.openxmlformats.org/officeDocument/2006/relationships" xmlns:p="http://schemas.openxmlformats.org/presentationml/2006/main">
   <p:cSld>
     <p:spTree>
       <p:nvGrpSpPr>
@@ -9303,6 +9497,11 @@
               </a:rPr>
               <a:t>Copyright © 2021 by Elephant Scale, All Rights Reserved</a:t>
             </a:r>
+            <a:endParaRPr sz="800">
+              <a:solidFill>
+                <a:srgbClr val="000000"/>
+              </a:solidFill>
+            </a:endParaRPr>
           </a:p>
         </p:txBody>
       </p:sp>
@@ -9315,7 +9514,7 @@
 </file>
 
 <file path=ppt/slides/slide7.xml><?xml version="1.0" encoding="utf-8"?>
-<p:sld xmlns:a="http://schemas.openxmlformats.org/drawingml/2006/main" xmlns:p="http://schemas.openxmlformats.org/presentationml/2006/main" xmlns:r="http://schemas.openxmlformats.org/officeDocument/2006/relationships">
+<p:sld xmlns:a="http://schemas.openxmlformats.org/drawingml/2006/main" xmlns:r="http://schemas.openxmlformats.org/officeDocument/2006/relationships" xmlns:p="http://schemas.openxmlformats.org/presentationml/2006/main">
   <p:cSld>
     <p:spTree>
       <p:nvGrpSpPr>
@@ -9421,6 +9620,11 @@
               </a:rPr>
               <a:t>Copyright © 2021 by Elephant Scale, All Rights Reserved</a:t>
             </a:r>
+            <a:endParaRPr sz="800">
+              <a:solidFill>
+                <a:srgbClr val="000000"/>
+              </a:solidFill>
+            </a:endParaRPr>
           </a:p>
         </p:txBody>
       </p:sp>
@@ -9433,7 +9637,7 @@
 </file>
 
 <file path=ppt/slides/slide8.xml><?xml version="1.0" encoding="utf-8"?>
-<p:sld xmlns:a="http://schemas.openxmlformats.org/drawingml/2006/main" xmlns:p="http://schemas.openxmlformats.org/presentationml/2006/main" xmlns:r="http://schemas.openxmlformats.org/officeDocument/2006/relationships">
+<p:sld xmlns:a="http://schemas.openxmlformats.org/drawingml/2006/main" xmlns:r="http://schemas.openxmlformats.org/officeDocument/2006/relationships" xmlns:p="http://schemas.openxmlformats.org/presentationml/2006/main">
   <p:cSld>
     <p:spTree>
       <p:nvGrpSpPr>
@@ -9490,10 +9694,13 @@
           <a:p>
             <a:r>
               <a:rPr>
-                <a:latin typeface="Courier New"/>
+                <a:latin typeface="Courier New" panose="02070309020205020404"/>
               </a:rPr>
               <a:t> if(InVar=getc(input)!=EOF)</a:t>
             </a:r>
+            <a:endParaRPr>
+              <a:latin typeface="Courier New" panose="02070309020205020404"/>
+            </a:endParaRPr>
           </a:p>
           <a:p>
             <a:r>
@@ -9532,6 +9739,11 @@
               </a:rPr>
               <a:t>Copyright © 2021 by Elephant Scale, All Rights Reserved</a:t>
             </a:r>
+            <a:endParaRPr sz="800">
+              <a:solidFill>
+                <a:srgbClr val="000000"/>
+              </a:solidFill>
+            </a:endParaRPr>
           </a:p>
         </p:txBody>
       </p:sp>
@@ -9544,7 +9756,7 @@
 </file>
 
 <file path=ppt/slides/slide9.xml><?xml version="1.0" encoding="utf-8"?>
-<p:sld xmlns:a="http://schemas.openxmlformats.org/drawingml/2006/main" xmlns:p="http://schemas.openxmlformats.org/presentationml/2006/main" xmlns:r="http://schemas.openxmlformats.org/officeDocument/2006/relationships">
+<p:sld xmlns:a="http://schemas.openxmlformats.org/drawingml/2006/main" xmlns:r="http://schemas.openxmlformats.org/officeDocument/2006/relationships" xmlns:p="http://schemas.openxmlformats.org/presentationml/2006/main">
   <p:cSld>
     <p:spTree>
       <p:nvGrpSpPr>
@@ -9630,6 +9842,11 @@
               </a:rPr>
               <a:t>Copyright © 2021 by Elephant Scale, All Rights Reserved</a:t>
             </a:r>
+            <a:endParaRPr sz="800">
+              <a:solidFill>
+                <a:srgbClr val="000000"/>
+              </a:solidFill>
+            </a:endParaRPr>
           </a:p>
         </p:txBody>
       </p:sp>
@@ -9884,13 +10101,8 @@
           <a:headEnd type="none" w="med" len="med"/>
           <a:tailEnd type="none" w="med" len="med"/>
         </a:ln>
-        <a:effectLst/>
       </a:spPr>
-      <a:bodyPr vert="horz" wrap="square" lIns="91440" tIns="45720" rIns="91440" bIns="45720" numCol="1" anchor="t" anchorCtr="0" compatLnSpc="1">
-        <a:prstTxWarp prst="textNoShape">
-          <a:avLst/>
-        </a:prstTxWarp>
-      </a:bodyPr>
+      <a:bodyPr vert="horz" wrap="square" lIns="91440" tIns="45720" rIns="91440" bIns="45720" numCol="1" anchor="t" anchorCtr="0" compatLnSpc="1"/>
       <a:lstStyle>
         <a:defPPr marL="0" marR="0" indent="0" algn="ctr" defTabSz="914400" rtl="0" eaLnBrk="1" fontAlgn="base" latinLnBrk="0" hangingPunct="1">
           <a:lnSpc>
@@ -9906,7 +10118,6 @@
           <a:buSzTx/>
           <a:buFontTx/>
           <a:buNone/>
-          <a:tabLst/>
           <a:defRPr kumimoji="0" lang="en-US" sz="1000" b="0" i="0" u="none" strike="noStrike" cap="none" normalizeH="0" baseline="0">
             <a:ln>
               <a:noFill/>
@@ -9915,7 +10126,7 @@
               <a:schemeClr val="tx1"/>
             </a:solidFill>
             <a:effectLst/>
-            <a:latin typeface="Garamond" pitchFamily="-110" charset="0"/>
+            <a:latin typeface="Garamond" pitchFamily="18" charset="0"/>
           </a:defRPr>
         </a:defPPr>
       </a:lstStyle>
@@ -9946,13 +10157,8 @@
           <a:headEnd type="none" w="med" len="med"/>
           <a:tailEnd type="none" w="med" len="med"/>
         </a:ln>
-        <a:effectLst/>
       </a:spPr>
-      <a:bodyPr vert="horz" wrap="square" lIns="91440" tIns="45720" rIns="91440" bIns="45720" numCol="1" anchor="t" anchorCtr="0" compatLnSpc="1">
-        <a:prstTxWarp prst="textNoShape">
-          <a:avLst/>
-        </a:prstTxWarp>
-      </a:bodyPr>
+      <a:bodyPr vert="horz" wrap="square" lIns="91440" tIns="45720" rIns="91440" bIns="45720" numCol="1" anchor="t" anchorCtr="0" compatLnSpc="1"/>
       <a:lstStyle>
         <a:defPPr marL="0" marR="0" indent="0" algn="ctr" defTabSz="914400" rtl="0" eaLnBrk="1" fontAlgn="base" latinLnBrk="0" hangingPunct="1">
           <a:lnSpc>
@@ -9968,7 +10174,6 @@
           <a:buSzTx/>
           <a:buFontTx/>
           <a:buNone/>
-          <a:tabLst/>
           <a:defRPr kumimoji="0" lang="en-US" sz="1000" b="0" i="0" u="none" strike="noStrike" cap="none" normalizeH="0" baseline="0">
             <a:ln>
               <a:noFill/>
@@ -9977,7 +10182,7 @@
               <a:schemeClr val="tx1"/>
             </a:solidFill>
             <a:effectLst/>
-            <a:latin typeface="Garamond" pitchFamily="-110" charset="0"/>
+            <a:latin typeface="Garamond" pitchFamily="18" charset="0"/>
           </a:defRPr>
         </a:defPPr>
       </a:lstStyle>
@@ -10272,6 +10477,11 @@
       <a:clrMap bg1="dk2" tx1="lt1" bg2="dk1" tx2="lt2" accent1="accent1" accent2="accent2" accent3="accent3" accent4="accent4" accent5="accent5" accent6="accent6" hlink="hlink" folHlink="folHlink"/>
     </a:extraClrScheme>
   </a:extraClrSchemeLst>
+  <a:extLst>
+    <a:ext uri="{05A4C25C-085E-4340-85A3-A5531E510DB2}">
+      <thm15:themeFamily xmlns:thm15="http://schemas.microsoft.com/office/thememl/2012/main" name="Office Theme" id="{62F939B6-93AF-4DB8-9C6B-D6C7DFDC589F}" vid="{4A3C46E8-61CC-4603-A589-7422A47A8E4A}"/>
+    </a:ext>
+  </a:extLst>
 </a:theme>
 </file>
 
@@ -10589,7 +10799,11 @@
       </a:style>
     </a:lnDef>
   </a:objectDefaults>
-  <a:extraClrSchemeLst/>
+  <a:extLst>
+    <a:ext uri="{05A4C25C-085E-4340-85A3-A5531E510DB2}">
+      <thm15:themeFamily xmlns:thm15="http://schemas.microsoft.com/office/thememl/2012/main" name="Office Theme" id="{62F939B6-93AF-4DB8-9C6B-D6C7DFDC589F}" vid="{4A3C46E8-61CC-4603-A589-7422A47A8E4A}"/>
+    </a:ext>
+  </a:extLst>
 </a:theme>
 </file>
 
@@ -10907,6 +11121,10 @@
       </a:style>
     </a:lnDef>
   </a:objectDefaults>
-  <a:extraClrSchemeLst/>
+  <a:extLst>
+    <a:ext uri="{05A4C25C-085E-4340-85A3-A5531E510DB2}">
+      <thm15:themeFamily xmlns:thm15="http://schemas.microsoft.com/office/thememl/2012/main" name="Office Theme" id="{62F939B6-93AF-4DB8-9C6B-D6C7DFDC589F}" vid="{4A3C46E8-61CC-4603-A589-7422A47A8E4A}"/>
+    </a:ext>
+  </a:extLst>
 </a:theme>
 </file>
--- a/secure-coding/slides/delivery/06__Defensive-Programming.pptx
+++ b/secure-coding/slides/delivery/06__Defensive-Programming.pptx
@@ -1,77 +1,79 @@
 
 <file path=ppt/presentation.xml><?xml version="1.0" encoding="utf-8"?>
-<p:presentation xmlns:a="http://schemas.openxmlformats.org/drawingml/2006/main" xmlns:r="http://schemas.openxmlformats.org/officeDocument/2006/relationships" xmlns:p="http://schemas.openxmlformats.org/presentationml/2006/main" showSpecialPlsOnTitleSld="0" autoCompressPictures="0">
+<p:presentation xmlns:a="http://schemas.openxmlformats.org/drawingml/2006/main" xmlns:r="http://schemas.openxmlformats.org/officeDocument/2006/relationships" xmlns:p="http://schemas.openxmlformats.org/presentationml/2006/main" showSpecialPlsOnTitleSld="0" saveSubsetFonts="1" autoCompressPictures="0">
   <p:sldMasterIdLst>
-    <p:sldMasterId id="2147483648" r:id="rId1"/>
+    <p:sldMasterId id="2147483651" r:id="rId1"/>
   </p:sldMasterIdLst>
   <p:notesMasterIdLst>
-    <p:notesMasterId r:id="rId62"/>
+    <p:notesMasterId r:id="rId63"/>
   </p:notesMasterIdLst>
   <p:handoutMasterIdLst>
-    <p:handoutMasterId r:id="rId63"/>
+    <p:handoutMasterId r:id="rId64"/>
   </p:handoutMasterIdLst>
   <p:sldIdLst>
-    <p:sldId id="256" r:id="rId3"/>
-    <p:sldId id="257" r:id="rId4"/>
-    <p:sldId id="258" r:id="rId5"/>
-    <p:sldId id="259" r:id="rId6"/>
-    <p:sldId id="260" r:id="rId7"/>
-    <p:sldId id="261" r:id="rId8"/>
-    <p:sldId id="262" r:id="rId9"/>
-    <p:sldId id="263" r:id="rId10"/>
-    <p:sldId id="264" r:id="rId11"/>
-    <p:sldId id="265" r:id="rId12"/>
-    <p:sldId id="266" r:id="rId13"/>
-    <p:sldId id="267" r:id="rId14"/>
-    <p:sldId id="268" r:id="rId15"/>
-    <p:sldId id="269" r:id="rId16"/>
-    <p:sldId id="270" r:id="rId17"/>
-    <p:sldId id="271" r:id="rId18"/>
-    <p:sldId id="272" r:id="rId19"/>
-    <p:sldId id="273" r:id="rId20"/>
-    <p:sldId id="274" r:id="rId21"/>
-    <p:sldId id="275" r:id="rId22"/>
-    <p:sldId id="276" r:id="rId23"/>
-    <p:sldId id="277" r:id="rId24"/>
-    <p:sldId id="278" r:id="rId25"/>
-    <p:sldId id="279" r:id="rId26"/>
-    <p:sldId id="280" r:id="rId27"/>
-    <p:sldId id="281" r:id="rId28"/>
-    <p:sldId id="282" r:id="rId29"/>
-    <p:sldId id="283" r:id="rId30"/>
-    <p:sldId id="284" r:id="rId31"/>
-    <p:sldId id="285" r:id="rId32"/>
-    <p:sldId id="286" r:id="rId33"/>
-    <p:sldId id="287" r:id="rId34"/>
-    <p:sldId id="288" r:id="rId35"/>
-    <p:sldId id="289" r:id="rId36"/>
-    <p:sldId id="290" r:id="rId37"/>
-    <p:sldId id="291" r:id="rId38"/>
-    <p:sldId id="292" r:id="rId39"/>
-    <p:sldId id="293" r:id="rId40"/>
-    <p:sldId id="294" r:id="rId41"/>
-    <p:sldId id="295" r:id="rId42"/>
-    <p:sldId id="296" r:id="rId43"/>
-    <p:sldId id="297" r:id="rId44"/>
-    <p:sldId id="298" r:id="rId45"/>
-    <p:sldId id="299" r:id="rId46"/>
-    <p:sldId id="300" r:id="rId47"/>
-    <p:sldId id="301" r:id="rId48"/>
-    <p:sldId id="302" r:id="rId49"/>
-    <p:sldId id="303" r:id="rId50"/>
-    <p:sldId id="304" r:id="rId51"/>
-    <p:sldId id="305" r:id="rId52"/>
-    <p:sldId id="306" r:id="rId53"/>
-    <p:sldId id="307" r:id="rId54"/>
-    <p:sldId id="308" r:id="rId55"/>
-    <p:sldId id="309" r:id="rId56"/>
-    <p:sldId id="310" r:id="rId57"/>
-    <p:sldId id="311" r:id="rId58"/>
-    <p:sldId id="312" r:id="rId59"/>
-    <p:sldId id="313" r:id="rId60"/>
-    <p:sldId id="314" r:id="rId61"/>
+    <p:sldId id="256" r:id="rId2"/>
+    <p:sldId id="257" r:id="rId3"/>
+    <p:sldId id="258" r:id="rId4"/>
+    <p:sldId id="259" r:id="rId5"/>
+    <p:sldId id="260" r:id="rId6"/>
+    <p:sldId id="261" r:id="rId7"/>
+    <p:sldId id="262" r:id="rId8"/>
+    <p:sldId id="263" r:id="rId9"/>
+    <p:sldId id="264" r:id="rId10"/>
+    <p:sldId id="265" r:id="rId11"/>
+    <p:sldId id="266" r:id="rId12"/>
+    <p:sldId id="267" r:id="rId13"/>
+    <p:sldId id="268" r:id="rId14"/>
+    <p:sldId id="269" r:id="rId15"/>
+    <p:sldId id="270" r:id="rId16"/>
+    <p:sldId id="271" r:id="rId17"/>
+    <p:sldId id="272" r:id="rId18"/>
+    <p:sldId id="273" r:id="rId19"/>
+    <p:sldId id="274" r:id="rId20"/>
+    <p:sldId id="275" r:id="rId21"/>
+    <p:sldId id="276" r:id="rId22"/>
+    <p:sldId id="277" r:id="rId23"/>
+    <p:sldId id="278" r:id="rId24"/>
+    <p:sldId id="279" r:id="rId25"/>
+    <p:sldId id="280" r:id="rId26"/>
+    <p:sldId id="281" r:id="rId27"/>
+    <p:sldId id="282" r:id="rId28"/>
+    <p:sldId id="283" r:id="rId29"/>
+    <p:sldId id="284" r:id="rId30"/>
+    <p:sldId id="285" r:id="rId31"/>
+    <p:sldId id="286" r:id="rId32"/>
+    <p:sldId id="287" r:id="rId33"/>
+    <p:sldId id="288" r:id="rId34"/>
+    <p:sldId id="289" r:id="rId35"/>
+    <p:sldId id="290" r:id="rId36"/>
+    <p:sldId id="291" r:id="rId37"/>
+    <p:sldId id="292" r:id="rId38"/>
+    <p:sldId id="293" r:id="rId39"/>
+    <p:sldId id="294" r:id="rId40"/>
+    <p:sldId id="295" r:id="rId41"/>
+    <p:sldId id="296" r:id="rId42"/>
+    <p:sldId id="297" r:id="rId43"/>
+    <p:sldId id="298" r:id="rId44"/>
+    <p:sldId id="299" r:id="rId45"/>
+    <p:sldId id="300" r:id="rId46"/>
+    <p:sldId id="301" r:id="rId47"/>
+    <p:sldId id="302" r:id="rId48"/>
+    <p:sldId id="303" r:id="rId49"/>
+    <p:sldId id="304" r:id="rId50"/>
+    <p:sldId id="305" r:id="rId51"/>
+    <p:sldId id="306" r:id="rId52"/>
+    <p:sldId id="307" r:id="rId53"/>
+    <p:sldId id="308" r:id="rId54"/>
+    <p:sldId id="309" r:id="rId55"/>
+    <p:sldId id="310" r:id="rId56"/>
+    <p:sldId id="311" r:id="rId57"/>
+    <p:sldId id="312" r:id="rId58"/>
+    <p:sldId id="313" r:id="rId59"/>
+    <p:sldId id="314" r:id="rId60"/>
+    <p:sldId id="315" r:id="rId61"/>
+    <p:sldId id="316" r:id="rId62"/>
   </p:sldIdLst>
-  <p:sldSz cx="9372600" cy="8297545"/>
+  <p:sldSz cx="9372600" cy="8297863"/>
   <p:notesSz cx="7315200" cy="9601200"/>
   <p:defaultTextStyle>
     <a:defPPr>
@@ -89,8 +91,8 @@
           <a:schemeClr val="tx1"/>
         </a:solidFill>
         <a:latin typeface="Garamond" pitchFamily="18" charset="0"/>
-        <a:ea typeface="MS PGothic"/>
-        <a:cs typeface="MS PGothic"/>
+        <a:ea typeface="ＭＳ Ｐゴシック"/>
+        <a:cs typeface="ＭＳ Ｐゴシック"/>
       </a:defRPr>
     </a:lvl1pPr>
     <a:lvl2pPr marL="457200" algn="l" rtl="0" fontAlgn="base">
@@ -105,8 +107,8 @@
           <a:schemeClr val="tx1"/>
         </a:solidFill>
         <a:latin typeface="Garamond" pitchFamily="18" charset="0"/>
-        <a:ea typeface="MS PGothic"/>
-        <a:cs typeface="MS PGothic"/>
+        <a:ea typeface="ＭＳ Ｐゴシック"/>
+        <a:cs typeface="ＭＳ Ｐゴシック"/>
       </a:defRPr>
     </a:lvl2pPr>
     <a:lvl3pPr marL="914400" algn="l" rtl="0" fontAlgn="base">
@@ -121,8 +123,8 @@
           <a:schemeClr val="tx1"/>
         </a:solidFill>
         <a:latin typeface="Garamond" pitchFamily="18" charset="0"/>
-        <a:ea typeface="MS PGothic"/>
-        <a:cs typeface="MS PGothic"/>
+        <a:ea typeface="ＭＳ Ｐゴシック"/>
+        <a:cs typeface="ＭＳ Ｐゴシック"/>
       </a:defRPr>
     </a:lvl3pPr>
     <a:lvl4pPr marL="1371600" algn="l" rtl="0" fontAlgn="base">
@@ -137,8 +139,8 @@
           <a:schemeClr val="tx1"/>
         </a:solidFill>
         <a:latin typeface="Garamond" pitchFamily="18" charset="0"/>
-        <a:ea typeface="MS PGothic"/>
-        <a:cs typeface="MS PGothic"/>
+        <a:ea typeface="ＭＳ Ｐゴシック"/>
+        <a:cs typeface="ＭＳ Ｐゴシック"/>
       </a:defRPr>
     </a:lvl4pPr>
     <a:lvl5pPr marL="1828800" algn="l" rtl="0" fontAlgn="base">
@@ -153,8 +155,8 @@
           <a:schemeClr val="tx1"/>
         </a:solidFill>
         <a:latin typeface="Garamond" pitchFamily="18" charset="0"/>
-        <a:ea typeface="MS PGothic"/>
-        <a:cs typeface="MS PGothic"/>
+        <a:ea typeface="ＭＳ Ｐゴシック"/>
+        <a:cs typeface="ＭＳ Ｐゴシック"/>
       </a:defRPr>
     </a:lvl5pPr>
     <a:lvl6pPr marL="2286000" algn="l" defTabSz="914400" rtl="0" eaLnBrk="1" latinLnBrk="0" hangingPunct="1">
@@ -163,8 +165,8 @@
           <a:schemeClr val="tx1"/>
         </a:solidFill>
         <a:latin typeface="Garamond" pitchFamily="18" charset="0"/>
-        <a:ea typeface="MS PGothic"/>
-        <a:cs typeface="MS PGothic"/>
+        <a:ea typeface="ＭＳ Ｐゴシック"/>
+        <a:cs typeface="ＭＳ Ｐゴシック"/>
       </a:defRPr>
     </a:lvl6pPr>
     <a:lvl7pPr marL="2743200" algn="l" defTabSz="914400" rtl="0" eaLnBrk="1" latinLnBrk="0" hangingPunct="1">
@@ -173,8 +175,8 @@
           <a:schemeClr val="tx1"/>
         </a:solidFill>
         <a:latin typeface="Garamond" pitchFamily="18" charset="0"/>
-        <a:ea typeface="MS PGothic"/>
-        <a:cs typeface="MS PGothic"/>
+        <a:ea typeface="ＭＳ Ｐゴシック"/>
+        <a:cs typeface="ＭＳ Ｐゴシック"/>
       </a:defRPr>
     </a:lvl7pPr>
     <a:lvl8pPr marL="3200400" algn="l" defTabSz="914400" rtl="0" eaLnBrk="1" latinLnBrk="0" hangingPunct="1">
@@ -183,8 +185,8 @@
           <a:schemeClr val="tx1"/>
         </a:solidFill>
         <a:latin typeface="Garamond" pitchFamily="18" charset="0"/>
-        <a:ea typeface="MS PGothic"/>
-        <a:cs typeface="MS PGothic"/>
+        <a:ea typeface="ＭＳ Ｐゴシック"/>
+        <a:cs typeface="ＭＳ Ｐゴシック"/>
       </a:defRPr>
     </a:lvl8pPr>
     <a:lvl9pPr marL="3657600" algn="l" defTabSz="914400" rtl="0" eaLnBrk="1" latinLnBrk="0" hangingPunct="1">
@@ -193,11 +195,41 @@
           <a:schemeClr val="tx1"/>
         </a:solidFill>
         <a:latin typeface="Garamond" pitchFamily="18" charset="0"/>
-        <a:ea typeface="MS PGothic"/>
-        <a:cs typeface="MS PGothic"/>
+        <a:ea typeface="ＭＳ Ｐゴシック"/>
+        <a:cs typeface="ＭＳ Ｐゴシック"/>
       </a:defRPr>
     </a:lvl9pPr>
   </p:defaultTextStyle>
+  <p:extLst>
+    <p:ext uri="{EFAFB233-063F-42B5-8137-9DF3F51BA10A}">
+      <p15:sldGuideLst xmlns:p15="http://schemas.microsoft.com/office/powerpoint/2012/main">
+        <p15:guide id="1" orient="horz" pos="2614" userDrawn="1">
+          <p15:clr>
+            <a:srgbClr val="A4A3A4"/>
+          </p15:clr>
+        </p15:guide>
+        <p15:guide id="2" pos="2952" userDrawn="1">
+          <p15:clr>
+            <a:srgbClr val="A4A3A4"/>
+          </p15:clr>
+        </p15:guide>
+      </p15:sldGuideLst>
+    </p:ext>
+    <p:ext uri="{2D200454-40CA-4A62-9FC3-DE9A4176ACB9}">
+      <p15:notesGuideLst xmlns:p15="http://schemas.microsoft.com/office/powerpoint/2012/main">
+        <p15:guide id="1" orient="horz" pos="3024">
+          <p15:clr>
+            <a:srgbClr val="A4A3A4"/>
+          </p15:clr>
+        </p15:guide>
+        <p15:guide id="2" pos="2308">
+          <p15:clr>
+            <a:srgbClr val="A4A3A4"/>
+          </p15:clr>
+        </p15:guide>
+      </p15:notesGuideLst>
+    </p:ext>
+  </p:extLst>
 </p:presentation>
 </file>
 
@@ -258,14 +290,20 @@
           <a:ln w="9525">
             <a:noFill/>
             <a:miter lim="800000"/>
+            <a:headEnd/>
+            <a:tailEnd/>
           </a:ln>
         </p:spPr>
         <p:txBody>
-          <a:bodyPr vert="horz" wrap="square" lIns="96603" tIns="48303" rIns="96603" bIns="48303" numCol="1" anchor="b" anchorCtr="0" compatLnSpc="1"/>
+          <a:bodyPr vert="horz" wrap="square" lIns="96603" tIns="48303" rIns="96603" bIns="48303" numCol="1" anchor="b" anchorCtr="0" compatLnSpc="1">
+            <a:prstTxWarp prst="textNoShape">
+              <a:avLst/>
+            </a:prstTxWarp>
+          </a:bodyPr>
           <a:lstStyle>
             <a:lvl1pPr defTabSz="965200">
               <a:defRPr sz="1200">
-                <a:latin typeface="Times New Roman" panose="02020603050405020304" pitchFamily="-110" charset="0"/>
+                <a:latin typeface="Times New Roman" pitchFamily="18" charset="0"/>
               </a:defRPr>
             </a:lvl1pPr>
           </a:lstStyle>
@@ -277,7 +315,6 @@
               <a:rPr lang="en-US" dirty="0"/>
               <a:t>Copyright © 2017 Elephant Scale. All rights reserved.</a:t>
             </a:r>
-            <a:endParaRPr lang="en-US" dirty="0"/>
           </a:p>
         </p:txBody>
       </p:sp>
@@ -303,14 +340,20 @@
           <a:ln w="9525">
             <a:noFill/>
             <a:miter lim="800000"/>
+            <a:headEnd/>
+            <a:tailEnd/>
           </a:ln>
         </p:spPr>
         <p:txBody>
-          <a:bodyPr vert="horz" wrap="square" lIns="96603" tIns="48303" rIns="96603" bIns="48303" numCol="1" anchor="b" anchorCtr="0" compatLnSpc="1"/>
+          <a:bodyPr vert="horz" wrap="square" lIns="96603" tIns="48303" rIns="96603" bIns="48303" numCol="1" anchor="b" anchorCtr="0" compatLnSpc="1">
+            <a:prstTxWarp prst="textNoShape">
+              <a:avLst/>
+            </a:prstTxWarp>
+          </a:bodyPr>
           <a:lstStyle>
             <a:lvl1pPr algn="r" defTabSz="965200">
               <a:defRPr sz="1200">
-                <a:latin typeface="Times New Roman" panose="02020603050405020304" pitchFamily="-110" charset="0"/>
+                <a:latin typeface="Times New Roman" pitchFamily="18" charset="0"/>
               </a:defRPr>
             </a:lvl1pPr>
           </a:lstStyle>
@@ -320,12 +363,21 @@
             </a:pPr>
             <a:fld id="{97E62689-8C7D-4291-A094-4E689FEC4C3B}" type="slidenum">
               <a:rPr lang="en-US"/>
+              <a:pPr>
+                <a:defRPr/>
+              </a:pPr>
+              <a:t>‹#›</a:t>
             </a:fld>
             <a:endParaRPr lang="en-US" dirty="0"/>
           </a:p>
         </p:txBody>
       </p:sp>
     </p:spTree>
+    <p:extLst>
+      <p:ext uri="{BB962C8B-B14F-4D97-AF65-F5344CB8AC3E}">
+        <p14:creationId xmlns:p14="http://schemas.microsoft.com/office/powerpoint/2010/main" val="3239291525"/>
+      </p:ext>
+    </p:extLst>
   </p:cSld>
   <p:clrMap bg1="lt1" tx1="dk1" bg2="lt2" tx2="dk2" accent1="accent1" accent2="accent2" accent3="accent3" accent4="accent4" accent5="accent5" accent6="accent6" hlink="hlink" folHlink="folHlink"/>
   <p:hf hdr="0" ftr="0" dt="0"/>
@@ -381,6 +433,8 @@
               <a:srgbClr val="000000"/>
             </a:solidFill>
             <a:miter lim="800000"/>
+            <a:headEnd/>
+            <a:tailEnd/>
           </a:ln>
         </p:spPr>
       </p:sp>
@@ -406,15 +460,21 @@
           <a:ln w="9525">
             <a:noFill/>
             <a:miter lim="800000"/>
+            <a:headEnd/>
+            <a:tailEnd/>
           </a:ln>
           <a:effectLst/>
         </p:spPr>
         <p:txBody>
-          <a:bodyPr vert="horz" wrap="square" lIns="0" tIns="0" rIns="0" bIns="0" numCol="1" anchor="b" anchorCtr="1" compatLnSpc="1"/>
+          <a:bodyPr vert="horz" wrap="square" lIns="0" tIns="0" rIns="0" bIns="0" numCol="1" anchor="b" anchorCtr="1" compatLnSpc="1">
+            <a:prstTxWarp prst="textNoShape">
+              <a:avLst/>
+            </a:prstTxWarp>
+          </a:bodyPr>
           <a:lstStyle>
             <a:lvl1pPr algn="ctr" defTabSz="965200" eaLnBrk="0" hangingPunct="0">
               <a:defRPr sz="900">
-                <a:latin typeface="Arial" panose="020B0604020202020204" pitchFamily="34" charset="0"/>
+                <a:latin typeface="Arial" charset="0"/>
               </a:defRPr>
             </a:lvl1pPr>
           </a:lstStyle>
@@ -426,7 +486,6 @@
               <a:rPr lang="en-US" dirty="0"/>
               <a:t>Copyright © 2017 Elephant Scale. All rights reserved.</a:t>
             </a:r>
-            <a:endParaRPr lang="en-US" dirty="0"/>
           </a:p>
         </p:txBody>
       </p:sp>
@@ -452,15 +511,21 @@
           <a:ln w="9525">
             <a:noFill/>
             <a:miter lim="800000"/>
+            <a:headEnd/>
+            <a:tailEnd/>
           </a:ln>
           <a:effectLst/>
         </p:spPr>
         <p:txBody>
-          <a:bodyPr vert="horz" wrap="square" lIns="0" tIns="0" rIns="0" bIns="0" numCol="1" anchor="b" anchorCtr="0" compatLnSpc="1"/>
+          <a:bodyPr vert="horz" wrap="square" lIns="0" tIns="0" rIns="0" bIns="0" numCol="1" anchor="b" anchorCtr="0" compatLnSpc="1">
+            <a:prstTxWarp prst="textNoShape">
+              <a:avLst/>
+            </a:prstTxWarp>
+          </a:bodyPr>
           <a:lstStyle>
             <a:lvl1pPr algn="r" defTabSz="965200" eaLnBrk="0" hangingPunct="0">
               <a:defRPr b="1">
-                <a:latin typeface="Arial" panose="020B0604020202020204" pitchFamily="34" charset="0"/>
+                <a:latin typeface="Arial" charset="0"/>
               </a:defRPr>
             </a:lvl1pPr>
           </a:lstStyle>
@@ -470,6 +535,10 @@
             </a:pPr>
             <a:fld id="{EFAADD5D-AF76-45EE-AA5F-6DAC73BF167A}" type="slidenum">
               <a:rPr lang="en-US"/>
+              <a:pPr>
+                <a:defRPr/>
+              </a:pPr>
+              <a:t>‹#›</a:t>
             </a:fld>
             <a:endParaRPr lang="en-US" dirty="0"/>
           </a:p>
@@ -495,26 +564,24 @@
           <a:ln w="9525">
             <a:noFill/>
             <a:miter lim="800000"/>
+            <a:headEnd/>
+            <a:tailEnd/>
           </a:ln>
         </p:spPr>
         <p:txBody>
           <a:bodyPr wrap="none" lIns="96386" tIns="48194" rIns="96386" bIns="48194"/>
           <a:lstStyle/>
           <a:p>
-            <a:pPr defTabSz="960755">
+            <a:pPr defTabSz="960438">
               <a:defRPr/>
             </a:pPr>
             <a:r>
               <a:rPr lang="en-US" sz="1200" b="1" u="sng" dirty="0">
-                <a:latin typeface="Times New Roman" panose="02020603050405020304" pitchFamily="-110" charset="0"/>
-                <a:cs typeface="Times New Roman" panose="02020603050405020304" pitchFamily="-110" charset="0"/>
+                <a:latin typeface="Times New Roman" pitchFamily="18" charset="0"/>
+                <a:cs typeface="Times New Roman" pitchFamily="18" charset="0"/>
               </a:rPr>
               <a:t>Notes:</a:t>
             </a:r>
-            <a:endParaRPr lang="en-US" sz="1200" b="1" u="sng" dirty="0">
-              <a:latin typeface="Times New Roman" panose="02020603050405020304" pitchFamily="-110" charset="0"/>
-              <a:cs typeface="Times New Roman" panose="02020603050405020304" pitchFamily="-110" charset="0"/>
-            </a:endParaRPr>
           </a:p>
         </p:txBody>
       </p:sp>
@@ -540,10 +607,16 @@
           <a:ln w="9525">
             <a:noFill/>
             <a:miter lim="800000"/>
+            <a:headEnd/>
+            <a:tailEnd/>
           </a:ln>
         </p:spPr>
         <p:txBody>
-          <a:bodyPr vert="horz" wrap="square" lIns="91537" tIns="45768" rIns="91537" bIns="45768" numCol="1" anchor="t" anchorCtr="0" compatLnSpc="1"/>
+          <a:bodyPr vert="horz" wrap="square" lIns="91537" tIns="45768" rIns="91537" bIns="45768" numCol="1" anchor="t" anchorCtr="0" compatLnSpc="1">
+            <a:prstTxWarp prst="textNoShape">
+              <a:avLst/>
+            </a:prstTxWarp>
+          </a:bodyPr>
           <a:lstStyle/>
           <a:p>
             <a:pPr lvl="0"/>
@@ -573,6 +646,8 @@
               <a:srgbClr val="000000"/>
             </a:solidFill>
             <a:round/>
+            <a:headEnd/>
+            <a:tailEnd/>
           </a:ln>
           <a:effectLst/>
         </p:spPr>
@@ -587,7 +662,7 @@
               <a:defRPr/>
             </a:pPr>
             <a:endParaRPr lang="en-US" dirty="0">
-              <a:latin typeface="Garamond" pitchFamily="18" charset="0"/>
+              <a:latin typeface="Garamond" pitchFamily="-110" charset="0"/>
               <a:ea typeface="+mn-ea"/>
               <a:cs typeface="+mn-cs"/>
             </a:endParaRPr>
@@ -595,6 +670,11 @@
         </p:txBody>
       </p:sp>
     </p:spTree>
+    <p:extLst>
+      <p:ext uri="{BB962C8B-B14F-4D97-AF65-F5344CB8AC3E}">
+        <p14:creationId xmlns:p14="http://schemas.microsoft.com/office/powerpoint/2010/main" val="953744030"/>
+      </p:ext>
+    </p:extLst>
   </p:cSld>
   <p:clrMap bg1="lt1" tx1="dk1" bg2="lt2" tx2="dk2" accent1="accent1" accent2="accent2" accent3="accent3" accent4="accent4" accent5="accent5" accent6="accent6" hlink="hlink" folHlink="folHlink"/>
   <p:hf dt="0"/>
@@ -607,15 +687,15 @@
         <a:spcPct val="0"/>
       </a:spcAft>
       <a:buSzPct val="65000"/>
-      <a:buFont typeface="Wingdings" panose="05000000000000000000" pitchFamily="2" charset="2"/>
+      <a:buFont typeface="Wingdings" pitchFamily="2" charset="2"/>
       <a:buNone/>
       <a:defRPr sz="1200" kern="1200">
         <a:solidFill>
           <a:schemeClr val="tx1"/>
         </a:solidFill>
-        <a:latin typeface="Times New Roman" panose="02020603050405020304" pitchFamily="-110" charset="0"/>
-        <a:ea typeface="MS PGothic" pitchFamily="-110" charset="-128"/>
-        <a:cs typeface="MS PGothic" pitchFamily="-110" charset="-128"/>
+        <a:latin typeface="Times New Roman" pitchFamily="-110" charset="0"/>
+        <a:ea typeface="ＭＳ Ｐゴシック" pitchFamily="-110" charset="-128"/>
+        <a:cs typeface="ＭＳ Ｐゴシック" pitchFamily="-110" charset="-128"/>
       </a:defRPr>
     </a:lvl1pPr>
     <a:lvl2pPr marL="282575" indent="0" algn="l" rtl="0" eaLnBrk="0" fontAlgn="base" hangingPunct="0">
@@ -630,12 +710,12 @@
         <a:solidFill>
           <a:schemeClr val="tx1"/>
         </a:solidFill>
-        <a:latin typeface="Times New Roman" panose="02020603050405020304" pitchFamily="-110" charset="0"/>
-        <a:ea typeface="MS PGothic" pitchFamily="-110" charset="-128"/>
-        <a:cs typeface="MS PGothic"/>
+        <a:latin typeface="Times New Roman" pitchFamily="-110" charset="0"/>
+        <a:ea typeface="ＭＳ Ｐゴシック" pitchFamily="-110" charset="-128"/>
+        <a:cs typeface="ＭＳ Ｐゴシック"/>
       </a:defRPr>
     </a:lvl2pPr>
-    <a:lvl3pPr marL="744855" indent="-173355" algn="l" rtl="0" eaLnBrk="0" fontAlgn="base" hangingPunct="0">
+    <a:lvl3pPr marL="744538" indent="-173038" algn="l" rtl="0" eaLnBrk="0" fontAlgn="base" hangingPunct="0">
       <a:spcBef>
         <a:spcPct val="30000"/>
       </a:spcBef>
@@ -647,9 +727,9 @@
         <a:solidFill>
           <a:schemeClr val="tx1"/>
         </a:solidFill>
-        <a:latin typeface="Times New Roman" panose="02020603050405020304" pitchFamily="-110" charset="0"/>
-        <a:ea typeface="MS PGothic" pitchFamily="-110" charset="-128"/>
-        <a:cs typeface="MS PGothic"/>
+        <a:latin typeface="Times New Roman" pitchFamily="-110" charset="0"/>
+        <a:ea typeface="ＭＳ Ｐゴシック" pitchFamily="-110" charset="-128"/>
+        <a:cs typeface="ＭＳ Ｐゴシック"/>
       </a:defRPr>
     </a:lvl3pPr>
     <a:lvl4pPr marL="1600200" indent="-228600" algn="l" rtl="0" eaLnBrk="0" fontAlgn="base" hangingPunct="0">
@@ -663,9 +743,9 @@
         <a:solidFill>
           <a:schemeClr val="tx1"/>
         </a:solidFill>
-        <a:latin typeface="Times New Roman" panose="02020603050405020304" pitchFamily="-110" charset="0"/>
-        <a:ea typeface="MS PGothic" pitchFamily="-110" charset="-128"/>
-        <a:cs typeface="MS PGothic"/>
+        <a:latin typeface="Times New Roman" pitchFamily="-110" charset="0"/>
+        <a:ea typeface="ＭＳ Ｐゴシック" pitchFamily="-110" charset="-128"/>
+        <a:cs typeface="ＭＳ Ｐゴシック"/>
       </a:defRPr>
     </a:lvl4pPr>
     <a:lvl5pPr marL="2057400" indent="-228600" algn="l" rtl="0" eaLnBrk="0" fontAlgn="base" hangingPunct="0">
@@ -679,9 +759,9 @@
         <a:solidFill>
           <a:schemeClr val="tx1"/>
         </a:solidFill>
-        <a:latin typeface="Times New Roman" panose="02020603050405020304" pitchFamily="-110" charset="0"/>
-        <a:ea typeface="MS PGothic" pitchFamily="-110" charset="-128"/>
-        <a:cs typeface="MS PGothic"/>
+        <a:latin typeface="Times New Roman" pitchFamily="-110" charset="0"/>
+        <a:ea typeface="ＭＳ Ｐゴシック" pitchFamily="-110" charset="-128"/>
+        <a:cs typeface="ＭＳ Ｐゴシック"/>
       </a:defRPr>
     </a:lvl5pPr>
     <a:lvl6pPr marL="2286000" algn="l" defTabSz="457200" rtl="0" eaLnBrk="1" latinLnBrk="0" hangingPunct="1">
@@ -729,7 +809,7 @@
 </file>
 
 <file path=ppt/slideLayouts/slideLayout1.xml><?xml version="1.0" encoding="utf-8"?>
-<p:sldLayout xmlns:a="http://schemas.openxmlformats.org/drawingml/2006/main" xmlns:r="http://schemas.openxmlformats.org/officeDocument/2006/relationships" xmlns:p="http://schemas.openxmlformats.org/presentationml/2006/main" type="title" preserve="1" showMasterSp="0">
+<p:sldLayout xmlns:a="http://schemas.openxmlformats.org/drawingml/2006/main" xmlns:r="http://schemas.openxmlformats.org/officeDocument/2006/relationships" xmlns:p="http://schemas.openxmlformats.org/presentationml/2006/main" showMasterSp="0" type="title" preserve="1">
   <p:cSld name="Title Slide">
     <p:bg>
       <p:bgPr>
@@ -764,9 +844,7 @@
         <p:blipFill rotWithShape="1">
           <a:blip r:embed="rId2"/>
           <a:srcRect t="19473"/>
-          <a:stretch>
-            <a:fillRect/>
-          </a:stretch>
+          <a:stretch/>
         </p:blipFill>
         <p:spPr bwMode="auto">
           <a:xfrm>
@@ -817,7 +895,6 @@
               <a:rPr lang="en-US"/>
               <a:t>Click to edit Master subtitle style</a:t>
             </a:r>
-            <a:endParaRPr lang="en-US"/>
           </a:p>
         </p:txBody>
       </p:sp>
@@ -849,7 +926,6 @@
               <a:rPr lang="en-US"/>
               <a:t>Click to edit Master title style</a:t>
             </a:r>
-            <a:endParaRPr lang="en-US"/>
           </a:p>
         </p:txBody>
       </p:sp>
@@ -899,7 +975,6 @@
               <a:rPr lang="en-US" dirty="0"/>
               <a:t>Click to edit Master title style</a:t>
             </a:r>
-            <a:endParaRPr lang="en-US" dirty="0"/>
           </a:p>
         </p:txBody>
       </p:sp>
@@ -923,7 +998,6 @@
               <a:rPr lang="en-US" dirty="0"/>
               <a:t>Click to edit Master text styles</a:t>
             </a:r>
-            <a:endParaRPr lang="en-US" dirty="0"/>
           </a:p>
           <a:p>
             <a:pPr lvl="1"/>
@@ -931,7 +1005,6 @@
               <a:rPr lang="en-US" dirty="0"/>
               <a:t>Second level</a:t>
             </a:r>
-            <a:endParaRPr lang="en-US" dirty="0"/>
           </a:p>
           <a:p>
             <a:pPr lvl="2"/>
@@ -939,7 +1012,6 @@
               <a:rPr lang="en-US" dirty="0"/>
               <a:t>Third level</a:t>
             </a:r>
-            <a:endParaRPr lang="en-US" dirty="0"/>
           </a:p>
           <a:p>
             <a:pPr lvl="3"/>
@@ -947,7 +1019,6 @@
               <a:rPr lang="en-US" dirty="0"/>
               <a:t>Fourth level</a:t>
             </a:r>
-            <a:endParaRPr lang="en-US" dirty="0"/>
           </a:p>
           <a:p>
             <a:pPr lvl="4"/>
@@ -955,7 +1026,6 @@
               <a:rPr lang="en-US" dirty="0"/>
               <a:t>Fifth level</a:t>
             </a:r>
-            <a:endParaRPr lang="en-US" dirty="0"/>
           </a:p>
         </p:txBody>
       </p:sp>
@@ -981,7 +1051,6 @@
               <a:rPr lang="en-US" dirty="0"/>
               <a:t>Copyright © 2017 Elephant Scale. All rights reserved.</a:t>
             </a:r>
-            <a:endParaRPr lang="en-US" dirty="0"/>
           </a:p>
         </p:txBody>
       </p:sp>
@@ -1005,6 +1074,10 @@
             </a:pPr>
             <a:fld id="{77EF9825-4C23-4085-A4E3-B5565466BD91}" type="slidenum">
               <a:rPr lang="en-US" smtClean="0"/>
+              <a:pPr>
+                <a:defRPr/>
+              </a:pPr>
+              <a:t>‹#›</a:t>
             </a:fld>
             <a:endParaRPr lang="en-US" dirty="0"/>
           </a:p>
@@ -1059,7 +1132,6 @@
               <a:rPr lang="en-US"/>
               <a:t>Click to edit Master title style</a:t>
             </a:r>
-            <a:endParaRPr lang="en-US"/>
           </a:p>
         </p:txBody>
       </p:sp>
@@ -1088,7 +1160,6 @@
               <a:rPr lang="en-US"/>
               <a:t>Click to edit Master text styles</a:t>
             </a:r>
-            <a:endParaRPr lang="en-US"/>
           </a:p>
           <a:p>
             <a:pPr lvl="1"/>
@@ -1096,7 +1167,6 @@
               <a:rPr lang="en-US"/>
               <a:t>Second level</a:t>
             </a:r>
-            <a:endParaRPr lang="en-US"/>
           </a:p>
           <a:p>
             <a:pPr lvl="2"/>
@@ -1104,7 +1174,6 @@
               <a:rPr lang="en-US"/>
               <a:t>Third level</a:t>
             </a:r>
-            <a:endParaRPr lang="en-US"/>
           </a:p>
           <a:p>
             <a:pPr lvl="3"/>
@@ -1112,7 +1181,6 @@
               <a:rPr lang="en-US"/>
               <a:t>Fourth level</a:t>
             </a:r>
-            <a:endParaRPr lang="en-US"/>
           </a:p>
           <a:p>
             <a:pPr lvl="4"/>
@@ -1120,7 +1188,6 @@
               <a:rPr lang="en-US"/>
               <a:t>Fifth level</a:t>
             </a:r>
-            <a:endParaRPr lang="en-US"/>
           </a:p>
         </p:txBody>
       </p:sp>
@@ -1149,7 +1216,6 @@
               <a:rPr lang="en-US"/>
               <a:t>Click to edit Master text styles</a:t>
             </a:r>
-            <a:endParaRPr lang="en-US"/>
           </a:p>
           <a:p>
             <a:pPr lvl="1"/>
@@ -1157,7 +1223,6 @@
               <a:rPr lang="en-US"/>
               <a:t>Second level</a:t>
             </a:r>
-            <a:endParaRPr lang="en-US"/>
           </a:p>
           <a:p>
             <a:pPr lvl="2"/>
@@ -1165,7 +1230,6 @@
               <a:rPr lang="en-US"/>
               <a:t>Third level</a:t>
             </a:r>
-            <a:endParaRPr lang="en-US"/>
           </a:p>
           <a:p>
             <a:pPr lvl="3"/>
@@ -1173,7 +1237,6 @@
               <a:rPr lang="en-US"/>
               <a:t>Fourth level</a:t>
             </a:r>
-            <a:endParaRPr lang="en-US"/>
           </a:p>
           <a:p>
             <a:pPr lvl="4"/>
@@ -1181,7 +1244,6 @@
               <a:rPr lang="en-US"/>
               <a:t>Fifth level</a:t>
             </a:r>
-            <a:endParaRPr lang="en-US"/>
           </a:p>
         </p:txBody>
       </p:sp>
@@ -1210,7 +1272,6 @@
               <a:rPr lang="en-US"/>
               <a:t>Click to edit Master text styles</a:t>
             </a:r>
-            <a:endParaRPr lang="en-US"/>
           </a:p>
           <a:p>
             <a:pPr lvl="1"/>
@@ -1218,7 +1279,6 @@
               <a:rPr lang="en-US"/>
               <a:t>Second level</a:t>
             </a:r>
-            <a:endParaRPr lang="en-US"/>
           </a:p>
           <a:p>
             <a:pPr lvl="2"/>
@@ -1226,7 +1286,6 @@
               <a:rPr lang="en-US"/>
               <a:t>Third level</a:t>
             </a:r>
-            <a:endParaRPr lang="en-US"/>
           </a:p>
           <a:p>
             <a:pPr lvl="3"/>
@@ -1234,7 +1293,6 @@
               <a:rPr lang="en-US"/>
               <a:t>Fourth level</a:t>
             </a:r>
-            <a:endParaRPr lang="en-US"/>
           </a:p>
           <a:p>
             <a:pPr lvl="4"/>
@@ -1242,7 +1300,6 @@
               <a:rPr lang="en-US"/>
               <a:t>Fifth level</a:t>
             </a:r>
-            <a:endParaRPr lang="en-US"/>
           </a:p>
         </p:txBody>
       </p:sp>
@@ -1256,7 +1313,9 @@
             <p:ph type="sldNum" sz="quarter" idx="11"/>
           </p:nvPr>
         </p:nvSpPr>
-        <p:spPr/>
+        <p:spPr>
+          <a:ln/>
+        </p:spPr>
         <p:txBody>
           <a:bodyPr/>
           <a:lstStyle>
@@ -1270,6 +1329,10 @@
             </a:pPr>
             <a:fld id="{040E4B02-67B9-4228-B08B-2561CEE6B946}" type="slidenum">
               <a:rPr lang="en-US"/>
+              <a:pPr>
+                <a:defRPr/>
+              </a:pPr>
+              <a:t>‹#›</a:t>
             </a:fld>
             <a:endParaRPr lang="en-US" dirty="0"/>
           </a:p>
@@ -1285,7 +1348,9 @@
             <p:ph type="ftr" sz="quarter" idx="12"/>
           </p:nvPr>
         </p:nvSpPr>
-        <p:spPr/>
+        <p:spPr>
+          <a:ln/>
+        </p:spPr>
         <p:txBody>
           <a:bodyPr/>
           <a:lstStyle>
@@ -1301,7 +1366,6 @@
               <a:rPr lang="en-US" dirty="0"/>
               <a:t>Copyright © 2017 Elephant Scale. All rights reserved.</a:t>
             </a:r>
-            <a:endParaRPr lang="en-US" dirty="0"/>
           </a:p>
         </p:txBody>
       </p:sp>
@@ -1354,7 +1418,6 @@
               <a:rPr lang="en-US"/>
               <a:t>Click to edit Master title style</a:t>
             </a:r>
-            <a:endParaRPr lang="en-US"/>
           </a:p>
         </p:txBody>
       </p:sp>
@@ -1383,7 +1446,6 @@
               <a:rPr lang="en-US"/>
               <a:t>Click to edit Master text styles</a:t>
             </a:r>
-            <a:endParaRPr lang="en-US"/>
           </a:p>
           <a:p>
             <a:pPr lvl="1"/>
@@ -1391,7 +1453,6 @@
               <a:rPr lang="en-US"/>
               <a:t>Second level</a:t>
             </a:r>
-            <a:endParaRPr lang="en-US"/>
           </a:p>
           <a:p>
             <a:pPr lvl="2"/>
@@ -1399,7 +1460,6 @@
               <a:rPr lang="en-US"/>
               <a:t>Third level</a:t>
             </a:r>
-            <a:endParaRPr lang="en-US"/>
           </a:p>
           <a:p>
             <a:pPr lvl="3"/>
@@ -1407,7 +1467,6 @@
               <a:rPr lang="en-US"/>
               <a:t>Fourth level</a:t>
             </a:r>
-            <a:endParaRPr lang="en-US"/>
           </a:p>
           <a:p>
             <a:pPr lvl="4"/>
@@ -1415,7 +1474,6 @@
               <a:rPr lang="en-US"/>
               <a:t>Fifth level</a:t>
             </a:r>
-            <a:endParaRPr lang="en-US"/>
           </a:p>
         </p:txBody>
       </p:sp>
@@ -1444,7 +1502,6 @@
               <a:rPr lang="en-US"/>
               <a:t>Click to edit Master text styles</a:t>
             </a:r>
-            <a:endParaRPr lang="en-US"/>
           </a:p>
           <a:p>
             <a:pPr lvl="1"/>
@@ -1452,7 +1509,6 @@
               <a:rPr lang="en-US"/>
               <a:t>Second level</a:t>
             </a:r>
-            <a:endParaRPr lang="en-US"/>
           </a:p>
           <a:p>
             <a:pPr lvl="2"/>
@@ -1460,7 +1516,6 @@
               <a:rPr lang="en-US"/>
               <a:t>Third level</a:t>
             </a:r>
-            <a:endParaRPr lang="en-US"/>
           </a:p>
           <a:p>
             <a:pPr lvl="3"/>
@@ -1468,7 +1523,6 @@
               <a:rPr lang="en-US"/>
               <a:t>Fourth level</a:t>
             </a:r>
-            <a:endParaRPr lang="en-US"/>
           </a:p>
           <a:p>
             <a:pPr lvl="4"/>
@@ -1476,7 +1530,6 @@
               <a:rPr lang="en-US"/>
               <a:t>Fifth level</a:t>
             </a:r>
-            <a:endParaRPr lang="en-US"/>
           </a:p>
         </p:txBody>
       </p:sp>
@@ -1490,7 +1543,9 @@
             <p:ph type="sldNum" sz="quarter" idx="11"/>
           </p:nvPr>
         </p:nvSpPr>
-        <p:spPr/>
+        <p:spPr>
+          <a:ln/>
+        </p:spPr>
         <p:txBody>
           <a:bodyPr/>
           <a:lstStyle>
@@ -1504,6 +1559,10 @@
             </a:pPr>
             <a:fld id="{A86CC632-9864-46F1-8EAB-FCD3BB9CEC9A}" type="slidenum">
               <a:rPr lang="en-US"/>
+              <a:pPr>
+                <a:defRPr/>
+              </a:pPr>
+              <a:t>‹#›</a:t>
             </a:fld>
             <a:endParaRPr lang="en-US" dirty="0"/>
           </a:p>
@@ -1519,7 +1578,9 @@
             <p:ph type="ftr" sz="quarter" idx="12"/>
           </p:nvPr>
         </p:nvSpPr>
-        <p:spPr/>
+        <p:spPr>
+          <a:ln/>
+        </p:spPr>
         <p:txBody>
           <a:bodyPr/>
           <a:lstStyle>
@@ -1535,7 +1596,6 @@
               <a:rPr lang="en-US" dirty="0"/>
               <a:t>Copyright © 2017 Elephant Scale. All rights reserved.</a:t>
             </a:r>
-            <a:endParaRPr lang="en-US" dirty="0"/>
           </a:p>
         </p:txBody>
       </p:sp>
@@ -1594,10 +1654,15 @@
           <a:ln w="9525">
             <a:noFill/>
             <a:miter lim="800000"/>
+            <a:headEnd/>
+            <a:tailEnd/>
           </a:ln>
         </p:spPr>
         <p:txBody>
           <a:bodyPr vert="horz" wrap="square" lIns="92007" tIns="46005" rIns="92007" bIns="46005" numCol="1" anchor="t" anchorCtr="0" compatLnSpc="1">
+            <a:prstTxWarp prst="textNoShape">
+              <a:avLst/>
+            </a:prstTxWarp>
             <a:normAutofit/>
           </a:bodyPr>
           <a:lstStyle/>
@@ -1607,7 +1672,6 @@
               <a:rPr lang="en-US" dirty="0"/>
               <a:t>Click to edit Master text styles</a:t>
             </a:r>
-            <a:endParaRPr lang="en-US" dirty="0"/>
           </a:p>
           <a:p>
             <a:pPr lvl="1"/>
@@ -1615,7 +1679,6 @@
               <a:rPr lang="en-US" dirty="0"/>
               <a:t>Second level</a:t>
             </a:r>
-            <a:endParaRPr lang="en-US" dirty="0"/>
           </a:p>
           <a:p>
             <a:pPr lvl="2"/>
@@ -1623,7 +1686,6 @@
               <a:rPr lang="en-US" dirty="0"/>
               <a:t>Third level</a:t>
             </a:r>
-            <a:endParaRPr lang="en-US" dirty="0"/>
           </a:p>
           <a:p>
             <a:pPr lvl="3"/>
@@ -1631,7 +1693,6 @@
               <a:rPr lang="en-US" dirty="0"/>
               <a:t>Fourth level</a:t>
             </a:r>
-            <a:endParaRPr lang="en-US" dirty="0"/>
           </a:p>
           <a:p>
             <a:pPr lvl="4"/>
@@ -1639,7 +1700,6 @@
               <a:rPr lang="en-US" dirty="0"/>
               <a:t>Fifth level</a:t>
             </a:r>
-            <a:endParaRPr lang="en-US" dirty="0"/>
           </a:p>
         </p:txBody>
       </p:sp>
@@ -1665,20 +1725,26 @@
           <a:ln w="9525">
             <a:noFill/>
             <a:miter lim="800000"/>
+            <a:headEnd/>
+            <a:tailEnd/>
           </a:ln>
           <a:effectLst/>
         </p:spPr>
         <p:txBody>
-          <a:bodyPr vert="horz" wrap="square" lIns="0" tIns="0" rIns="0" bIns="0" numCol="1" anchor="b" anchorCtr="0" compatLnSpc="1"/>
+          <a:bodyPr vert="horz" wrap="square" lIns="0" tIns="0" rIns="0" bIns="0" numCol="1" anchor="b" anchorCtr="0" compatLnSpc="1">
+            <a:prstTxWarp prst="textNoShape">
+              <a:avLst/>
+            </a:prstTxWarp>
+          </a:bodyPr>
           <a:lstStyle>
             <a:lvl1pPr algn="r" eaLnBrk="0" hangingPunct="0">
               <a:defRPr b="1">
                 <a:solidFill>
                   <a:srgbClr val="000000"/>
                 </a:solidFill>
-                <a:latin typeface="Arial" panose="020B0604020202020204" pitchFamily="34" charset="0"/>
-                <a:ea typeface="MS PGothic" charset="0"/>
-                <a:cs typeface="MS PGothic" charset="0"/>
+                <a:latin typeface="Arial" charset="0"/>
+                <a:ea typeface="ＭＳ Ｐゴシック" charset="0"/>
+                <a:cs typeface="ＭＳ Ｐゴシック" charset="0"/>
               </a:defRPr>
             </a:lvl1pPr>
           </a:lstStyle>
@@ -1688,6 +1754,10 @@
             </a:pPr>
             <a:fld id="{77EF9825-4C23-4085-A4E3-B5565466BD91}" type="slidenum">
               <a:rPr lang="en-US"/>
+              <a:pPr>
+                <a:defRPr/>
+              </a:pPr>
+              <a:t>‹#›</a:t>
             </a:fld>
             <a:endParaRPr lang="en-US" dirty="0"/>
           </a:p>
@@ -1715,11 +1785,16 @@
           <a:ln w="9525">
             <a:noFill/>
             <a:miter lim="800000"/>
+            <a:headEnd/>
+            <a:tailEnd/>
           </a:ln>
           <a:effectLst/>
         </p:spPr>
         <p:txBody>
           <a:bodyPr vert="horz" wrap="square" lIns="0" tIns="0" rIns="0" bIns="0" numCol="1" anchor="t" anchorCtr="0" compatLnSpc="1">
+            <a:prstTxWarp prst="textNoShape">
+              <a:avLst/>
+            </a:prstTxWarp>
             <a:spAutoFit/>
           </a:bodyPr>
           <a:lstStyle>
@@ -1745,7 +1820,6 @@
               <a:rPr lang="en-US" dirty="0"/>
               <a:t>Copyright © 2017 Elephant Scale. All rights reserved.</a:t>
             </a:r>
-            <a:endParaRPr lang="en-US" dirty="0"/>
           </a:p>
         </p:txBody>
       </p:sp>
@@ -1758,7 +1832,7 @@
           <p:nvPr/>
         </p:nvPicPr>
         <p:blipFill>
-          <a:blip r:embed="rId5"/>
+          <a:blip r:embed="rId6"/>
           <a:srcRect/>
           <a:stretch>
             <a:fillRect/>
@@ -1805,10 +1879,16 @@
           <a:ln w="9525">
             <a:noFill/>
             <a:miter lim="800000"/>
+            <a:headEnd/>
+            <a:tailEnd/>
           </a:ln>
         </p:spPr>
         <p:txBody>
-          <a:bodyPr vert="horz" wrap="square" lIns="92007" tIns="46005" rIns="92007" bIns="46005" numCol="1" anchor="b" anchorCtr="0" compatLnSpc="1"/>
+          <a:bodyPr vert="horz" wrap="square" lIns="92007" tIns="46005" rIns="92007" bIns="46005" numCol="1" anchor="b" anchorCtr="0" compatLnSpc="1">
+            <a:prstTxWarp prst="textNoShape">
+              <a:avLst/>
+            </a:prstTxWarp>
+          </a:bodyPr>
           <a:lstStyle/>
           <a:p>
             <a:pPr lvl="0"/>
@@ -1816,7 +1896,6 @@
               <a:rPr lang="en-US" dirty="0"/>
               <a:t>Click to edit Master title style</a:t>
             </a:r>
-            <a:endParaRPr lang="en-US" dirty="0"/>
           </a:p>
         </p:txBody>
       </p:sp>
@@ -1824,10 +1903,10 @@
   </p:cSld>
   <p:clrMap bg1="dk2" tx1="lt1" bg2="dk1" tx2="lt2" accent1="accent1" accent2="accent2" accent3="accent3" accent4="accent4" accent5="accent5" accent6="accent6" hlink="hlink" folHlink="folHlink"/>
   <p:sldLayoutIdLst>
-    <p:sldLayoutId id="2147483649" r:id="rId1"/>
-    <p:sldLayoutId id="2147483650" r:id="rId2"/>
-    <p:sldLayoutId id="2147483651" r:id="rId3"/>
-    <p:sldLayoutId id="2147483652" r:id="rId4"/>
+    <p:sldLayoutId id="2147483656" r:id="rId1"/>
+    <p:sldLayoutId id="2147483655" r:id="rId2"/>
+    <p:sldLayoutId id="2147483654" r:id="rId3"/>
+    <p:sldLayoutId id="2147483653" r:id="rId4"/>
   </p:sldLayoutIdLst>
   <p:hf hdr="0" dt="0"/>
   <p:txStyles>
@@ -1844,8 +1923,8 @@
             <a:schemeClr val="tx1"/>
           </a:solidFill>
           <a:latin typeface="+mj-lt"/>
-          <a:ea typeface="MS PGothic" pitchFamily="-110" charset="-128"/>
-          <a:cs typeface="MS PGothic" pitchFamily="-110" charset="-128"/>
+          <a:ea typeface="ＭＳ Ｐゴシック" pitchFamily="-110" charset="-128"/>
+          <a:cs typeface="ＭＳ Ｐゴシック" pitchFamily="-110" charset="-128"/>
         </a:defRPr>
       </a:lvl1pPr>
       <a:lvl2pPr algn="l" rtl="0" eaLnBrk="0" fontAlgn="base" hangingPunct="0">
@@ -1859,9 +1938,9 @@
           <a:solidFill>
             <a:schemeClr val="tx1"/>
           </a:solidFill>
-          <a:latin typeface="Verdana" panose="020B0604030504040204" pitchFamily="-110" charset="0"/>
-          <a:ea typeface="MS PGothic" pitchFamily="-110" charset="-128"/>
-          <a:cs typeface="MS PGothic" pitchFamily="-110" charset="-128"/>
+          <a:latin typeface="Verdana" pitchFamily="-110" charset="0"/>
+          <a:ea typeface="ＭＳ Ｐゴシック" pitchFamily="-110" charset="-128"/>
+          <a:cs typeface="ＭＳ Ｐゴシック" pitchFamily="-110" charset="-128"/>
         </a:defRPr>
       </a:lvl2pPr>
       <a:lvl3pPr algn="l" rtl="0" eaLnBrk="0" fontAlgn="base" hangingPunct="0">
@@ -1875,9 +1954,9 @@
           <a:solidFill>
             <a:schemeClr val="tx1"/>
           </a:solidFill>
-          <a:latin typeface="Verdana" panose="020B0604030504040204" pitchFamily="-110" charset="0"/>
-          <a:ea typeface="MS PGothic" pitchFamily="-110" charset="-128"/>
-          <a:cs typeface="MS PGothic" pitchFamily="-110" charset="-128"/>
+          <a:latin typeface="Verdana" pitchFamily="-110" charset="0"/>
+          <a:ea typeface="ＭＳ Ｐゴシック" pitchFamily="-110" charset="-128"/>
+          <a:cs typeface="ＭＳ Ｐゴシック" pitchFamily="-110" charset="-128"/>
         </a:defRPr>
       </a:lvl3pPr>
       <a:lvl4pPr algn="l" rtl="0" eaLnBrk="0" fontAlgn="base" hangingPunct="0">
@@ -1891,9 +1970,9 @@
           <a:solidFill>
             <a:schemeClr val="tx1"/>
           </a:solidFill>
-          <a:latin typeface="Verdana" panose="020B0604030504040204" pitchFamily="-110" charset="0"/>
-          <a:ea typeface="MS PGothic" pitchFamily="-110" charset="-128"/>
-          <a:cs typeface="MS PGothic" pitchFamily="-110" charset="-128"/>
+          <a:latin typeface="Verdana" pitchFamily="-110" charset="0"/>
+          <a:ea typeface="ＭＳ Ｐゴシック" pitchFamily="-110" charset="-128"/>
+          <a:cs typeface="ＭＳ Ｐゴシック" pitchFamily="-110" charset="-128"/>
         </a:defRPr>
       </a:lvl4pPr>
       <a:lvl5pPr algn="l" rtl="0" eaLnBrk="0" fontAlgn="base" hangingPunct="0">
@@ -1907,9 +1986,9 @@
           <a:solidFill>
             <a:schemeClr val="tx1"/>
           </a:solidFill>
-          <a:latin typeface="Verdana" panose="020B0604030504040204" pitchFamily="-110" charset="0"/>
-          <a:ea typeface="MS PGothic" pitchFamily="-110" charset="-128"/>
-          <a:cs typeface="MS PGothic" pitchFamily="-110" charset="-128"/>
+          <a:latin typeface="Verdana" pitchFamily="-110" charset="0"/>
+          <a:ea typeface="ＭＳ Ｐゴシック" pitchFamily="-110" charset="-128"/>
+          <a:cs typeface="ＭＳ Ｐゴシック" pitchFamily="-110" charset="-128"/>
         </a:defRPr>
       </a:lvl5pPr>
       <a:lvl6pPr marL="457200" algn="l" rtl="0" eaLnBrk="0" fontAlgn="base" hangingPunct="0">
@@ -1923,7 +2002,7 @@
           <a:solidFill>
             <a:schemeClr val="tx1"/>
           </a:solidFill>
-          <a:latin typeface="Verdana" panose="020B0604030504040204" pitchFamily="-110" charset="0"/>
+          <a:latin typeface="Verdana" pitchFamily="-110" charset="0"/>
         </a:defRPr>
       </a:lvl6pPr>
       <a:lvl7pPr marL="914400" algn="l" rtl="0" eaLnBrk="0" fontAlgn="base" hangingPunct="0">
@@ -1937,7 +2016,7 @@
           <a:solidFill>
             <a:schemeClr val="tx1"/>
           </a:solidFill>
-          <a:latin typeface="Verdana" panose="020B0604030504040204" pitchFamily="-110" charset="0"/>
+          <a:latin typeface="Verdana" pitchFamily="-110" charset="0"/>
         </a:defRPr>
       </a:lvl7pPr>
       <a:lvl8pPr marL="1371600" algn="l" rtl="0" eaLnBrk="0" fontAlgn="base" hangingPunct="0">
@@ -1951,7 +2030,7 @@
           <a:solidFill>
             <a:schemeClr val="tx1"/>
           </a:solidFill>
-          <a:latin typeface="Verdana" panose="020B0604030504040204" pitchFamily="-110" charset="0"/>
+          <a:latin typeface="Verdana" pitchFamily="-110" charset="0"/>
         </a:defRPr>
       </a:lvl8pPr>
       <a:lvl9pPr marL="1828800" algn="l" rtl="0" eaLnBrk="0" fontAlgn="base" hangingPunct="0">
@@ -1965,12 +2044,12 @@
           <a:solidFill>
             <a:schemeClr val="tx1"/>
           </a:solidFill>
-          <a:latin typeface="Verdana" panose="020B0604030504040204" pitchFamily="-110" charset="0"/>
+          <a:latin typeface="Verdana" pitchFamily="-110" charset="0"/>
         </a:defRPr>
       </a:lvl9pPr>
     </p:titleStyle>
     <p:bodyStyle>
-      <a:lvl1pPr marL="290830" indent="-290830" algn="l" rtl="0" eaLnBrk="0" fontAlgn="base" hangingPunct="0">
+      <a:lvl1pPr marL="290513" indent="-290513" algn="l" rtl="0" eaLnBrk="0" fontAlgn="base" hangingPunct="0">
         <a:spcBef>
           <a:spcPct val="20000"/>
         </a:spcBef>
@@ -1981,18 +2060,18 @@
           <a:schemeClr val="tx2"/>
         </a:buClr>
         <a:buSzPct val="65000"/>
-        <a:buFont typeface="Wingdings" panose="05000000000000000000" pitchFamily="2" charset="2"/>
+        <a:buFont typeface="Wingdings" pitchFamily="2" charset="2"/>
         <a:buChar char=""/>
         <a:defRPr sz="2400">
           <a:solidFill>
             <a:srgbClr val="000000"/>
           </a:solidFill>
           <a:latin typeface="+mn-lt"/>
-          <a:ea typeface="MS PGothic" pitchFamily="-110" charset="-128"/>
-          <a:cs typeface="MS PGothic" pitchFamily="-110" charset="-128"/>
+          <a:ea typeface="ＭＳ Ｐゴシック" pitchFamily="-110" charset="-128"/>
+          <a:cs typeface="ＭＳ Ｐゴシック" pitchFamily="-110" charset="-128"/>
         </a:defRPr>
       </a:lvl1pPr>
-      <a:lvl2pPr marL="633730" indent="-228600" algn="l" rtl="0" eaLnBrk="0" fontAlgn="base" hangingPunct="0">
+      <a:lvl2pPr marL="633413" indent="-228600" algn="l" rtl="0" eaLnBrk="0" fontAlgn="base" hangingPunct="0">
         <a:spcBef>
           <a:spcPct val="20000"/>
         </a:spcBef>
@@ -2008,11 +2087,11 @@
             <a:srgbClr val="000000"/>
           </a:solidFill>
           <a:latin typeface="+mn-lt"/>
-          <a:ea typeface="MS PGothic" pitchFamily="-110" charset="-128"/>
-          <a:cs typeface="MS PGothic"/>
+          <a:ea typeface="ＭＳ Ｐゴシック" pitchFamily="-110" charset="-128"/>
+          <a:cs typeface="ＭＳ Ｐゴシック"/>
         </a:defRPr>
       </a:lvl2pPr>
-      <a:lvl3pPr marL="970280" indent="-222250" algn="l" rtl="0" eaLnBrk="0" fontAlgn="base" hangingPunct="0">
+      <a:lvl3pPr marL="969963" indent="-222250" algn="l" rtl="0" eaLnBrk="0" fontAlgn="base" hangingPunct="0">
         <a:spcBef>
           <a:spcPct val="20000"/>
         </a:spcBef>
@@ -2025,11 +2104,11 @@
             <a:srgbClr val="000000"/>
           </a:solidFill>
           <a:latin typeface="+mn-lt"/>
-          <a:ea typeface="MS PGothic" pitchFamily="-110" charset="-128"/>
-          <a:cs typeface="MS PGothic"/>
+          <a:ea typeface="ＭＳ Ｐゴシック" pitchFamily="-110" charset="-128"/>
+          <a:cs typeface="ＭＳ Ｐゴシック"/>
         </a:defRPr>
       </a:lvl3pPr>
-      <a:lvl4pPr marL="1259205" indent="-228600" algn="l" rtl="0" eaLnBrk="0" fontAlgn="base" hangingPunct="0">
+      <a:lvl4pPr marL="1258888" indent="-228600" algn="l" rtl="0" eaLnBrk="0" fontAlgn="base" hangingPunct="0">
         <a:spcBef>
           <a:spcPct val="0"/>
         </a:spcBef>
@@ -2047,11 +2126,11 @@
             <a:srgbClr val="000000"/>
           </a:solidFill>
           <a:latin typeface="+mn-lt"/>
-          <a:ea typeface="MS PGothic" pitchFamily="-110" charset="-128"/>
-          <a:cs typeface="MS PGothic"/>
+          <a:ea typeface="ＭＳ Ｐゴシック" pitchFamily="-110" charset="-128"/>
+          <a:cs typeface="ＭＳ Ｐゴシック"/>
         </a:defRPr>
       </a:lvl4pPr>
-      <a:lvl5pPr marL="2056130" indent="-230505" algn="l" rtl="0" eaLnBrk="0" fontAlgn="base" hangingPunct="0">
+      <a:lvl5pPr marL="2055813" indent="-230188" algn="l" rtl="0" eaLnBrk="0" fontAlgn="base" hangingPunct="0">
         <a:spcBef>
           <a:spcPct val="20000"/>
         </a:spcBef>
@@ -2065,12 +2144,12 @@
           <a:solidFill>
             <a:schemeClr val="tx1"/>
           </a:solidFill>
-          <a:latin typeface="Times New Roman" panose="02020603050405020304" pitchFamily="-110" charset="0"/>
-          <a:ea typeface="MS PGothic" pitchFamily="-110" charset="-128"/>
-          <a:cs typeface="MS PGothic"/>
+          <a:latin typeface="Times New Roman" pitchFamily="-110" charset="0"/>
+          <a:ea typeface="ＭＳ Ｐゴシック" pitchFamily="-110" charset="-128"/>
+          <a:cs typeface="ＭＳ Ｐゴシック"/>
         </a:defRPr>
       </a:lvl5pPr>
-      <a:lvl6pPr marL="2513330" indent="-230505" algn="l" rtl="0" eaLnBrk="0" fontAlgn="base" hangingPunct="0">
+      <a:lvl6pPr marL="2513013" indent="-230188" algn="l" rtl="0" eaLnBrk="0" fontAlgn="base" hangingPunct="0">
         <a:spcBef>
           <a:spcPct val="20000"/>
         </a:spcBef>
@@ -2084,11 +2163,11 @@
           <a:solidFill>
             <a:schemeClr val="tx1"/>
           </a:solidFill>
-          <a:latin typeface="Times New Roman" panose="02020603050405020304" pitchFamily="-110" charset="0"/>
-          <a:ea typeface="MS PGothic" pitchFamily="-110" charset="-128"/>
+          <a:latin typeface="Times New Roman" pitchFamily="-110" charset="0"/>
+          <a:ea typeface="ＭＳ Ｐゴシック" pitchFamily="-110" charset="-128"/>
         </a:defRPr>
       </a:lvl6pPr>
-      <a:lvl7pPr marL="2970530" indent="-230505" algn="l" rtl="0" eaLnBrk="0" fontAlgn="base" hangingPunct="0">
+      <a:lvl7pPr marL="2970213" indent="-230188" algn="l" rtl="0" eaLnBrk="0" fontAlgn="base" hangingPunct="0">
         <a:spcBef>
           <a:spcPct val="20000"/>
         </a:spcBef>
@@ -2102,11 +2181,11 @@
           <a:solidFill>
             <a:schemeClr val="tx1"/>
           </a:solidFill>
-          <a:latin typeface="Times New Roman" panose="02020603050405020304" pitchFamily="-110" charset="0"/>
-          <a:ea typeface="MS PGothic" pitchFamily="-110" charset="-128"/>
+          <a:latin typeface="Times New Roman" pitchFamily="-110" charset="0"/>
+          <a:ea typeface="ＭＳ Ｐゴシック" pitchFamily="-110" charset="-128"/>
         </a:defRPr>
       </a:lvl7pPr>
-      <a:lvl8pPr marL="3427730" indent="-230505" algn="l" rtl="0" eaLnBrk="0" fontAlgn="base" hangingPunct="0">
+      <a:lvl8pPr marL="3427413" indent="-230188" algn="l" rtl="0" eaLnBrk="0" fontAlgn="base" hangingPunct="0">
         <a:spcBef>
           <a:spcPct val="20000"/>
         </a:spcBef>
@@ -2120,11 +2199,11 @@
           <a:solidFill>
             <a:schemeClr val="tx1"/>
           </a:solidFill>
-          <a:latin typeface="Times New Roman" panose="02020603050405020304" pitchFamily="-110" charset="0"/>
-          <a:ea typeface="MS PGothic" pitchFamily="-110" charset="-128"/>
+          <a:latin typeface="Times New Roman" pitchFamily="-110" charset="0"/>
+          <a:ea typeface="ＭＳ Ｐゴシック" pitchFamily="-110" charset="-128"/>
         </a:defRPr>
       </a:lvl8pPr>
-      <a:lvl9pPr marL="3884930" indent="-230505" algn="l" rtl="0" eaLnBrk="0" fontAlgn="base" hangingPunct="0">
+      <a:lvl9pPr marL="3884613" indent="-230188" algn="l" rtl="0" eaLnBrk="0" fontAlgn="base" hangingPunct="0">
         <a:spcBef>
           <a:spcPct val="20000"/>
         </a:spcBef>
@@ -2138,8 +2217,8 @@
           <a:solidFill>
             <a:schemeClr val="tx1"/>
           </a:solidFill>
-          <a:latin typeface="Times New Roman" panose="02020603050405020304" pitchFamily="-110" charset="0"/>
-          <a:ea typeface="MS PGothic" pitchFamily="-110" charset="-128"/>
+          <a:latin typeface="Times New Roman" pitchFamily="-110" charset="0"/>
+          <a:ea typeface="ＭＳ Ｐゴシック" pitchFamily="-110" charset="-128"/>
         </a:defRPr>
       </a:lvl9pPr>
     </p:bodyStyle>
@@ -2251,7 +2330,14 @@
         <p:cNvGrpSpPr/>
         <p:nvPr/>
       </p:nvGrpSpPr>
-      <p:grpSpPr/>
+      <p:grpSpPr>
+        <a:xfrm>
+          <a:off x="0" y="0"/>
+          <a:ext cx="0" cy="0"/>
+          <a:chOff x="0" y="0"/>
+          <a:chExt cx="0" cy="0"/>
+        </a:xfrm>
+      </p:grpSpPr>
       <p:sp>
         <p:nvSpPr>
           <p:cNvPr id="2" name="Subtitle 1"/>
@@ -2266,7 +2352,9 @@
         <p:txBody>
           <a:bodyPr/>
           <a:lstStyle/>
-          <a:p/>
+          <a:p>
+            <a:endParaRPr/>
+          </a:p>
         </p:txBody>
       </p:sp>
       <p:sp>
@@ -2281,10 +2369,15 @@
         </p:nvSpPr>
         <p:spPr/>
         <p:txBody>
-          <a:bodyPr/>
-          <a:lstStyle/>
-          <a:p>
-            <a:r>
+          <a:bodyPr wrap="square">
+            <a:noAutofit/>
+          </a:bodyPr>
+          <a:lstStyle/>
+          <a:p>
+            <a:r>
+              <a:rPr sz="4200" b="1" i="0">
+                <a:latin typeface="Times New Roman"/>
+              </a:rPr>
               <a:t>Defensive programming</a:t>
             </a:r>
           </a:p>
@@ -2320,11 +2413,6 @@
               </a:rPr>
               <a:t>Copyright © 2021 by Elephant Scale, All Rights Reserved</a:t>
             </a:r>
-            <a:endParaRPr sz="800">
-              <a:solidFill>
-                <a:srgbClr val="000000"/>
-              </a:solidFill>
-            </a:endParaRPr>
           </a:p>
         </p:txBody>
       </p:sp>
@@ -2345,7 +2433,14 @@
         <p:cNvGrpSpPr/>
         <p:nvPr/>
       </p:nvGrpSpPr>
-      <p:grpSpPr/>
+      <p:grpSpPr>
+        <a:xfrm>
+          <a:off x="0" y="0"/>
+          <a:ext cx="0" cy="0"/>
+          <a:chOff x="0" y="0"/>
+          <a:chExt cx="0" cy="0"/>
+        </a:xfrm>
+      </p:grpSpPr>
       <p:sp>
         <p:nvSpPr>
           <p:cNvPr id="2" name="Subtitle 1"/>
@@ -2375,36 +2470,15 @@
             </a:r>
             <a:r>
               <a:t>Rule 3: Code Simple
+Error handling in Java EE
+Type annotation
+Checker Framework
+Application-layer security
+Transport-layer security
+Message-layer security
+Secure connection with SSL
 </a:t>
             </a:r>
-            <a:r>
-              <a:t>Error handling in Java EE
-</a:t>
-            </a:r>
-            <a:r>
-              <a:t>Type annotation
-</a:t>
-            </a:r>
-            <a:r>
-              <a:t>Checker Framework
-</a:t>
-            </a:r>
-            <a:r>
-              <a:t>Application-layer security
-</a:t>
-            </a:r>
-            <a:r>
-              <a:t>Transport-layer security
-</a:t>
-            </a:r>
-            <a:r>
-              <a:t>Message-layer security
-</a:t>
-            </a:r>
-            <a:r>
-              <a:t>Secure connection with SSL
-</a:t>
-            </a:r>
           </a:p>
         </p:txBody>
       </p:sp>
@@ -2420,10 +2494,15 @@
         </p:nvSpPr>
         <p:spPr/>
         <p:txBody>
-          <a:bodyPr/>
-          <a:lstStyle/>
-          <a:p>
-            <a:r>
+          <a:bodyPr wrap="square">
+            <a:noAutofit/>
+          </a:bodyPr>
+          <a:lstStyle/>
+          <a:p>
+            <a:r>
+              <a:rPr sz="4200" b="1" i="0">
+                <a:latin typeface="Times New Roman"/>
+              </a:rPr>
               <a:t>Rule 2: Use Standards</a:t>
             </a:r>
           </a:p>
@@ -2459,11 +2538,6 @@
               </a:rPr>
               <a:t>Copyright © 2021 by Elephant Scale, All Rights Reserved</a:t>
             </a:r>
-            <a:endParaRPr sz="800">
-              <a:solidFill>
-                <a:srgbClr val="000000"/>
-              </a:solidFill>
-            </a:endParaRPr>
           </a:p>
         </p:txBody>
       </p:sp>
@@ -2484,7 +2558,14 @@
         <p:cNvGrpSpPr/>
         <p:nvPr/>
       </p:nvGrpSpPr>
-      <p:grpSpPr/>
+      <p:grpSpPr>
+        <a:xfrm>
+          <a:off x="0" y="0"/>
+          <a:ext cx="0" cy="0"/>
+          <a:chOff x="0" y="0"/>
+          <a:chExt cx="0" cy="0"/>
+        </a:xfrm>
+      </p:grpSpPr>
       <p:sp>
         <p:nvSpPr>
           <p:cNvPr id="2" name="Title 1"/>
@@ -2597,11 +2678,6 @@
               </a:rPr>
               <a:t>Copyright © 2021 by Elephant Scale, All Rights Reserved</a:t>
             </a:r>
-            <a:endParaRPr sz="800">
-              <a:solidFill>
-                <a:srgbClr val="000000"/>
-              </a:solidFill>
-            </a:endParaRPr>
           </a:p>
         </p:txBody>
       </p:sp>
@@ -2622,7 +2698,14 @@
         <p:cNvGrpSpPr/>
         <p:nvPr/>
       </p:nvGrpSpPr>
-      <p:grpSpPr/>
+      <p:grpSpPr>
+        <a:xfrm>
+          <a:off x="0" y="0"/>
+          <a:ext cx="0" cy="0"/>
+          <a:chOff x="0" y="0"/>
+          <a:chExt cx="0" cy="0"/>
+        </a:xfrm>
+      </p:grpSpPr>
       <p:sp>
         <p:nvSpPr>
           <p:cNvPr id="2" name="Title 1"/>
@@ -2710,11 +2793,6 @@
               </a:rPr>
               <a:t>Copyright © 2021 by Elephant Scale, All Rights Reserved</a:t>
             </a:r>
-            <a:endParaRPr sz="800">
-              <a:solidFill>
-                <a:srgbClr val="000000"/>
-              </a:solidFill>
-            </a:endParaRPr>
           </a:p>
         </p:txBody>
       </p:sp>
@@ -2735,7 +2813,14 @@
         <p:cNvGrpSpPr/>
         <p:nvPr/>
       </p:nvGrpSpPr>
-      <p:grpSpPr/>
+      <p:grpSpPr>
+        <a:xfrm>
+          <a:off x="0" y="0"/>
+          <a:ext cx="0" cy="0"/>
+          <a:chOff x="0" y="0"/>
+          <a:chExt cx="0" cy="0"/>
+        </a:xfrm>
+      </p:grpSpPr>
       <p:sp>
         <p:nvSpPr>
           <p:cNvPr id="2" name="Title 1"/>
@@ -2792,13 +2877,10 @@
             </a:r>
             <a:r>
               <a:rPr>
-                <a:latin typeface="Courier New" panose="02070309020205020404"/>
+                <a:latin typeface="Courier New"/>
               </a:rPr>
               <a:t> int Fr = (4.3/1.25)*N;</a:t>
             </a:r>
-            <a:endParaRPr>
-              <a:latin typeface="Courier New" panose="02070309020205020404"/>
-            </a:endParaRPr>
           </a:p>
           <a:p>
             <a:r>
@@ -2808,24 +2890,18 @@
           <a:p>
             <a:r>
               <a:rPr>
-                <a:latin typeface="Courier New" panose="02070309020205020404"/>
+                <a:latin typeface="Courier New"/>
               </a:rPr>
               <a:t> cons int PI = 3.1415</a:t>
             </a:r>
-            <a:endParaRPr>
-              <a:latin typeface="Courier New" panose="02070309020205020404"/>
-            </a:endParaRPr>
           </a:p>
           <a:p>
             <a:r>
               <a:rPr>
-                <a:latin typeface="Courier New" panose="02070309020205020404"/>
+                <a:latin typeface="Courier New"/>
               </a:rPr>
               <a:t> int Surface = PI * r * r;</a:t>
             </a:r>
-            <a:endParaRPr>
-              <a:latin typeface="Courier New" panose="02070309020205020404"/>
-            </a:endParaRPr>
           </a:p>
         </p:txBody>
       </p:sp>
@@ -2859,11 +2935,6 @@
               </a:rPr>
               <a:t>Copyright © 2021 by Elephant Scale, All Rights Reserved</a:t>
             </a:r>
-            <a:endParaRPr sz="800">
-              <a:solidFill>
-                <a:srgbClr val="000000"/>
-              </a:solidFill>
-            </a:endParaRPr>
           </a:p>
         </p:txBody>
       </p:sp>
@@ -2884,7 +2955,14 @@
         <p:cNvGrpSpPr/>
         <p:nvPr/>
       </p:nvGrpSpPr>
-      <p:grpSpPr/>
+      <p:grpSpPr>
+        <a:xfrm>
+          <a:off x="0" y="0"/>
+          <a:ext cx="0" cy="0"/>
+          <a:chOff x="0" y="0"/>
+          <a:chExt cx="0" cy="0"/>
+        </a:xfrm>
+      </p:grpSpPr>
       <p:sp>
         <p:nvSpPr>
           <p:cNvPr id="2" name="Subtitle 1"/>
@@ -2905,10 +2983,7 @@
             </a:pPr>
             <a:r>
               <a:t>Rule 1: Never Assume Anything
-</a:t>
-            </a:r>
-            <a:r>
-              <a:t>Rule 2: Use Standards
+Rule 2: Use Standards
 </a:t>
             </a:r>
             <a:r>
@@ -2918,32 +2993,14 @@
             </a:r>
             <a:r>
               <a:t>Error handling in Java EE
+Type annotation
+Checker Framework
+Application-layer security
+Transport-layer security
+Message-layer security
+Secure connection with SSL
 </a:t>
             </a:r>
-            <a:r>
-              <a:t>Type annotation
-</a:t>
-            </a:r>
-            <a:r>
-              <a:t>Checker Framework
-</a:t>
-            </a:r>
-            <a:r>
-              <a:t>Application-layer security
-</a:t>
-            </a:r>
-            <a:r>
-              <a:t>Transport-layer security
-</a:t>
-            </a:r>
-            <a:r>
-              <a:t>Message-layer security
-</a:t>
-            </a:r>
-            <a:r>
-              <a:t>Secure connection with SSL
-</a:t>
-            </a:r>
           </a:p>
         </p:txBody>
       </p:sp>
@@ -2959,10 +3016,15 @@
         </p:nvSpPr>
         <p:spPr/>
         <p:txBody>
-          <a:bodyPr/>
-          <a:lstStyle/>
-          <a:p>
-            <a:r>
+          <a:bodyPr wrap="square">
+            <a:noAutofit/>
+          </a:bodyPr>
+          <a:lstStyle/>
+          <a:p>
+            <a:r>
+              <a:rPr sz="4200" b="1" i="0">
+                <a:latin typeface="Times New Roman"/>
+              </a:rPr>
               <a:t>Rule 3: Code Simple</a:t>
             </a:r>
           </a:p>
@@ -2998,11 +3060,6 @@
               </a:rPr>
               <a:t>Copyright © 2021 by Elephant Scale, All Rights Reserved</a:t>
             </a:r>
-            <a:endParaRPr sz="800">
-              <a:solidFill>
-                <a:srgbClr val="000000"/>
-              </a:solidFill>
-            </a:endParaRPr>
           </a:p>
         </p:txBody>
       </p:sp>
@@ -3023,7 +3080,14 @@
         <p:cNvGrpSpPr/>
         <p:nvPr/>
       </p:nvGrpSpPr>
-      <p:grpSpPr/>
+      <p:grpSpPr>
+        <a:xfrm>
+          <a:off x="0" y="0"/>
+          <a:ext cx="0" cy="0"/>
+          <a:chOff x="0" y="0"/>
+          <a:chExt cx="0" cy="0"/>
+        </a:xfrm>
+      </p:grpSpPr>
       <p:sp>
         <p:nvSpPr>
           <p:cNvPr id="2" name="Title 1"/>
@@ -3111,11 +3175,6 @@
               </a:rPr>
               <a:t>Copyright © 2021 by Elephant Scale, All Rights Reserved</a:t>
             </a:r>
-            <a:endParaRPr sz="800">
-              <a:solidFill>
-                <a:srgbClr val="000000"/>
-              </a:solidFill>
-            </a:endParaRPr>
           </a:p>
         </p:txBody>
       </p:sp>
@@ -3136,7 +3195,14 @@
         <p:cNvGrpSpPr/>
         <p:nvPr/>
       </p:nvGrpSpPr>
-      <p:grpSpPr/>
+      <p:grpSpPr>
+        <a:xfrm>
+          <a:off x="0" y="0"/>
+          <a:ext cx="0" cy="0"/>
+          <a:chOff x="0" y="0"/>
+          <a:chExt cx="0" cy="0"/>
+        </a:xfrm>
+      </p:grpSpPr>
       <p:sp>
         <p:nvSpPr>
           <p:cNvPr id="2" name="Title 1"/>
@@ -3234,11 +3300,6 @@
               </a:rPr>
               <a:t>Copyright © 2021 by Elephant Scale, All Rights Reserved</a:t>
             </a:r>
-            <a:endParaRPr sz="800">
-              <a:solidFill>
-                <a:srgbClr val="000000"/>
-              </a:solidFill>
-            </a:endParaRPr>
           </a:p>
         </p:txBody>
       </p:sp>
@@ -3259,7 +3320,14 @@
         <p:cNvGrpSpPr/>
         <p:nvPr/>
       </p:nvGrpSpPr>
-      <p:grpSpPr/>
+      <p:grpSpPr>
+        <a:xfrm>
+          <a:off x="0" y="0"/>
+          <a:ext cx="0" cy="0"/>
+          <a:chOff x="0" y="0"/>
+          <a:chExt cx="0" cy="0"/>
+        </a:xfrm>
+      </p:grpSpPr>
       <p:sp>
         <p:nvSpPr>
           <p:cNvPr id="2" name="Title 1"/>
@@ -3337,11 +3405,6 @@
               </a:rPr>
               <a:t>Copyright © 2021 by Elephant Scale, All Rights Reserved</a:t>
             </a:r>
-            <a:endParaRPr sz="800">
-              <a:solidFill>
-                <a:srgbClr val="000000"/>
-              </a:solidFill>
-            </a:endParaRPr>
           </a:p>
         </p:txBody>
       </p:sp>
@@ -3362,7 +3425,14 @@
         <p:cNvGrpSpPr/>
         <p:nvPr/>
       </p:nvGrpSpPr>
-      <p:grpSpPr/>
+      <p:grpSpPr>
+        <a:xfrm>
+          <a:off x="0" y="0"/>
+          <a:ext cx="0" cy="0"/>
+          <a:chOff x="0" y="0"/>
+          <a:chExt cx="0" cy="0"/>
+        </a:xfrm>
+      </p:grpSpPr>
       <p:sp>
         <p:nvSpPr>
           <p:cNvPr id="2" name="Subtitle 1"/>
@@ -3383,14 +3453,8 @@
             </a:pPr>
             <a:r>
               <a:t>Rule 1: Never Assume Anything
-</a:t>
-            </a:r>
-            <a:r>
-              <a:t>Rule 2: Use Standards
-</a:t>
-            </a:r>
-            <a:r>
-              <a:t>Rule 3: Code Simple
+Rule 2: Use Standards
+Rule 3: Code Simple
 </a:t>
             </a:r>
             <a:r>
@@ -3400,28 +3464,13 @@
             </a:r>
             <a:r>
               <a:t>Type annotation
+Checker Framework
+Application-layer security
+Transport-layer security
+Message-layer security
+Secure connection with SSL
 </a:t>
             </a:r>
-            <a:r>
-              <a:t>Checker Framework
-</a:t>
-            </a:r>
-            <a:r>
-              <a:t>Application-layer security
-</a:t>
-            </a:r>
-            <a:r>
-              <a:t>Transport-layer security
-</a:t>
-            </a:r>
-            <a:r>
-              <a:t>Message-layer security
-</a:t>
-            </a:r>
-            <a:r>
-              <a:t>Secure connection with SSL
-</a:t>
-            </a:r>
           </a:p>
         </p:txBody>
       </p:sp>
@@ -3437,10 +3486,15 @@
         </p:nvSpPr>
         <p:spPr/>
         <p:txBody>
-          <a:bodyPr/>
-          <a:lstStyle/>
-          <a:p>
-            <a:r>
+          <a:bodyPr wrap="square">
+            <a:noAutofit/>
+          </a:bodyPr>
+          <a:lstStyle/>
+          <a:p>
+            <a:r>
+              <a:rPr sz="4200" b="1" i="0">
+                <a:latin typeface="Times New Roman"/>
+              </a:rPr>
               <a:t>Error handling in Java EE</a:t>
             </a:r>
           </a:p>
@@ -3476,11 +3530,6 @@
               </a:rPr>
               <a:t>Copyright © 2021 by Elephant Scale, All Rights Reserved</a:t>
             </a:r>
-            <a:endParaRPr sz="800">
-              <a:solidFill>
-                <a:srgbClr val="000000"/>
-              </a:solidFill>
-            </a:endParaRPr>
           </a:p>
         </p:txBody>
       </p:sp>
@@ -3501,7 +3550,14 @@
         <p:cNvGrpSpPr/>
         <p:nvPr/>
       </p:nvGrpSpPr>
-      <p:grpSpPr/>
+      <p:grpSpPr>
+        <a:xfrm>
+          <a:off x="0" y="0"/>
+          <a:ext cx="0" cy="0"/>
+          <a:chOff x="0" y="0"/>
+          <a:chExt cx="0" cy="0"/>
+        </a:xfrm>
+      </p:grpSpPr>
       <p:sp>
         <p:nvSpPr>
           <p:cNvPr id="2" name="Title 1"/>
@@ -3537,10 +3593,18 @@
         <p:txBody>
           <a:bodyPr/>
           <a:lstStyle/>
-          <a:p/>
-          <a:p/>
-          <a:p/>
-          <a:p/>
+          <a:p>
+            <a:endParaRPr/>
+          </a:p>
+          <a:p>
+            <a:endParaRPr/>
+          </a:p>
+          <a:p>
+            <a:endParaRPr/>
+          </a:p>
+          <a:p>
+            <a:endParaRPr/>
+          </a:p>
         </p:txBody>
       </p:sp>
       <p:sp>
@@ -3573,11 +3637,6 @@
               </a:rPr>
               <a:t>Copyright © 2021 by Elephant Scale, All Rights Reserved</a:t>
             </a:r>
-            <a:endParaRPr sz="800">
-              <a:solidFill>
-                <a:srgbClr val="000000"/>
-              </a:solidFill>
-            </a:endParaRPr>
           </a:p>
         </p:txBody>
       </p:sp>
@@ -3590,15 +3649,15 @@
           <p:nvPr/>
         </p:nvPicPr>
         <p:blipFill>
-          <a:blip r:embed="rId1"/>
+          <a:blip r:embed="rId2"/>
           <a:stretch>
             <a:fillRect/>
           </a:stretch>
         </p:blipFill>
         <p:spPr>
           <a:xfrm>
-            <a:off x="38100" y="948690"/>
-            <a:ext cx="9213850" cy="2731135"/>
+            <a:off x="0" y="914400"/>
+            <a:ext cx="9880600" cy="2921000"/>
           </a:xfrm>
           <a:prstGeom prst="rect">
             <a:avLst/>
@@ -3622,7 +3681,14 @@
         <p:cNvGrpSpPr/>
         <p:nvPr/>
       </p:nvGrpSpPr>
-      <p:grpSpPr/>
+      <p:grpSpPr>
+        <a:xfrm>
+          <a:off x="0" y="0"/>
+          <a:ext cx="0" cy="0"/>
+          <a:chOff x="0" y="0"/>
+          <a:chExt cx="0" cy="0"/>
+        </a:xfrm>
+      </p:grpSpPr>
       <p:sp>
         <p:nvSpPr>
           <p:cNvPr id="2" name="Title 1"/>
@@ -3713,11 +3779,6 @@
               </a:rPr>
               <a:t>Copyright © 2021 by Elephant Scale, All Rights Reserved</a:t>
             </a:r>
-            <a:endParaRPr sz="800">
-              <a:solidFill>
-                <a:srgbClr val="000000"/>
-              </a:solidFill>
-            </a:endParaRPr>
           </a:p>
         </p:txBody>
       </p:sp>
@@ -3738,7 +3799,14 @@
         <p:cNvGrpSpPr/>
         <p:nvPr/>
       </p:nvGrpSpPr>
-      <p:grpSpPr/>
+      <p:grpSpPr>
+        <a:xfrm>
+          <a:off x="0" y="0"/>
+          <a:ext cx="0" cy="0"/>
+          <a:chOff x="0" y="0"/>
+          <a:chExt cx="0" cy="0"/>
+        </a:xfrm>
+      </p:grpSpPr>
       <p:sp>
         <p:nvSpPr>
           <p:cNvPr id="2" name="Title 1"/>
@@ -3801,15 +3869,33 @@
               <a:t> What happens? We see the generic error</a:t>
             </a:r>
           </a:p>
-          <a:p/>
-          <a:p/>
-          <a:p/>
-          <a:p/>
-          <a:p/>
-          <a:p/>
-          <a:p/>
-          <a:p/>
-          <a:p/>
+          <a:p>
+            <a:endParaRPr/>
+          </a:p>
+          <a:p>
+            <a:endParaRPr/>
+          </a:p>
+          <a:p>
+            <a:endParaRPr/>
+          </a:p>
+          <a:p>
+            <a:endParaRPr/>
+          </a:p>
+          <a:p>
+            <a:endParaRPr/>
+          </a:p>
+          <a:p>
+            <a:endParaRPr/>
+          </a:p>
+          <a:p>
+            <a:endParaRPr/>
+          </a:p>
+          <a:p>
+            <a:endParaRPr/>
+          </a:p>
+          <a:p>
+            <a:endParaRPr/>
+          </a:p>
         </p:txBody>
       </p:sp>
       <p:sp>
@@ -3842,11 +3928,6 @@
               </a:rPr>
               <a:t>Copyright © 2021 by Elephant Scale, All Rights Reserved</a:t>
             </a:r>
-            <a:endParaRPr sz="800">
-              <a:solidFill>
-                <a:srgbClr val="000000"/>
-              </a:solidFill>
-            </a:endParaRPr>
           </a:p>
         </p:txBody>
       </p:sp>
@@ -3859,7 +3940,7 @@
           <p:nvPr/>
         </p:nvPicPr>
         <p:blipFill>
-          <a:blip r:embed="rId1"/>
+          <a:blip r:embed="rId2"/>
           <a:stretch>
             <a:fillRect/>
           </a:stretch>
@@ -3891,7 +3972,14 @@
         <p:cNvGrpSpPr/>
         <p:nvPr/>
       </p:nvGrpSpPr>
-      <p:grpSpPr/>
+      <p:grpSpPr>
+        <a:xfrm>
+          <a:off x="0" y="0"/>
+          <a:ext cx="0" cy="0"/>
+          <a:chOff x="0" y="0"/>
+          <a:chExt cx="0" cy="0"/>
+        </a:xfrm>
+      </p:grpSpPr>
       <p:sp>
         <p:nvSpPr>
           <p:cNvPr id="2" name="Title 1"/>
@@ -4016,11 +4104,6 @@
               </a:rPr>
               <a:t>Copyright © 2021 by Elephant Scale, All Rights Reserved</a:t>
             </a:r>
-            <a:endParaRPr sz="800">
-              <a:solidFill>
-                <a:srgbClr val="000000"/>
-              </a:solidFill>
-            </a:endParaRPr>
           </a:p>
         </p:txBody>
       </p:sp>
@@ -4041,7 +4124,14 @@
         <p:cNvGrpSpPr/>
         <p:nvPr/>
       </p:nvGrpSpPr>
-      <p:grpSpPr/>
+      <p:grpSpPr>
+        <a:xfrm>
+          <a:off x="0" y="0"/>
+          <a:ext cx="0" cy="0"/>
+          <a:chOff x="0" y="0"/>
+          <a:chExt cx="0" cy="0"/>
+        </a:xfrm>
+      </p:grpSpPr>
       <p:sp>
         <p:nvSpPr>
           <p:cNvPr id="2" name="Title 1"/>
@@ -4077,10 +4167,18 @@
         <p:txBody>
           <a:bodyPr/>
           <a:lstStyle/>
-          <a:p/>
-          <a:p/>
-          <a:p/>
-          <a:p/>
+          <a:p>
+            <a:endParaRPr/>
+          </a:p>
+          <a:p>
+            <a:endParaRPr/>
+          </a:p>
+          <a:p>
+            <a:endParaRPr/>
+          </a:p>
+          <a:p>
+            <a:endParaRPr/>
+          </a:p>
         </p:txBody>
       </p:sp>
       <p:sp>
@@ -4113,11 +4211,6 @@
               </a:rPr>
               <a:t>Copyright © 2021 by Elephant Scale, All Rights Reserved</a:t>
             </a:r>
-            <a:endParaRPr sz="800">
-              <a:solidFill>
-                <a:srgbClr val="000000"/>
-              </a:solidFill>
-            </a:endParaRPr>
           </a:p>
         </p:txBody>
       </p:sp>
@@ -4130,7 +4223,7 @@
           <p:nvPr/>
         </p:nvPicPr>
         <p:blipFill>
-          <a:blip r:embed="rId1"/>
+          <a:blip r:embed="rId2"/>
           <a:stretch>
             <a:fillRect/>
           </a:stretch>
@@ -4162,7 +4255,14 @@
         <p:cNvGrpSpPr/>
         <p:nvPr/>
       </p:nvGrpSpPr>
-      <p:grpSpPr/>
+      <p:grpSpPr>
+        <a:xfrm>
+          <a:off x="0" y="0"/>
+          <a:ext cx="0" cy="0"/>
+          <a:chOff x="0" y="0"/>
+          <a:chExt cx="0" cy="0"/>
+        </a:xfrm>
+      </p:grpSpPr>
       <p:sp>
         <p:nvSpPr>
           <p:cNvPr id="2" name="Title 1"/>
@@ -4203,10 +4303,18 @@
               <a:t> Handling policy for java.lang.Exception</a:t>
             </a:r>
           </a:p>
-          <a:p/>
-          <a:p/>
-          <a:p/>
-          <a:p/>
+          <a:p>
+            <a:endParaRPr/>
+          </a:p>
+          <a:p>
+            <a:endParaRPr/>
+          </a:p>
+          <a:p>
+            <a:endParaRPr/>
+          </a:p>
+          <a:p>
+            <a:endParaRPr/>
+          </a:p>
         </p:txBody>
       </p:sp>
       <p:sp>
@@ -4239,11 +4347,6 @@
               </a:rPr>
               <a:t>Copyright © 2021 by Elephant Scale, All Rights Reserved</a:t>
             </a:r>
-            <a:endParaRPr sz="800">
-              <a:solidFill>
-                <a:srgbClr val="000000"/>
-              </a:solidFill>
-            </a:endParaRPr>
           </a:p>
         </p:txBody>
       </p:sp>
@@ -4256,15 +4359,15 @@
           <p:nvPr/>
         </p:nvPicPr>
         <p:blipFill>
-          <a:blip r:embed="rId1"/>
+          <a:blip r:embed="rId2"/>
           <a:stretch>
             <a:fillRect/>
           </a:stretch>
         </p:blipFill>
         <p:spPr>
           <a:xfrm>
-            <a:off x="0" y="1853565"/>
-            <a:ext cx="9304655" cy="2420620"/>
+            <a:off x="0" y="1353312"/>
+            <a:ext cx="11226800" cy="2921000"/>
           </a:xfrm>
           <a:prstGeom prst="rect">
             <a:avLst/>
@@ -4288,7 +4391,14 @@
         <p:cNvGrpSpPr/>
         <p:nvPr/>
       </p:nvGrpSpPr>
-      <p:grpSpPr/>
+      <p:grpSpPr>
+        <a:xfrm>
+          <a:off x="0" y="0"/>
+          <a:ext cx="0" cy="0"/>
+          <a:chOff x="0" y="0"/>
+          <a:chExt cx="0" cy="0"/>
+        </a:xfrm>
+      </p:grpSpPr>
       <p:sp>
         <p:nvSpPr>
           <p:cNvPr id="2" name="Subtitle 1"/>
@@ -4309,18 +4419,9 @@
             </a:pPr>
             <a:r>
               <a:t>Rule 1: Never Assume Anything
-</a:t>
-            </a:r>
-            <a:r>
-              <a:t>Rule 2: Use Standards
-</a:t>
-            </a:r>
-            <a:r>
-              <a:t>Rule 3: Code Simple
-</a:t>
-            </a:r>
-            <a:r>
-              <a:t>Error handling in Java EE
+Rule 2: Use Standards
+Rule 3: Code Simple
+Error handling in Java EE
 </a:t>
             </a:r>
             <a:r>
@@ -4330,24 +4431,12 @@
             </a:r>
             <a:r>
               <a:t>Checker Framework
+Application-layer security
+Transport-layer security
+Message-layer security
+Secure connection with SSL
 </a:t>
             </a:r>
-            <a:r>
-              <a:t>Application-layer security
-</a:t>
-            </a:r>
-            <a:r>
-              <a:t>Transport-layer security
-</a:t>
-            </a:r>
-            <a:r>
-              <a:t>Message-layer security
-</a:t>
-            </a:r>
-            <a:r>
-              <a:t>Secure connection with SSL
-</a:t>
-            </a:r>
           </a:p>
         </p:txBody>
       </p:sp>
@@ -4363,10 +4452,15 @@
         </p:nvSpPr>
         <p:spPr/>
         <p:txBody>
-          <a:bodyPr/>
-          <a:lstStyle/>
-          <a:p>
-            <a:r>
+          <a:bodyPr wrap="square">
+            <a:noAutofit/>
+          </a:bodyPr>
+          <a:lstStyle/>
+          <a:p>
+            <a:r>
+              <a:rPr sz="4200" b="1" i="0">
+                <a:latin typeface="Times New Roman"/>
+              </a:rPr>
               <a:t>Type annotation</a:t>
             </a:r>
           </a:p>
@@ -4402,11 +4496,6 @@
               </a:rPr>
               <a:t>Copyright © 2021 by Elephant Scale, All Rights Reserved</a:t>
             </a:r>
-            <a:endParaRPr sz="800">
-              <a:solidFill>
-                <a:srgbClr val="000000"/>
-              </a:solidFill>
-            </a:endParaRPr>
           </a:p>
         </p:txBody>
       </p:sp>
@@ -4427,7 +4516,14 @@
         <p:cNvGrpSpPr/>
         <p:nvPr/>
       </p:nvGrpSpPr>
-      <p:grpSpPr/>
+      <p:grpSpPr>
+        <a:xfrm>
+          <a:off x="0" y="0"/>
+          <a:ext cx="0" cy="0"/>
+          <a:chOff x="0" y="0"/>
+          <a:chExt cx="0" cy="0"/>
+        </a:xfrm>
+      </p:grpSpPr>
       <p:sp>
         <p:nvSpPr>
           <p:cNvPr id="2" name="Title 1"/>
@@ -4541,11 +4637,6 @@
               </a:rPr>
               <a:t>Copyright © 2021 by Elephant Scale, All Rights Reserved</a:t>
             </a:r>
-            <a:endParaRPr sz="800">
-              <a:solidFill>
-                <a:srgbClr val="000000"/>
-              </a:solidFill>
-            </a:endParaRPr>
           </a:p>
         </p:txBody>
       </p:sp>
@@ -4566,7 +4657,14 @@
         <p:cNvGrpSpPr/>
         <p:nvPr/>
       </p:nvGrpSpPr>
-      <p:grpSpPr/>
+      <p:grpSpPr>
+        <a:xfrm>
+          <a:off x="0" y="0"/>
+          <a:ext cx="0" cy="0"/>
+          <a:chOff x="0" y="0"/>
+          <a:chExt cx="0" cy="0"/>
+        </a:xfrm>
+      </p:grpSpPr>
       <p:sp>
         <p:nvSpPr>
           <p:cNvPr id="2" name="Title 1"/>
@@ -4602,20 +4700,28 @@
         <p:txBody>
           <a:bodyPr/>
           <a:lstStyle/>
-          <a:p/>
-          <a:p/>
+          <a:p>
+            <a:endParaRPr/>
+          </a:p>
+          <a:p>
+            <a:endParaRPr/>
+          </a:p>
           <a:p>
             <a:r>
               <a:t> With constructors</a:t>
             </a:r>
           </a:p>
-          <a:p/>
+          <a:p>
+            <a:endParaRPr/>
+          </a:p>
           <a:p>
             <a:r>
               <a:t> For exceptions</a:t>
             </a:r>
           </a:p>
-          <a:p/>
+          <a:p>
+            <a:endParaRPr/>
+          </a:p>
         </p:txBody>
       </p:sp>
       <p:sp>
@@ -4648,11 +4754,6 @@
               </a:rPr>
               <a:t>Copyright © 2021 by Elephant Scale, All Rights Reserved</a:t>
             </a:r>
-            <a:endParaRPr sz="800">
-              <a:solidFill>
-                <a:srgbClr val="000000"/>
-              </a:solidFill>
-            </a:endParaRPr>
           </a:p>
         </p:txBody>
       </p:sp>
@@ -4665,7 +4766,7 @@
           <p:nvPr/>
         </p:nvPicPr>
         <p:blipFill>
-          <a:blip r:embed="rId1"/>
+          <a:blip r:embed="rId2"/>
           <a:stretch>
             <a:fillRect/>
           </a:stretch>
@@ -4689,7 +4790,7 @@
           <p:nvPr/>
         </p:nvPicPr>
         <p:blipFill>
-          <a:blip r:embed="rId2"/>
+          <a:blip r:embed="rId3"/>
           <a:stretch>
             <a:fillRect/>
           </a:stretch>
@@ -4697,7 +4798,7 @@
         <p:spPr>
           <a:xfrm>
             <a:off x="0" y="2231136"/>
-            <a:ext cx="9398000" cy="520700"/>
+            <a:ext cx="9410700" cy="520700"/>
           </a:xfrm>
           <a:prstGeom prst="rect">
             <a:avLst/>
@@ -4713,7 +4814,7 @@
           <p:nvPr/>
         </p:nvPicPr>
         <p:blipFill>
-          <a:blip r:embed="rId3"/>
+          <a:blip r:embed="rId4"/>
           <a:stretch>
             <a:fillRect/>
           </a:stretch>
@@ -4745,7 +4846,14 @@
         <p:cNvGrpSpPr/>
         <p:nvPr/>
       </p:nvGrpSpPr>
-      <p:grpSpPr/>
+      <p:grpSpPr>
+        <a:xfrm>
+          <a:off x="0" y="0"/>
+          <a:ext cx="0" cy="0"/>
+          <a:chOff x="0" y="0"/>
+          <a:chExt cx="0" cy="0"/>
+        </a:xfrm>
+      </p:grpSpPr>
       <p:sp>
         <p:nvSpPr>
           <p:cNvPr id="2" name="Subtitle 1"/>
@@ -4766,22 +4874,10 @@
             </a:pPr>
             <a:r>
               <a:t>Rule 1: Never Assume Anything
-</a:t>
-            </a:r>
-            <a:r>
-              <a:t>Rule 2: Use Standards
-</a:t>
-            </a:r>
-            <a:r>
-              <a:t>Rule 3: Code Simple
-</a:t>
-            </a:r>
-            <a:r>
-              <a:t>Error handling in Java EE
-</a:t>
-            </a:r>
-            <a:r>
-              <a:t>Type annotation
+Rule 2: Use Standards
+Rule 3: Code Simple
+Error handling in Java EE
+Type annotation
 </a:t>
             </a:r>
             <a:r>
@@ -4791,20 +4887,11 @@
             </a:r>
             <a:r>
               <a:t>Application-layer security
+Transport-layer security
+Message-layer security
+Secure connection with SSL
 </a:t>
             </a:r>
-            <a:r>
-              <a:t>Transport-layer security
-</a:t>
-            </a:r>
-            <a:r>
-              <a:t>Message-layer security
-</a:t>
-            </a:r>
-            <a:r>
-              <a:t>Secure connection with SSL
-</a:t>
-            </a:r>
           </a:p>
         </p:txBody>
       </p:sp>
@@ -4820,10 +4907,15 @@
         </p:nvSpPr>
         <p:spPr/>
         <p:txBody>
-          <a:bodyPr/>
-          <a:lstStyle/>
-          <a:p>
-            <a:r>
+          <a:bodyPr wrap="square">
+            <a:noAutofit/>
+          </a:bodyPr>
+          <a:lstStyle/>
+          <a:p>
+            <a:r>
+              <a:rPr sz="4200" b="1" i="0">
+                <a:latin typeface="Times New Roman"/>
+              </a:rPr>
               <a:t>Checker Framework</a:t>
             </a:r>
           </a:p>
@@ -4859,11 +4951,6 @@
               </a:rPr>
               <a:t>Copyright © 2021 by Elephant Scale, All Rights Reserved</a:t>
             </a:r>
-            <a:endParaRPr sz="800">
-              <a:solidFill>
-                <a:srgbClr val="000000"/>
-              </a:solidFill>
-            </a:endParaRPr>
           </a:p>
         </p:txBody>
       </p:sp>
@@ -4884,7 +4971,14 @@
         <p:cNvGrpSpPr/>
         <p:nvPr/>
       </p:nvGrpSpPr>
-      <p:grpSpPr/>
+      <p:grpSpPr>
+        <a:xfrm>
+          <a:off x="0" y="0"/>
+          <a:ext cx="0" cy="0"/>
+          <a:chOff x="0" y="0"/>
+          <a:chExt cx="0" cy="0"/>
+        </a:xfrm>
+      </p:grpSpPr>
       <p:sp>
         <p:nvSpPr>
           <p:cNvPr id="2" name="Title 1"/>
@@ -4993,11 +5087,6 @@
               </a:rPr>
               <a:t>Copyright © 2021 by Elephant Scale, All Rights Reserved</a:t>
             </a:r>
-            <a:endParaRPr sz="800">
-              <a:solidFill>
-                <a:srgbClr val="000000"/>
-              </a:solidFill>
-            </a:endParaRPr>
           </a:p>
         </p:txBody>
       </p:sp>
@@ -5018,7 +5107,14 @@
         <p:cNvGrpSpPr/>
         <p:nvPr/>
       </p:nvGrpSpPr>
-      <p:grpSpPr/>
+      <p:grpSpPr>
+        <a:xfrm>
+          <a:off x="0" y="0"/>
+          <a:ext cx="0" cy="0"/>
+          <a:chOff x="0" y="0"/>
+          <a:chExt cx="0" cy="0"/>
+        </a:xfrm>
+      </p:grpSpPr>
       <p:sp>
         <p:nvSpPr>
           <p:cNvPr id="2" name="Title 1"/>
@@ -5116,11 +5212,6 @@
               </a:rPr>
               <a:t>Copyright © 2021 by Elephant Scale, All Rights Reserved</a:t>
             </a:r>
-            <a:endParaRPr sz="800">
-              <a:solidFill>
-                <a:srgbClr val="000000"/>
-              </a:solidFill>
-            </a:endParaRPr>
           </a:p>
         </p:txBody>
       </p:sp>
@@ -5141,7 +5232,14 @@
         <p:cNvGrpSpPr/>
         <p:nvPr/>
       </p:nvGrpSpPr>
-      <p:grpSpPr/>
+      <p:grpSpPr>
+        <a:xfrm>
+          <a:off x="0" y="0"/>
+          <a:ext cx="0" cy="0"/>
+          <a:chOff x="0" y="0"/>
+          <a:chExt cx="0" cy="0"/>
+        </a:xfrm>
+      </p:grpSpPr>
       <p:sp>
         <p:nvSpPr>
           <p:cNvPr id="2" name="Title 1"/>
@@ -5224,11 +5322,6 @@
               </a:rPr>
               <a:t>Copyright © 2021 by Elephant Scale, All Rights Reserved</a:t>
             </a:r>
-            <a:endParaRPr sz="800">
-              <a:solidFill>
-                <a:srgbClr val="000000"/>
-              </a:solidFill>
-            </a:endParaRPr>
           </a:p>
         </p:txBody>
       </p:sp>
@@ -5249,7 +5342,14 @@
         <p:cNvGrpSpPr/>
         <p:nvPr/>
       </p:nvGrpSpPr>
-      <p:grpSpPr/>
+      <p:grpSpPr>
+        <a:xfrm>
+          <a:off x="0" y="0"/>
+          <a:ext cx="0" cy="0"/>
+          <a:chOff x="0" y="0"/>
+          <a:chExt cx="0" cy="0"/>
+        </a:xfrm>
+      </p:grpSpPr>
       <p:sp>
         <p:nvSpPr>
           <p:cNvPr id="2" name="Title 1"/>
@@ -5285,9 +5385,15 @@
         <p:txBody>
           <a:bodyPr/>
           <a:lstStyle/>
-          <a:p/>
-          <a:p/>
-          <a:p/>
+          <a:p>
+            <a:endParaRPr/>
+          </a:p>
+          <a:p>
+            <a:endParaRPr/>
+          </a:p>
+          <a:p>
+            <a:endParaRPr/>
+          </a:p>
         </p:txBody>
       </p:sp>
       <p:sp>
@@ -5320,11 +5426,6 @@
               </a:rPr>
               <a:t>Copyright © 2021 by Elephant Scale, All Rights Reserved</a:t>
             </a:r>
-            <a:endParaRPr sz="800">
-              <a:solidFill>
-                <a:srgbClr val="000000"/>
-              </a:solidFill>
-            </a:endParaRPr>
           </a:p>
         </p:txBody>
       </p:sp>
@@ -5337,7 +5438,7 @@
           <p:nvPr/>
         </p:nvPicPr>
         <p:blipFill>
-          <a:blip r:embed="rId1"/>
+          <a:blip r:embed="rId2"/>
           <a:stretch>
             <a:fillRect/>
           </a:stretch>
@@ -5369,7 +5470,14 @@
         <p:cNvGrpSpPr/>
         <p:nvPr/>
       </p:nvGrpSpPr>
-      <p:grpSpPr/>
+      <p:grpSpPr>
+        <a:xfrm>
+          <a:off x="0" y="0"/>
+          <a:ext cx="0" cy="0"/>
+          <a:chOff x="0" y="0"/>
+          <a:chExt cx="0" cy="0"/>
+        </a:xfrm>
+      </p:grpSpPr>
       <p:sp>
         <p:nvSpPr>
           <p:cNvPr id="2" name="Title 1"/>
@@ -5405,14 +5513,20 @@
         <p:txBody>
           <a:bodyPr/>
           <a:lstStyle/>
-          <a:p/>
+          <a:p>
+            <a:endParaRPr/>
+          </a:p>
           <a:p>
             <a:r>
               <a:t> Get an error message</a:t>
             </a:r>
           </a:p>
-          <a:p/>
-          <a:p/>
+          <a:p>
+            <a:endParaRPr/>
+          </a:p>
+          <a:p>
+            <a:endParaRPr/>
+          </a:p>
         </p:txBody>
       </p:sp>
       <p:sp>
@@ -5445,11 +5559,6 @@
               </a:rPr>
               <a:t>Copyright © 2021 by Elephant Scale, All Rights Reserved</a:t>
             </a:r>
-            <a:endParaRPr sz="800">
-              <a:solidFill>
-                <a:srgbClr val="000000"/>
-              </a:solidFill>
-            </a:endParaRPr>
           </a:p>
         </p:txBody>
       </p:sp>
@@ -5462,7 +5571,7 @@
           <p:nvPr/>
         </p:nvPicPr>
         <p:blipFill>
-          <a:blip r:embed="rId1"/>
+          <a:blip r:embed="rId2"/>
           <a:stretch>
             <a:fillRect/>
           </a:stretch>
@@ -5486,7 +5595,7 @@
           <p:nvPr/>
         </p:nvPicPr>
         <p:blipFill>
-          <a:blip r:embed="rId2"/>
+          <a:blip r:embed="rId3"/>
           <a:stretch>
             <a:fillRect/>
           </a:stretch>
@@ -5518,7 +5627,14 @@
         <p:cNvGrpSpPr/>
         <p:nvPr/>
       </p:nvGrpSpPr>
-      <p:grpSpPr/>
+      <p:grpSpPr>
+        <a:xfrm>
+          <a:off x="0" y="0"/>
+          <a:ext cx="0" cy="0"/>
+          <a:chOff x="0" y="0"/>
+          <a:chExt cx="0" cy="0"/>
+        </a:xfrm>
+      </p:grpSpPr>
       <p:sp>
         <p:nvSpPr>
           <p:cNvPr id="2" name="Subtitle 1"/>
@@ -5539,26 +5655,11 @@
             </a:pPr>
             <a:r>
               <a:t>Rule 1: Never Assume Anything
-</a:t>
-            </a:r>
-            <a:r>
-              <a:t>Rule 2: Use Standards
-</a:t>
-            </a:r>
-            <a:r>
-              <a:t>Rule 3: Code Simple
-</a:t>
-            </a:r>
-            <a:r>
-              <a:t>Error handling in Java EE
-</a:t>
-            </a:r>
-            <a:r>
-              <a:t>Type annotation
-</a:t>
-            </a:r>
-            <a:r>
-              <a:t>Checker Framework
+Rule 2: Use Standards
+Rule 3: Code Simple
+Error handling in Java EE
+Type annotation
+Checker Framework
 </a:t>
             </a:r>
             <a:r>
@@ -5568,16 +5669,10 @@
             </a:r>
             <a:r>
               <a:t>Transport-layer security
+Message-layer security
+Secure connection with SSL
 </a:t>
             </a:r>
-            <a:r>
-              <a:t>Message-layer security
-</a:t>
-            </a:r>
-            <a:r>
-              <a:t>Secure connection with SSL
-</a:t>
-            </a:r>
           </a:p>
         </p:txBody>
       </p:sp>
@@ -5593,10 +5688,15 @@
         </p:nvSpPr>
         <p:spPr/>
         <p:txBody>
-          <a:bodyPr/>
-          <a:lstStyle/>
-          <a:p>
-            <a:r>
+          <a:bodyPr wrap="square">
+            <a:noAutofit/>
+          </a:bodyPr>
+          <a:lstStyle/>
+          <a:p>
+            <a:r>
+              <a:rPr sz="4200" b="1" i="0">
+                <a:latin typeface="Times New Roman"/>
+              </a:rPr>
               <a:t>Application-layer security</a:t>
             </a:r>
           </a:p>
@@ -5632,11 +5732,6 @@
               </a:rPr>
               <a:t>Copyright © 2021 by Elephant Scale, All Rights Reserved</a:t>
             </a:r>
-            <a:endParaRPr sz="800">
-              <a:solidFill>
-                <a:srgbClr val="000000"/>
-              </a:solidFill>
-            </a:endParaRPr>
           </a:p>
         </p:txBody>
       </p:sp>
@@ -5657,7 +5752,14 @@
         <p:cNvGrpSpPr/>
         <p:nvPr/>
       </p:nvGrpSpPr>
-      <p:grpSpPr/>
+      <p:grpSpPr>
+        <a:xfrm>
+          <a:off x="0" y="0"/>
+          <a:ext cx="0" cy="0"/>
+          <a:chOff x="0" y="0"/>
+          <a:chExt cx="0" cy="0"/>
+        </a:xfrm>
+      </p:grpSpPr>
       <p:sp>
         <p:nvSpPr>
           <p:cNvPr id="2" name="Title 1"/>
@@ -5755,11 +5857,6 @@
               </a:rPr>
               <a:t>Copyright © 2021 by Elephant Scale, All Rights Reserved</a:t>
             </a:r>
-            <a:endParaRPr sz="800">
-              <a:solidFill>
-                <a:srgbClr val="000000"/>
-              </a:solidFill>
-            </a:endParaRPr>
           </a:p>
         </p:txBody>
       </p:sp>
@@ -5780,7 +5877,14 @@
         <p:cNvGrpSpPr/>
         <p:nvPr/>
       </p:nvGrpSpPr>
-      <p:grpSpPr/>
+      <p:grpSpPr>
+        <a:xfrm>
+          <a:off x="0" y="0"/>
+          <a:ext cx="0" cy="0"/>
+          <a:chOff x="0" y="0"/>
+          <a:chExt cx="0" cy="0"/>
+        </a:xfrm>
+      </p:grpSpPr>
       <p:sp>
         <p:nvSpPr>
           <p:cNvPr id="2" name="Subtitle 1"/>
@@ -5801,30 +5905,12 @@
             </a:pPr>
             <a:r>
               <a:t>Rule 1: Never Assume Anything
-</a:t>
-            </a:r>
-            <a:r>
-              <a:t>Rule 2: Use Standards
-</a:t>
-            </a:r>
-            <a:r>
-              <a:t>Rule 3: Code Simple
-</a:t>
-            </a:r>
-            <a:r>
-              <a:t>Error handling in Java EE
-</a:t>
-            </a:r>
-            <a:r>
-              <a:t>Type annotation
-</a:t>
-            </a:r>
-            <a:r>
-              <a:t>Checker Framework
-</a:t>
-            </a:r>
-            <a:r>
-              <a:t>Application-layer security
+Rule 2: Use Standards
+Rule 3: Code Simple
+Error handling in Java EE
+Type annotation
+Checker Framework
+Application-layer security
 </a:t>
             </a:r>
             <a:r>
@@ -5834,12 +5920,9 @@
             </a:r>
             <a:r>
               <a:t>Message-layer security
+Secure connection with SSL
 </a:t>
             </a:r>
-            <a:r>
-              <a:t>Secure connection with SSL
-</a:t>
-            </a:r>
           </a:p>
         </p:txBody>
       </p:sp>
@@ -5855,10 +5938,15 @@
         </p:nvSpPr>
         <p:spPr/>
         <p:txBody>
-          <a:bodyPr/>
-          <a:lstStyle/>
-          <a:p>
-            <a:r>
+          <a:bodyPr wrap="square">
+            <a:noAutofit/>
+          </a:bodyPr>
+          <a:lstStyle/>
+          <a:p>
+            <a:r>
+              <a:rPr sz="4200" b="1" i="0">
+                <a:latin typeface="Times New Roman"/>
+              </a:rPr>
               <a:t>Transport-layer security</a:t>
             </a:r>
           </a:p>
@@ -5894,11 +5982,6 @@
               </a:rPr>
               <a:t>Copyright © 2021 by Elephant Scale, All Rights Reserved</a:t>
             </a:r>
-            <a:endParaRPr sz="800">
-              <a:solidFill>
-                <a:srgbClr val="000000"/>
-              </a:solidFill>
-            </a:endParaRPr>
           </a:p>
         </p:txBody>
       </p:sp>
@@ -5919,7 +6002,14 @@
         <p:cNvGrpSpPr/>
         <p:nvPr/>
       </p:nvGrpSpPr>
-      <p:grpSpPr/>
+      <p:grpSpPr>
+        <a:xfrm>
+          <a:off x="0" y="0"/>
+          <a:ext cx="0" cy="0"/>
+          <a:chOff x="0" y="0"/>
+          <a:chExt cx="0" cy="0"/>
+        </a:xfrm>
+      </p:grpSpPr>
       <p:sp>
         <p:nvSpPr>
           <p:cNvPr id="2" name="Title 1"/>
@@ -6002,11 +6092,6 @@
               </a:rPr>
               <a:t>Copyright © 2021 by Elephant Scale, All Rights Reserved</a:t>
             </a:r>
-            <a:endParaRPr sz="800">
-              <a:solidFill>
-                <a:srgbClr val="000000"/>
-              </a:solidFill>
-            </a:endParaRPr>
           </a:p>
         </p:txBody>
       </p:sp>
@@ -6027,7 +6112,14 @@
         <p:cNvGrpSpPr/>
         <p:nvPr/>
       </p:nvGrpSpPr>
-      <p:grpSpPr/>
+      <p:grpSpPr>
+        <a:xfrm>
+          <a:off x="0" y="0"/>
+          <a:ext cx="0" cy="0"/>
+          <a:chOff x="0" y="0"/>
+          <a:chExt cx="0" cy="0"/>
+        </a:xfrm>
+      </p:grpSpPr>
       <p:sp>
         <p:nvSpPr>
           <p:cNvPr id="2" name="Title 1"/>
@@ -6138,11 +6230,6 @@
               </a:rPr>
               <a:t>Copyright © 2021 by Elephant Scale, All Rights Reserved</a:t>
             </a:r>
-            <a:endParaRPr sz="800">
-              <a:solidFill>
-                <a:srgbClr val="000000"/>
-              </a:solidFill>
-            </a:endParaRPr>
           </a:p>
         </p:txBody>
       </p:sp>
@@ -6163,7 +6250,14 @@
         <p:cNvGrpSpPr/>
         <p:nvPr/>
       </p:nvGrpSpPr>
-      <p:grpSpPr/>
+      <p:grpSpPr>
+        <a:xfrm>
+          <a:off x="0" y="0"/>
+          <a:ext cx="0" cy="0"/>
+          <a:chOff x="0" y="0"/>
+          <a:chExt cx="0" cy="0"/>
+        </a:xfrm>
+      </p:grpSpPr>
       <p:sp>
         <p:nvSpPr>
           <p:cNvPr id="2" name="Title 1"/>
@@ -6307,11 +6401,6 @@
               </a:rPr>
               <a:t>Copyright © 2021 by Elephant Scale, All Rights Reserved</a:t>
             </a:r>
-            <a:endParaRPr sz="800">
-              <a:solidFill>
-                <a:srgbClr val="000000"/>
-              </a:solidFill>
-            </a:endParaRPr>
           </a:p>
         </p:txBody>
       </p:sp>
@@ -6332,7 +6421,14 @@
         <p:cNvGrpSpPr/>
         <p:nvPr/>
       </p:nvGrpSpPr>
-      <p:grpSpPr/>
+      <p:grpSpPr>
+        <a:xfrm>
+          <a:off x="0" y="0"/>
+          <a:ext cx="0" cy="0"/>
+          <a:chOff x="0" y="0"/>
+          <a:chExt cx="0" cy="0"/>
+        </a:xfrm>
+      </p:grpSpPr>
       <p:sp>
         <p:nvSpPr>
           <p:cNvPr id="2" name="Subtitle 1"/>
@@ -6353,34 +6449,13 @@
             </a:pPr>
             <a:r>
               <a:t>Rule 1: Never Assume Anything
-</a:t>
-            </a:r>
-            <a:r>
-              <a:t>Rule 2: Use Standards
-</a:t>
-            </a:r>
-            <a:r>
-              <a:t>Rule 3: Code Simple
-</a:t>
-            </a:r>
-            <a:r>
-              <a:t>Error handling in Java EE
-</a:t>
-            </a:r>
-            <a:r>
-              <a:t>Type annotation
-</a:t>
-            </a:r>
-            <a:r>
-              <a:t>Checker Framework
-</a:t>
-            </a:r>
-            <a:r>
-              <a:t>Application-layer security
-</a:t>
-            </a:r>
-            <a:r>
-              <a:t>Transport-layer security
+Rule 2: Use Standards
+Rule 3: Code Simple
+Error handling in Java EE
+Type annotation
+Checker Framework
+Application-layer security
+Transport-layer security
 </a:t>
             </a:r>
             <a:r>
@@ -6407,10 +6482,15 @@
         </p:nvSpPr>
         <p:spPr/>
         <p:txBody>
-          <a:bodyPr/>
-          <a:lstStyle/>
-          <a:p>
-            <a:r>
+          <a:bodyPr wrap="square">
+            <a:noAutofit/>
+          </a:bodyPr>
+          <a:lstStyle/>
+          <a:p>
+            <a:r>
+              <a:rPr sz="4200" b="1" i="0">
+                <a:latin typeface="Times New Roman"/>
+              </a:rPr>
               <a:t>Message-layer security</a:t>
             </a:r>
           </a:p>
@@ -6446,11 +6526,6 @@
               </a:rPr>
               <a:t>Copyright © 2021 by Elephant Scale, All Rights Reserved</a:t>
             </a:r>
-            <a:endParaRPr sz="800">
-              <a:solidFill>
-                <a:srgbClr val="000000"/>
-              </a:solidFill>
-            </a:endParaRPr>
           </a:p>
         </p:txBody>
       </p:sp>
@@ -6471,7 +6546,14 @@
         <p:cNvGrpSpPr/>
         <p:nvPr/>
       </p:nvGrpSpPr>
-      <p:grpSpPr/>
+      <p:grpSpPr>
+        <a:xfrm>
+          <a:off x="0" y="0"/>
+          <a:ext cx="0" cy="0"/>
+          <a:chOff x="0" y="0"/>
+          <a:chExt cx="0" cy="0"/>
+        </a:xfrm>
+      </p:grpSpPr>
       <p:sp>
         <p:nvSpPr>
           <p:cNvPr id="2" name="Title 1"/>
@@ -6529,10 +6611,18 @@
               <a:t> intermediaries are able to view parts of the message intended for them</a:t>
             </a:r>
           </a:p>
-          <a:p/>
-          <a:p/>
-          <a:p/>
-          <a:p/>
+          <a:p>
+            <a:endParaRPr/>
+          </a:p>
+          <a:p>
+            <a:endParaRPr/>
+          </a:p>
+          <a:p>
+            <a:endParaRPr/>
+          </a:p>
+          <a:p>
+            <a:endParaRPr/>
+          </a:p>
         </p:txBody>
       </p:sp>
       <p:sp>
@@ -6565,11 +6655,6 @@
               </a:rPr>
               <a:t>Copyright © 2021 by Elephant Scale, All Rights Reserved</a:t>
             </a:r>
-            <a:endParaRPr sz="800">
-              <a:solidFill>
-                <a:srgbClr val="000000"/>
-              </a:solidFill>
-            </a:endParaRPr>
           </a:p>
         </p:txBody>
       </p:sp>
@@ -6583,7 +6668,7 @@
         </p:nvGraphicFramePr>
         <p:xfrm>
           <a:off x="237744" y="3108960"/>
-          <a:ext cx="8915400" cy="1371600"/>
+          <a:ext cx="8915400" cy="2103120"/>
         </p:xfrm>
         <a:graphic>
           <a:graphicData uri="http://schemas.openxmlformats.org/drawingml/2006/table">
@@ -6592,9 +6677,27 @@
                 <a:tableStyleId>{5C22544A-7EE6-4342-B048-85BDC9FD1C3A}</a:tableStyleId>
               </a:tblPr>
               <a:tblGrid>
-                <a:gridCol w="2971800"/>
-                <a:gridCol w="2971800"/>
-                <a:gridCol w="2971800"/>
+                <a:gridCol w="2971800">
+                  <a:extLst>
+                    <a:ext uri="{9D8B030D-6E8A-4147-A177-3AD203B41FA5}">
+                      <a16:colId xmlns:a16="http://schemas.microsoft.com/office/drawing/2014/main" val="20000"/>
+                    </a:ext>
+                  </a:extLst>
+                </a:gridCol>
+                <a:gridCol w="2971800">
+                  <a:extLst>
+                    <a:ext uri="{9D8B030D-6E8A-4147-A177-3AD203B41FA5}">
+                      <a16:colId xmlns:a16="http://schemas.microsoft.com/office/drawing/2014/main" val="20001"/>
+                    </a:ext>
+                  </a:extLst>
+                </a:gridCol>
+                <a:gridCol w="2971800">
+                  <a:extLst>
+                    <a:ext uri="{9D8B030D-6E8A-4147-A177-3AD203B41FA5}">
+                      <a16:colId xmlns:a16="http://schemas.microsoft.com/office/drawing/2014/main" val="20002"/>
+                    </a:ext>
+                  </a:extLst>
+                </a:gridCol>
               </a:tblGrid>
               <a:tr h="457200">
                 <a:tc>
@@ -6633,6 +6736,11 @@
                   </a:txBody>
                   <a:tcPr/>
                 </a:tc>
+                <a:extLst>
+                  <a:ext uri="{0D108BD9-81ED-4DB2-BD59-A6C34878D82A}">
+                    <a16:rowId xmlns:a16="http://schemas.microsoft.com/office/drawing/2014/main" val="10000"/>
+                  </a:ext>
+                </a:extLst>
               </a:tr>
               <a:tr h="457200">
                 <a:tc>
@@ -6671,13 +6779,20 @@
                   </a:txBody>
                   <a:tcPr/>
                 </a:tc>
+                <a:extLst>
+                  <a:ext uri="{0D108BD9-81ED-4DB2-BD59-A6C34878D82A}">
+                    <a16:rowId xmlns:a16="http://schemas.microsoft.com/office/drawing/2014/main" val="10001"/>
+                  </a:ext>
+                </a:extLst>
               </a:tr>
               <a:tr h="457200">
                 <a:tc>
                   <a:txBody>
                     <a:bodyPr/>
                     <a:lstStyle/>
-                    <a:p/>
+                    <a:p>
+                      <a:endParaRPr/>
+                    </a:p>
                   </a:txBody>
                   <a:tcPr/>
                 </a:tc>
@@ -6685,7 +6800,9 @@
                   <a:txBody>
                     <a:bodyPr/>
                     <a:lstStyle/>
-                    <a:p/>
+                    <a:p>
+                      <a:endParaRPr/>
+                    </a:p>
                   </a:txBody>
                   <a:tcPr/>
                 </a:tc>
@@ -6693,10 +6810,17 @@
                   <a:txBody>
                     <a:bodyPr/>
                     <a:lstStyle/>
-                    <a:p/>
+                    <a:p>
+                      <a:endParaRPr/>
+                    </a:p>
                   </a:txBody>
                   <a:tcPr/>
                 </a:tc>
+                <a:extLst>
+                  <a:ext uri="{0D108BD9-81ED-4DB2-BD59-A6C34878D82A}">
+                    <a16:rowId xmlns:a16="http://schemas.microsoft.com/office/drawing/2014/main" val="10002"/>
+                  </a:ext>
+                </a:extLst>
               </a:tr>
             </a:tbl>
           </a:graphicData>
@@ -6719,7 +6843,14 @@
         <p:cNvGrpSpPr/>
         <p:nvPr/>
       </p:nvGrpSpPr>
-      <p:grpSpPr/>
+      <p:grpSpPr>
+        <a:xfrm>
+          <a:off x="0" y="0"/>
+          <a:ext cx="0" cy="0"/>
+          <a:chOff x="0" y="0"/>
+          <a:chExt cx="0" cy="0"/>
+        </a:xfrm>
+      </p:grpSpPr>
       <p:sp>
         <p:nvSpPr>
           <p:cNvPr id="2" name="Subtitle 1"/>
@@ -6745,40 +6876,16 @@
             </a:r>
             <a:r>
               <a:t>Rule 2: Use Standards
+Rule 3: Code Simple
+Error handling in Java EE
+Type annotation
+Checker Framework
+Application-layer security
+Transport-layer security
+Message-layer security
+Secure connection with SSL
 </a:t>
             </a:r>
-            <a:r>
-              <a:t>Rule 3: Code Simple
-</a:t>
-            </a:r>
-            <a:r>
-              <a:t>Error handling in Java EE
-</a:t>
-            </a:r>
-            <a:r>
-              <a:t>Type annotation
-</a:t>
-            </a:r>
-            <a:r>
-              <a:t>Checker Framework
-</a:t>
-            </a:r>
-            <a:r>
-              <a:t>Application-layer security
-</a:t>
-            </a:r>
-            <a:r>
-              <a:t>Transport-layer security
-</a:t>
-            </a:r>
-            <a:r>
-              <a:t>Message-layer security
-</a:t>
-            </a:r>
-            <a:r>
-              <a:t>Secure connection with SSL
-</a:t>
-            </a:r>
           </a:p>
         </p:txBody>
       </p:sp>
@@ -6794,10 +6901,15 @@
         </p:nvSpPr>
         <p:spPr/>
         <p:txBody>
-          <a:bodyPr/>
-          <a:lstStyle/>
-          <a:p>
-            <a:r>
+          <a:bodyPr wrap="square">
+            <a:noAutofit/>
+          </a:bodyPr>
+          <a:lstStyle/>
+          <a:p>
+            <a:r>
+              <a:rPr sz="4200" b="1" i="0">
+                <a:latin typeface="Times New Roman"/>
+              </a:rPr>
               <a:t>Rule 1: Never Assume Anything</a:t>
             </a:r>
           </a:p>
@@ -6833,11 +6945,6 @@
               </a:rPr>
               <a:t>Copyright © 2021 by Elephant Scale, All Rights Reserved</a:t>
             </a:r>
-            <a:endParaRPr sz="800">
-              <a:solidFill>
-                <a:srgbClr val="000000"/>
-              </a:solidFill>
-            </a:endParaRPr>
           </a:p>
         </p:txBody>
       </p:sp>
@@ -6858,7 +6965,14 @@
         <p:cNvGrpSpPr/>
         <p:nvPr/>
       </p:nvGrpSpPr>
-      <p:grpSpPr/>
+      <p:grpSpPr>
+        <a:xfrm>
+          <a:off x="0" y="0"/>
+          <a:ext cx="0" cy="0"/>
+          <a:chOff x="0" y="0"/>
+          <a:chExt cx="0" cy="0"/>
+        </a:xfrm>
+      </p:grpSpPr>
       <p:sp>
         <p:nvSpPr>
           <p:cNvPr id="2" name="Title 1"/>
@@ -6910,7 +7024,7 @@
             </a:r>
             <a:r>
               <a:rPr>
-                <a:latin typeface="Courier New" panose="02070309020205020404"/>
+                <a:latin typeface="Courier New"/>
               </a:rPr>
               <a:t> plaintext</a:t>
             </a:r>
@@ -6919,7 +7033,7 @@
             </a:r>
             <a:r>
               <a:rPr>
-                <a:latin typeface="Courier New" panose="02070309020205020404"/>
+                <a:latin typeface="Courier New"/>
               </a:rPr>
               <a:t> ciphertext</a:t>
             </a:r>
@@ -6935,7 +7049,7 @@
           <a:p>
             <a:r>
               <a:rPr>
-                <a:latin typeface="Courier New" panose="02070309020205020404"/>
+                <a:latin typeface="Courier New"/>
               </a:rPr>
               <a:t> Encryption Key</a:t>
             </a:r>
@@ -6985,11 +7099,6 @@
               </a:rPr>
               <a:t>Copyright © 2021 by Elephant Scale, All Rights Reserved</a:t>
             </a:r>
-            <a:endParaRPr sz="800">
-              <a:solidFill>
-                <a:srgbClr val="000000"/>
-              </a:solidFill>
-            </a:endParaRPr>
           </a:p>
         </p:txBody>
       </p:sp>
@@ -7010,7 +7119,14 @@
         <p:cNvGrpSpPr/>
         <p:nvPr/>
       </p:nvGrpSpPr>
-      <p:grpSpPr/>
+      <p:grpSpPr>
+        <a:xfrm>
+          <a:off x="0" y="0"/>
+          <a:ext cx="0" cy="0"/>
+          <a:chOff x="0" y="0"/>
+          <a:chExt cx="0" cy="0"/>
+        </a:xfrm>
+      </p:grpSpPr>
       <p:sp>
         <p:nvSpPr>
           <p:cNvPr id="2" name="Title 1"/>
@@ -7118,11 +7234,6 @@
               </a:rPr>
               <a:t>Copyright © 2021 by Elephant Scale, All Rights Reserved</a:t>
             </a:r>
-            <a:endParaRPr sz="800">
-              <a:solidFill>
-                <a:srgbClr val="000000"/>
-              </a:solidFill>
-            </a:endParaRPr>
           </a:p>
         </p:txBody>
       </p:sp>
@@ -7143,7 +7254,14 @@
         <p:cNvGrpSpPr/>
         <p:nvPr/>
       </p:nvGrpSpPr>
-      <p:grpSpPr/>
+      <p:grpSpPr>
+        <a:xfrm>
+          <a:off x="0" y="0"/>
+          <a:ext cx="0" cy="0"/>
+          <a:chOff x="0" y="0"/>
+          <a:chExt cx="0" cy="0"/>
+        </a:xfrm>
+      </p:grpSpPr>
       <p:sp>
         <p:nvSpPr>
           <p:cNvPr id="2" name="Title 1"/>
@@ -7241,11 +7359,6 @@
               </a:rPr>
               <a:t>Copyright © 2021 by Elephant Scale, All Rights Reserved</a:t>
             </a:r>
-            <a:endParaRPr sz="800">
-              <a:solidFill>
-                <a:srgbClr val="000000"/>
-              </a:solidFill>
-            </a:endParaRPr>
           </a:p>
         </p:txBody>
       </p:sp>
@@ -7266,7 +7379,14 @@
         <p:cNvGrpSpPr/>
         <p:nvPr/>
       </p:nvGrpSpPr>
-      <p:grpSpPr/>
+      <p:grpSpPr>
+        <a:xfrm>
+          <a:off x="0" y="0"/>
+          <a:ext cx="0" cy="0"/>
+          <a:chOff x="0" y="0"/>
+          <a:chExt cx="0" cy="0"/>
+        </a:xfrm>
+      </p:grpSpPr>
       <p:sp>
         <p:nvSpPr>
           <p:cNvPr id="2" name="Title 1"/>
@@ -7302,20 +7422,48 @@
         <p:txBody>
           <a:bodyPr/>
           <a:lstStyle/>
-          <a:p/>
-          <a:p/>
-          <a:p/>
-          <a:p/>
-          <a:p/>
-          <a:p/>
-          <a:p/>
-          <a:p/>
-          <a:p/>
-          <a:p/>
-          <a:p/>
-          <a:p/>
-          <a:p/>
-          <a:p/>
+          <a:p>
+            <a:endParaRPr/>
+          </a:p>
+          <a:p>
+            <a:endParaRPr/>
+          </a:p>
+          <a:p>
+            <a:endParaRPr/>
+          </a:p>
+          <a:p>
+            <a:endParaRPr/>
+          </a:p>
+          <a:p>
+            <a:endParaRPr/>
+          </a:p>
+          <a:p>
+            <a:endParaRPr/>
+          </a:p>
+          <a:p>
+            <a:endParaRPr/>
+          </a:p>
+          <a:p>
+            <a:endParaRPr/>
+          </a:p>
+          <a:p>
+            <a:endParaRPr/>
+          </a:p>
+          <a:p>
+            <a:endParaRPr/>
+          </a:p>
+          <a:p>
+            <a:endParaRPr/>
+          </a:p>
+          <a:p>
+            <a:endParaRPr/>
+          </a:p>
+          <a:p>
+            <a:endParaRPr/>
+          </a:p>
+          <a:p>
+            <a:endParaRPr/>
+          </a:p>
         </p:txBody>
       </p:sp>
       <p:sp>
@@ -7348,11 +7496,6 @@
               </a:rPr>
               <a:t>Copyright © 2021 by Elephant Scale, All Rights Reserved</a:t>
             </a:r>
-            <a:endParaRPr sz="800">
-              <a:solidFill>
-                <a:srgbClr val="000000"/>
-              </a:solidFill>
-            </a:endParaRPr>
           </a:p>
         </p:txBody>
       </p:sp>
@@ -7365,7 +7508,7 @@
           <p:nvPr/>
         </p:nvPicPr>
         <p:blipFill>
-          <a:blip r:embed="rId1"/>
+          <a:blip r:embed="rId2"/>
           <a:stretch>
             <a:fillRect/>
           </a:stretch>
@@ -7397,7 +7540,14 @@
         <p:cNvGrpSpPr/>
         <p:nvPr/>
       </p:nvGrpSpPr>
-      <p:grpSpPr/>
+      <p:grpSpPr>
+        <a:xfrm>
+          <a:off x="0" y="0"/>
+          <a:ext cx="0" cy="0"/>
+          <a:chOff x="0" y="0"/>
+          <a:chExt cx="0" cy="0"/>
+        </a:xfrm>
+      </p:grpSpPr>
       <p:sp>
         <p:nvSpPr>
           <p:cNvPr id="2" name="Title 1"/>
@@ -7490,11 +7640,6 @@
               </a:rPr>
               <a:t>Copyright © 2021 by Elephant Scale, All Rights Reserved</a:t>
             </a:r>
-            <a:endParaRPr sz="800">
-              <a:solidFill>
-                <a:srgbClr val="000000"/>
-              </a:solidFill>
-            </a:endParaRPr>
           </a:p>
         </p:txBody>
       </p:sp>
@@ -7515,7 +7660,14 @@
         <p:cNvGrpSpPr/>
         <p:nvPr/>
       </p:nvGrpSpPr>
-      <p:grpSpPr/>
+      <p:grpSpPr>
+        <a:xfrm>
+          <a:off x="0" y="0"/>
+          <a:ext cx="0" cy="0"/>
+          <a:chOff x="0" y="0"/>
+          <a:chExt cx="0" cy="0"/>
+        </a:xfrm>
+      </p:grpSpPr>
       <p:sp>
         <p:nvSpPr>
           <p:cNvPr id="2" name="Title 1"/>
@@ -7618,11 +7770,6 @@
               </a:rPr>
               <a:t>Copyright © 2021 by Elephant Scale, All Rights Reserved</a:t>
             </a:r>
-            <a:endParaRPr sz="800">
-              <a:solidFill>
-                <a:srgbClr val="000000"/>
-              </a:solidFill>
-            </a:endParaRPr>
           </a:p>
         </p:txBody>
       </p:sp>
@@ -7643,7 +7790,14 @@
         <p:cNvGrpSpPr/>
         <p:nvPr/>
       </p:nvGrpSpPr>
-      <p:grpSpPr/>
+      <p:grpSpPr>
+        <a:xfrm>
+          <a:off x="0" y="0"/>
+          <a:ext cx="0" cy="0"/>
+          <a:chOff x="0" y="0"/>
+          <a:chExt cx="0" cy="0"/>
+        </a:xfrm>
+      </p:grpSpPr>
       <p:sp>
         <p:nvSpPr>
           <p:cNvPr id="2" name="Title 1"/>
@@ -7736,11 +7890,6 @@
               </a:rPr>
               <a:t>Copyright © 2021 by Elephant Scale, All Rights Reserved</a:t>
             </a:r>
-            <a:endParaRPr sz="800">
-              <a:solidFill>
-                <a:srgbClr val="000000"/>
-              </a:solidFill>
-            </a:endParaRPr>
           </a:p>
         </p:txBody>
       </p:sp>
@@ -7761,7 +7910,14 @@
         <p:cNvGrpSpPr/>
         <p:nvPr/>
       </p:nvGrpSpPr>
-      <p:grpSpPr/>
+      <p:grpSpPr>
+        <a:xfrm>
+          <a:off x="0" y="0"/>
+          <a:ext cx="0" cy="0"/>
+          <a:chOff x="0" y="0"/>
+          <a:chExt cx="0" cy="0"/>
+        </a:xfrm>
+      </p:grpSpPr>
       <p:sp>
         <p:nvSpPr>
           <p:cNvPr id="2" name="Title 1"/>
@@ -7849,11 +8005,6 @@
               </a:rPr>
               <a:t>Copyright © 2021 by Elephant Scale, All Rights Reserved</a:t>
             </a:r>
-            <a:endParaRPr sz="800">
-              <a:solidFill>
-                <a:srgbClr val="000000"/>
-              </a:solidFill>
-            </a:endParaRPr>
           </a:p>
         </p:txBody>
       </p:sp>
@@ -7874,7 +8025,14 @@
         <p:cNvGrpSpPr/>
         <p:nvPr/>
       </p:nvGrpSpPr>
-      <p:grpSpPr/>
+      <p:grpSpPr>
+        <a:xfrm>
+          <a:off x="0" y="0"/>
+          <a:ext cx="0" cy="0"/>
+          <a:chOff x="0" y="0"/>
+          <a:chExt cx="0" cy="0"/>
+        </a:xfrm>
+      </p:grpSpPr>
       <p:sp>
         <p:nvSpPr>
           <p:cNvPr id="2" name="Title 1"/>
@@ -7962,11 +8120,6 @@
               </a:rPr>
               <a:t>Copyright © 2021 by Elephant Scale, All Rights Reserved</a:t>
             </a:r>
-            <a:endParaRPr sz="800">
-              <a:solidFill>
-                <a:srgbClr val="000000"/>
-              </a:solidFill>
-            </a:endParaRPr>
           </a:p>
         </p:txBody>
       </p:sp>
@@ -7987,7 +8140,14 @@
         <p:cNvGrpSpPr/>
         <p:nvPr/>
       </p:nvGrpSpPr>
-      <p:grpSpPr/>
+      <p:grpSpPr>
+        <a:xfrm>
+          <a:off x="0" y="0"/>
+          <a:ext cx="0" cy="0"/>
+          <a:chOff x="0" y="0"/>
+          <a:chExt cx="0" cy="0"/>
+        </a:xfrm>
+      </p:grpSpPr>
       <p:sp>
         <p:nvSpPr>
           <p:cNvPr id="2" name="Title 1"/>
@@ -8090,11 +8250,6 @@
               </a:rPr>
               <a:t>Copyright © 2021 by Elephant Scale, All Rights Reserved</a:t>
             </a:r>
-            <a:endParaRPr sz="800">
-              <a:solidFill>
-                <a:srgbClr val="000000"/>
-              </a:solidFill>
-            </a:endParaRPr>
           </a:p>
         </p:txBody>
       </p:sp>
@@ -8115,7 +8270,14 @@
         <p:cNvGrpSpPr/>
         <p:nvPr/>
       </p:nvGrpSpPr>
-      <p:grpSpPr/>
+      <p:grpSpPr>
+        <a:xfrm>
+          <a:off x="0" y="0"/>
+          <a:ext cx="0" cy="0"/>
+          <a:chOff x="0" y="0"/>
+          <a:chExt cx="0" cy="0"/>
+        </a:xfrm>
+      </p:grpSpPr>
       <p:sp>
         <p:nvSpPr>
           <p:cNvPr id="2" name="Title 1"/>
@@ -8213,11 +8375,6 @@
               </a:rPr>
               <a:t>Copyright © 2021 by Elephant Scale, All Rights Reserved</a:t>
             </a:r>
-            <a:endParaRPr sz="800">
-              <a:solidFill>
-                <a:srgbClr val="000000"/>
-              </a:solidFill>
-            </a:endParaRPr>
           </a:p>
         </p:txBody>
       </p:sp>
@@ -8238,7 +8395,14 @@
         <p:cNvGrpSpPr/>
         <p:nvPr/>
       </p:nvGrpSpPr>
-      <p:grpSpPr/>
+      <p:grpSpPr>
+        <a:xfrm>
+          <a:off x="0" y="0"/>
+          <a:ext cx="0" cy="0"/>
+          <a:chOff x="0" y="0"/>
+          <a:chExt cx="0" cy="0"/>
+        </a:xfrm>
+      </p:grpSpPr>
       <p:sp>
         <p:nvSpPr>
           <p:cNvPr id="2" name="Title 1"/>
@@ -8331,11 +8495,6 @@
               </a:rPr>
               <a:t>Copyright © 2021 by Elephant Scale, All Rights Reserved</a:t>
             </a:r>
-            <a:endParaRPr sz="800">
-              <a:solidFill>
-                <a:srgbClr val="000000"/>
-              </a:solidFill>
-            </a:endParaRPr>
           </a:p>
         </p:txBody>
       </p:sp>
@@ -8356,7 +8515,14 @@
         <p:cNvGrpSpPr/>
         <p:nvPr/>
       </p:nvGrpSpPr>
-      <p:grpSpPr/>
+      <p:grpSpPr>
+        <a:xfrm>
+          <a:off x="0" y="0"/>
+          <a:ext cx="0" cy="0"/>
+          <a:chOff x="0" y="0"/>
+          <a:chExt cx="0" cy="0"/>
+        </a:xfrm>
+      </p:grpSpPr>
       <p:sp>
         <p:nvSpPr>
           <p:cNvPr id="2" name="Title 1"/>
@@ -8454,11 +8620,6 @@
               </a:rPr>
               <a:t>Copyright © 2021 by Elephant Scale, All Rights Reserved</a:t>
             </a:r>
-            <a:endParaRPr sz="800">
-              <a:solidFill>
-                <a:srgbClr val="000000"/>
-              </a:solidFill>
-            </a:endParaRPr>
           </a:p>
         </p:txBody>
       </p:sp>
@@ -8479,7 +8640,14 @@
         <p:cNvGrpSpPr/>
         <p:nvPr/>
       </p:nvGrpSpPr>
-      <p:grpSpPr/>
+      <p:grpSpPr>
+        <a:xfrm>
+          <a:off x="0" y="0"/>
+          <a:ext cx="0" cy="0"/>
+          <a:chOff x="0" y="0"/>
+          <a:chExt cx="0" cy="0"/>
+        </a:xfrm>
+      </p:grpSpPr>
       <p:sp>
         <p:nvSpPr>
           <p:cNvPr id="2" name="Subtitle 1"/>
@@ -8500,38 +8668,14 @@
             </a:pPr>
             <a:r>
               <a:t>Rule 1: Never Assume Anything
-</a:t>
-            </a:r>
-            <a:r>
-              <a:t>Rule 2: Use Standards
-</a:t>
-            </a:r>
-            <a:r>
-              <a:t>Rule 3: Code Simple
-</a:t>
-            </a:r>
-            <a:r>
-              <a:t>Error handling in Java EE
-</a:t>
-            </a:r>
-            <a:r>
-              <a:t>Type annotation
-</a:t>
-            </a:r>
-            <a:r>
-              <a:t>Checker Framework
-</a:t>
-            </a:r>
-            <a:r>
-              <a:t>Application-layer security
-</a:t>
-            </a:r>
-            <a:r>
-              <a:t>Transport-layer security
-</a:t>
-            </a:r>
-            <a:r>
-              <a:t>Message-layer security
+Rule 2: Use Standards
+Rule 3: Code Simple
+Error handling in Java EE
+Type annotation
+Checker Framework
+Application-layer security
+Transport-layer security
+Message-layer security
 </a:t>
             </a:r>
             <a:r>
@@ -8539,7 +8683,6 @@
               <a:t>Secure connection with SSL
 </a:t>
             </a:r>
-            <a:endParaRPr b="1"/>
           </a:p>
         </p:txBody>
       </p:sp>
@@ -8555,10 +8698,15 @@
         </p:nvSpPr>
         <p:spPr/>
         <p:txBody>
-          <a:bodyPr/>
-          <a:lstStyle/>
-          <a:p>
-            <a:r>
+          <a:bodyPr wrap="square">
+            <a:noAutofit/>
+          </a:bodyPr>
+          <a:lstStyle/>
+          <a:p>
+            <a:r>
+              <a:rPr sz="4200" b="1" i="0">
+                <a:latin typeface="Times New Roman"/>
+              </a:rPr>
               <a:t>Secure connection with SSL</a:t>
             </a:r>
           </a:p>
@@ -8594,11 +8742,6 @@
               </a:rPr>
               <a:t>Copyright © 2021 by Elephant Scale, All Rights Reserved</a:t>
             </a:r>
-            <a:endParaRPr sz="800">
-              <a:solidFill>
-                <a:srgbClr val="000000"/>
-              </a:solidFill>
-            </a:endParaRPr>
           </a:p>
         </p:txBody>
       </p:sp>
@@ -8619,7 +8762,14 @@
         <p:cNvGrpSpPr/>
         <p:nvPr/>
       </p:nvGrpSpPr>
-      <p:grpSpPr/>
+      <p:grpSpPr>
+        <a:xfrm>
+          <a:off x="0" y="0"/>
+          <a:ext cx="0" cy="0"/>
+          <a:chOff x="0" y="0"/>
+          <a:chExt cx="0" cy="0"/>
+        </a:xfrm>
+      </p:grpSpPr>
       <p:sp>
         <p:nvSpPr>
           <p:cNvPr id="2" name="Title 1"/>
@@ -8697,11 +8847,6 @@
               </a:rPr>
               <a:t>Copyright © 2021 by Elephant Scale, All Rights Reserved</a:t>
             </a:r>
-            <a:endParaRPr sz="800">
-              <a:solidFill>
-                <a:srgbClr val="000000"/>
-              </a:solidFill>
-            </a:endParaRPr>
           </a:p>
         </p:txBody>
       </p:sp>
@@ -8722,7 +8867,14 @@
         <p:cNvGrpSpPr/>
         <p:nvPr/>
       </p:nvGrpSpPr>
-      <p:grpSpPr/>
+      <p:grpSpPr>
+        <a:xfrm>
+          <a:off x="0" y="0"/>
+          <a:ext cx="0" cy="0"/>
+          <a:chOff x="0" y="0"/>
+          <a:chExt cx="0" cy="0"/>
+        </a:xfrm>
+      </p:grpSpPr>
       <p:sp>
         <p:nvSpPr>
           <p:cNvPr id="2" name="Title 1"/>
@@ -8758,19 +8910,45 @@
         <p:txBody>
           <a:bodyPr/>
           <a:lstStyle/>
-          <a:p/>
-          <a:p/>
-          <a:p/>
-          <a:p/>
-          <a:p/>
-          <a:p/>
-          <a:p/>
-          <a:p/>
-          <a:p/>
-          <a:p/>
-          <a:p/>
-          <a:p/>
-          <a:p/>
+          <a:p>
+            <a:endParaRPr/>
+          </a:p>
+          <a:p>
+            <a:endParaRPr/>
+          </a:p>
+          <a:p>
+            <a:endParaRPr/>
+          </a:p>
+          <a:p>
+            <a:endParaRPr/>
+          </a:p>
+          <a:p>
+            <a:endParaRPr/>
+          </a:p>
+          <a:p>
+            <a:endParaRPr/>
+          </a:p>
+          <a:p>
+            <a:endParaRPr/>
+          </a:p>
+          <a:p>
+            <a:endParaRPr/>
+          </a:p>
+          <a:p>
+            <a:endParaRPr/>
+          </a:p>
+          <a:p>
+            <a:endParaRPr/>
+          </a:p>
+          <a:p>
+            <a:endParaRPr/>
+          </a:p>
+          <a:p>
+            <a:endParaRPr/>
+          </a:p>
+          <a:p>
+            <a:endParaRPr/>
+          </a:p>
         </p:txBody>
       </p:sp>
       <p:sp>
@@ -8803,11 +8981,6 @@
               </a:rPr>
               <a:t>Copyright © 2021 by Elephant Scale, All Rights Reserved</a:t>
             </a:r>
-            <a:endParaRPr sz="800">
-              <a:solidFill>
-                <a:srgbClr val="000000"/>
-              </a:solidFill>
-            </a:endParaRPr>
           </a:p>
         </p:txBody>
       </p:sp>
@@ -8820,7 +8993,7 @@
           <p:nvPr/>
         </p:nvPicPr>
         <p:blipFill>
-          <a:blip r:embed="rId1"/>
+          <a:blip r:embed="rId2"/>
           <a:stretch>
             <a:fillRect/>
           </a:stretch>
@@ -8852,7 +9025,14 @@
         <p:cNvGrpSpPr/>
         <p:nvPr/>
       </p:nvGrpSpPr>
-      <p:grpSpPr/>
+      <p:grpSpPr>
+        <a:xfrm>
+          <a:off x="0" y="0"/>
+          <a:ext cx="0" cy="0"/>
+          <a:chOff x="0" y="0"/>
+          <a:chExt cx="0" cy="0"/>
+        </a:xfrm>
+      </p:grpSpPr>
       <p:sp>
         <p:nvSpPr>
           <p:cNvPr id="2" name="Title 1"/>
@@ -8925,11 +9105,6 @@
               </a:rPr>
               <a:t>Copyright © 2021 by Elephant Scale, All Rights Reserved</a:t>
             </a:r>
-            <a:endParaRPr sz="800">
-              <a:solidFill>
-                <a:srgbClr val="000000"/>
-              </a:solidFill>
-            </a:endParaRPr>
           </a:p>
         </p:txBody>
       </p:sp>
@@ -8950,7 +9125,14 @@
         <p:cNvGrpSpPr/>
         <p:nvPr/>
       </p:nvGrpSpPr>
-      <p:grpSpPr/>
+      <p:grpSpPr>
+        <a:xfrm>
+          <a:off x="0" y="0"/>
+          <a:ext cx="0" cy="0"/>
+          <a:chOff x="0" y="0"/>
+          <a:chExt cx="0" cy="0"/>
+        </a:xfrm>
+      </p:grpSpPr>
       <p:sp>
         <p:nvSpPr>
           <p:cNvPr id="2" name="Title 1"/>
@@ -9038,11 +9220,6 @@
               </a:rPr>
               <a:t>Copyright © 2021 by Elephant Scale, All Rights Reserved</a:t>
             </a:r>
-            <a:endParaRPr sz="800">
-              <a:solidFill>
-                <a:srgbClr val="000000"/>
-              </a:solidFill>
-            </a:endParaRPr>
           </a:p>
         </p:txBody>
       </p:sp>
@@ -9063,7 +9240,14 @@
         <p:cNvGrpSpPr/>
         <p:nvPr/>
       </p:nvGrpSpPr>
-      <p:grpSpPr/>
+      <p:grpSpPr>
+        <a:xfrm>
+          <a:off x="0" y="0"/>
+          <a:ext cx="0" cy="0"/>
+          <a:chOff x="0" y="0"/>
+          <a:chExt cx="0" cy="0"/>
+        </a:xfrm>
+      </p:grpSpPr>
       <p:sp>
         <p:nvSpPr>
           <p:cNvPr id="2" name="Title 1"/>
@@ -9146,11 +9330,6 @@
               </a:rPr>
               <a:t>Copyright © 2021 by Elephant Scale, All Rights Reserved</a:t>
             </a:r>
-            <a:endParaRPr sz="800">
-              <a:solidFill>
-                <a:srgbClr val="000000"/>
-              </a:solidFill>
-            </a:endParaRPr>
           </a:p>
         </p:txBody>
       </p:sp>
@@ -9171,7 +9350,14 @@
         <p:cNvGrpSpPr/>
         <p:nvPr/>
       </p:nvGrpSpPr>
-      <p:grpSpPr/>
+      <p:grpSpPr>
+        <a:xfrm>
+          <a:off x="0" y="0"/>
+          <a:ext cx="0" cy="0"/>
+          <a:chOff x="0" y="0"/>
+          <a:chExt cx="0" cy="0"/>
+        </a:xfrm>
+      </p:grpSpPr>
       <p:sp>
         <p:nvSpPr>
           <p:cNvPr id="2" name="Title 1"/>
@@ -9254,11 +9440,6 @@
               </a:rPr>
               <a:t>Copyright © 2021 by Elephant Scale, All Rights Reserved</a:t>
             </a:r>
-            <a:endParaRPr sz="800">
-              <a:solidFill>
-                <a:srgbClr val="000000"/>
-              </a:solidFill>
-            </a:endParaRPr>
           </a:p>
         </p:txBody>
       </p:sp>
@@ -9279,7 +9460,14 @@
         <p:cNvGrpSpPr/>
         <p:nvPr/>
       </p:nvGrpSpPr>
-      <p:grpSpPr/>
+      <p:grpSpPr>
+        <a:xfrm>
+          <a:off x="0" y="0"/>
+          <a:ext cx="0" cy="0"/>
+          <a:chOff x="0" y="0"/>
+          <a:chExt cx="0" cy="0"/>
+        </a:xfrm>
+      </p:grpSpPr>
       <p:sp>
         <p:nvSpPr>
           <p:cNvPr id="2" name="Title 1"/>
@@ -9315,14 +9503,9 @@
         <p:txBody>
           <a:bodyPr/>
           <a:lstStyle/>
-          <a:p/>
-          <a:p/>
-          <a:p/>
-          <a:p/>
-          <a:p/>
-          <a:p/>
-          <a:p/>
-          <a:p/>
+          <a:p>
+            <a:endParaRPr/>
+          </a:p>
         </p:txBody>
       </p:sp>
       <p:sp>
@@ -9355,38 +9538,9 @@
               </a:rPr>
               <a:t>Copyright © 2021 by Elephant Scale, All Rights Reserved</a:t>
             </a:r>
-            <a:endParaRPr sz="800">
-              <a:solidFill>
-                <a:srgbClr val="000000"/>
-              </a:solidFill>
-            </a:endParaRPr>
-          </a:p>
-        </p:txBody>
-      </p:sp>
-      <p:pic>
-        <p:nvPicPr>
-          <p:cNvPr id="5" name="Picture 4" descr="cert.png"/>
-          <p:cNvPicPr>
-            <a:picLocks noChangeAspect="1"/>
-          </p:cNvPicPr>
-          <p:nvPr/>
-        </p:nvPicPr>
-        <p:blipFill>
-          <a:blip r:embed="rId1"/>
-          <a:stretch>
-            <a:fillRect/>
-          </a:stretch>
-        </p:blipFill>
-        <p:spPr>
-          <a:xfrm>
-            <a:off x="704215" y="1156970"/>
-            <a:ext cx="8502015" cy="2834005"/>
-          </a:xfrm>
-          <a:prstGeom prst="rect">
-            <a:avLst/>
-          </a:prstGeom>
-        </p:spPr>
-      </p:pic>
+          </a:p>
+        </p:txBody>
+      </p:sp>
     </p:spTree>
   </p:cSld>
   <p:clrMapOvr>
@@ -9404,7 +9558,14 @@
         <p:cNvGrpSpPr/>
         <p:nvPr/>
       </p:nvGrpSpPr>
-      <p:grpSpPr/>
+      <p:grpSpPr>
+        <a:xfrm>
+          <a:off x="0" y="0"/>
+          <a:ext cx="0" cy="0"/>
+          <a:chOff x="0" y="0"/>
+          <a:chExt cx="0" cy="0"/>
+        </a:xfrm>
+      </p:grpSpPr>
       <p:sp>
         <p:nvSpPr>
           <p:cNvPr id="2" name="Title 1"/>
@@ -9497,14 +9658,361 @@
               </a:rPr>
               <a:t>Copyright © 2021 by Elephant Scale, All Rights Reserved</a:t>
             </a:r>
-            <a:endParaRPr sz="800">
-              <a:solidFill>
-                <a:srgbClr val="000000"/>
-              </a:solidFill>
+          </a:p>
+        </p:txBody>
+      </p:sp>
+    </p:spTree>
+  </p:cSld>
+  <p:clrMapOvr>
+    <a:masterClrMapping/>
+  </p:clrMapOvr>
+</p:sld>
+</file>
+
+<file path=ppt/slides/slide60.xml><?xml version="1.0" encoding="utf-8"?>
+<p:sld xmlns:a="http://schemas.openxmlformats.org/drawingml/2006/main" xmlns:r="http://schemas.openxmlformats.org/officeDocument/2006/relationships" xmlns:p="http://schemas.openxmlformats.org/presentationml/2006/main">
+  <p:cSld>
+    <p:spTree>
+      <p:nvGrpSpPr>
+        <p:cNvPr id="1" name=""/>
+        <p:cNvGrpSpPr/>
+        <p:nvPr/>
+      </p:nvGrpSpPr>
+      <p:grpSpPr>
+        <a:xfrm>
+          <a:off x="0" y="0"/>
+          <a:ext cx="0" cy="0"/>
+          <a:chOff x="0" y="0"/>
+          <a:chExt cx="0" cy="0"/>
+        </a:xfrm>
+      </p:grpSpPr>
+      <p:sp>
+        <p:nvSpPr>
+          <p:cNvPr id="2" name="Title 1"/>
+          <p:cNvSpPr>
+            <a:spLocks noGrp="1"/>
+          </p:cNvSpPr>
+          <p:nvPr>
+            <p:ph type="title"/>
+          </p:nvPr>
+        </p:nvSpPr>
+        <p:spPr/>
+        <p:txBody>
+          <a:bodyPr/>
+          <a:lstStyle/>
+          <a:p>
+            <a:r>
+              <a:t>Static code scanners</a:t>
+            </a:r>
+          </a:p>
+        </p:txBody>
+      </p:sp>
+      <p:sp>
+        <p:nvSpPr>
+          <p:cNvPr id="3" name="Content Placeholder 2"/>
+          <p:cNvSpPr>
+            <a:spLocks noGrp="1"/>
+          </p:cNvSpPr>
+          <p:nvPr>
+            <p:ph idx="1"/>
+          </p:nvPr>
+        </p:nvSpPr>
+        <p:spPr/>
+        <p:txBody>
+          <a:bodyPr/>
+          <a:lstStyle/>
+          <a:p>
+            <a:r>
+              <a:t> Sonar Qube</a:t>
+            </a:r>
+          </a:p>
+          <a:p>
+            <a:r>
+              <a:t> https://www.sonarqube.org/features/security/</a:t>
+            </a:r>
+          </a:p>
+          <a:p>
+            <a:endParaRPr/>
+          </a:p>
+          <a:p>
+            <a:endParaRPr/>
+          </a:p>
+          <a:p>
+            <a:endParaRPr/>
+          </a:p>
+          <a:p>
+            <a:endParaRPr/>
+          </a:p>
+          <a:p>
+            <a:endParaRPr/>
+          </a:p>
+          <a:p>
+            <a:endParaRPr/>
+          </a:p>
+          <a:p>
+            <a:endParaRPr/>
+          </a:p>
+          <a:p>
+            <a:endParaRPr/>
+          </a:p>
+          <a:p>
+            <a:endParaRPr/>
+          </a:p>
+          <a:p>
+            <a:endParaRPr/>
+          </a:p>
+          <a:p>
+            <a:endParaRPr/>
+          </a:p>
+          <a:p>
+            <a:endParaRPr/>
+          </a:p>
+        </p:txBody>
+      </p:sp>
+      <p:sp>
+        <p:nvSpPr>
+          <p:cNvPr id="4" name="TextBox 3"/>
+          <p:cNvSpPr txBox="1"/>
+          <p:nvPr/>
+        </p:nvSpPr>
+        <p:spPr>
+          <a:xfrm>
+            <a:off x="704088" y="8065008"/>
+            <a:ext cx="8915400" cy="228600"/>
+          </a:xfrm>
+          <a:prstGeom prst="rect">
+            <a:avLst/>
+          </a:prstGeom>
+          <a:noFill/>
+        </p:spPr>
+        <p:txBody>
+          <a:bodyPr wrap="none">
+            <a:spAutoFit/>
+          </a:bodyPr>
+          <a:lstStyle/>
+          <a:p>
+            <a:r>
+              <a:rPr sz="800">
+                <a:solidFill>
+                  <a:srgbClr val="000000"/>
+                </a:solidFill>
+              </a:rPr>
+              <a:t>Copyright © 2021 by Elephant Scale, All Rights Reserved</a:t>
+            </a:r>
+          </a:p>
+        </p:txBody>
+      </p:sp>
+      <p:pic>
+        <p:nvPicPr>
+          <p:cNvPr id="5" name="Picture 4" descr="defensive-sonar.png"/>
+          <p:cNvPicPr>
+            <a:picLocks noChangeAspect="1"/>
+          </p:cNvPicPr>
+          <p:nvPr/>
+        </p:nvPicPr>
+        <p:blipFill>
+          <a:blip r:embed="rId2"/>
+          <a:stretch>
+            <a:fillRect/>
+          </a:stretch>
+        </p:blipFill>
+        <p:spPr>
+          <a:xfrm>
+            <a:off x="704088" y="1792224"/>
+            <a:ext cx="7507224" cy="4996591"/>
+          </a:xfrm>
+          <a:prstGeom prst="rect">
+            <a:avLst/>
+          </a:prstGeom>
+        </p:spPr>
+      </p:pic>
+    </p:spTree>
+  </p:cSld>
+  <p:clrMapOvr>
+    <a:masterClrMapping/>
+  </p:clrMapOvr>
+</p:sld>
+</file>
+
+<file path=ppt/slides/slide61.xml><?xml version="1.0" encoding="utf-8"?>
+<p:sld xmlns:a="http://schemas.openxmlformats.org/drawingml/2006/main" xmlns:r="http://schemas.openxmlformats.org/officeDocument/2006/relationships" xmlns:p="http://schemas.openxmlformats.org/presentationml/2006/main">
+  <p:cSld>
+    <p:spTree>
+      <p:nvGrpSpPr>
+        <p:cNvPr id="1" name=""/>
+        <p:cNvGrpSpPr/>
+        <p:nvPr/>
+      </p:nvGrpSpPr>
+      <p:grpSpPr>
+        <a:xfrm>
+          <a:off x="0" y="0"/>
+          <a:ext cx="0" cy="0"/>
+          <a:chOff x="0" y="0"/>
+          <a:chExt cx="0" cy="0"/>
+        </a:xfrm>
+      </p:grpSpPr>
+      <p:sp>
+        <p:nvSpPr>
+          <p:cNvPr id="2" name="Title 1"/>
+          <p:cNvSpPr>
+            <a:spLocks noGrp="1"/>
+          </p:cNvSpPr>
+          <p:nvPr>
+            <p:ph type="title"/>
+          </p:nvPr>
+        </p:nvSpPr>
+        <p:spPr/>
+        <p:txBody>
+          <a:bodyPr/>
+          <a:lstStyle/>
+          <a:p>
+            <a:r>
+              <a:t>Labs</a:t>
+            </a:r>
+          </a:p>
+        </p:txBody>
+      </p:sp>
+      <p:sp>
+        <p:nvSpPr>
+          <p:cNvPr id="3" name="Content Placeholder 2"/>
+          <p:cNvSpPr>
+            <a:spLocks noGrp="1"/>
+          </p:cNvSpPr>
+          <p:nvPr>
+            <p:ph idx="1"/>
+          </p:nvPr>
+        </p:nvSpPr>
+        <p:spPr/>
+        <p:txBody>
+          <a:bodyPr/>
+          <a:lstStyle/>
+          <a:p>
+            <a:r>
+              <a:t> Labs for this section come from this link</a:t>
+            </a:r>
+          </a:p>
+          <a:p>
+            <a:r>
+              <a:rPr>
+                <a:hlinkClick r:id="rId2"/>
+              </a:rPr>
+              <a:t> https://wiki.sei.cmu.edu/confluence/display/java/SEI+CERT+Oracle+Coding+Standard+for+Java</a:t>
+            </a:r>
+          </a:p>
+          <a:p>
+            <a:endParaRPr>
+              <a:hlinkClick r:id="rId2"/>
             </a:endParaRPr>
           </a:p>
-        </p:txBody>
-      </p:sp>
+          <a:p>
+            <a:endParaRPr>
+              <a:hlinkClick r:id="rId2"/>
+            </a:endParaRPr>
+          </a:p>
+          <a:p>
+            <a:endParaRPr>
+              <a:hlinkClick r:id="rId2"/>
+            </a:endParaRPr>
+          </a:p>
+          <a:p>
+            <a:endParaRPr>
+              <a:hlinkClick r:id="rId2"/>
+            </a:endParaRPr>
+          </a:p>
+          <a:p>
+            <a:endParaRPr>
+              <a:hlinkClick r:id="rId2"/>
+            </a:endParaRPr>
+          </a:p>
+          <a:p>
+            <a:endParaRPr>
+              <a:hlinkClick r:id="rId2"/>
+            </a:endParaRPr>
+          </a:p>
+          <a:p>
+            <a:endParaRPr>
+              <a:hlinkClick r:id="rId2"/>
+            </a:endParaRPr>
+          </a:p>
+          <a:p>
+            <a:endParaRPr>
+              <a:hlinkClick r:id="rId2"/>
+            </a:endParaRPr>
+          </a:p>
+          <a:p>
+            <a:endParaRPr>
+              <a:hlinkClick r:id="rId2"/>
+            </a:endParaRPr>
+          </a:p>
+          <a:p>
+            <a:endParaRPr>
+              <a:hlinkClick r:id="rId2"/>
+            </a:endParaRPr>
+          </a:p>
+          <a:p>
+            <a:endParaRPr>
+              <a:hlinkClick r:id="rId2"/>
+            </a:endParaRPr>
+          </a:p>
+        </p:txBody>
+      </p:sp>
+      <p:sp>
+        <p:nvSpPr>
+          <p:cNvPr id="4" name="TextBox 3"/>
+          <p:cNvSpPr txBox="1"/>
+          <p:nvPr/>
+        </p:nvSpPr>
+        <p:spPr>
+          <a:xfrm>
+            <a:off x="704088" y="8065008"/>
+            <a:ext cx="8915400" cy="228600"/>
+          </a:xfrm>
+          <a:prstGeom prst="rect">
+            <a:avLst/>
+          </a:prstGeom>
+          <a:noFill/>
+        </p:spPr>
+        <p:txBody>
+          <a:bodyPr wrap="none">
+            <a:spAutoFit/>
+          </a:bodyPr>
+          <a:lstStyle/>
+          <a:p>
+            <a:r>
+              <a:rPr sz="800">
+                <a:solidFill>
+                  <a:srgbClr val="000000"/>
+                </a:solidFill>
+              </a:rPr>
+              <a:t>Copyright © 2021 by Elephant Scale, All Rights Reserved</a:t>
+            </a:r>
+          </a:p>
+        </p:txBody>
+      </p:sp>
+      <p:pic>
+        <p:nvPicPr>
+          <p:cNvPr id="5" name="Picture 4" descr="defensive-01.png"/>
+          <p:cNvPicPr>
+            <a:picLocks noChangeAspect="1"/>
+          </p:cNvPicPr>
+          <p:nvPr/>
+        </p:nvPicPr>
+        <p:blipFill>
+          <a:blip r:embed="rId3"/>
+          <a:stretch>
+            <a:fillRect/>
+          </a:stretch>
+        </p:blipFill>
+        <p:spPr>
+          <a:xfrm>
+            <a:off x="699325" y="2853531"/>
+            <a:ext cx="7507224" cy="3954058"/>
+          </a:xfrm>
+          <a:prstGeom prst="rect">
+            <a:avLst/>
+          </a:prstGeom>
+        </p:spPr>
+      </p:pic>
     </p:spTree>
   </p:cSld>
   <p:clrMapOvr>
@@ -9522,7 +10030,14 @@
         <p:cNvGrpSpPr/>
         <p:nvPr/>
       </p:nvGrpSpPr>
-      <p:grpSpPr/>
+      <p:grpSpPr>
+        <a:xfrm>
+          <a:off x="0" y="0"/>
+          <a:ext cx="0" cy="0"/>
+          <a:chOff x="0" y="0"/>
+          <a:chExt cx="0" cy="0"/>
+        </a:xfrm>
+      </p:grpSpPr>
       <p:sp>
         <p:nvSpPr>
           <p:cNvPr id="2" name="Title 1"/>
@@ -9620,11 +10135,6 @@
               </a:rPr>
               <a:t>Copyright © 2021 by Elephant Scale, All Rights Reserved</a:t>
             </a:r>
-            <a:endParaRPr sz="800">
-              <a:solidFill>
-                <a:srgbClr val="000000"/>
-              </a:solidFill>
-            </a:endParaRPr>
           </a:p>
         </p:txBody>
       </p:sp>
@@ -9645,7 +10155,14 @@
         <p:cNvGrpSpPr/>
         <p:nvPr/>
       </p:nvGrpSpPr>
-      <p:grpSpPr/>
+      <p:grpSpPr>
+        <a:xfrm>
+          <a:off x="0" y="0"/>
+          <a:ext cx="0" cy="0"/>
+          <a:chOff x="0" y="0"/>
+          <a:chExt cx="0" cy="0"/>
+        </a:xfrm>
+      </p:grpSpPr>
       <p:sp>
         <p:nvSpPr>
           <p:cNvPr id="2" name="Title 1"/>
@@ -9694,13 +10211,10 @@
           <a:p>
             <a:r>
               <a:rPr>
-                <a:latin typeface="Courier New" panose="02070309020205020404"/>
+                <a:latin typeface="Courier New"/>
               </a:rPr>
               <a:t> if(InVar=getc(input)!=EOF)</a:t>
             </a:r>
-            <a:endParaRPr>
-              <a:latin typeface="Courier New" panose="02070309020205020404"/>
-            </a:endParaRPr>
           </a:p>
           <a:p>
             <a:r>
@@ -9739,11 +10253,6 @@
               </a:rPr>
               <a:t>Copyright © 2021 by Elephant Scale, All Rights Reserved</a:t>
             </a:r>
-            <a:endParaRPr sz="800">
-              <a:solidFill>
-                <a:srgbClr val="000000"/>
-              </a:solidFill>
-            </a:endParaRPr>
           </a:p>
         </p:txBody>
       </p:sp>
@@ -9764,7 +10273,14 @@
         <p:cNvGrpSpPr/>
         <p:nvPr/>
       </p:nvGrpSpPr>
-      <p:grpSpPr/>
+      <p:grpSpPr>
+        <a:xfrm>
+          <a:off x="0" y="0"/>
+          <a:ext cx="0" cy="0"/>
+          <a:chOff x="0" y="0"/>
+          <a:chExt cx="0" cy="0"/>
+        </a:xfrm>
+      </p:grpSpPr>
       <p:sp>
         <p:nvSpPr>
           <p:cNvPr id="2" name="Title 1"/>
@@ -9842,11 +10358,6 @@
               </a:rPr>
               <a:t>Copyright © 2021 by Elephant Scale, All Rights Reserved</a:t>
             </a:r>
-            <a:endParaRPr sz="800">
-              <a:solidFill>
-                <a:srgbClr val="000000"/>
-              </a:solidFill>
-            </a:endParaRPr>
           </a:p>
         </p:txBody>
       </p:sp>
@@ -10101,8 +10612,13 @@
           <a:headEnd type="none" w="med" len="med"/>
           <a:tailEnd type="none" w="med" len="med"/>
         </a:ln>
+        <a:effectLst/>
       </a:spPr>
-      <a:bodyPr vert="horz" wrap="square" lIns="91440" tIns="45720" rIns="91440" bIns="45720" numCol="1" anchor="t" anchorCtr="0" compatLnSpc="1"/>
+      <a:bodyPr vert="horz" wrap="square" lIns="91440" tIns="45720" rIns="91440" bIns="45720" numCol="1" anchor="t" anchorCtr="0" compatLnSpc="1">
+        <a:prstTxWarp prst="textNoShape">
+          <a:avLst/>
+        </a:prstTxWarp>
+      </a:bodyPr>
       <a:lstStyle>
         <a:defPPr marL="0" marR="0" indent="0" algn="ctr" defTabSz="914400" rtl="0" eaLnBrk="1" fontAlgn="base" latinLnBrk="0" hangingPunct="1">
           <a:lnSpc>
@@ -10118,6 +10634,7 @@
           <a:buSzTx/>
           <a:buFontTx/>
           <a:buNone/>
+          <a:tabLst/>
           <a:defRPr kumimoji="0" lang="en-US" sz="1000" b="0" i="0" u="none" strike="noStrike" cap="none" normalizeH="0" baseline="0">
             <a:ln>
               <a:noFill/>
@@ -10126,7 +10643,7 @@
               <a:schemeClr val="tx1"/>
             </a:solidFill>
             <a:effectLst/>
-            <a:latin typeface="Garamond" pitchFamily="18" charset="0"/>
+            <a:latin typeface="Garamond" pitchFamily="-110" charset="0"/>
           </a:defRPr>
         </a:defPPr>
       </a:lstStyle>
@@ -10157,8 +10674,13 @@
           <a:headEnd type="none" w="med" len="med"/>
           <a:tailEnd type="none" w="med" len="med"/>
         </a:ln>
+        <a:effectLst/>
       </a:spPr>
-      <a:bodyPr vert="horz" wrap="square" lIns="91440" tIns="45720" rIns="91440" bIns="45720" numCol="1" anchor="t" anchorCtr="0" compatLnSpc="1"/>
+      <a:bodyPr vert="horz" wrap="square" lIns="91440" tIns="45720" rIns="91440" bIns="45720" numCol="1" anchor="t" anchorCtr="0" compatLnSpc="1">
+        <a:prstTxWarp prst="textNoShape">
+          <a:avLst/>
+        </a:prstTxWarp>
+      </a:bodyPr>
       <a:lstStyle>
         <a:defPPr marL="0" marR="0" indent="0" algn="ctr" defTabSz="914400" rtl="0" eaLnBrk="1" fontAlgn="base" latinLnBrk="0" hangingPunct="1">
           <a:lnSpc>
@@ -10174,6 +10696,7 @@
           <a:buSzTx/>
           <a:buFontTx/>
           <a:buNone/>
+          <a:tabLst/>
           <a:defRPr kumimoji="0" lang="en-US" sz="1000" b="0" i="0" u="none" strike="noStrike" cap="none" normalizeH="0" baseline="0">
             <a:ln>
               <a:noFill/>
@@ -10182,7 +10705,7 @@
               <a:schemeClr val="tx1"/>
             </a:solidFill>
             <a:effectLst/>
-            <a:latin typeface="Garamond" pitchFamily="18" charset="0"/>
+            <a:latin typeface="Garamond" pitchFamily="-110" charset="0"/>
           </a:defRPr>
         </a:defPPr>
       </a:lstStyle>
@@ -10477,11 +11000,6 @@
       <a:clrMap bg1="dk2" tx1="lt1" bg2="dk1" tx2="lt2" accent1="accent1" accent2="accent2" accent3="accent3" accent4="accent4" accent5="accent5" accent6="accent6" hlink="hlink" folHlink="folHlink"/>
     </a:extraClrScheme>
   </a:extraClrSchemeLst>
-  <a:extLst>
-    <a:ext uri="{05A4C25C-085E-4340-85A3-A5531E510DB2}">
-      <thm15:themeFamily xmlns:thm15="http://schemas.microsoft.com/office/thememl/2012/main" name="Office Theme" id="{62F939B6-93AF-4DB8-9C6B-D6C7DFDC589F}" vid="{4A3C46E8-61CC-4603-A589-7422A47A8E4A}"/>
-    </a:ext>
-  </a:extLst>
 </a:theme>
 </file>
 
@@ -10799,11 +11317,7 @@
       </a:style>
     </a:lnDef>
   </a:objectDefaults>
-  <a:extLst>
-    <a:ext uri="{05A4C25C-085E-4340-85A3-A5531E510DB2}">
-      <thm15:themeFamily xmlns:thm15="http://schemas.microsoft.com/office/thememl/2012/main" name="Office Theme" id="{62F939B6-93AF-4DB8-9C6B-D6C7DFDC589F}" vid="{4A3C46E8-61CC-4603-A589-7422A47A8E4A}"/>
-    </a:ext>
-  </a:extLst>
+  <a:extraClrSchemeLst/>
 </a:theme>
 </file>
 
@@ -11121,10 +11635,6 @@
       </a:style>
     </a:lnDef>
   </a:objectDefaults>
-  <a:extLst>
-    <a:ext uri="{05A4C25C-085E-4340-85A3-A5531E510DB2}">
-      <thm15:themeFamily xmlns:thm15="http://schemas.microsoft.com/office/thememl/2012/main" name="Office Theme" id="{62F939B6-93AF-4DB8-9C6B-D6C7DFDC589F}" vid="{4A3C46E8-61CC-4603-A589-7422A47A8E4A}"/>
-    </a:ext>
-  </a:extLst>
+  <a:extraClrSchemeLst/>
 </a:theme>
 </file>
--- a/secure-coding/slides/delivery/06__Defensive-Programming.pptx
+++ b/secure-coding/slides/delivery/06__Defensive-Programming.pptx
@@ -1,80 +1,80 @@
 
 <file path=ppt/presentation.xml><?xml version="1.0" encoding="utf-8"?>
-<p:presentation xmlns:a="http://schemas.openxmlformats.org/drawingml/2006/main" xmlns:r="http://schemas.openxmlformats.org/officeDocument/2006/relationships" xmlns:p="http://schemas.openxmlformats.org/presentationml/2006/main" showSpecialPlsOnTitleSld="0" saveSubsetFonts="1" autoCompressPictures="0">
+<p:presentation xmlns:a="http://schemas.openxmlformats.org/drawingml/2006/main" xmlns:r="http://schemas.openxmlformats.org/officeDocument/2006/relationships" xmlns:p="http://schemas.openxmlformats.org/presentationml/2006/main" showSpecialPlsOnTitleSld="0" autoCompressPictures="0">
   <p:sldMasterIdLst>
-    <p:sldMasterId id="2147483651" r:id="rId1"/>
+    <p:sldMasterId id="2147483648" r:id="rId1"/>
   </p:sldMasterIdLst>
   <p:notesMasterIdLst>
-    <p:notesMasterId r:id="rId2"/>
+    <p:notesMasterId r:id="rId65"/>
   </p:notesMasterIdLst>
   <p:handoutMasterIdLst>
-    <p:handoutMasterId r:id="rId3"/>
+    <p:handoutMasterId r:id="rId66"/>
   </p:handoutMasterIdLst>
   <p:sldIdLst>
-    <p:sldId id="256" r:id="rId9"/>
-    <p:sldId id="257" r:id="rId10"/>
-    <p:sldId id="258" r:id="rId11"/>
-    <p:sldId id="259" r:id="rId12"/>
-    <p:sldId id="260" r:id="rId13"/>
-    <p:sldId id="261" r:id="rId14"/>
-    <p:sldId id="262" r:id="rId15"/>
-    <p:sldId id="263" r:id="rId16"/>
-    <p:sldId id="264" r:id="rId17"/>
-    <p:sldId id="265" r:id="rId18"/>
-    <p:sldId id="266" r:id="rId19"/>
-    <p:sldId id="267" r:id="rId20"/>
-    <p:sldId id="268" r:id="rId21"/>
-    <p:sldId id="269" r:id="rId22"/>
-    <p:sldId id="270" r:id="rId23"/>
-    <p:sldId id="271" r:id="rId24"/>
-    <p:sldId id="272" r:id="rId25"/>
-    <p:sldId id="273" r:id="rId26"/>
-    <p:sldId id="274" r:id="rId27"/>
-    <p:sldId id="275" r:id="rId28"/>
-    <p:sldId id="276" r:id="rId29"/>
-    <p:sldId id="277" r:id="rId30"/>
-    <p:sldId id="278" r:id="rId31"/>
-    <p:sldId id="279" r:id="rId32"/>
-    <p:sldId id="280" r:id="rId33"/>
-    <p:sldId id="281" r:id="rId34"/>
-    <p:sldId id="282" r:id="rId35"/>
-    <p:sldId id="283" r:id="rId36"/>
-    <p:sldId id="284" r:id="rId37"/>
-    <p:sldId id="285" r:id="rId38"/>
-    <p:sldId id="286" r:id="rId39"/>
-    <p:sldId id="287" r:id="rId40"/>
-    <p:sldId id="288" r:id="rId41"/>
-    <p:sldId id="289" r:id="rId42"/>
-    <p:sldId id="290" r:id="rId43"/>
-    <p:sldId id="291" r:id="rId44"/>
-    <p:sldId id="292" r:id="rId45"/>
-    <p:sldId id="293" r:id="rId46"/>
-    <p:sldId id="294" r:id="rId47"/>
-    <p:sldId id="295" r:id="rId48"/>
-    <p:sldId id="296" r:id="rId49"/>
-    <p:sldId id="297" r:id="rId50"/>
-    <p:sldId id="298" r:id="rId51"/>
-    <p:sldId id="299" r:id="rId52"/>
-    <p:sldId id="300" r:id="rId53"/>
-    <p:sldId id="301" r:id="rId54"/>
-    <p:sldId id="302" r:id="rId55"/>
-    <p:sldId id="303" r:id="rId56"/>
-    <p:sldId id="304" r:id="rId57"/>
-    <p:sldId id="305" r:id="rId58"/>
-    <p:sldId id="306" r:id="rId59"/>
-    <p:sldId id="307" r:id="rId60"/>
-    <p:sldId id="308" r:id="rId61"/>
-    <p:sldId id="309" r:id="rId62"/>
-    <p:sldId id="310" r:id="rId63"/>
-    <p:sldId id="311" r:id="rId64"/>
-    <p:sldId id="312" r:id="rId65"/>
-    <p:sldId id="313" r:id="rId66"/>
-    <p:sldId id="314" r:id="rId67"/>
-    <p:sldId id="315" r:id="rId68"/>
-    <p:sldId id="316" r:id="rId69"/>
-    <p:sldId id="317" r:id="rId70"/>
+    <p:sldId id="256" r:id="rId3"/>
+    <p:sldId id="257" r:id="rId4"/>
+    <p:sldId id="258" r:id="rId5"/>
+    <p:sldId id="259" r:id="rId6"/>
+    <p:sldId id="260" r:id="rId7"/>
+    <p:sldId id="261" r:id="rId8"/>
+    <p:sldId id="262" r:id="rId9"/>
+    <p:sldId id="263" r:id="rId10"/>
+    <p:sldId id="264" r:id="rId11"/>
+    <p:sldId id="265" r:id="rId12"/>
+    <p:sldId id="266" r:id="rId13"/>
+    <p:sldId id="267" r:id="rId14"/>
+    <p:sldId id="268" r:id="rId15"/>
+    <p:sldId id="269" r:id="rId16"/>
+    <p:sldId id="270" r:id="rId17"/>
+    <p:sldId id="271" r:id="rId18"/>
+    <p:sldId id="272" r:id="rId19"/>
+    <p:sldId id="273" r:id="rId20"/>
+    <p:sldId id="274" r:id="rId21"/>
+    <p:sldId id="275" r:id="rId22"/>
+    <p:sldId id="276" r:id="rId23"/>
+    <p:sldId id="277" r:id="rId24"/>
+    <p:sldId id="278" r:id="rId25"/>
+    <p:sldId id="279" r:id="rId26"/>
+    <p:sldId id="280" r:id="rId27"/>
+    <p:sldId id="281" r:id="rId28"/>
+    <p:sldId id="282" r:id="rId29"/>
+    <p:sldId id="283" r:id="rId30"/>
+    <p:sldId id="284" r:id="rId31"/>
+    <p:sldId id="285" r:id="rId32"/>
+    <p:sldId id="286" r:id="rId33"/>
+    <p:sldId id="287" r:id="rId34"/>
+    <p:sldId id="288" r:id="rId35"/>
+    <p:sldId id="289" r:id="rId36"/>
+    <p:sldId id="290" r:id="rId37"/>
+    <p:sldId id="291" r:id="rId38"/>
+    <p:sldId id="292" r:id="rId39"/>
+    <p:sldId id="293" r:id="rId40"/>
+    <p:sldId id="294" r:id="rId41"/>
+    <p:sldId id="295" r:id="rId42"/>
+    <p:sldId id="296" r:id="rId43"/>
+    <p:sldId id="297" r:id="rId44"/>
+    <p:sldId id="298" r:id="rId45"/>
+    <p:sldId id="299" r:id="rId46"/>
+    <p:sldId id="300" r:id="rId47"/>
+    <p:sldId id="301" r:id="rId48"/>
+    <p:sldId id="302" r:id="rId49"/>
+    <p:sldId id="303" r:id="rId50"/>
+    <p:sldId id="304" r:id="rId51"/>
+    <p:sldId id="305" r:id="rId52"/>
+    <p:sldId id="306" r:id="rId53"/>
+    <p:sldId id="307" r:id="rId54"/>
+    <p:sldId id="308" r:id="rId55"/>
+    <p:sldId id="309" r:id="rId56"/>
+    <p:sldId id="310" r:id="rId57"/>
+    <p:sldId id="311" r:id="rId58"/>
+    <p:sldId id="312" r:id="rId59"/>
+    <p:sldId id="313" r:id="rId60"/>
+    <p:sldId id="314" r:id="rId61"/>
+    <p:sldId id="315" r:id="rId62"/>
+    <p:sldId id="316" r:id="rId63"/>
+    <p:sldId id="317" r:id="rId64"/>
   </p:sldIdLst>
-  <p:sldSz cx="9372600" cy="8297863"/>
+  <p:sldSz cx="9372600" cy="8297545"/>
   <p:notesSz cx="7315200" cy="9601200"/>
   <p:defaultTextStyle>
     <a:defPPr>
@@ -92,8 +92,8 @@
           <a:schemeClr val="tx1"/>
         </a:solidFill>
         <a:latin typeface="Garamond" pitchFamily="18" charset="0"/>
-        <a:ea typeface="ＭＳ Ｐゴシック"/>
-        <a:cs typeface="ＭＳ Ｐゴシック"/>
+        <a:ea typeface="MS PGothic"/>
+        <a:cs typeface="MS PGothic"/>
       </a:defRPr>
     </a:lvl1pPr>
     <a:lvl2pPr marL="457200" algn="l" rtl="0" fontAlgn="base">
@@ -108,8 +108,8 @@
           <a:schemeClr val="tx1"/>
         </a:solidFill>
         <a:latin typeface="Garamond" pitchFamily="18" charset="0"/>
-        <a:ea typeface="ＭＳ Ｐゴシック"/>
-        <a:cs typeface="ＭＳ Ｐゴシック"/>
+        <a:ea typeface="MS PGothic"/>
+        <a:cs typeface="MS PGothic"/>
       </a:defRPr>
     </a:lvl2pPr>
     <a:lvl3pPr marL="914400" algn="l" rtl="0" fontAlgn="base">
@@ -124,8 +124,8 @@
           <a:schemeClr val="tx1"/>
         </a:solidFill>
         <a:latin typeface="Garamond" pitchFamily="18" charset="0"/>
-        <a:ea typeface="ＭＳ Ｐゴシック"/>
-        <a:cs typeface="ＭＳ Ｐゴシック"/>
+        <a:ea typeface="MS PGothic"/>
+        <a:cs typeface="MS PGothic"/>
       </a:defRPr>
     </a:lvl3pPr>
     <a:lvl4pPr marL="1371600" algn="l" rtl="0" fontAlgn="base">
@@ -140,8 +140,8 @@
           <a:schemeClr val="tx1"/>
         </a:solidFill>
         <a:latin typeface="Garamond" pitchFamily="18" charset="0"/>
-        <a:ea typeface="ＭＳ Ｐゴシック"/>
-        <a:cs typeface="ＭＳ Ｐゴシック"/>
+        <a:ea typeface="MS PGothic"/>
+        <a:cs typeface="MS PGothic"/>
       </a:defRPr>
     </a:lvl4pPr>
     <a:lvl5pPr marL="1828800" algn="l" rtl="0" fontAlgn="base">
@@ -156,8 +156,8 @@
           <a:schemeClr val="tx1"/>
         </a:solidFill>
         <a:latin typeface="Garamond" pitchFamily="18" charset="0"/>
-        <a:ea typeface="ＭＳ Ｐゴシック"/>
-        <a:cs typeface="ＭＳ Ｐゴシック"/>
+        <a:ea typeface="MS PGothic"/>
+        <a:cs typeface="MS PGothic"/>
       </a:defRPr>
     </a:lvl5pPr>
     <a:lvl6pPr marL="2286000" algn="l" defTabSz="914400" rtl="0" eaLnBrk="1" latinLnBrk="0" hangingPunct="1">
@@ -166,8 +166,8 @@
           <a:schemeClr val="tx1"/>
         </a:solidFill>
         <a:latin typeface="Garamond" pitchFamily="18" charset="0"/>
-        <a:ea typeface="ＭＳ Ｐゴシック"/>
-        <a:cs typeface="ＭＳ Ｐゴシック"/>
+        <a:ea typeface="MS PGothic"/>
+        <a:cs typeface="MS PGothic"/>
       </a:defRPr>
     </a:lvl6pPr>
     <a:lvl7pPr marL="2743200" algn="l" defTabSz="914400" rtl="0" eaLnBrk="1" latinLnBrk="0" hangingPunct="1">
@@ -176,8 +176,8 @@
           <a:schemeClr val="tx1"/>
         </a:solidFill>
         <a:latin typeface="Garamond" pitchFamily="18" charset="0"/>
-        <a:ea typeface="ＭＳ Ｐゴシック"/>
-        <a:cs typeface="ＭＳ Ｐゴシック"/>
+        <a:ea typeface="MS PGothic"/>
+        <a:cs typeface="MS PGothic"/>
       </a:defRPr>
     </a:lvl7pPr>
     <a:lvl8pPr marL="3200400" algn="l" defTabSz="914400" rtl="0" eaLnBrk="1" latinLnBrk="0" hangingPunct="1">
@@ -186,8 +186,8 @@
           <a:schemeClr val="tx1"/>
         </a:solidFill>
         <a:latin typeface="Garamond" pitchFamily="18" charset="0"/>
-        <a:ea typeface="ＭＳ Ｐゴシック"/>
-        <a:cs typeface="ＭＳ Ｐゴシック"/>
+        <a:ea typeface="MS PGothic"/>
+        <a:cs typeface="MS PGothic"/>
       </a:defRPr>
     </a:lvl8pPr>
     <a:lvl9pPr marL="3657600" algn="l" defTabSz="914400" rtl="0" eaLnBrk="1" latinLnBrk="0" hangingPunct="1">
@@ -196,41 +196,11 @@
           <a:schemeClr val="tx1"/>
         </a:solidFill>
         <a:latin typeface="Garamond" pitchFamily="18" charset="0"/>
-        <a:ea typeface="ＭＳ Ｐゴシック"/>
-        <a:cs typeface="ＭＳ Ｐゴシック"/>
+        <a:ea typeface="MS PGothic"/>
+        <a:cs typeface="MS PGothic"/>
       </a:defRPr>
     </a:lvl9pPr>
   </p:defaultTextStyle>
-  <p:extLst>
-    <p:ext uri="{EFAFB233-063F-42B5-8137-9DF3F51BA10A}">
-      <p15:sldGuideLst xmlns:p15="http://schemas.microsoft.com/office/powerpoint/2012/main">
-        <p15:guide id="1" orient="horz" pos="2614" userDrawn="1">
-          <p15:clr>
-            <a:srgbClr val="A4A3A4"/>
-          </p15:clr>
-        </p15:guide>
-        <p15:guide id="2" pos="2952" userDrawn="1">
-          <p15:clr>
-            <a:srgbClr val="A4A3A4"/>
-          </p15:clr>
-        </p15:guide>
-      </p15:sldGuideLst>
-    </p:ext>
-    <p:ext uri="{2D200454-40CA-4A62-9FC3-DE9A4176ACB9}">
-      <p15:notesGuideLst xmlns:p15="http://schemas.microsoft.com/office/powerpoint/2012/main">
-        <p15:guide id="1" orient="horz" pos="3024">
-          <p15:clr>
-            <a:srgbClr val="A4A3A4"/>
-          </p15:clr>
-        </p15:guide>
-        <p15:guide id="2" pos="2308">
-          <p15:clr>
-            <a:srgbClr val="A4A3A4"/>
-          </p15:clr>
-        </p15:guide>
-      </p15:notesGuideLst>
-    </p:ext>
-  </p:extLst>
 </p:presentation>
 </file>
 
@@ -240,9 +210,7 @@
   <p:cmAuthor id="2" name="Mark Kerzner" initials="MK" lastIdx="6" clrIdx="1"/>
   <p:cmAuthor id="3" name="Mary Beth Conlee" initials="MBC" lastIdx="7" clrIdx="2"/>
   <p:cmAuthor id="4" name="Michelle" initials="M" lastIdx="5" clrIdx="3"/>
-  <p:cmAuthor id="5" name="Tricia Murphy" initials="TM" lastIdx="4" clrIdx="4">
-    <p:extLst/>
-  </p:cmAuthor>
+  <p:cmAuthor id="5" name="Tricia Murphy" initials="TM" lastIdx="4" clrIdx="4"/>
 </p:cmAuthorLst>
 </file>
 
@@ -293,20 +261,14 @@
           <a:ln w="9525">
             <a:noFill/>
             <a:miter lim="800000"/>
-            <a:headEnd/>
-            <a:tailEnd/>
           </a:ln>
         </p:spPr>
         <p:txBody>
-          <a:bodyPr vert="horz" wrap="square" lIns="96603" tIns="48303" rIns="96603" bIns="48303" numCol="1" anchor="b" anchorCtr="0" compatLnSpc="1">
-            <a:prstTxWarp prst="textNoShape">
-              <a:avLst/>
-            </a:prstTxWarp>
-          </a:bodyPr>
+          <a:bodyPr vert="horz" wrap="square" lIns="96603" tIns="48303" rIns="96603" bIns="48303" numCol="1" anchor="b" anchorCtr="0" compatLnSpc="1"/>
           <a:lstStyle>
             <a:lvl1pPr defTabSz="965200">
               <a:defRPr sz="1200">
-                <a:latin typeface="Times New Roman" pitchFamily="18" charset="0"/>
+                <a:latin typeface="Times New Roman" panose="02020603050405020304" pitchFamily="-110" charset="0"/>
               </a:defRPr>
             </a:lvl1pPr>
           </a:lstStyle>
@@ -318,6 +280,7 @@
               <a:rPr lang="en-US" dirty="0"/>
               <a:t>Copyright © 2017 Elephant Scale. All rights reserved.</a:t>
             </a:r>
+            <a:endParaRPr lang="en-US" dirty="0"/>
           </a:p>
         </p:txBody>
       </p:sp>
@@ -343,20 +306,14 @@
           <a:ln w="9525">
             <a:noFill/>
             <a:miter lim="800000"/>
-            <a:headEnd/>
-            <a:tailEnd/>
           </a:ln>
         </p:spPr>
         <p:txBody>
-          <a:bodyPr vert="horz" wrap="square" lIns="96603" tIns="48303" rIns="96603" bIns="48303" numCol="1" anchor="b" anchorCtr="0" compatLnSpc="1">
-            <a:prstTxWarp prst="textNoShape">
-              <a:avLst/>
-            </a:prstTxWarp>
-          </a:bodyPr>
+          <a:bodyPr vert="horz" wrap="square" lIns="96603" tIns="48303" rIns="96603" bIns="48303" numCol="1" anchor="b" anchorCtr="0" compatLnSpc="1"/>
           <a:lstStyle>
             <a:lvl1pPr algn="r" defTabSz="965200">
               <a:defRPr sz="1200">
-                <a:latin typeface="Times New Roman" pitchFamily="18" charset="0"/>
+                <a:latin typeface="Times New Roman" panose="02020603050405020304" pitchFamily="-110" charset="0"/>
               </a:defRPr>
             </a:lvl1pPr>
           </a:lstStyle>
@@ -366,21 +323,12 @@
             </a:pPr>
             <a:fld id="{97E62689-8C7D-4291-A094-4E689FEC4C3B}" type="slidenum">
               <a:rPr lang="en-US"/>
-              <a:pPr>
-                <a:defRPr/>
-              </a:pPr>
-              <a:t>‹#›</a:t>
             </a:fld>
             <a:endParaRPr lang="en-US" dirty="0"/>
           </a:p>
         </p:txBody>
       </p:sp>
     </p:spTree>
-    <p:extLst>
-      <p:ext uri="{BB962C8B-B14F-4D97-AF65-F5344CB8AC3E}">
-        <p14:creationId xmlns:p14="http://schemas.microsoft.com/office/powerpoint/2010/main" val="3239291525"/>
-      </p:ext>
-    </p:extLst>
   </p:cSld>
   <p:clrMap bg1="lt1" tx1="dk1" bg2="lt2" tx2="dk2" accent1="accent1" accent2="accent2" accent3="accent3" accent4="accent4" accent5="accent5" accent6="accent6" hlink="hlink" folHlink="folHlink"/>
   <p:hf hdr="0" ftr="0" dt="0"/>
@@ -436,8 +384,6 @@
               <a:srgbClr val="000000"/>
             </a:solidFill>
             <a:miter lim="800000"/>
-            <a:headEnd/>
-            <a:tailEnd/>
           </a:ln>
         </p:spPr>
       </p:sp>
@@ -463,21 +409,15 @@
           <a:ln w="9525">
             <a:noFill/>
             <a:miter lim="800000"/>
-            <a:headEnd/>
-            <a:tailEnd/>
           </a:ln>
           <a:effectLst/>
         </p:spPr>
         <p:txBody>
-          <a:bodyPr vert="horz" wrap="square" lIns="0" tIns="0" rIns="0" bIns="0" numCol="1" anchor="b" anchorCtr="1" compatLnSpc="1">
-            <a:prstTxWarp prst="textNoShape">
-              <a:avLst/>
-            </a:prstTxWarp>
-          </a:bodyPr>
+          <a:bodyPr vert="horz" wrap="square" lIns="0" tIns="0" rIns="0" bIns="0" numCol="1" anchor="b" anchorCtr="1" compatLnSpc="1"/>
           <a:lstStyle>
             <a:lvl1pPr algn="ctr" defTabSz="965200" eaLnBrk="0" hangingPunct="0">
               <a:defRPr sz="900">
-                <a:latin typeface="Arial" charset="0"/>
+                <a:latin typeface="Arial" panose="020B0604020202020204" pitchFamily="34" charset="0"/>
               </a:defRPr>
             </a:lvl1pPr>
           </a:lstStyle>
@@ -489,6 +429,7 @@
               <a:rPr lang="en-US" dirty="0"/>
               <a:t>Copyright © 2017 Elephant Scale. All rights reserved.</a:t>
             </a:r>
+            <a:endParaRPr lang="en-US" dirty="0"/>
           </a:p>
         </p:txBody>
       </p:sp>
@@ -514,21 +455,15 @@
           <a:ln w="9525">
             <a:noFill/>
             <a:miter lim="800000"/>
-            <a:headEnd/>
-            <a:tailEnd/>
           </a:ln>
           <a:effectLst/>
         </p:spPr>
         <p:txBody>
-          <a:bodyPr vert="horz" wrap="square" lIns="0" tIns="0" rIns="0" bIns="0" numCol="1" anchor="b" anchorCtr="0" compatLnSpc="1">
-            <a:prstTxWarp prst="textNoShape">
-              <a:avLst/>
-            </a:prstTxWarp>
-          </a:bodyPr>
+          <a:bodyPr vert="horz" wrap="square" lIns="0" tIns="0" rIns="0" bIns="0" numCol="1" anchor="b" anchorCtr="0" compatLnSpc="1"/>
           <a:lstStyle>
             <a:lvl1pPr algn="r" defTabSz="965200" eaLnBrk="0" hangingPunct="0">
               <a:defRPr b="1">
-                <a:latin typeface="Arial" charset="0"/>
+                <a:latin typeface="Arial" panose="020B0604020202020204" pitchFamily="34" charset="0"/>
               </a:defRPr>
             </a:lvl1pPr>
           </a:lstStyle>
@@ -538,10 +473,6 @@
             </a:pPr>
             <a:fld id="{EFAADD5D-AF76-45EE-AA5F-6DAC73BF167A}" type="slidenum">
               <a:rPr lang="en-US"/>
-              <a:pPr>
-                <a:defRPr/>
-              </a:pPr>
-              <a:t>‹#›</a:t>
             </a:fld>
             <a:endParaRPr lang="en-US" dirty="0"/>
           </a:p>
@@ -567,24 +498,26 @@
           <a:ln w="9525">
             <a:noFill/>
             <a:miter lim="800000"/>
-            <a:headEnd/>
-            <a:tailEnd/>
           </a:ln>
         </p:spPr>
         <p:txBody>
           <a:bodyPr wrap="none" lIns="96386" tIns="48194" rIns="96386" bIns="48194"/>
           <a:lstStyle/>
           <a:p>
-            <a:pPr defTabSz="960438">
+            <a:pPr defTabSz="960755">
               <a:defRPr/>
             </a:pPr>
             <a:r>
               <a:rPr lang="en-US" sz="1200" b="1" u="sng" dirty="0">
-                <a:latin typeface="Times New Roman" pitchFamily="18" charset="0"/>
-                <a:cs typeface="Times New Roman" pitchFamily="18" charset="0"/>
+                <a:latin typeface="Times New Roman" panose="02020603050405020304" pitchFamily="-110" charset="0"/>
+                <a:cs typeface="Times New Roman" panose="02020603050405020304" pitchFamily="-110" charset="0"/>
               </a:rPr>
               <a:t>Notes:</a:t>
             </a:r>
+            <a:endParaRPr lang="en-US" sz="1200" b="1" u="sng" dirty="0">
+              <a:latin typeface="Times New Roman" panose="02020603050405020304" pitchFamily="-110" charset="0"/>
+              <a:cs typeface="Times New Roman" panose="02020603050405020304" pitchFamily="-110" charset="0"/>
+            </a:endParaRPr>
           </a:p>
         </p:txBody>
       </p:sp>
@@ -610,16 +543,10 @@
           <a:ln w="9525">
             <a:noFill/>
             <a:miter lim="800000"/>
-            <a:headEnd/>
-            <a:tailEnd/>
           </a:ln>
         </p:spPr>
         <p:txBody>
-          <a:bodyPr vert="horz" wrap="square" lIns="91537" tIns="45768" rIns="91537" bIns="45768" numCol="1" anchor="t" anchorCtr="0" compatLnSpc="1">
-            <a:prstTxWarp prst="textNoShape">
-              <a:avLst/>
-            </a:prstTxWarp>
-          </a:bodyPr>
+          <a:bodyPr vert="horz" wrap="square" lIns="91537" tIns="45768" rIns="91537" bIns="45768" numCol="1" anchor="t" anchorCtr="0" compatLnSpc="1"/>
           <a:lstStyle/>
           <a:p>
             <a:pPr lvl="0"/>
@@ -649,8 +576,6 @@
               <a:srgbClr val="000000"/>
             </a:solidFill>
             <a:round/>
-            <a:headEnd/>
-            <a:tailEnd/>
           </a:ln>
           <a:effectLst/>
         </p:spPr>
@@ -665,7 +590,7 @@
               <a:defRPr/>
             </a:pPr>
             <a:endParaRPr lang="en-US" dirty="0">
-              <a:latin typeface="Garamond" pitchFamily="-110" charset="0"/>
+              <a:latin typeface="Garamond" pitchFamily="18" charset="0"/>
               <a:ea typeface="+mn-ea"/>
               <a:cs typeface="+mn-cs"/>
             </a:endParaRPr>
@@ -673,11 +598,6 @@
         </p:txBody>
       </p:sp>
     </p:spTree>
-    <p:extLst>
-      <p:ext uri="{BB962C8B-B14F-4D97-AF65-F5344CB8AC3E}">
-        <p14:creationId xmlns:p14="http://schemas.microsoft.com/office/powerpoint/2010/main" val="953744030"/>
-      </p:ext>
-    </p:extLst>
   </p:cSld>
   <p:clrMap bg1="lt1" tx1="dk1" bg2="lt2" tx2="dk2" accent1="accent1" accent2="accent2" accent3="accent3" accent4="accent4" accent5="accent5" accent6="accent6" hlink="hlink" folHlink="folHlink"/>
   <p:hf dt="0"/>
@@ -690,15 +610,15 @@
         <a:spcPct val="0"/>
       </a:spcAft>
       <a:buSzPct val="65000"/>
-      <a:buFont typeface="Wingdings" pitchFamily="2" charset="2"/>
+      <a:buFont typeface="Wingdings" panose="05000000000000000000" pitchFamily="2" charset="2"/>
       <a:buNone/>
       <a:defRPr sz="1200" kern="1200">
         <a:solidFill>
           <a:schemeClr val="tx1"/>
         </a:solidFill>
-        <a:latin typeface="Times New Roman" pitchFamily="-110" charset="0"/>
-        <a:ea typeface="ＭＳ Ｐゴシック" pitchFamily="-110" charset="-128"/>
-        <a:cs typeface="ＭＳ Ｐゴシック" pitchFamily="-110" charset="-128"/>
+        <a:latin typeface="Times New Roman" panose="02020603050405020304" pitchFamily="-110" charset="0"/>
+        <a:ea typeface="MS PGothic" pitchFamily="-110" charset="-128"/>
+        <a:cs typeface="MS PGothic" pitchFamily="-110" charset="-128"/>
       </a:defRPr>
     </a:lvl1pPr>
     <a:lvl2pPr marL="282575" indent="0" algn="l" rtl="0" eaLnBrk="0" fontAlgn="base" hangingPunct="0">
@@ -713,12 +633,12 @@
         <a:solidFill>
           <a:schemeClr val="tx1"/>
         </a:solidFill>
-        <a:latin typeface="Times New Roman" pitchFamily="-110" charset="0"/>
-        <a:ea typeface="ＭＳ Ｐゴシック" pitchFamily="-110" charset="-128"/>
-        <a:cs typeface="ＭＳ Ｐゴシック"/>
+        <a:latin typeface="Times New Roman" panose="02020603050405020304" pitchFamily="-110" charset="0"/>
+        <a:ea typeface="MS PGothic" pitchFamily="-110" charset="-128"/>
+        <a:cs typeface="MS PGothic"/>
       </a:defRPr>
     </a:lvl2pPr>
-    <a:lvl3pPr marL="744538" indent="-173038" algn="l" rtl="0" eaLnBrk="0" fontAlgn="base" hangingPunct="0">
+    <a:lvl3pPr marL="744855" indent="-173355" algn="l" rtl="0" eaLnBrk="0" fontAlgn="base" hangingPunct="0">
       <a:spcBef>
         <a:spcPct val="30000"/>
       </a:spcBef>
@@ -730,9 +650,9 @@
         <a:solidFill>
           <a:schemeClr val="tx1"/>
         </a:solidFill>
-        <a:latin typeface="Times New Roman" pitchFamily="-110" charset="0"/>
-        <a:ea typeface="ＭＳ Ｐゴシック" pitchFamily="-110" charset="-128"/>
-        <a:cs typeface="ＭＳ Ｐゴシック"/>
+        <a:latin typeface="Times New Roman" panose="02020603050405020304" pitchFamily="-110" charset="0"/>
+        <a:ea typeface="MS PGothic" pitchFamily="-110" charset="-128"/>
+        <a:cs typeface="MS PGothic"/>
       </a:defRPr>
     </a:lvl3pPr>
     <a:lvl4pPr marL="1600200" indent="-228600" algn="l" rtl="0" eaLnBrk="0" fontAlgn="base" hangingPunct="0">
@@ -746,9 +666,9 @@
         <a:solidFill>
           <a:schemeClr val="tx1"/>
         </a:solidFill>
-        <a:latin typeface="Times New Roman" pitchFamily="-110" charset="0"/>
-        <a:ea typeface="ＭＳ Ｐゴシック" pitchFamily="-110" charset="-128"/>
-        <a:cs typeface="ＭＳ Ｐゴシック"/>
+        <a:latin typeface="Times New Roman" panose="02020603050405020304" pitchFamily="-110" charset="0"/>
+        <a:ea typeface="MS PGothic" pitchFamily="-110" charset="-128"/>
+        <a:cs typeface="MS PGothic"/>
       </a:defRPr>
     </a:lvl4pPr>
     <a:lvl5pPr marL="2057400" indent="-228600" algn="l" rtl="0" eaLnBrk="0" fontAlgn="base" hangingPunct="0">
@@ -762,9 +682,9 @@
         <a:solidFill>
           <a:schemeClr val="tx1"/>
         </a:solidFill>
-        <a:latin typeface="Times New Roman" pitchFamily="-110" charset="0"/>
-        <a:ea typeface="ＭＳ Ｐゴシック" pitchFamily="-110" charset="-128"/>
-        <a:cs typeface="ＭＳ Ｐゴシック"/>
+        <a:latin typeface="Times New Roman" panose="02020603050405020304" pitchFamily="-110" charset="0"/>
+        <a:ea typeface="MS PGothic" pitchFamily="-110" charset="-128"/>
+        <a:cs typeface="MS PGothic"/>
       </a:defRPr>
     </a:lvl5pPr>
     <a:lvl6pPr marL="2286000" algn="l" defTabSz="457200" rtl="0" eaLnBrk="1" latinLnBrk="0" hangingPunct="1">
@@ -812,7 +732,7 @@
 </file>
 
 <file path=ppt/slideLayouts/slideLayout1.xml><?xml version="1.0" encoding="utf-8"?>
-<p:sldLayout xmlns:a="http://schemas.openxmlformats.org/drawingml/2006/main" xmlns:r="http://schemas.openxmlformats.org/officeDocument/2006/relationships" xmlns:p="http://schemas.openxmlformats.org/presentationml/2006/main" showMasterSp="0" type="title" preserve="1">
+<p:sldLayout xmlns:a="http://schemas.openxmlformats.org/drawingml/2006/main" xmlns:r="http://schemas.openxmlformats.org/officeDocument/2006/relationships" xmlns:p="http://schemas.openxmlformats.org/presentationml/2006/main" type="title" preserve="1" showMasterSp="0">
   <p:cSld name="Title Slide">
     <p:bg>
       <p:bgPr>
@@ -847,7 +767,9 @@
         <p:blipFill rotWithShape="1">
           <a:blip r:embed="rId2"/>
           <a:srcRect t="19473"/>
-          <a:stretch/>
+          <a:stretch>
+            <a:fillRect/>
+          </a:stretch>
         </p:blipFill>
         <p:spPr bwMode="auto">
           <a:xfrm>
@@ -898,6 +820,7 @@
               <a:rPr lang="en-US"/>
               <a:t>Click to edit Master subtitle style</a:t>
             </a:r>
+            <a:endParaRPr lang="en-US"/>
           </a:p>
         </p:txBody>
       </p:sp>
@@ -929,6 +852,7 @@
               <a:rPr lang="en-US"/>
               <a:t>Click to edit Master title style</a:t>
             </a:r>
+            <a:endParaRPr lang="en-US"/>
           </a:p>
         </p:txBody>
       </p:sp>
@@ -978,6 +902,7 @@
               <a:rPr lang="en-US" dirty="0"/>
               <a:t>Click to edit Master title style</a:t>
             </a:r>
+            <a:endParaRPr lang="en-US" dirty="0"/>
           </a:p>
         </p:txBody>
       </p:sp>
@@ -1001,6 +926,7 @@
               <a:rPr lang="en-US" dirty="0"/>
               <a:t>Click to edit Master text styles</a:t>
             </a:r>
+            <a:endParaRPr lang="en-US" dirty="0"/>
           </a:p>
           <a:p>
             <a:pPr lvl="1"/>
@@ -1008,6 +934,7 @@
               <a:rPr lang="en-US" dirty="0"/>
               <a:t>Second level</a:t>
             </a:r>
+            <a:endParaRPr lang="en-US" dirty="0"/>
           </a:p>
           <a:p>
             <a:pPr lvl="2"/>
@@ -1015,6 +942,7 @@
               <a:rPr lang="en-US" dirty="0"/>
               <a:t>Third level</a:t>
             </a:r>
+            <a:endParaRPr lang="en-US" dirty="0"/>
           </a:p>
           <a:p>
             <a:pPr lvl="3"/>
@@ -1022,6 +950,7 @@
               <a:rPr lang="en-US" dirty="0"/>
               <a:t>Fourth level</a:t>
             </a:r>
+            <a:endParaRPr lang="en-US" dirty="0"/>
           </a:p>
           <a:p>
             <a:pPr lvl="4"/>
@@ -1029,6 +958,7 @@
               <a:rPr lang="en-US" dirty="0"/>
               <a:t>Fifth level</a:t>
             </a:r>
+            <a:endParaRPr lang="en-US" dirty="0"/>
           </a:p>
         </p:txBody>
       </p:sp>
@@ -1054,6 +984,7 @@
               <a:rPr lang="en-US" dirty="0"/>
               <a:t>Copyright © 2017 Elephant Scale. All rights reserved.</a:t>
             </a:r>
+            <a:endParaRPr lang="en-US" dirty="0"/>
           </a:p>
         </p:txBody>
       </p:sp>
@@ -1077,10 +1008,6 @@
             </a:pPr>
             <a:fld id="{77EF9825-4C23-4085-A4E3-B5565466BD91}" type="slidenum">
               <a:rPr lang="en-US" smtClean="0"/>
-              <a:pPr>
-                <a:defRPr/>
-              </a:pPr>
-              <a:t>‹#›</a:t>
             </a:fld>
             <a:endParaRPr lang="en-US" dirty="0"/>
           </a:p>
@@ -1135,6 +1062,7 @@
               <a:rPr lang="en-US"/>
               <a:t>Click to edit Master title style</a:t>
             </a:r>
+            <a:endParaRPr lang="en-US"/>
           </a:p>
         </p:txBody>
       </p:sp>
@@ -1163,6 +1091,7 @@
               <a:rPr lang="en-US"/>
               <a:t>Click to edit Master text styles</a:t>
             </a:r>
+            <a:endParaRPr lang="en-US"/>
           </a:p>
           <a:p>
             <a:pPr lvl="1"/>
@@ -1170,6 +1099,7 @@
               <a:rPr lang="en-US"/>
               <a:t>Second level</a:t>
             </a:r>
+            <a:endParaRPr lang="en-US"/>
           </a:p>
           <a:p>
             <a:pPr lvl="2"/>
@@ -1177,6 +1107,7 @@
               <a:rPr lang="en-US"/>
               <a:t>Third level</a:t>
             </a:r>
+            <a:endParaRPr lang="en-US"/>
           </a:p>
           <a:p>
             <a:pPr lvl="3"/>
@@ -1184,6 +1115,7 @@
               <a:rPr lang="en-US"/>
               <a:t>Fourth level</a:t>
             </a:r>
+            <a:endParaRPr lang="en-US"/>
           </a:p>
           <a:p>
             <a:pPr lvl="4"/>
@@ -1191,6 +1123,7 @@
               <a:rPr lang="en-US"/>
               <a:t>Fifth level</a:t>
             </a:r>
+            <a:endParaRPr lang="en-US"/>
           </a:p>
         </p:txBody>
       </p:sp>
@@ -1219,6 +1152,7 @@
               <a:rPr lang="en-US"/>
               <a:t>Click to edit Master text styles</a:t>
             </a:r>
+            <a:endParaRPr lang="en-US"/>
           </a:p>
           <a:p>
             <a:pPr lvl="1"/>
@@ -1226,6 +1160,7 @@
               <a:rPr lang="en-US"/>
               <a:t>Second level</a:t>
             </a:r>
+            <a:endParaRPr lang="en-US"/>
           </a:p>
           <a:p>
             <a:pPr lvl="2"/>
@@ -1233,6 +1168,7 @@
               <a:rPr lang="en-US"/>
               <a:t>Third level</a:t>
             </a:r>
+            <a:endParaRPr lang="en-US"/>
           </a:p>
           <a:p>
             <a:pPr lvl="3"/>
@@ -1240,6 +1176,7 @@
               <a:rPr lang="en-US"/>
               <a:t>Fourth level</a:t>
             </a:r>
+            <a:endParaRPr lang="en-US"/>
           </a:p>
           <a:p>
             <a:pPr lvl="4"/>
@@ -1247,6 +1184,7 @@
               <a:rPr lang="en-US"/>
               <a:t>Fifth level</a:t>
             </a:r>
+            <a:endParaRPr lang="en-US"/>
           </a:p>
         </p:txBody>
       </p:sp>
@@ -1275,6 +1213,7 @@
               <a:rPr lang="en-US"/>
               <a:t>Click to edit Master text styles</a:t>
             </a:r>
+            <a:endParaRPr lang="en-US"/>
           </a:p>
           <a:p>
             <a:pPr lvl="1"/>
@@ -1282,6 +1221,7 @@
               <a:rPr lang="en-US"/>
               <a:t>Second level</a:t>
             </a:r>
+            <a:endParaRPr lang="en-US"/>
           </a:p>
           <a:p>
             <a:pPr lvl="2"/>
@@ -1289,6 +1229,7 @@
               <a:rPr lang="en-US"/>
               <a:t>Third level</a:t>
             </a:r>
+            <a:endParaRPr lang="en-US"/>
           </a:p>
           <a:p>
             <a:pPr lvl="3"/>
@@ -1296,6 +1237,7 @@
               <a:rPr lang="en-US"/>
               <a:t>Fourth level</a:t>
             </a:r>
+            <a:endParaRPr lang="en-US"/>
           </a:p>
           <a:p>
             <a:pPr lvl="4"/>
@@ -1303,6 +1245,7 @@
               <a:rPr lang="en-US"/>
               <a:t>Fifth level</a:t>
             </a:r>
+            <a:endParaRPr lang="en-US"/>
           </a:p>
         </p:txBody>
       </p:sp>
@@ -1316,9 +1259,7 @@
             <p:ph type="sldNum" sz="quarter" idx="11"/>
           </p:nvPr>
         </p:nvSpPr>
-        <p:spPr>
-          <a:ln/>
-        </p:spPr>
+        <p:spPr/>
         <p:txBody>
           <a:bodyPr/>
           <a:lstStyle>
@@ -1332,10 +1273,6 @@
             </a:pPr>
             <a:fld id="{040E4B02-67B9-4228-B08B-2561CEE6B946}" type="slidenum">
               <a:rPr lang="en-US"/>
-              <a:pPr>
-                <a:defRPr/>
-              </a:pPr>
-              <a:t>‹#›</a:t>
             </a:fld>
             <a:endParaRPr lang="en-US" dirty="0"/>
           </a:p>
@@ -1351,9 +1288,7 @@
             <p:ph type="ftr" sz="quarter" idx="12"/>
           </p:nvPr>
         </p:nvSpPr>
-        <p:spPr>
-          <a:ln/>
-        </p:spPr>
+        <p:spPr/>
         <p:txBody>
           <a:bodyPr/>
           <a:lstStyle>
@@ -1369,6 +1304,7 @@
               <a:rPr lang="en-US" dirty="0"/>
               <a:t>Copyright © 2017 Elephant Scale. All rights reserved.</a:t>
             </a:r>
+            <a:endParaRPr lang="en-US" dirty="0"/>
           </a:p>
         </p:txBody>
       </p:sp>
@@ -1421,6 +1357,7 @@
               <a:rPr lang="en-US"/>
               <a:t>Click to edit Master title style</a:t>
             </a:r>
+            <a:endParaRPr lang="en-US"/>
           </a:p>
         </p:txBody>
       </p:sp>
@@ -1449,6 +1386,7 @@
               <a:rPr lang="en-US"/>
               <a:t>Click to edit Master text styles</a:t>
             </a:r>
+            <a:endParaRPr lang="en-US"/>
           </a:p>
           <a:p>
             <a:pPr lvl="1"/>
@@ -1456,6 +1394,7 @@
               <a:rPr lang="en-US"/>
               <a:t>Second level</a:t>
             </a:r>
+            <a:endParaRPr lang="en-US"/>
           </a:p>
           <a:p>
             <a:pPr lvl="2"/>
@@ -1463,6 +1402,7 @@
               <a:rPr lang="en-US"/>
               <a:t>Third level</a:t>
             </a:r>
+            <a:endParaRPr lang="en-US"/>
           </a:p>
           <a:p>
             <a:pPr lvl="3"/>
@@ -1470,6 +1410,7 @@
               <a:rPr lang="en-US"/>
               <a:t>Fourth level</a:t>
             </a:r>
+            <a:endParaRPr lang="en-US"/>
           </a:p>
           <a:p>
             <a:pPr lvl="4"/>
@@ -1477,6 +1418,7 @@
               <a:rPr lang="en-US"/>
               <a:t>Fifth level</a:t>
             </a:r>
+            <a:endParaRPr lang="en-US"/>
           </a:p>
         </p:txBody>
       </p:sp>
@@ -1505,6 +1447,7 @@
               <a:rPr lang="en-US"/>
               <a:t>Click to edit Master text styles</a:t>
             </a:r>
+            <a:endParaRPr lang="en-US"/>
           </a:p>
           <a:p>
             <a:pPr lvl="1"/>
@@ -1512,6 +1455,7 @@
               <a:rPr lang="en-US"/>
               <a:t>Second level</a:t>
             </a:r>
+            <a:endParaRPr lang="en-US"/>
           </a:p>
           <a:p>
             <a:pPr lvl="2"/>
@@ -1519,6 +1463,7 @@
               <a:rPr lang="en-US"/>
               <a:t>Third level</a:t>
             </a:r>
+            <a:endParaRPr lang="en-US"/>
           </a:p>
           <a:p>
             <a:pPr lvl="3"/>
@@ -1526,6 +1471,7 @@
               <a:rPr lang="en-US"/>
               <a:t>Fourth level</a:t>
             </a:r>
+            <a:endParaRPr lang="en-US"/>
           </a:p>
           <a:p>
             <a:pPr lvl="4"/>
@@ -1533,6 +1479,7 @@
               <a:rPr lang="en-US"/>
               <a:t>Fifth level</a:t>
             </a:r>
+            <a:endParaRPr lang="en-US"/>
           </a:p>
         </p:txBody>
       </p:sp>
@@ -1546,9 +1493,7 @@
             <p:ph type="sldNum" sz="quarter" idx="11"/>
           </p:nvPr>
         </p:nvSpPr>
-        <p:spPr>
-          <a:ln/>
-        </p:spPr>
+        <p:spPr/>
         <p:txBody>
           <a:bodyPr/>
           <a:lstStyle>
@@ -1562,10 +1507,6 @@
             </a:pPr>
             <a:fld id="{A86CC632-9864-46F1-8EAB-FCD3BB9CEC9A}" type="slidenum">
               <a:rPr lang="en-US"/>
-              <a:pPr>
-                <a:defRPr/>
-              </a:pPr>
-              <a:t>‹#›</a:t>
             </a:fld>
             <a:endParaRPr lang="en-US" dirty="0"/>
           </a:p>
@@ -1581,9 +1522,7 @@
             <p:ph type="ftr" sz="quarter" idx="12"/>
           </p:nvPr>
         </p:nvSpPr>
-        <p:spPr>
-          <a:ln/>
-        </p:spPr>
+        <p:spPr/>
         <p:txBody>
           <a:bodyPr/>
           <a:lstStyle>
@@ -1599,6 +1538,7 @@
               <a:rPr lang="en-US" dirty="0"/>
               <a:t>Copyright © 2017 Elephant Scale. All rights reserved.</a:t>
             </a:r>
+            <a:endParaRPr lang="en-US" dirty="0"/>
           </a:p>
         </p:txBody>
       </p:sp>
@@ -1657,15 +1597,10 @@
           <a:ln w="9525">
             <a:noFill/>
             <a:miter lim="800000"/>
-            <a:headEnd/>
-            <a:tailEnd/>
           </a:ln>
         </p:spPr>
         <p:txBody>
           <a:bodyPr vert="horz" wrap="square" lIns="92007" tIns="46005" rIns="92007" bIns="46005" numCol="1" anchor="t" anchorCtr="0" compatLnSpc="1">
-            <a:prstTxWarp prst="textNoShape">
-              <a:avLst/>
-            </a:prstTxWarp>
             <a:normAutofit/>
           </a:bodyPr>
           <a:lstStyle/>
@@ -1675,6 +1610,7 @@
               <a:rPr lang="en-US" dirty="0"/>
               <a:t>Click to edit Master text styles</a:t>
             </a:r>
+            <a:endParaRPr lang="en-US" dirty="0"/>
           </a:p>
           <a:p>
             <a:pPr lvl="1"/>
@@ -1682,6 +1618,7 @@
               <a:rPr lang="en-US" dirty="0"/>
               <a:t>Second level</a:t>
             </a:r>
+            <a:endParaRPr lang="en-US" dirty="0"/>
           </a:p>
           <a:p>
             <a:pPr lvl="2"/>
@@ -1689,6 +1626,7 @@
               <a:rPr lang="en-US" dirty="0"/>
               <a:t>Third level</a:t>
             </a:r>
+            <a:endParaRPr lang="en-US" dirty="0"/>
           </a:p>
           <a:p>
             <a:pPr lvl="3"/>
@@ -1696,6 +1634,7 @@
               <a:rPr lang="en-US" dirty="0"/>
               <a:t>Fourth level</a:t>
             </a:r>
+            <a:endParaRPr lang="en-US" dirty="0"/>
           </a:p>
           <a:p>
             <a:pPr lvl="4"/>
@@ -1703,6 +1642,7 @@
               <a:rPr lang="en-US" dirty="0"/>
               <a:t>Fifth level</a:t>
             </a:r>
+            <a:endParaRPr lang="en-US" dirty="0"/>
           </a:p>
         </p:txBody>
       </p:sp>
@@ -1728,26 +1668,20 @@
           <a:ln w="9525">
             <a:noFill/>
             <a:miter lim="800000"/>
-            <a:headEnd/>
-            <a:tailEnd/>
           </a:ln>
           <a:effectLst/>
         </p:spPr>
         <p:txBody>
-          <a:bodyPr vert="horz" wrap="square" lIns="0" tIns="0" rIns="0" bIns="0" numCol="1" anchor="b" anchorCtr="0" compatLnSpc="1">
-            <a:prstTxWarp prst="textNoShape">
-              <a:avLst/>
-            </a:prstTxWarp>
-          </a:bodyPr>
+          <a:bodyPr vert="horz" wrap="square" lIns="0" tIns="0" rIns="0" bIns="0" numCol="1" anchor="b" anchorCtr="0" compatLnSpc="1"/>
           <a:lstStyle>
             <a:lvl1pPr algn="r" eaLnBrk="0" hangingPunct="0">
               <a:defRPr b="1">
                 <a:solidFill>
                   <a:srgbClr val="000000"/>
                 </a:solidFill>
-                <a:latin typeface="Arial" charset="0"/>
-                <a:ea typeface="ＭＳ Ｐゴシック" charset="0"/>
-                <a:cs typeface="ＭＳ Ｐゴシック" charset="0"/>
+                <a:latin typeface="Arial" panose="020B0604020202020204" pitchFamily="34" charset="0"/>
+                <a:ea typeface="MS PGothic" charset="0"/>
+                <a:cs typeface="MS PGothic" charset="0"/>
               </a:defRPr>
             </a:lvl1pPr>
           </a:lstStyle>
@@ -1757,10 +1691,6 @@
             </a:pPr>
             <a:fld id="{77EF9825-4C23-4085-A4E3-B5565466BD91}" type="slidenum">
               <a:rPr lang="en-US"/>
-              <a:pPr>
-                <a:defRPr/>
-              </a:pPr>
-              <a:t>‹#›</a:t>
             </a:fld>
             <a:endParaRPr lang="en-US" dirty="0"/>
           </a:p>
@@ -1788,16 +1718,11 @@
           <a:ln w="9525">
             <a:noFill/>
             <a:miter lim="800000"/>
-            <a:headEnd/>
-            <a:tailEnd/>
           </a:ln>
           <a:effectLst/>
         </p:spPr>
         <p:txBody>
           <a:bodyPr vert="horz" wrap="square" lIns="0" tIns="0" rIns="0" bIns="0" numCol="1" anchor="t" anchorCtr="0" compatLnSpc="1">
-            <a:prstTxWarp prst="textNoShape">
-              <a:avLst/>
-            </a:prstTxWarp>
             <a:spAutoFit/>
           </a:bodyPr>
           <a:lstStyle>
@@ -1823,6 +1748,7 @@
               <a:rPr lang="en-US" dirty="0"/>
               <a:t>Copyright © 2017 Elephant Scale. All rights reserved.</a:t>
             </a:r>
+            <a:endParaRPr lang="en-US" dirty="0"/>
           </a:p>
         </p:txBody>
       </p:sp>
@@ -1835,7 +1761,7 @@
           <p:nvPr/>
         </p:nvPicPr>
         <p:blipFill>
-          <a:blip r:embed="rId6"/>
+          <a:blip r:embed="rId5"/>
           <a:srcRect/>
           <a:stretch>
             <a:fillRect/>
@@ -1882,16 +1808,10 @@
           <a:ln w="9525">
             <a:noFill/>
             <a:miter lim="800000"/>
-            <a:headEnd/>
-            <a:tailEnd/>
           </a:ln>
         </p:spPr>
         <p:txBody>
-          <a:bodyPr vert="horz" wrap="square" lIns="92007" tIns="46005" rIns="92007" bIns="46005" numCol="1" anchor="b" anchorCtr="0" compatLnSpc="1">
-            <a:prstTxWarp prst="textNoShape">
-              <a:avLst/>
-            </a:prstTxWarp>
-          </a:bodyPr>
+          <a:bodyPr vert="horz" wrap="square" lIns="92007" tIns="46005" rIns="92007" bIns="46005" numCol="1" anchor="b" anchorCtr="0" compatLnSpc="1"/>
           <a:lstStyle/>
           <a:p>
             <a:pPr lvl="0"/>
@@ -1899,6 +1819,7 @@
               <a:rPr lang="en-US" dirty="0"/>
               <a:t>Click to edit Master title style</a:t>
             </a:r>
+            <a:endParaRPr lang="en-US" dirty="0"/>
           </a:p>
         </p:txBody>
       </p:sp>
@@ -1906,10 +1827,10 @@
   </p:cSld>
   <p:clrMap bg1="dk2" tx1="lt1" bg2="dk1" tx2="lt2" accent1="accent1" accent2="accent2" accent3="accent3" accent4="accent4" accent5="accent5" accent6="accent6" hlink="hlink" folHlink="folHlink"/>
   <p:sldLayoutIdLst>
-    <p:sldLayoutId id="2147483656" r:id="rId1"/>
-    <p:sldLayoutId id="2147483655" r:id="rId2"/>
-    <p:sldLayoutId id="2147483654" r:id="rId3"/>
-    <p:sldLayoutId id="2147483653" r:id="rId4"/>
+    <p:sldLayoutId id="2147483649" r:id="rId1"/>
+    <p:sldLayoutId id="2147483650" r:id="rId2"/>
+    <p:sldLayoutId id="2147483651" r:id="rId3"/>
+    <p:sldLayoutId id="2147483652" r:id="rId4"/>
   </p:sldLayoutIdLst>
   <p:hf hdr="0" dt="0"/>
   <p:txStyles>
@@ -1926,8 +1847,8 @@
             <a:schemeClr val="tx1"/>
           </a:solidFill>
           <a:latin typeface="+mj-lt"/>
-          <a:ea typeface="ＭＳ Ｐゴシック" pitchFamily="-110" charset="-128"/>
-          <a:cs typeface="ＭＳ Ｐゴシック" pitchFamily="-110" charset="-128"/>
+          <a:ea typeface="MS PGothic" pitchFamily="-110" charset="-128"/>
+          <a:cs typeface="MS PGothic" pitchFamily="-110" charset="-128"/>
         </a:defRPr>
       </a:lvl1pPr>
       <a:lvl2pPr algn="l" rtl="0" eaLnBrk="0" fontAlgn="base" hangingPunct="0">
@@ -1941,9 +1862,9 @@
           <a:solidFill>
             <a:schemeClr val="tx1"/>
           </a:solidFill>
-          <a:latin typeface="Verdana" pitchFamily="-110" charset="0"/>
-          <a:ea typeface="ＭＳ Ｐゴシック" pitchFamily="-110" charset="-128"/>
-          <a:cs typeface="ＭＳ Ｐゴシック" pitchFamily="-110" charset="-128"/>
+          <a:latin typeface="Verdana" panose="020B0604030504040204" pitchFamily="-110" charset="0"/>
+          <a:ea typeface="MS PGothic" pitchFamily="-110" charset="-128"/>
+          <a:cs typeface="MS PGothic" pitchFamily="-110" charset="-128"/>
         </a:defRPr>
       </a:lvl2pPr>
       <a:lvl3pPr algn="l" rtl="0" eaLnBrk="0" fontAlgn="base" hangingPunct="0">
@@ -1957,9 +1878,9 @@
           <a:solidFill>
             <a:schemeClr val="tx1"/>
           </a:solidFill>
-          <a:latin typeface="Verdana" pitchFamily="-110" charset="0"/>
-          <a:ea typeface="ＭＳ Ｐゴシック" pitchFamily="-110" charset="-128"/>
-          <a:cs typeface="ＭＳ Ｐゴシック" pitchFamily="-110" charset="-128"/>
+          <a:latin typeface="Verdana" panose="020B0604030504040204" pitchFamily="-110" charset="0"/>
+          <a:ea typeface="MS PGothic" pitchFamily="-110" charset="-128"/>
+          <a:cs typeface="MS PGothic" pitchFamily="-110" charset="-128"/>
         </a:defRPr>
       </a:lvl3pPr>
       <a:lvl4pPr algn="l" rtl="0" eaLnBrk="0" fontAlgn="base" hangingPunct="0">
@@ -1973,9 +1894,9 @@
           <a:solidFill>
             <a:schemeClr val="tx1"/>
           </a:solidFill>
-          <a:latin typeface="Verdana" pitchFamily="-110" charset="0"/>
-          <a:ea typeface="ＭＳ Ｐゴシック" pitchFamily="-110" charset="-128"/>
-          <a:cs typeface="ＭＳ Ｐゴシック" pitchFamily="-110" charset="-128"/>
+          <a:latin typeface="Verdana" panose="020B0604030504040204" pitchFamily="-110" charset="0"/>
+          <a:ea typeface="MS PGothic" pitchFamily="-110" charset="-128"/>
+          <a:cs typeface="MS PGothic" pitchFamily="-110" charset="-128"/>
         </a:defRPr>
       </a:lvl4pPr>
       <a:lvl5pPr algn="l" rtl="0" eaLnBrk="0" fontAlgn="base" hangingPunct="0">
@@ -1989,9 +1910,9 @@
           <a:solidFill>
             <a:schemeClr val="tx1"/>
           </a:solidFill>
-          <a:latin typeface="Verdana" pitchFamily="-110" charset="0"/>
-          <a:ea typeface="ＭＳ Ｐゴシック" pitchFamily="-110" charset="-128"/>
-          <a:cs typeface="ＭＳ Ｐゴシック" pitchFamily="-110" charset="-128"/>
+          <a:latin typeface="Verdana" panose="020B0604030504040204" pitchFamily="-110" charset="0"/>
+          <a:ea typeface="MS PGothic" pitchFamily="-110" charset="-128"/>
+          <a:cs typeface="MS PGothic" pitchFamily="-110" charset="-128"/>
         </a:defRPr>
       </a:lvl5pPr>
       <a:lvl6pPr marL="457200" algn="l" rtl="0" eaLnBrk="0" fontAlgn="base" hangingPunct="0">
@@ -2005,7 +1926,7 @@
           <a:solidFill>
             <a:schemeClr val="tx1"/>
           </a:solidFill>
-          <a:latin typeface="Verdana" pitchFamily="-110" charset="0"/>
+          <a:latin typeface="Verdana" panose="020B0604030504040204" pitchFamily="-110" charset="0"/>
         </a:defRPr>
       </a:lvl6pPr>
       <a:lvl7pPr marL="914400" algn="l" rtl="0" eaLnBrk="0" fontAlgn="base" hangingPunct="0">
@@ -2019,7 +1940,7 @@
           <a:solidFill>
             <a:schemeClr val="tx1"/>
           </a:solidFill>
-          <a:latin typeface="Verdana" pitchFamily="-110" charset="0"/>
+          <a:latin typeface="Verdana" panose="020B0604030504040204" pitchFamily="-110" charset="0"/>
         </a:defRPr>
       </a:lvl7pPr>
       <a:lvl8pPr marL="1371600" algn="l" rtl="0" eaLnBrk="0" fontAlgn="base" hangingPunct="0">
@@ -2033,7 +1954,7 @@
           <a:solidFill>
             <a:schemeClr val="tx1"/>
           </a:solidFill>
-          <a:latin typeface="Verdana" pitchFamily="-110" charset="0"/>
+          <a:latin typeface="Verdana" panose="020B0604030504040204" pitchFamily="-110" charset="0"/>
         </a:defRPr>
       </a:lvl8pPr>
       <a:lvl9pPr marL="1828800" algn="l" rtl="0" eaLnBrk="0" fontAlgn="base" hangingPunct="0">
@@ -2047,12 +1968,12 @@
           <a:solidFill>
             <a:schemeClr val="tx1"/>
           </a:solidFill>
-          <a:latin typeface="Verdana" pitchFamily="-110" charset="0"/>
+          <a:latin typeface="Verdana" panose="020B0604030504040204" pitchFamily="-110" charset="0"/>
         </a:defRPr>
       </a:lvl9pPr>
     </p:titleStyle>
     <p:bodyStyle>
-      <a:lvl1pPr marL="290513" indent="-290513" algn="l" rtl="0" eaLnBrk="0" fontAlgn="base" hangingPunct="0">
+      <a:lvl1pPr marL="290830" indent="-290830" algn="l" rtl="0" eaLnBrk="0" fontAlgn="base" hangingPunct="0">
         <a:spcBef>
           <a:spcPct val="20000"/>
         </a:spcBef>
@@ -2063,18 +1984,18 @@
           <a:schemeClr val="tx2"/>
         </a:buClr>
         <a:buSzPct val="65000"/>
-        <a:buFont typeface="Wingdings" pitchFamily="2" charset="2"/>
+        <a:buFont typeface="Wingdings" panose="05000000000000000000" pitchFamily="2" charset="2"/>
         <a:buChar char=""/>
         <a:defRPr sz="2400">
           <a:solidFill>
             <a:srgbClr val="000000"/>
           </a:solidFill>
           <a:latin typeface="+mn-lt"/>
-          <a:ea typeface="ＭＳ Ｐゴシック" pitchFamily="-110" charset="-128"/>
-          <a:cs typeface="ＭＳ Ｐゴシック" pitchFamily="-110" charset="-128"/>
+          <a:ea typeface="MS PGothic" pitchFamily="-110" charset="-128"/>
+          <a:cs typeface="MS PGothic" pitchFamily="-110" charset="-128"/>
         </a:defRPr>
       </a:lvl1pPr>
-      <a:lvl2pPr marL="633413" indent="-228600" algn="l" rtl="0" eaLnBrk="0" fontAlgn="base" hangingPunct="0">
+      <a:lvl2pPr marL="633730" indent="-228600" algn="l" rtl="0" eaLnBrk="0" fontAlgn="base" hangingPunct="0">
         <a:spcBef>
           <a:spcPct val="20000"/>
         </a:spcBef>
@@ -2090,11 +2011,11 @@
             <a:srgbClr val="000000"/>
           </a:solidFill>
           <a:latin typeface="+mn-lt"/>
-          <a:ea typeface="ＭＳ Ｐゴシック" pitchFamily="-110" charset="-128"/>
-          <a:cs typeface="ＭＳ Ｐゴシック"/>
+          <a:ea typeface="MS PGothic" pitchFamily="-110" charset="-128"/>
+          <a:cs typeface="MS PGothic"/>
         </a:defRPr>
       </a:lvl2pPr>
-      <a:lvl3pPr marL="969963" indent="-222250" algn="l" rtl="0" eaLnBrk="0" fontAlgn="base" hangingPunct="0">
+      <a:lvl3pPr marL="970280" indent="-222250" algn="l" rtl="0" eaLnBrk="0" fontAlgn="base" hangingPunct="0">
         <a:spcBef>
           <a:spcPct val="20000"/>
         </a:spcBef>
@@ -2107,11 +2028,11 @@
             <a:srgbClr val="000000"/>
           </a:solidFill>
           <a:latin typeface="+mn-lt"/>
-          <a:ea typeface="ＭＳ Ｐゴシック" pitchFamily="-110" charset="-128"/>
-          <a:cs typeface="ＭＳ Ｐゴシック"/>
+          <a:ea typeface="MS PGothic" pitchFamily="-110" charset="-128"/>
+          <a:cs typeface="MS PGothic"/>
         </a:defRPr>
       </a:lvl3pPr>
-      <a:lvl4pPr marL="1258888" indent="-228600" algn="l" rtl="0" eaLnBrk="0" fontAlgn="base" hangingPunct="0">
+      <a:lvl4pPr marL="1259205" indent="-228600" algn="l" rtl="0" eaLnBrk="0" fontAlgn="base" hangingPunct="0">
         <a:spcBef>
           <a:spcPct val="0"/>
         </a:spcBef>
@@ -2129,11 +2050,11 @@
             <a:srgbClr val="000000"/>
           </a:solidFill>
           <a:latin typeface="+mn-lt"/>
-          <a:ea typeface="ＭＳ Ｐゴシック" pitchFamily="-110" charset="-128"/>
-          <a:cs typeface="ＭＳ Ｐゴシック"/>
+          <a:ea typeface="MS PGothic" pitchFamily="-110" charset="-128"/>
+          <a:cs typeface="MS PGothic"/>
         </a:defRPr>
       </a:lvl4pPr>
-      <a:lvl5pPr marL="2055813" indent="-230188" algn="l" rtl="0" eaLnBrk="0" fontAlgn="base" hangingPunct="0">
+      <a:lvl5pPr marL="2056130" indent="-230505" algn="l" rtl="0" eaLnBrk="0" fontAlgn="base" hangingPunct="0">
         <a:spcBef>
           <a:spcPct val="20000"/>
         </a:spcBef>
@@ -2147,12 +2068,12 @@
           <a:solidFill>
             <a:schemeClr val="tx1"/>
           </a:solidFill>
-          <a:latin typeface="Times New Roman" pitchFamily="-110" charset="0"/>
-          <a:ea typeface="ＭＳ Ｐゴシック" pitchFamily="-110" charset="-128"/>
-          <a:cs typeface="ＭＳ Ｐゴシック"/>
+          <a:latin typeface="Times New Roman" panose="02020603050405020304" pitchFamily="-110" charset="0"/>
+          <a:ea typeface="MS PGothic" pitchFamily="-110" charset="-128"/>
+          <a:cs typeface="MS PGothic"/>
         </a:defRPr>
       </a:lvl5pPr>
-      <a:lvl6pPr marL="2513013" indent="-230188" algn="l" rtl="0" eaLnBrk="0" fontAlgn="base" hangingPunct="0">
+      <a:lvl6pPr marL="2513330" indent="-230505" algn="l" rtl="0" eaLnBrk="0" fontAlgn="base" hangingPunct="0">
         <a:spcBef>
           <a:spcPct val="20000"/>
         </a:spcBef>
@@ -2166,11 +2087,11 @@
           <a:solidFill>
             <a:schemeClr val="tx1"/>
           </a:solidFill>
-          <a:latin typeface="Times New Roman" pitchFamily="-110" charset="0"/>
-          <a:ea typeface="ＭＳ Ｐゴシック" pitchFamily="-110" charset="-128"/>
+          <a:latin typeface="Times New Roman" panose="02020603050405020304" pitchFamily="-110" charset="0"/>
+          <a:ea typeface="MS PGothic" pitchFamily="-110" charset="-128"/>
         </a:defRPr>
       </a:lvl6pPr>
-      <a:lvl7pPr marL="2970213" indent="-230188" algn="l" rtl="0" eaLnBrk="0" fontAlgn="base" hangingPunct="0">
+      <a:lvl7pPr marL="2970530" indent="-230505" algn="l" rtl="0" eaLnBrk="0" fontAlgn="base" hangingPunct="0">
         <a:spcBef>
           <a:spcPct val="20000"/>
         </a:spcBef>
@@ -2184,11 +2105,11 @@
           <a:solidFill>
             <a:schemeClr val="tx1"/>
           </a:solidFill>
-          <a:latin typeface="Times New Roman" pitchFamily="-110" charset="0"/>
-          <a:ea typeface="ＭＳ Ｐゴシック" pitchFamily="-110" charset="-128"/>
+          <a:latin typeface="Times New Roman" panose="02020603050405020304" pitchFamily="-110" charset="0"/>
+          <a:ea typeface="MS PGothic" pitchFamily="-110" charset="-128"/>
         </a:defRPr>
       </a:lvl7pPr>
-      <a:lvl8pPr marL="3427413" indent="-230188" algn="l" rtl="0" eaLnBrk="0" fontAlgn="base" hangingPunct="0">
+      <a:lvl8pPr marL="3427730" indent="-230505" algn="l" rtl="0" eaLnBrk="0" fontAlgn="base" hangingPunct="0">
         <a:spcBef>
           <a:spcPct val="20000"/>
         </a:spcBef>
@@ -2202,11 +2123,11 @@
           <a:solidFill>
             <a:schemeClr val="tx1"/>
           </a:solidFill>
-          <a:latin typeface="Times New Roman" pitchFamily="-110" charset="0"/>
-          <a:ea typeface="ＭＳ Ｐゴシック" pitchFamily="-110" charset="-128"/>
+          <a:latin typeface="Times New Roman" panose="02020603050405020304" pitchFamily="-110" charset="0"/>
+          <a:ea typeface="MS PGothic" pitchFamily="-110" charset="-128"/>
         </a:defRPr>
       </a:lvl8pPr>
-      <a:lvl9pPr marL="3884613" indent="-230188" algn="l" rtl="0" eaLnBrk="0" fontAlgn="base" hangingPunct="0">
+      <a:lvl9pPr marL="3884930" indent="-230505" algn="l" rtl="0" eaLnBrk="0" fontAlgn="base" hangingPunct="0">
         <a:spcBef>
           <a:spcPct val="20000"/>
         </a:spcBef>
@@ -2220,8 +2141,8 @@
           <a:solidFill>
             <a:schemeClr val="tx1"/>
           </a:solidFill>
-          <a:latin typeface="Times New Roman" pitchFamily="-110" charset="0"/>
-          <a:ea typeface="ＭＳ Ｐゴシック" pitchFamily="-110" charset="-128"/>
+          <a:latin typeface="Times New Roman" panose="02020603050405020304" pitchFamily="-110" charset="0"/>
+          <a:ea typeface="MS PGothic" pitchFamily="-110" charset="-128"/>
         </a:defRPr>
       </a:lvl9pPr>
     </p:bodyStyle>
@@ -2325,7 +2246,7 @@
 </file>
 
 <file path=ppt/slides/slide1.xml><?xml version="1.0" encoding="utf-8"?>
-<p:sld xmlns:a="http://schemas.openxmlformats.org/drawingml/2006/main" xmlns:p="http://schemas.openxmlformats.org/presentationml/2006/main" xmlns:r="http://schemas.openxmlformats.org/officeDocument/2006/relationships">
+<p:sld xmlns:a="http://schemas.openxmlformats.org/drawingml/2006/main" xmlns:r="http://schemas.openxmlformats.org/officeDocument/2006/relationships" xmlns:p="http://schemas.openxmlformats.org/presentationml/2006/main">
   <p:cSld>
     <p:spTree>
       <p:nvGrpSpPr>
@@ -2341,7 +2262,7 @@
             <a:spLocks noGrp="1"/>
           </p:cNvSpPr>
           <p:nvPr>
-            <p:ph type="subTitle" idx="1" sz="quarter"/>
+            <p:ph type="subTitle" sz="quarter" idx="1"/>
           </p:nvPr>
         </p:nvSpPr>
         <p:spPr/>
@@ -2402,6 +2323,11 @@
               </a:rPr>
               <a:t>Copyright © 2021 by Elephant Scale, All Rights Reserved</a:t>
             </a:r>
+            <a:endParaRPr sz="800">
+              <a:solidFill>
+                <a:srgbClr val="000000"/>
+              </a:solidFill>
+            </a:endParaRPr>
           </a:p>
         </p:txBody>
       </p:sp>
@@ -2414,7 +2340,7 @@
 </file>
 
 <file path=ppt/slides/slide10.xml><?xml version="1.0" encoding="utf-8"?>
-<p:sld xmlns:a="http://schemas.openxmlformats.org/drawingml/2006/main" xmlns:p="http://schemas.openxmlformats.org/presentationml/2006/main" xmlns:r="http://schemas.openxmlformats.org/officeDocument/2006/relationships">
+<p:sld xmlns:a="http://schemas.openxmlformats.org/drawingml/2006/main" xmlns:r="http://schemas.openxmlformats.org/officeDocument/2006/relationships" xmlns:p="http://schemas.openxmlformats.org/presentationml/2006/main">
   <p:cSld>
     <p:spTree>
       <p:nvGrpSpPr>
@@ -2430,7 +2356,7 @@
             <a:spLocks noGrp="1"/>
           </p:cNvSpPr>
           <p:nvPr>
-            <p:ph type="subTitle" idx="1" sz="quarter"/>
+            <p:ph type="subTitle" sz="quarter" idx="1"/>
           </p:nvPr>
         </p:nvSpPr>
         <p:spPr/>
@@ -2536,6 +2462,11 @@
               </a:rPr>
               <a:t>Copyright © 2021 by Elephant Scale, All Rights Reserved</a:t>
             </a:r>
+            <a:endParaRPr sz="800">
+              <a:solidFill>
+                <a:srgbClr val="000000"/>
+              </a:solidFill>
+            </a:endParaRPr>
           </a:p>
         </p:txBody>
       </p:sp>
@@ -2548,7 +2479,7 @@
 </file>
 
 <file path=ppt/slides/slide11.xml><?xml version="1.0" encoding="utf-8"?>
-<p:sld xmlns:a="http://schemas.openxmlformats.org/drawingml/2006/main" xmlns:p="http://schemas.openxmlformats.org/presentationml/2006/main" xmlns:r="http://schemas.openxmlformats.org/officeDocument/2006/relationships">
+<p:sld xmlns:a="http://schemas.openxmlformats.org/drawingml/2006/main" xmlns:r="http://schemas.openxmlformats.org/officeDocument/2006/relationships" xmlns:p="http://schemas.openxmlformats.org/presentationml/2006/main">
   <p:cSld>
     <p:spTree>
       <p:nvGrpSpPr>
@@ -2669,6 +2600,11 @@
               </a:rPr>
               <a:t>Copyright © 2021 by Elephant Scale, All Rights Reserved</a:t>
             </a:r>
+            <a:endParaRPr sz="800">
+              <a:solidFill>
+                <a:srgbClr val="000000"/>
+              </a:solidFill>
+            </a:endParaRPr>
           </a:p>
         </p:txBody>
       </p:sp>
@@ -2681,7 +2617,7 @@
 </file>
 
 <file path=ppt/slides/slide12.xml><?xml version="1.0" encoding="utf-8"?>
-<p:sld xmlns:a="http://schemas.openxmlformats.org/drawingml/2006/main" xmlns:p="http://schemas.openxmlformats.org/presentationml/2006/main" xmlns:r="http://schemas.openxmlformats.org/officeDocument/2006/relationships">
+<p:sld xmlns:a="http://schemas.openxmlformats.org/drawingml/2006/main" xmlns:r="http://schemas.openxmlformats.org/officeDocument/2006/relationships" xmlns:p="http://schemas.openxmlformats.org/presentationml/2006/main">
   <p:cSld>
     <p:spTree>
       <p:nvGrpSpPr>
@@ -2777,6 +2713,11 @@
               </a:rPr>
               <a:t>Copyright © 2021 by Elephant Scale, All Rights Reserved</a:t>
             </a:r>
+            <a:endParaRPr sz="800">
+              <a:solidFill>
+                <a:srgbClr val="000000"/>
+              </a:solidFill>
+            </a:endParaRPr>
           </a:p>
         </p:txBody>
       </p:sp>
@@ -2789,7 +2730,7 @@
 </file>
 
 <file path=ppt/slides/slide13.xml><?xml version="1.0" encoding="utf-8"?>
-<p:sld xmlns:a="http://schemas.openxmlformats.org/drawingml/2006/main" xmlns:p="http://schemas.openxmlformats.org/presentationml/2006/main" xmlns:r="http://schemas.openxmlformats.org/officeDocument/2006/relationships">
+<p:sld xmlns:a="http://schemas.openxmlformats.org/drawingml/2006/main" xmlns:r="http://schemas.openxmlformats.org/officeDocument/2006/relationships" xmlns:p="http://schemas.openxmlformats.org/presentationml/2006/main">
   <p:cSld>
     <p:spTree>
       <p:nvGrpSpPr>
@@ -2854,10 +2795,13 @@
             </a:r>
             <a:r>
               <a:rPr>
-                <a:latin typeface="Courier New"/>
+                <a:latin typeface="Courier New" panose="02070309020205020404"/>
               </a:rPr>
               <a:t> int Fr = (4.3/1.25)*N;</a:t>
             </a:r>
+            <a:endParaRPr>
+              <a:latin typeface="Courier New" panose="02070309020205020404"/>
+            </a:endParaRPr>
           </a:p>
           <a:p>
             <a:r>
@@ -2867,18 +2811,24 @@
           <a:p>
             <a:r>
               <a:rPr>
-                <a:latin typeface="Courier New"/>
+                <a:latin typeface="Courier New" panose="02070309020205020404"/>
               </a:rPr>
               <a:t> cons int PI = 3.1415</a:t>
             </a:r>
+            <a:endParaRPr>
+              <a:latin typeface="Courier New" panose="02070309020205020404"/>
+            </a:endParaRPr>
           </a:p>
           <a:p>
             <a:r>
               <a:rPr>
-                <a:latin typeface="Courier New"/>
+                <a:latin typeface="Courier New" panose="02070309020205020404"/>
               </a:rPr>
               <a:t> int Surface = PI * r * r;</a:t>
             </a:r>
+            <a:endParaRPr>
+              <a:latin typeface="Courier New" panose="02070309020205020404"/>
+            </a:endParaRPr>
           </a:p>
         </p:txBody>
       </p:sp>
@@ -2912,6 +2862,11 @@
               </a:rPr>
               <a:t>Copyright © 2021 by Elephant Scale, All Rights Reserved</a:t>
             </a:r>
+            <a:endParaRPr sz="800">
+              <a:solidFill>
+                <a:srgbClr val="000000"/>
+              </a:solidFill>
+            </a:endParaRPr>
           </a:p>
         </p:txBody>
       </p:sp>
@@ -2924,7 +2879,7 @@
 </file>
 
 <file path=ppt/slides/slide14.xml><?xml version="1.0" encoding="utf-8"?>
-<p:sld xmlns:a="http://schemas.openxmlformats.org/drawingml/2006/main" xmlns:p="http://schemas.openxmlformats.org/presentationml/2006/main" xmlns:r="http://schemas.openxmlformats.org/officeDocument/2006/relationships">
+<p:sld xmlns:a="http://schemas.openxmlformats.org/drawingml/2006/main" xmlns:r="http://schemas.openxmlformats.org/officeDocument/2006/relationships" xmlns:p="http://schemas.openxmlformats.org/presentationml/2006/main">
   <p:cSld>
     <p:spTree>
       <p:nvGrpSpPr>
@@ -2940,7 +2895,7 @@
             <a:spLocks noGrp="1"/>
           </p:cNvSpPr>
           <p:nvPr>
-            <p:ph type="subTitle" idx="1" sz="quarter"/>
+            <p:ph type="subTitle" sz="quarter" idx="1"/>
           </p:nvPr>
         </p:nvSpPr>
         <p:spPr/>
@@ -3046,6 +3001,11 @@
               </a:rPr>
               <a:t>Copyright © 2021 by Elephant Scale, All Rights Reserved</a:t>
             </a:r>
+            <a:endParaRPr sz="800">
+              <a:solidFill>
+                <a:srgbClr val="000000"/>
+              </a:solidFill>
+            </a:endParaRPr>
           </a:p>
         </p:txBody>
       </p:sp>
@@ -3058,7 +3018,7 @@
 </file>
 
 <file path=ppt/slides/slide15.xml><?xml version="1.0" encoding="utf-8"?>
-<p:sld xmlns:a="http://schemas.openxmlformats.org/drawingml/2006/main" xmlns:p="http://schemas.openxmlformats.org/presentationml/2006/main" xmlns:r="http://schemas.openxmlformats.org/officeDocument/2006/relationships">
+<p:sld xmlns:a="http://schemas.openxmlformats.org/drawingml/2006/main" xmlns:r="http://schemas.openxmlformats.org/officeDocument/2006/relationships" xmlns:p="http://schemas.openxmlformats.org/presentationml/2006/main">
   <p:cSld>
     <p:spTree>
       <p:nvGrpSpPr>
@@ -3154,6 +3114,11 @@
               </a:rPr>
               <a:t>Copyright © 2021 by Elephant Scale, All Rights Reserved</a:t>
             </a:r>
+            <a:endParaRPr sz="800">
+              <a:solidFill>
+                <a:srgbClr val="000000"/>
+              </a:solidFill>
+            </a:endParaRPr>
           </a:p>
         </p:txBody>
       </p:sp>
@@ -3166,7 +3131,7 @@
 </file>
 
 <file path=ppt/slides/slide16.xml><?xml version="1.0" encoding="utf-8"?>
-<p:sld xmlns:a="http://schemas.openxmlformats.org/drawingml/2006/main" xmlns:p="http://schemas.openxmlformats.org/presentationml/2006/main" xmlns:r="http://schemas.openxmlformats.org/officeDocument/2006/relationships">
+<p:sld xmlns:a="http://schemas.openxmlformats.org/drawingml/2006/main" xmlns:r="http://schemas.openxmlformats.org/officeDocument/2006/relationships" xmlns:p="http://schemas.openxmlformats.org/presentationml/2006/main">
   <p:cSld>
     <p:spTree>
       <p:nvGrpSpPr>
@@ -3272,6 +3237,11 @@
               </a:rPr>
               <a:t>Copyright © 2021 by Elephant Scale, All Rights Reserved</a:t>
             </a:r>
+            <a:endParaRPr sz="800">
+              <a:solidFill>
+                <a:srgbClr val="000000"/>
+              </a:solidFill>
+            </a:endParaRPr>
           </a:p>
         </p:txBody>
       </p:sp>
@@ -3284,7 +3254,7 @@
 </file>
 
 <file path=ppt/slides/slide17.xml><?xml version="1.0" encoding="utf-8"?>
-<p:sld xmlns:a="http://schemas.openxmlformats.org/drawingml/2006/main" xmlns:p="http://schemas.openxmlformats.org/presentationml/2006/main" xmlns:r="http://schemas.openxmlformats.org/officeDocument/2006/relationships">
+<p:sld xmlns:a="http://schemas.openxmlformats.org/drawingml/2006/main" xmlns:r="http://schemas.openxmlformats.org/officeDocument/2006/relationships" xmlns:p="http://schemas.openxmlformats.org/presentationml/2006/main">
   <p:cSld>
     <p:spTree>
       <p:nvGrpSpPr>
@@ -3370,6 +3340,11 @@
               </a:rPr>
               <a:t>Copyright © 2021 by Elephant Scale, All Rights Reserved</a:t>
             </a:r>
+            <a:endParaRPr sz="800">
+              <a:solidFill>
+                <a:srgbClr val="000000"/>
+              </a:solidFill>
+            </a:endParaRPr>
           </a:p>
         </p:txBody>
       </p:sp>
@@ -3382,7 +3357,7 @@
 </file>
 
 <file path=ppt/slides/slide18.xml><?xml version="1.0" encoding="utf-8"?>
-<p:sld xmlns:a="http://schemas.openxmlformats.org/drawingml/2006/main" xmlns:p="http://schemas.openxmlformats.org/presentationml/2006/main" xmlns:r="http://schemas.openxmlformats.org/officeDocument/2006/relationships">
+<p:sld xmlns:a="http://schemas.openxmlformats.org/drawingml/2006/main" xmlns:r="http://schemas.openxmlformats.org/officeDocument/2006/relationships" xmlns:p="http://schemas.openxmlformats.org/presentationml/2006/main">
   <p:cSld>
     <p:spTree>
       <p:nvGrpSpPr>
@@ -3398,7 +3373,7 @@
             <a:spLocks noGrp="1"/>
           </p:cNvSpPr>
           <p:nvPr>
-            <p:ph type="subTitle" idx="1" sz="quarter"/>
+            <p:ph type="subTitle" sz="quarter" idx="1"/>
           </p:nvPr>
         </p:nvSpPr>
         <p:spPr/>
@@ -3504,6 +3479,11 @@
               </a:rPr>
               <a:t>Copyright © 2021 by Elephant Scale, All Rights Reserved</a:t>
             </a:r>
+            <a:endParaRPr sz="800">
+              <a:solidFill>
+                <a:srgbClr val="000000"/>
+              </a:solidFill>
+            </a:endParaRPr>
           </a:p>
         </p:txBody>
       </p:sp>
@@ -3516,7 +3496,7 @@
 </file>
 
 <file path=ppt/slides/slide19.xml><?xml version="1.0" encoding="utf-8"?>
-<p:sld xmlns:a="http://schemas.openxmlformats.org/drawingml/2006/main" xmlns:p="http://schemas.openxmlformats.org/presentationml/2006/main" xmlns:r="http://schemas.openxmlformats.org/officeDocument/2006/relationships">
+<p:sld xmlns:a="http://schemas.openxmlformats.org/drawingml/2006/main" xmlns:r="http://schemas.openxmlformats.org/officeDocument/2006/relationships" xmlns:p="http://schemas.openxmlformats.org/presentationml/2006/main">
   <p:cSld>
     <p:spTree>
       <p:nvGrpSpPr>
@@ -3596,6 +3576,11 @@
               </a:rPr>
               <a:t>Copyright © 2021 by Elephant Scale, All Rights Reserved</a:t>
             </a:r>
+            <a:endParaRPr sz="800">
+              <a:solidFill>
+                <a:srgbClr val="000000"/>
+              </a:solidFill>
+            </a:endParaRPr>
           </a:p>
         </p:txBody>
       </p:sp>
@@ -3608,15 +3593,15 @@
           <p:nvPr/>
         </p:nvPicPr>
         <p:blipFill>
-          <a:blip r:embed="rId2"/>
+          <a:blip r:embed="rId1"/>
           <a:stretch>
             <a:fillRect/>
           </a:stretch>
         </p:blipFill>
         <p:spPr>
           <a:xfrm>
-            <a:off x="0" y="914400"/>
-            <a:ext cx="9855200" cy="2921000"/>
+            <a:off x="0" y="1279525"/>
+            <a:ext cx="8623300" cy="2555875"/>
           </a:xfrm>
           <a:prstGeom prst="rect">
             <a:avLst/>
@@ -3632,7 +3617,7 @@
 </file>
 
 <file path=ppt/slides/slide2.xml><?xml version="1.0" encoding="utf-8"?>
-<p:sld xmlns:a="http://schemas.openxmlformats.org/drawingml/2006/main" xmlns:p="http://schemas.openxmlformats.org/presentationml/2006/main" xmlns:r="http://schemas.openxmlformats.org/officeDocument/2006/relationships">
+<p:sld xmlns:a="http://schemas.openxmlformats.org/drawingml/2006/main" xmlns:r="http://schemas.openxmlformats.org/officeDocument/2006/relationships" xmlns:p="http://schemas.openxmlformats.org/presentationml/2006/main">
   <p:cSld>
     <p:spTree>
       <p:nvGrpSpPr>
@@ -3731,6 +3716,11 @@
               </a:rPr>
               <a:t>Copyright © 2021 by Elephant Scale, All Rights Reserved</a:t>
             </a:r>
+            <a:endParaRPr sz="800">
+              <a:solidFill>
+                <a:srgbClr val="000000"/>
+              </a:solidFill>
+            </a:endParaRPr>
           </a:p>
         </p:txBody>
       </p:sp>
@@ -3743,7 +3733,7 @@
 </file>
 
 <file path=ppt/slides/slide20.xml><?xml version="1.0" encoding="utf-8"?>
-<p:sld xmlns:a="http://schemas.openxmlformats.org/drawingml/2006/main" xmlns:p="http://schemas.openxmlformats.org/presentationml/2006/main" xmlns:r="http://schemas.openxmlformats.org/officeDocument/2006/relationships">
+<p:sld xmlns:a="http://schemas.openxmlformats.org/drawingml/2006/main" xmlns:r="http://schemas.openxmlformats.org/officeDocument/2006/relationships" xmlns:p="http://schemas.openxmlformats.org/presentationml/2006/main">
   <p:cSld>
     <p:spTree>
       <p:nvGrpSpPr>
@@ -3855,6 +3845,11 @@
               </a:rPr>
               <a:t>Copyright © 2021 by Elephant Scale, All Rights Reserved</a:t>
             </a:r>
+            <a:endParaRPr sz="800">
+              <a:solidFill>
+                <a:srgbClr val="000000"/>
+              </a:solidFill>
+            </a:endParaRPr>
           </a:p>
         </p:txBody>
       </p:sp>
@@ -3867,7 +3862,7 @@
           <p:nvPr/>
         </p:nvPicPr>
         <p:blipFill>
-          <a:blip r:embed="rId2"/>
+          <a:blip r:embed="rId1"/>
           <a:stretch>
             <a:fillRect/>
           </a:stretch>
@@ -3891,7 +3886,7 @@
 </file>
 
 <file path=ppt/slides/slide21.xml><?xml version="1.0" encoding="utf-8"?>
-<p:sld xmlns:a="http://schemas.openxmlformats.org/drawingml/2006/main" xmlns:p="http://schemas.openxmlformats.org/presentationml/2006/main" xmlns:r="http://schemas.openxmlformats.org/officeDocument/2006/relationships">
+<p:sld xmlns:a="http://schemas.openxmlformats.org/drawingml/2006/main" xmlns:r="http://schemas.openxmlformats.org/officeDocument/2006/relationships" xmlns:p="http://schemas.openxmlformats.org/presentationml/2006/main">
   <p:cSld>
     <p:spTree>
       <p:nvGrpSpPr>
@@ -4024,6 +4019,11 @@
               </a:rPr>
               <a:t>Copyright © 2021 by Elephant Scale, All Rights Reserved</a:t>
             </a:r>
+            <a:endParaRPr sz="800">
+              <a:solidFill>
+                <a:srgbClr val="000000"/>
+              </a:solidFill>
+            </a:endParaRPr>
           </a:p>
         </p:txBody>
       </p:sp>
@@ -4036,7 +4036,7 @@
 </file>
 
 <file path=ppt/slides/slide22.xml><?xml version="1.0" encoding="utf-8"?>
-<p:sld xmlns:a="http://schemas.openxmlformats.org/drawingml/2006/main" xmlns:p="http://schemas.openxmlformats.org/presentationml/2006/main" xmlns:r="http://schemas.openxmlformats.org/officeDocument/2006/relationships">
+<p:sld xmlns:a="http://schemas.openxmlformats.org/drawingml/2006/main" xmlns:r="http://schemas.openxmlformats.org/officeDocument/2006/relationships" xmlns:p="http://schemas.openxmlformats.org/presentationml/2006/main">
   <p:cSld>
     <p:spTree>
       <p:nvGrpSpPr>
@@ -4116,6 +4116,11 @@
               </a:rPr>
               <a:t>Copyright © 2021 by Elephant Scale, All Rights Reserved</a:t>
             </a:r>
+            <a:endParaRPr sz="800">
+              <a:solidFill>
+                <a:srgbClr val="000000"/>
+              </a:solidFill>
+            </a:endParaRPr>
           </a:p>
         </p:txBody>
       </p:sp>
@@ -4128,14 +4133,14 @@
           <p:nvPr/>
         </p:nvPicPr>
         <p:blipFill>
-          <a:blip r:embed="rId2"/>
+          <a:blip r:embed="rId1"/>
           <a:stretch>
             <a:fillRect/>
           </a:stretch>
         </p:blipFill>
         <p:spPr>
           <a:xfrm>
-            <a:off x="0" y="914400"/>
+            <a:off x="114300" y="1177290"/>
             <a:ext cx="8915400" cy="1929108"/>
           </a:xfrm>
           <a:prstGeom prst="rect">
@@ -4152,7 +4157,7 @@
 </file>
 
 <file path=ppt/slides/slide23.xml><?xml version="1.0" encoding="utf-8"?>
-<p:sld xmlns:a="http://schemas.openxmlformats.org/drawingml/2006/main" xmlns:p="http://schemas.openxmlformats.org/presentationml/2006/main" xmlns:r="http://schemas.openxmlformats.org/officeDocument/2006/relationships">
+<p:sld xmlns:a="http://schemas.openxmlformats.org/drawingml/2006/main" xmlns:r="http://schemas.openxmlformats.org/officeDocument/2006/relationships" xmlns:p="http://schemas.openxmlformats.org/presentationml/2006/main">
   <p:cSld>
     <p:spTree>
       <p:nvGrpSpPr>
@@ -4237,6 +4242,11 @@
               </a:rPr>
               <a:t>Copyright © 2021 by Elephant Scale, All Rights Reserved</a:t>
             </a:r>
+            <a:endParaRPr sz="800">
+              <a:solidFill>
+                <a:srgbClr val="000000"/>
+              </a:solidFill>
+            </a:endParaRPr>
           </a:p>
         </p:txBody>
       </p:sp>
@@ -4249,15 +4259,15 @@
           <p:nvPr/>
         </p:nvPicPr>
         <p:blipFill>
-          <a:blip r:embed="rId2"/>
+          <a:blip r:embed="rId1"/>
           <a:stretch>
             <a:fillRect/>
           </a:stretch>
         </p:blipFill>
         <p:spPr>
           <a:xfrm>
-            <a:off x="0" y="1353312"/>
-            <a:ext cx="11226800" cy="2921000"/>
+            <a:off x="0" y="1875155"/>
+            <a:ext cx="9220835" cy="2399030"/>
           </a:xfrm>
           <a:prstGeom prst="rect">
             <a:avLst/>
@@ -4273,7 +4283,7 @@
 </file>
 
 <file path=ppt/slides/slide24.xml><?xml version="1.0" encoding="utf-8"?>
-<p:sld xmlns:a="http://schemas.openxmlformats.org/drawingml/2006/main" xmlns:p="http://schemas.openxmlformats.org/presentationml/2006/main" xmlns:r="http://schemas.openxmlformats.org/officeDocument/2006/relationships">
+<p:sld xmlns:a="http://schemas.openxmlformats.org/drawingml/2006/main" xmlns:r="http://schemas.openxmlformats.org/officeDocument/2006/relationships" xmlns:p="http://schemas.openxmlformats.org/presentationml/2006/main">
   <p:cSld>
     <p:spTree>
       <p:nvGrpSpPr>
@@ -4289,7 +4299,7 @@
             <a:spLocks noGrp="1"/>
           </p:cNvSpPr>
           <p:nvPr>
-            <p:ph type="subTitle" idx="1" sz="quarter"/>
+            <p:ph type="subTitle" sz="quarter" idx="1"/>
           </p:nvPr>
         </p:nvSpPr>
         <p:spPr/>
@@ -4395,6 +4405,11 @@
               </a:rPr>
               <a:t>Copyright © 2021 by Elephant Scale, All Rights Reserved</a:t>
             </a:r>
+            <a:endParaRPr sz="800">
+              <a:solidFill>
+                <a:srgbClr val="000000"/>
+              </a:solidFill>
+            </a:endParaRPr>
           </a:p>
         </p:txBody>
       </p:sp>
@@ -4407,7 +4422,7 @@
 </file>
 
 <file path=ppt/slides/slide25.xml><?xml version="1.0" encoding="utf-8"?>
-<p:sld xmlns:a="http://schemas.openxmlformats.org/drawingml/2006/main" xmlns:p="http://schemas.openxmlformats.org/presentationml/2006/main" xmlns:r="http://schemas.openxmlformats.org/officeDocument/2006/relationships">
+<p:sld xmlns:a="http://schemas.openxmlformats.org/drawingml/2006/main" xmlns:r="http://schemas.openxmlformats.org/officeDocument/2006/relationships" xmlns:p="http://schemas.openxmlformats.org/presentationml/2006/main">
   <p:cSld>
     <p:spTree>
       <p:nvGrpSpPr>
@@ -4529,6 +4544,11 @@
               </a:rPr>
               <a:t>Copyright © 2021 by Elephant Scale, All Rights Reserved</a:t>
             </a:r>
+            <a:endParaRPr sz="800">
+              <a:solidFill>
+                <a:srgbClr val="000000"/>
+              </a:solidFill>
+            </a:endParaRPr>
           </a:p>
         </p:txBody>
       </p:sp>
@@ -4541,7 +4561,7 @@
 </file>
 
 <file path=ppt/slides/slide26.xml><?xml version="1.0" encoding="utf-8"?>
-<p:sld xmlns:a="http://schemas.openxmlformats.org/drawingml/2006/main" xmlns:p="http://schemas.openxmlformats.org/presentationml/2006/main" xmlns:r="http://schemas.openxmlformats.org/officeDocument/2006/relationships">
+<p:sld xmlns:a="http://schemas.openxmlformats.org/drawingml/2006/main" xmlns:r="http://schemas.openxmlformats.org/officeDocument/2006/relationships" xmlns:p="http://schemas.openxmlformats.org/presentationml/2006/main">
   <p:cSld>
     <p:spTree>
       <p:nvGrpSpPr>
@@ -4631,6 +4651,11 @@
               </a:rPr>
               <a:t>Copyright © 2021 by Elephant Scale, All Rights Reserved</a:t>
             </a:r>
+            <a:endParaRPr sz="800">
+              <a:solidFill>
+                <a:srgbClr val="000000"/>
+              </a:solidFill>
+            </a:endParaRPr>
           </a:p>
         </p:txBody>
       </p:sp>
@@ -4643,7 +4668,7 @@
           <p:nvPr/>
         </p:nvPicPr>
         <p:blipFill>
-          <a:blip r:embed="rId2"/>
+          <a:blip r:embed="rId1"/>
           <a:stretch>
             <a:fillRect/>
           </a:stretch>
@@ -4667,7 +4692,7 @@
           <p:nvPr/>
         </p:nvPicPr>
         <p:blipFill>
-          <a:blip r:embed="rId3"/>
+          <a:blip r:embed="rId2"/>
           <a:stretch>
             <a:fillRect/>
           </a:stretch>
@@ -4691,7 +4716,7 @@
           <p:nvPr/>
         </p:nvPicPr>
         <p:blipFill>
-          <a:blip r:embed="rId4"/>
+          <a:blip r:embed="rId3"/>
           <a:stretch>
             <a:fillRect/>
           </a:stretch>
@@ -4715,7 +4740,7 @@
 </file>
 
 <file path=ppt/slides/slide27.xml><?xml version="1.0" encoding="utf-8"?>
-<p:sld xmlns:a="http://schemas.openxmlformats.org/drawingml/2006/main" xmlns:p="http://schemas.openxmlformats.org/presentationml/2006/main" xmlns:r="http://schemas.openxmlformats.org/officeDocument/2006/relationships">
+<p:sld xmlns:a="http://schemas.openxmlformats.org/drawingml/2006/main" xmlns:r="http://schemas.openxmlformats.org/officeDocument/2006/relationships" xmlns:p="http://schemas.openxmlformats.org/presentationml/2006/main">
   <p:cSld>
     <p:spTree>
       <p:nvGrpSpPr>
@@ -4731,7 +4756,7 @@
             <a:spLocks noGrp="1"/>
           </p:cNvSpPr>
           <p:nvPr>
-            <p:ph type="subTitle" idx="1" sz="quarter"/>
+            <p:ph type="subTitle" sz="quarter" idx="1"/>
           </p:nvPr>
         </p:nvSpPr>
         <p:spPr/>
@@ -4837,6 +4862,11 @@
               </a:rPr>
               <a:t>Copyright © 2021 by Elephant Scale, All Rights Reserved</a:t>
             </a:r>
+            <a:endParaRPr sz="800">
+              <a:solidFill>
+                <a:srgbClr val="000000"/>
+              </a:solidFill>
+            </a:endParaRPr>
           </a:p>
         </p:txBody>
       </p:sp>
@@ -4849,7 +4879,7 @@
 </file>
 
 <file path=ppt/slides/slide28.xml><?xml version="1.0" encoding="utf-8"?>
-<p:sld xmlns:a="http://schemas.openxmlformats.org/drawingml/2006/main" xmlns:p="http://schemas.openxmlformats.org/presentationml/2006/main" xmlns:r="http://schemas.openxmlformats.org/officeDocument/2006/relationships">
+<p:sld xmlns:a="http://schemas.openxmlformats.org/drawingml/2006/main" xmlns:r="http://schemas.openxmlformats.org/officeDocument/2006/relationships" xmlns:p="http://schemas.openxmlformats.org/presentationml/2006/main">
   <p:cSld>
     <p:spTree>
       <p:nvGrpSpPr>
@@ -4966,6 +4996,11 @@
               </a:rPr>
               <a:t>Copyright © 2021 by Elephant Scale, All Rights Reserved</a:t>
             </a:r>
+            <a:endParaRPr sz="800">
+              <a:solidFill>
+                <a:srgbClr val="000000"/>
+              </a:solidFill>
+            </a:endParaRPr>
           </a:p>
         </p:txBody>
       </p:sp>
@@ -4978,7 +5013,7 @@
 </file>
 
 <file path=ppt/slides/slide29.xml><?xml version="1.0" encoding="utf-8"?>
-<p:sld xmlns:a="http://schemas.openxmlformats.org/drawingml/2006/main" xmlns:p="http://schemas.openxmlformats.org/presentationml/2006/main" xmlns:r="http://schemas.openxmlformats.org/officeDocument/2006/relationships">
+<p:sld xmlns:a="http://schemas.openxmlformats.org/drawingml/2006/main" xmlns:r="http://schemas.openxmlformats.org/officeDocument/2006/relationships" xmlns:p="http://schemas.openxmlformats.org/presentationml/2006/main">
   <p:cSld>
     <p:spTree>
       <p:nvGrpSpPr>
@@ -5084,6 +5119,11 @@
               </a:rPr>
               <a:t>Copyright © 2021 by Elephant Scale, All Rights Reserved</a:t>
             </a:r>
+            <a:endParaRPr sz="800">
+              <a:solidFill>
+                <a:srgbClr val="000000"/>
+              </a:solidFill>
+            </a:endParaRPr>
           </a:p>
         </p:txBody>
       </p:sp>
@@ -5096,7 +5136,7 @@
 </file>
 
 <file path=ppt/slides/slide3.xml><?xml version="1.0" encoding="utf-8"?>
-<p:sld xmlns:a="http://schemas.openxmlformats.org/drawingml/2006/main" xmlns:p="http://schemas.openxmlformats.org/presentationml/2006/main" xmlns:r="http://schemas.openxmlformats.org/officeDocument/2006/relationships">
+<p:sld xmlns:a="http://schemas.openxmlformats.org/drawingml/2006/main" xmlns:r="http://schemas.openxmlformats.org/officeDocument/2006/relationships" xmlns:p="http://schemas.openxmlformats.org/presentationml/2006/main">
   <p:cSld>
     <p:spTree>
       <p:nvGrpSpPr>
@@ -5187,6 +5227,11 @@
               </a:rPr>
               <a:t>Copyright © 2021 by Elephant Scale, All Rights Reserved</a:t>
             </a:r>
+            <a:endParaRPr sz="800">
+              <a:solidFill>
+                <a:srgbClr val="000000"/>
+              </a:solidFill>
+            </a:endParaRPr>
           </a:p>
         </p:txBody>
       </p:sp>
@@ -5199,7 +5244,7 @@
 </file>
 
 <file path=ppt/slides/slide30.xml><?xml version="1.0" encoding="utf-8"?>
-<p:sld xmlns:a="http://schemas.openxmlformats.org/drawingml/2006/main" xmlns:p="http://schemas.openxmlformats.org/presentationml/2006/main" xmlns:r="http://schemas.openxmlformats.org/officeDocument/2006/relationships">
+<p:sld xmlns:a="http://schemas.openxmlformats.org/drawingml/2006/main" xmlns:r="http://schemas.openxmlformats.org/officeDocument/2006/relationships" xmlns:p="http://schemas.openxmlformats.org/presentationml/2006/main">
   <p:cSld>
     <p:spTree>
       <p:nvGrpSpPr>
@@ -5278,6 +5323,11 @@
               </a:rPr>
               <a:t>Copyright © 2021 by Elephant Scale, All Rights Reserved</a:t>
             </a:r>
+            <a:endParaRPr sz="800">
+              <a:solidFill>
+                <a:srgbClr val="000000"/>
+              </a:solidFill>
+            </a:endParaRPr>
           </a:p>
         </p:txBody>
       </p:sp>
@@ -5290,7 +5340,7 @@
           <p:nvPr/>
         </p:nvPicPr>
         <p:blipFill>
-          <a:blip r:embed="rId2"/>
+          <a:blip r:embed="rId1"/>
           <a:stretch>
             <a:fillRect/>
           </a:stretch>
@@ -5314,7 +5364,7 @@
 </file>
 
 <file path=ppt/slides/slide31.xml><?xml version="1.0" encoding="utf-8"?>
-<p:sld xmlns:a="http://schemas.openxmlformats.org/drawingml/2006/main" xmlns:p="http://schemas.openxmlformats.org/presentationml/2006/main" xmlns:r="http://schemas.openxmlformats.org/officeDocument/2006/relationships">
+<p:sld xmlns:a="http://schemas.openxmlformats.org/drawingml/2006/main" xmlns:r="http://schemas.openxmlformats.org/officeDocument/2006/relationships" xmlns:p="http://schemas.openxmlformats.org/presentationml/2006/main">
   <p:cSld>
     <p:spTree>
       <p:nvGrpSpPr>
@@ -5398,6 +5448,11 @@
               </a:rPr>
               <a:t>Copyright © 2021 by Elephant Scale, All Rights Reserved</a:t>
             </a:r>
+            <a:endParaRPr sz="800">
+              <a:solidFill>
+                <a:srgbClr val="000000"/>
+              </a:solidFill>
+            </a:endParaRPr>
           </a:p>
         </p:txBody>
       </p:sp>
@@ -5410,7 +5465,7 @@
           <p:nvPr/>
         </p:nvPicPr>
         <p:blipFill>
-          <a:blip r:embed="rId2"/>
+          <a:blip r:embed="rId1"/>
           <a:stretch>
             <a:fillRect/>
           </a:stretch>
@@ -5434,7 +5489,7 @@
           <p:nvPr/>
         </p:nvPicPr>
         <p:blipFill>
-          <a:blip r:embed="rId3"/>
+          <a:blip r:embed="rId2"/>
           <a:stretch>
             <a:fillRect/>
           </a:stretch>
@@ -5458,7 +5513,7 @@
 </file>
 
 <file path=ppt/slides/slide32.xml><?xml version="1.0" encoding="utf-8"?>
-<p:sld xmlns:a="http://schemas.openxmlformats.org/drawingml/2006/main" xmlns:p="http://schemas.openxmlformats.org/presentationml/2006/main" xmlns:r="http://schemas.openxmlformats.org/officeDocument/2006/relationships">
+<p:sld xmlns:a="http://schemas.openxmlformats.org/drawingml/2006/main" xmlns:r="http://schemas.openxmlformats.org/officeDocument/2006/relationships" xmlns:p="http://schemas.openxmlformats.org/presentationml/2006/main">
   <p:cSld>
     <p:spTree>
       <p:nvGrpSpPr>
@@ -5474,7 +5529,7 @@
             <a:spLocks noGrp="1"/>
           </p:cNvSpPr>
           <p:nvPr>
-            <p:ph type="subTitle" idx="1" sz="quarter"/>
+            <p:ph type="subTitle" sz="quarter" idx="1"/>
           </p:nvPr>
         </p:nvSpPr>
         <p:spPr/>
@@ -5580,6 +5635,11 @@
               </a:rPr>
               <a:t>Copyright © 2021 by Elephant Scale, All Rights Reserved</a:t>
             </a:r>
+            <a:endParaRPr sz="800">
+              <a:solidFill>
+                <a:srgbClr val="000000"/>
+              </a:solidFill>
+            </a:endParaRPr>
           </a:p>
         </p:txBody>
       </p:sp>
@@ -5592,7 +5652,7 @@
 </file>
 
 <file path=ppt/slides/slide33.xml><?xml version="1.0" encoding="utf-8"?>
-<p:sld xmlns:a="http://schemas.openxmlformats.org/drawingml/2006/main" xmlns:p="http://schemas.openxmlformats.org/presentationml/2006/main" xmlns:r="http://schemas.openxmlformats.org/officeDocument/2006/relationships">
+<p:sld xmlns:a="http://schemas.openxmlformats.org/drawingml/2006/main" xmlns:r="http://schemas.openxmlformats.org/officeDocument/2006/relationships" xmlns:p="http://schemas.openxmlformats.org/presentationml/2006/main">
   <p:cSld>
     <p:spTree>
       <p:nvGrpSpPr>
@@ -5698,6 +5758,11 @@
               </a:rPr>
               <a:t>Copyright © 2021 by Elephant Scale, All Rights Reserved</a:t>
             </a:r>
+            <a:endParaRPr sz="800">
+              <a:solidFill>
+                <a:srgbClr val="000000"/>
+              </a:solidFill>
+            </a:endParaRPr>
           </a:p>
         </p:txBody>
       </p:sp>
@@ -5710,7 +5775,7 @@
 </file>
 
 <file path=ppt/slides/slide34.xml><?xml version="1.0" encoding="utf-8"?>
-<p:sld xmlns:a="http://schemas.openxmlformats.org/drawingml/2006/main" xmlns:p="http://schemas.openxmlformats.org/presentationml/2006/main" xmlns:r="http://schemas.openxmlformats.org/officeDocument/2006/relationships">
+<p:sld xmlns:a="http://schemas.openxmlformats.org/drawingml/2006/main" xmlns:r="http://schemas.openxmlformats.org/officeDocument/2006/relationships" xmlns:p="http://schemas.openxmlformats.org/presentationml/2006/main">
   <p:cSld>
     <p:spTree>
       <p:nvGrpSpPr>
@@ -5726,7 +5791,7 @@
             <a:spLocks noGrp="1"/>
           </p:cNvSpPr>
           <p:nvPr>
-            <p:ph type="subTitle" idx="1" sz="quarter"/>
+            <p:ph type="subTitle" sz="quarter" idx="1"/>
           </p:nvPr>
         </p:nvSpPr>
         <p:spPr/>
@@ -5832,6 +5897,11 @@
               </a:rPr>
               <a:t>Copyright © 2021 by Elephant Scale, All Rights Reserved</a:t>
             </a:r>
+            <a:endParaRPr sz="800">
+              <a:solidFill>
+                <a:srgbClr val="000000"/>
+              </a:solidFill>
+            </a:endParaRPr>
           </a:p>
         </p:txBody>
       </p:sp>
@@ -5844,7 +5914,7 @@
 </file>
 
 <file path=ppt/slides/slide35.xml><?xml version="1.0" encoding="utf-8"?>
-<p:sld xmlns:a="http://schemas.openxmlformats.org/drawingml/2006/main" xmlns:p="http://schemas.openxmlformats.org/presentationml/2006/main" xmlns:r="http://schemas.openxmlformats.org/officeDocument/2006/relationships">
+<p:sld xmlns:a="http://schemas.openxmlformats.org/drawingml/2006/main" xmlns:r="http://schemas.openxmlformats.org/officeDocument/2006/relationships" xmlns:p="http://schemas.openxmlformats.org/presentationml/2006/main">
   <p:cSld>
     <p:spTree>
       <p:nvGrpSpPr>
@@ -5935,6 +6005,11 @@
               </a:rPr>
               <a:t>Copyright © 2021 by Elephant Scale, All Rights Reserved</a:t>
             </a:r>
+            <a:endParaRPr sz="800">
+              <a:solidFill>
+                <a:srgbClr val="000000"/>
+              </a:solidFill>
+            </a:endParaRPr>
           </a:p>
         </p:txBody>
       </p:sp>
@@ -5947,7 +6022,7 @@
 </file>
 
 <file path=ppt/slides/slide36.xml><?xml version="1.0" encoding="utf-8"?>
-<p:sld xmlns:a="http://schemas.openxmlformats.org/drawingml/2006/main" xmlns:p="http://schemas.openxmlformats.org/presentationml/2006/main" xmlns:r="http://schemas.openxmlformats.org/officeDocument/2006/relationships">
+<p:sld xmlns:a="http://schemas.openxmlformats.org/drawingml/2006/main" xmlns:r="http://schemas.openxmlformats.org/officeDocument/2006/relationships" xmlns:p="http://schemas.openxmlformats.org/presentationml/2006/main">
   <p:cSld>
     <p:spTree>
       <p:nvGrpSpPr>
@@ -6066,6 +6141,11 @@
               </a:rPr>
               <a:t>Copyright © 2021 by Elephant Scale, All Rights Reserved</a:t>
             </a:r>
+            <a:endParaRPr sz="800">
+              <a:solidFill>
+                <a:srgbClr val="000000"/>
+              </a:solidFill>
+            </a:endParaRPr>
           </a:p>
         </p:txBody>
       </p:sp>
@@ -6078,7 +6158,7 @@
 </file>
 
 <file path=ppt/slides/slide37.xml><?xml version="1.0" encoding="utf-8"?>
-<p:sld xmlns:a="http://schemas.openxmlformats.org/drawingml/2006/main" xmlns:p="http://schemas.openxmlformats.org/presentationml/2006/main" xmlns:r="http://schemas.openxmlformats.org/officeDocument/2006/relationships">
+<p:sld xmlns:a="http://schemas.openxmlformats.org/drawingml/2006/main" xmlns:r="http://schemas.openxmlformats.org/officeDocument/2006/relationships" xmlns:p="http://schemas.openxmlformats.org/presentationml/2006/main">
   <p:cSld>
     <p:spTree>
       <p:nvGrpSpPr>
@@ -6230,6 +6310,11 @@
               </a:rPr>
               <a:t>Copyright © 2021 by Elephant Scale, All Rights Reserved</a:t>
             </a:r>
+            <a:endParaRPr sz="800">
+              <a:solidFill>
+                <a:srgbClr val="000000"/>
+              </a:solidFill>
+            </a:endParaRPr>
           </a:p>
         </p:txBody>
       </p:sp>
@@ -6242,7 +6327,7 @@
 </file>
 
 <file path=ppt/slides/slide38.xml><?xml version="1.0" encoding="utf-8"?>
-<p:sld xmlns:a="http://schemas.openxmlformats.org/drawingml/2006/main" xmlns:p="http://schemas.openxmlformats.org/presentationml/2006/main" xmlns:r="http://schemas.openxmlformats.org/officeDocument/2006/relationships">
+<p:sld xmlns:a="http://schemas.openxmlformats.org/drawingml/2006/main" xmlns:r="http://schemas.openxmlformats.org/officeDocument/2006/relationships" xmlns:p="http://schemas.openxmlformats.org/presentationml/2006/main">
   <p:cSld>
     <p:spTree>
       <p:nvGrpSpPr>
@@ -6258,7 +6343,7 @@
             <a:spLocks noGrp="1"/>
           </p:cNvSpPr>
           <p:nvPr>
-            <p:ph type="subTitle" idx="1" sz="quarter"/>
+            <p:ph type="subTitle" sz="quarter" idx="1"/>
           </p:nvPr>
         </p:nvSpPr>
         <p:spPr/>
@@ -6364,6 +6449,11 @@
               </a:rPr>
               <a:t>Copyright © 2021 by Elephant Scale, All Rights Reserved</a:t>
             </a:r>
+            <a:endParaRPr sz="800">
+              <a:solidFill>
+                <a:srgbClr val="000000"/>
+              </a:solidFill>
+            </a:endParaRPr>
           </a:p>
         </p:txBody>
       </p:sp>
@@ -6376,7 +6466,7 @@
 </file>
 
 <file path=ppt/slides/slide39.xml><?xml version="1.0" encoding="utf-8"?>
-<p:sld xmlns:a="http://schemas.openxmlformats.org/drawingml/2006/main" xmlns:p="http://schemas.openxmlformats.org/presentationml/2006/main" xmlns:r="http://schemas.openxmlformats.org/officeDocument/2006/relationships">
+<p:sld xmlns:a="http://schemas.openxmlformats.org/drawingml/2006/main" xmlns:r="http://schemas.openxmlformats.org/officeDocument/2006/relationships" xmlns:p="http://schemas.openxmlformats.org/presentationml/2006/main">
   <p:cSld>
     <p:spTree>
       <p:nvGrpSpPr>
@@ -6478,6 +6568,11 @@
               </a:rPr>
               <a:t>Copyright © 2021 by Elephant Scale, All Rights Reserved</a:t>
             </a:r>
+            <a:endParaRPr sz="800">
+              <a:solidFill>
+                <a:srgbClr val="000000"/>
+              </a:solidFill>
+            </a:endParaRPr>
           </a:p>
         </p:txBody>
       </p:sp>
@@ -6585,11 +6680,7 @@
                   <a:txBody>
                     <a:bodyPr/>
                     <a:lstStyle/>
-                    <a:p>
-                      <a:r>
-                        <a:t/>
-                      </a:r>
-                    </a:p>
+                    <a:p/>
                   </a:txBody>
                   <a:tcPr/>
                 </a:tc>
@@ -6597,11 +6688,7 @@
                   <a:txBody>
                     <a:bodyPr/>
                     <a:lstStyle/>
-                    <a:p>
-                      <a:r>
-                        <a:t/>
-                      </a:r>
-                    </a:p>
+                    <a:p/>
                   </a:txBody>
                   <a:tcPr/>
                 </a:tc>
@@ -6609,11 +6696,7 @@
                   <a:txBody>
                     <a:bodyPr/>
                     <a:lstStyle/>
-                    <a:p>
-                      <a:r>
-                        <a:t/>
-                      </a:r>
-                    </a:p>
+                    <a:p/>
                   </a:txBody>
                   <a:tcPr/>
                 </a:tc>
@@ -6631,7 +6714,7 @@
 </file>
 
 <file path=ppt/slides/slide4.xml><?xml version="1.0" encoding="utf-8"?>
-<p:sld xmlns:a="http://schemas.openxmlformats.org/drawingml/2006/main" xmlns:p="http://schemas.openxmlformats.org/presentationml/2006/main" xmlns:r="http://schemas.openxmlformats.org/officeDocument/2006/relationships">
+<p:sld xmlns:a="http://schemas.openxmlformats.org/drawingml/2006/main" xmlns:r="http://schemas.openxmlformats.org/officeDocument/2006/relationships" xmlns:p="http://schemas.openxmlformats.org/presentationml/2006/main">
   <p:cSld>
     <p:spTree>
       <p:nvGrpSpPr>
@@ -6647,7 +6730,7 @@
             <a:spLocks noGrp="1"/>
           </p:cNvSpPr>
           <p:nvPr>
-            <p:ph type="subTitle" idx="1" sz="quarter"/>
+            <p:ph type="subTitle" sz="quarter" idx="1"/>
           </p:nvPr>
         </p:nvSpPr>
         <p:spPr/>
@@ -6753,6 +6836,11 @@
               </a:rPr>
               <a:t>Copyright © 2021 by Elephant Scale, All Rights Reserved</a:t>
             </a:r>
+            <a:endParaRPr sz="800">
+              <a:solidFill>
+                <a:srgbClr val="000000"/>
+              </a:solidFill>
+            </a:endParaRPr>
           </a:p>
         </p:txBody>
       </p:sp>
@@ -6765,7 +6853,7 @@
 </file>
 
 <file path=ppt/slides/slide40.xml><?xml version="1.0" encoding="utf-8"?>
-<p:sld xmlns:a="http://schemas.openxmlformats.org/drawingml/2006/main" xmlns:p="http://schemas.openxmlformats.org/presentationml/2006/main" xmlns:r="http://schemas.openxmlformats.org/officeDocument/2006/relationships">
+<p:sld xmlns:a="http://schemas.openxmlformats.org/drawingml/2006/main" xmlns:r="http://schemas.openxmlformats.org/officeDocument/2006/relationships" xmlns:p="http://schemas.openxmlformats.org/presentationml/2006/main">
   <p:cSld>
     <p:spTree>
       <p:nvGrpSpPr>
@@ -6825,7 +6913,7 @@
             </a:r>
             <a:r>
               <a:rPr>
-                <a:latin typeface="Courier New"/>
+                <a:latin typeface="Courier New" panose="02070309020205020404"/>
               </a:rPr>
               <a:t> plaintext</a:t>
             </a:r>
@@ -6834,7 +6922,7 @@
             </a:r>
             <a:r>
               <a:rPr>
-                <a:latin typeface="Courier New"/>
+                <a:latin typeface="Courier New" panose="02070309020205020404"/>
               </a:rPr>
               <a:t> ciphertext</a:t>
             </a:r>
@@ -6850,7 +6938,7 @@
           <a:p>
             <a:r>
               <a:rPr>
-                <a:latin typeface="Courier New"/>
+                <a:latin typeface="Courier New" panose="02070309020205020404"/>
               </a:rPr>
               <a:t> Encryption Key</a:t>
             </a:r>
@@ -6900,6 +6988,11 @@
               </a:rPr>
               <a:t>Copyright © 2021 by Elephant Scale, All Rights Reserved</a:t>
             </a:r>
+            <a:endParaRPr sz="800">
+              <a:solidFill>
+                <a:srgbClr val="000000"/>
+              </a:solidFill>
+            </a:endParaRPr>
           </a:p>
         </p:txBody>
       </p:sp>
@@ -6912,7 +7005,7 @@
 </file>
 
 <file path=ppt/slides/slide41.xml><?xml version="1.0" encoding="utf-8"?>
-<p:sld xmlns:a="http://schemas.openxmlformats.org/drawingml/2006/main" xmlns:p="http://schemas.openxmlformats.org/presentationml/2006/main" xmlns:r="http://schemas.openxmlformats.org/officeDocument/2006/relationships">
+<p:sld xmlns:a="http://schemas.openxmlformats.org/drawingml/2006/main" xmlns:r="http://schemas.openxmlformats.org/officeDocument/2006/relationships" xmlns:p="http://schemas.openxmlformats.org/presentationml/2006/main">
   <p:cSld>
     <p:spTree>
       <p:nvGrpSpPr>
@@ -7028,6 +7121,11 @@
               </a:rPr>
               <a:t>Copyright © 2021 by Elephant Scale, All Rights Reserved</a:t>
             </a:r>
+            <a:endParaRPr sz="800">
+              <a:solidFill>
+                <a:srgbClr val="000000"/>
+              </a:solidFill>
+            </a:endParaRPr>
           </a:p>
         </p:txBody>
       </p:sp>
@@ -7040,7 +7138,7 @@
 </file>
 
 <file path=ppt/slides/slide42.xml><?xml version="1.0" encoding="utf-8"?>
-<p:sld xmlns:a="http://schemas.openxmlformats.org/drawingml/2006/main" xmlns:p="http://schemas.openxmlformats.org/presentationml/2006/main" xmlns:r="http://schemas.openxmlformats.org/officeDocument/2006/relationships">
+<p:sld xmlns:a="http://schemas.openxmlformats.org/drawingml/2006/main" xmlns:r="http://schemas.openxmlformats.org/officeDocument/2006/relationships" xmlns:p="http://schemas.openxmlformats.org/presentationml/2006/main">
   <p:cSld>
     <p:spTree>
       <p:nvGrpSpPr>
@@ -7146,6 +7244,11 @@
               </a:rPr>
               <a:t>Copyright © 2021 by Elephant Scale, All Rights Reserved</a:t>
             </a:r>
+            <a:endParaRPr sz="800">
+              <a:solidFill>
+                <a:srgbClr val="000000"/>
+              </a:solidFill>
+            </a:endParaRPr>
           </a:p>
         </p:txBody>
       </p:sp>
@@ -7158,7 +7261,7 @@
 </file>
 
 <file path=ppt/slides/slide43.xml><?xml version="1.0" encoding="utf-8"?>
-<p:sld xmlns:a="http://schemas.openxmlformats.org/drawingml/2006/main" xmlns:p="http://schemas.openxmlformats.org/presentationml/2006/main" xmlns:r="http://schemas.openxmlformats.org/officeDocument/2006/relationships">
+<p:sld xmlns:a="http://schemas.openxmlformats.org/drawingml/2006/main" xmlns:r="http://schemas.openxmlformats.org/officeDocument/2006/relationships" xmlns:p="http://schemas.openxmlformats.org/presentationml/2006/main">
   <p:cSld>
     <p:spTree>
       <p:nvGrpSpPr>
@@ -7248,6 +7351,11 @@
               </a:rPr>
               <a:t>Copyright © 2021 by Elephant Scale, All Rights Reserved</a:t>
             </a:r>
+            <a:endParaRPr sz="800">
+              <a:solidFill>
+                <a:srgbClr val="000000"/>
+              </a:solidFill>
+            </a:endParaRPr>
           </a:p>
         </p:txBody>
       </p:sp>
@@ -7260,7 +7368,7 @@
           <p:nvPr/>
         </p:nvPicPr>
         <p:blipFill>
-          <a:blip r:embed="rId2"/>
+          <a:blip r:embed="rId1"/>
           <a:stretch>
             <a:fillRect/>
           </a:stretch>
@@ -7284,7 +7392,7 @@
 </file>
 
 <file path=ppt/slides/slide44.xml><?xml version="1.0" encoding="utf-8"?>
-<p:sld xmlns:a="http://schemas.openxmlformats.org/drawingml/2006/main" xmlns:p="http://schemas.openxmlformats.org/presentationml/2006/main" xmlns:r="http://schemas.openxmlformats.org/officeDocument/2006/relationships">
+<p:sld xmlns:a="http://schemas.openxmlformats.org/drawingml/2006/main" xmlns:r="http://schemas.openxmlformats.org/officeDocument/2006/relationships" xmlns:p="http://schemas.openxmlformats.org/presentationml/2006/main">
   <p:cSld>
     <p:spTree>
       <p:nvGrpSpPr>
@@ -7385,6 +7493,11 @@
               </a:rPr>
               <a:t>Copyright © 2021 by Elephant Scale, All Rights Reserved</a:t>
             </a:r>
+            <a:endParaRPr sz="800">
+              <a:solidFill>
+                <a:srgbClr val="000000"/>
+              </a:solidFill>
+            </a:endParaRPr>
           </a:p>
         </p:txBody>
       </p:sp>
@@ -7397,7 +7510,7 @@
 </file>
 
 <file path=ppt/slides/slide45.xml><?xml version="1.0" encoding="utf-8"?>
-<p:sld xmlns:a="http://schemas.openxmlformats.org/drawingml/2006/main" xmlns:p="http://schemas.openxmlformats.org/presentationml/2006/main" xmlns:r="http://schemas.openxmlformats.org/officeDocument/2006/relationships">
+<p:sld xmlns:a="http://schemas.openxmlformats.org/drawingml/2006/main" xmlns:r="http://schemas.openxmlformats.org/officeDocument/2006/relationships" xmlns:p="http://schemas.openxmlformats.org/presentationml/2006/main">
   <p:cSld>
     <p:spTree>
       <p:nvGrpSpPr>
@@ -7508,6 +7621,11 @@
               </a:rPr>
               <a:t>Copyright © 2021 by Elephant Scale, All Rights Reserved</a:t>
             </a:r>
+            <a:endParaRPr sz="800">
+              <a:solidFill>
+                <a:srgbClr val="000000"/>
+              </a:solidFill>
+            </a:endParaRPr>
           </a:p>
         </p:txBody>
       </p:sp>
@@ -7520,7 +7638,7 @@
 </file>
 
 <file path=ppt/slides/slide46.xml><?xml version="1.0" encoding="utf-8"?>
-<p:sld xmlns:a="http://schemas.openxmlformats.org/drawingml/2006/main" xmlns:p="http://schemas.openxmlformats.org/presentationml/2006/main" xmlns:r="http://schemas.openxmlformats.org/officeDocument/2006/relationships">
+<p:sld xmlns:a="http://schemas.openxmlformats.org/drawingml/2006/main" xmlns:r="http://schemas.openxmlformats.org/officeDocument/2006/relationships" xmlns:p="http://schemas.openxmlformats.org/presentationml/2006/main">
   <p:cSld>
     <p:spTree>
       <p:nvGrpSpPr>
@@ -7621,6 +7739,11 @@
               </a:rPr>
               <a:t>Copyright © 2021 by Elephant Scale, All Rights Reserved</a:t>
             </a:r>
+            <a:endParaRPr sz="800">
+              <a:solidFill>
+                <a:srgbClr val="000000"/>
+              </a:solidFill>
+            </a:endParaRPr>
           </a:p>
         </p:txBody>
       </p:sp>
@@ -7633,7 +7756,7 @@
 </file>
 
 <file path=ppt/slides/slide47.xml><?xml version="1.0" encoding="utf-8"?>
-<p:sld xmlns:a="http://schemas.openxmlformats.org/drawingml/2006/main" xmlns:p="http://schemas.openxmlformats.org/presentationml/2006/main" xmlns:r="http://schemas.openxmlformats.org/officeDocument/2006/relationships">
+<p:sld xmlns:a="http://schemas.openxmlformats.org/drawingml/2006/main" xmlns:r="http://schemas.openxmlformats.org/officeDocument/2006/relationships" xmlns:p="http://schemas.openxmlformats.org/presentationml/2006/main">
   <p:cSld>
     <p:spTree>
       <p:nvGrpSpPr>
@@ -7729,6 +7852,11 @@
               </a:rPr>
               <a:t>Copyright © 2021 by Elephant Scale, All Rights Reserved</a:t>
             </a:r>
+            <a:endParaRPr sz="800">
+              <a:solidFill>
+                <a:srgbClr val="000000"/>
+              </a:solidFill>
+            </a:endParaRPr>
           </a:p>
         </p:txBody>
       </p:sp>
@@ -7741,7 +7869,7 @@
 </file>
 
 <file path=ppt/slides/slide48.xml><?xml version="1.0" encoding="utf-8"?>
-<p:sld xmlns:a="http://schemas.openxmlformats.org/drawingml/2006/main" xmlns:p="http://schemas.openxmlformats.org/presentationml/2006/main" xmlns:r="http://schemas.openxmlformats.org/officeDocument/2006/relationships">
+<p:sld xmlns:a="http://schemas.openxmlformats.org/drawingml/2006/main" xmlns:r="http://schemas.openxmlformats.org/officeDocument/2006/relationships" xmlns:p="http://schemas.openxmlformats.org/presentationml/2006/main">
   <p:cSld>
     <p:spTree>
       <p:nvGrpSpPr>
@@ -7837,6 +7965,11 @@
               </a:rPr>
               <a:t>Copyright © 2021 by Elephant Scale, All Rights Reserved</a:t>
             </a:r>
+            <a:endParaRPr sz="800">
+              <a:solidFill>
+                <a:srgbClr val="000000"/>
+              </a:solidFill>
+            </a:endParaRPr>
           </a:p>
         </p:txBody>
       </p:sp>
@@ -7849,7 +7982,7 @@
 </file>
 
 <file path=ppt/slides/slide49.xml><?xml version="1.0" encoding="utf-8"?>
-<p:sld xmlns:a="http://schemas.openxmlformats.org/drawingml/2006/main" xmlns:p="http://schemas.openxmlformats.org/presentationml/2006/main" xmlns:r="http://schemas.openxmlformats.org/officeDocument/2006/relationships">
+<p:sld xmlns:a="http://schemas.openxmlformats.org/drawingml/2006/main" xmlns:r="http://schemas.openxmlformats.org/officeDocument/2006/relationships" xmlns:p="http://schemas.openxmlformats.org/presentationml/2006/main">
   <p:cSld>
     <p:spTree>
       <p:nvGrpSpPr>
@@ -7960,6 +8093,11 @@
               </a:rPr>
               <a:t>Copyright © 2021 by Elephant Scale, All Rights Reserved</a:t>
             </a:r>
+            <a:endParaRPr sz="800">
+              <a:solidFill>
+                <a:srgbClr val="000000"/>
+              </a:solidFill>
+            </a:endParaRPr>
           </a:p>
         </p:txBody>
       </p:sp>
@@ -7972,7 +8110,7 @@
 </file>
 
 <file path=ppt/slides/slide5.xml><?xml version="1.0" encoding="utf-8"?>
-<p:sld xmlns:a="http://schemas.openxmlformats.org/drawingml/2006/main" xmlns:p="http://schemas.openxmlformats.org/presentationml/2006/main" xmlns:r="http://schemas.openxmlformats.org/officeDocument/2006/relationships">
+<p:sld xmlns:a="http://schemas.openxmlformats.org/drawingml/2006/main" xmlns:r="http://schemas.openxmlformats.org/officeDocument/2006/relationships" xmlns:p="http://schemas.openxmlformats.org/presentationml/2006/main">
   <p:cSld>
     <p:spTree>
       <p:nvGrpSpPr>
@@ -8078,6 +8216,11 @@
               </a:rPr>
               <a:t>Copyright © 2021 by Elephant Scale, All Rights Reserved</a:t>
             </a:r>
+            <a:endParaRPr sz="800">
+              <a:solidFill>
+                <a:srgbClr val="000000"/>
+              </a:solidFill>
+            </a:endParaRPr>
           </a:p>
         </p:txBody>
       </p:sp>
@@ -8090,7 +8233,7 @@
 </file>
 
 <file path=ppt/slides/slide50.xml><?xml version="1.0" encoding="utf-8"?>
-<p:sld xmlns:a="http://schemas.openxmlformats.org/drawingml/2006/main" xmlns:p="http://schemas.openxmlformats.org/presentationml/2006/main" xmlns:r="http://schemas.openxmlformats.org/officeDocument/2006/relationships">
+<p:sld xmlns:a="http://schemas.openxmlformats.org/drawingml/2006/main" xmlns:r="http://schemas.openxmlformats.org/officeDocument/2006/relationships" xmlns:p="http://schemas.openxmlformats.org/presentationml/2006/main">
   <p:cSld>
     <p:spTree>
       <p:nvGrpSpPr>
@@ -8191,6 +8334,11 @@
               </a:rPr>
               <a:t>Copyright © 2021 by Elephant Scale, All Rights Reserved</a:t>
             </a:r>
+            <a:endParaRPr sz="800">
+              <a:solidFill>
+                <a:srgbClr val="000000"/>
+              </a:solidFill>
+            </a:endParaRPr>
           </a:p>
         </p:txBody>
       </p:sp>
@@ -8203,7 +8351,7 @@
 </file>
 
 <file path=ppt/slides/slide51.xml><?xml version="1.0" encoding="utf-8"?>
-<p:sld xmlns:a="http://schemas.openxmlformats.org/drawingml/2006/main" xmlns:p="http://schemas.openxmlformats.org/presentationml/2006/main" xmlns:r="http://schemas.openxmlformats.org/officeDocument/2006/relationships">
+<p:sld xmlns:a="http://schemas.openxmlformats.org/drawingml/2006/main" xmlns:r="http://schemas.openxmlformats.org/officeDocument/2006/relationships" xmlns:p="http://schemas.openxmlformats.org/presentationml/2006/main">
   <p:cSld>
     <p:spTree>
       <p:nvGrpSpPr>
@@ -8309,6 +8457,11 @@
               </a:rPr>
               <a:t>Copyright © 2021 by Elephant Scale, All Rights Reserved</a:t>
             </a:r>
+            <a:endParaRPr sz="800">
+              <a:solidFill>
+                <a:srgbClr val="000000"/>
+              </a:solidFill>
+            </a:endParaRPr>
           </a:p>
         </p:txBody>
       </p:sp>
@@ -8321,7 +8474,7 @@
 </file>
 
 <file path=ppt/slides/slide52.xml><?xml version="1.0" encoding="utf-8"?>
-<p:sld xmlns:a="http://schemas.openxmlformats.org/drawingml/2006/main" xmlns:p="http://schemas.openxmlformats.org/presentationml/2006/main" xmlns:r="http://schemas.openxmlformats.org/officeDocument/2006/relationships">
+<p:sld xmlns:a="http://schemas.openxmlformats.org/drawingml/2006/main" xmlns:r="http://schemas.openxmlformats.org/officeDocument/2006/relationships" xmlns:p="http://schemas.openxmlformats.org/presentationml/2006/main">
   <p:cSld>
     <p:spTree>
       <p:nvGrpSpPr>
@@ -8337,7 +8490,7 @@
             <a:spLocks noGrp="1"/>
           </p:cNvSpPr>
           <p:nvPr>
-            <p:ph type="subTitle" idx="1" sz="quarter"/>
+            <p:ph type="subTitle" sz="quarter" idx="1"/>
           </p:nvPr>
         </p:nvSpPr>
         <p:spPr/>
@@ -8389,6 +8542,7 @@
               <a:t>Secure connection with SSL
 </a:t>
             </a:r>
+            <a:endParaRPr b="1"/>
           </a:p>
         </p:txBody>
       </p:sp>
@@ -8443,6 +8597,11 @@
               </a:rPr>
               <a:t>Copyright © 2021 by Elephant Scale, All Rights Reserved</a:t>
             </a:r>
+            <a:endParaRPr sz="800">
+              <a:solidFill>
+                <a:srgbClr val="000000"/>
+              </a:solidFill>
+            </a:endParaRPr>
           </a:p>
         </p:txBody>
       </p:sp>
@@ -8455,7 +8614,7 @@
 </file>
 
 <file path=ppt/slides/slide53.xml><?xml version="1.0" encoding="utf-8"?>
-<p:sld xmlns:a="http://schemas.openxmlformats.org/drawingml/2006/main" xmlns:p="http://schemas.openxmlformats.org/presentationml/2006/main" xmlns:r="http://schemas.openxmlformats.org/officeDocument/2006/relationships">
+<p:sld xmlns:a="http://schemas.openxmlformats.org/drawingml/2006/main" xmlns:r="http://schemas.openxmlformats.org/officeDocument/2006/relationships" xmlns:p="http://schemas.openxmlformats.org/presentationml/2006/main">
   <p:cSld>
     <p:spTree>
       <p:nvGrpSpPr>
@@ -8541,6 +8700,11 @@
               </a:rPr>
               <a:t>Copyright © 2021 by Elephant Scale, All Rights Reserved</a:t>
             </a:r>
+            <a:endParaRPr sz="800">
+              <a:solidFill>
+                <a:srgbClr val="000000"/>
+              </a:solidFill>
+            </a:endParaRPr>
           </a:p>
         </p:txBody>
       </p:sp>
@@ -8553,7 +8717,7 @@
 </file>
 
 <file path=ppt/slides/slide54.xml><?xml version="1.0" encoding="utf-8"?>
-<p:sld xmlns:a="http://schemas.openxmlformats.org/drawingml/2006/main" xmlns:p="http://schemas.openxmlformats.org/presentationml/2006/main" xmlns:r="http://schemas.openxmlformats.org/officeDocument/2006/relationships">
+<p:sld xmlns:a="http://schemas.openxmlformats.org/drawingml/2006/main" xmlns:r="http://schemas.openxmlformats.org/officeDocument/2006/relationships" xmlns:p="http://schemas.openxmlformats.org/presentationml/2006/main">
   <p:cSld>
     <p:spTree>
       <p:nvGrpSpPr>
@@ -8642,6 +8806,11 @@
               </a:rPr>
               <a:t>Copyright © 2021 by Elephant Scale, All Rights Reserved</a:t>
             </a:r>
+            <a:endParaRPr sz="800">
+              <a:solidFill>
+                <a:srgbClr val="000000"/>
+              </a:solidFill>
+            </a:endParaRPr>
           </a:p>
         </p:txBody>
       </p:sp>
@@ -8654,7 +8823,7 @@
           <p:nvPr/>
         </p:nvPicPr>
         <p:blipFill>
-          <a:blip r:embed="rId2"/>
+          <a:blip r:embed="rId1"/>
           <a:stretch>
             <a:fillRect/>
           </a:stretch>
@@ -8678,7 +8847,7 @@
 </file>
 
 <file path=ppt/slides/slide55.xml><?xml version="1.0" encoding="utf-8"?>
-<p:sld xmlns:a="http://schemas.openxmlformats.org/drawingml/2006/main" xmlns:p="http://schemas.openxmlformats.org/presentationml/2006/main" xmlns:r="http://schemas.openxmlformats.org/officeDocument/2006/relationships">
+<p:sld xmlns:a="http://schemas.openxmlformats.org/drawingml/2006/main" xmlns:r="http://schemas.openxmlformats.org/officeDocument/2006/relationships" xmlns:p="http://schemas.openxmlformats.org/presentationml/2006/main">
   <p:cSld>
     <p:spTree>
       <p:nvGrpSpPr>
@@ -8759,6 +8928,11 @@
               </a:rPr>
               <a:t>Copyright © 2021 by Elephant Scale, All Rights Reserved</a:t>
             </a:r>
+            <a:endParaRPr sz="800">
+              <a:solidFill>
+                <a:srgbClr val="000000"/>
+              </a:solidFill>
+            </a:endParaRPr>
           </a:p>
         </p:txBody>
       </p:sp>
@@ -8771,7 +8945,7 @@
 </file>
 
 <file path=ppt/slides/slide56.xml><?xml version="1.0" encoding="utf-8"?>
-<p:sld xmlns:a="http://schemas.openxmlformats.org/drawingml/2006/main" xmlns:p="http://schemas.openxmlformats.org/presentationml/2006/main" xmlns:r="http://schemas.openxmlformats.org/officeDocument/2006/relationships">
+<p:sld xmlns:a="http://schemas.openxmlformats.org/drawingml/2006/main" xmlns:r="http://schemas.openxmlformats.org/officeDocument/2006/relationships" xmlns:p="http://schemas.openxmlformats.org/presentationml/2006/main">
   <p:cSld>
     <p:spTree>
       <p:nvGrpSpPr>
@@ -8867,6 +9041,11 @@
               </a:rPr>
               <a:t>Copyright © 2021 by Elephant Scale, All Rights Reserved</a:t>
             </a:r>
+            <a:endParaRPr sz="800">
+              <a:solidFill>
+                <a:srgbClr val="000000"/>
+              </a:solidFill>
+            </a:endParaRPr>
           </a:p>
         </p:txBody>
       </p:sp>
@@ -8879,7 +9058,7 @@
 </file>
 
 <file path=ppt/slides/slide57.xml><?xml version="1.0" encoding="utf-8"?>
-<p:sld xmlns:a="http://schemas.openxmlformats.org/drawingml/2006/main" xmlns:p="http://schemas.openxmlformats.org/presentationml/2006/main" xmlns:r="http://schemas.openxmlformats.org/officeDocument/2006/relationships">
+<p:sld xmlns:a="http://schemas.openxmlformats.org/drawingml/2006/main" xmlns:r="http://schemas.openxmlformats.org/officeDocument/2006/relationships" xmlns:p="http://schemas.openxmlformats.org/presentationml/2006/main">
   <p:cSld>
     <p:spTree>
       <p:nvGrpSpPr>
@@ -8970,6 +9149,11 @@
               </a:rPr>
               <a:t>Copyright © 2021 by Elephant Scale, All Rights Reserved</a:t>
             </a:r>
+            <a:endParaRPr sz="800">
+              <a:solidFill>
+                <a:srgbClr val="000000"/>
+              </a:solidFill>
+            </a:endParaRPr>
           </a:p>
         </p:txBody>
       </p:sp>
@@ -8982,7 +9166,7 @@
 </file>
 
 <file path=ppt/slides/slide58.xml><?xml version="1.0" encoding="utf-8"?>
-<p:sld xmlns:a="http://schemas.openxmlformats.org/drawingml/2006/main" xmlns:p="http://schemas.openxmlformats.org/presentationml/2006/main" xmlns:r="http://schemas.openxmlformats.org/officeDocument/2006/relationships">
+<p:sld xmlns:a="http://schemas.openxmlformats.org/drawingml/2006/main" xmlns:r="http://schemas.openxmlformats.org/officeDocument/2006/relationships" xmlns:p="http://schemas.openxmlformats.org/presentationml/2006/main">
   <p:cSld>
     <p:spTree>
       <p:nvGrpSpPr>
@@ -9073,6 +9257,11 @@
               </a:rPr>
               <a:t>Copyright © 2021 by Elephant Scale, All Rights Reserved</a:t>
             </a:r>
+            <a:endParaRPr sz="800">
+              <a:solidFill>
+                <a:srgbClr val="000000"/>
+              </a:solidFill>
+            </a:endParaRPr>
           </a:p>
         </p:txBody>
       </p:sp>
@@ -9085,7 +9274,7 @@
 </file>
 
 <file path=ppt/slides/slide59.xml><?xml version="1.0" encoding="utf-8"?>
-<p:sld xmlns:a="http://schemas.openxmlformats.org/drawingml/2006/main" xmlns:p="http://schemas.openxmlformats.org/presentationml/2006/main" xmlns:r="http://schemas.openxmlformats.org/officeDocument/2006/relationships">
+<p:sld xmlns:a="http://schemas.openxmlformats.org/drawingml/2006/main" xmlns:r="http://schemas.openxmlformats.org/officeDocument/2006/relationships" xmlns:p="http://schemas.openxmlformats.org/presentationml/2006/main">
   <p:cSld>
     <p:spTree>
       <p:nvGrpSpPr>
@@ -9169,6 +9358,11 @@
               </a:rPr>
               <a:t>Copyright © 2021 by Elephant Scale, All Rights Reserved</a:t>
             </a:r>
+            <a:endParaRPr sz="800">
+              <a:solidFill>
+                <a:srgbClr val="000000"/>
+              </a:solidFill>
+            </a:endParaRPr>
           </a:p>
         </p:txBody>
       </p:sp>
@@ -9181,15 +9375,15 @@
           <p:nvPr/>
         </p:nvPicPr>
         <p:blipFill>
-          <a:blip r:embed="rId2"/>
+          <a:blip r:embed="rId1"/>
           <a:stretch>
             <a:fillRect/>
           </a:stretch>
         </p:blipFill>
         <p:spPr>
           <a:xfrm>
-            <a:off x="704088" y="914400"/>
-            <a:ext cx="9229725" cy="3076575"/>
+            <a:off x="704215" y="1804035"/>
+            <a:ext cx="8491855" cy="2830830"/>
           </a:xfrm>
           <a:prstGeom prst="rect">
             <a:avLst/>
@@ -9205,7 +9399,7 @@
 </file>
 
 <file path=ppt/slides/slide6.xml><?xml version="1.0" encoding="utf-8"?>
-<p:sld xmlns:a="http://schemas.openxmlformats.org/drawingml/2006/main" xmlns:p="http://schemas.openxmlformats.org/presentationml/2006/main" xmlns:r="http://schemas.openxmlformats.org/officeDocument/2006/relationships">
+<p:sld xmlns:a="http://schemas.openxmlformats.org/drawingml/2006/main" xmlns:r="http://schemas.openxmlformats.org/officeDocument/2006/relationships" xmlns:p="http://schemas.openxmlformats.org/presentationml/2006/main">
   <p:cSld>
     <p:spTree>
       <p:nvGrpSpPr>
@@ -9306,6 +9500,11 @@
               </a:rPr>
               <a:t>Copyright © 2021 by Elephant Scale, All Rights Reserved</a:t>
             </a:r>
+            <a:endParaRPr sz="800">
+              <a:solidFill>
+                <a:srgbClr val="000000"/>
+              </a:solidFill>
+            </a:endParaRPr>
           </a:p>
         </p:txBody>
       </p:sp>
@@ -9318,7 +9517,7 @@
 </file>
 
 <file path=ppt/slides/slide60.xml><?xml version="1.0" encoding="utf-8"?>
-<p:sld xmlns:a="http://schemas.openxmlformats.org/drawingml/2006/main" xmlns:p="http://schemas.openxmlformats.org/presentationml/2006/main" xmlns:r="http://schemas.openxmlformats.org/officeDocument/2006/relationships">
+<p:sld xmlns:a="http://schemas.openxmlformats.org/drawingml/2006/main" xmlns:r="http://schemas.openxmlformats.org/officeDocument/2006/relationships" xmlns:p="http://schemas.openxmlformats.org/presentationml/2006/main">
   <p:cSld>
     <p:spTree>
       <p:nvGrpSpPr>
@@ -9416,6 +9615,11 @@
               </a:rPr>
               <a:t>Copyright © 2021 by Elephant Scale, All Rights Reserved</a:t>
             </a:r>
+            <a:endParaRPr sz="800">
+              <a:solidFill>
+                <a:srgbClr val="000000"/>
+              </a:solidFill>
+            </a:endParaRPr>
           </a:p>
         </p:txBody>
       </p:sp>
@@ -9428,14 +9632,14 @@
           <p:nvPr/>
         </p:nvPicPr>
         <p:blipFill>
-          <a:blip r:embed="rId2"/>
+          <a:blip r:embed="rId1"/>
           <a:stretch>
             <a:fillRect/>
           </a:stretch>
         </p:blipFill>
         <p:spPr>
           <a:xfrm>
-            <a:off x="704088" y="1792224"/>
+            <a:off x="647573" y="2320544"/>
             <a:ext cx="7507224" cy="4996591"/>
           </a:xfrm>
           <a:prstGeom prst="rect">
@@ -9452,7 +9656,7 @@
 </file>
 
 <file path=ppt/slides/slide61.xml><?xml version="1.0" encoding="utf-8"?>
-<p:sld xmlns:a="http://schemas.openxmlformats.org/drawingml/2006/main" xmlns:p="http://schemas.openxmlformats.org/presentationml/2006/main" xmlns:r="http://schemas.openxmlformats.org/officeDocument/2006/relationships">
+<p:sld xmlns:a="http://schemas.openxmlformats.org/drawingml/2006/main" xmlns:r="http://schemas.openxmlformats.org/officeDocument/2006/relationships" xmlns:p="http://schemas.openxmlformats.org/presentationml/2006/main">
   <p:cSld>
     <p:spTree>
       <p:nvGrpSpPr>
@@ -9504,10 +9708,13 @@
           <a:p>
             <a:r>
               <a:rPr>
-                <a:hlinkClick r:id="rId2"/>
+                <a:hlinkClick r:id="rId1"/>
               </a:rPr>
               <a:t> https://github.com/elephantscale/secure-coding-labs/tree/main/sonarqube</a:t>
             </a:r>
+            <a:endParaRPr>
+              <a:hlinkClick r:id="rId1"/>
+            </a:endParaRPr>
           </a:p>
         </p:txBody>
       </p:sp>
@@ -9541,6 +9748,11 @@
               </a:rPr>
               <a:t>Copyright © 2021 by Elephant Scale, All Rights Reserved</a:t>
             </a:r>
+            <a:endParaRPr sz="800">
+              <a:solidFill>
+                <a:srgbClr val="000000"/>
+              </a:solidFill>
+            </a:endParaRPr>
           </a:p>
         </p:txBody>
       </p:sp>
@@ -9553,7 +9765,7 @@
 </file>
 
 <file path=ppt/slides/slide62.xml><?xml version="1.0" encoding="utf-8"?>
-<p:sld xmlns:a="http://schemas.openxmlformats.org/drawingml/2006/main" xmlns:p="http://schemas.openxmlformats.org/presentationml/2006/main" xmlns:r="http://schemas.openxmlformats.org/officeDocument/2006/relationships">
+<p:sld xmlns:a="http://schemas.openxmlformats.org/drawingml/2006/main" xmlns:r="http://schemas.openxmlformats.org/officeDocument/2006/relationships" xmlns:p="http://schemas.openxmlformats.org/presentationml/2006/main">
   <p:cSld>
     <p:spTree>
       <p:nvGrpSpPr>
@@ -9605,7 +9817,7 @@
           <a:p>
             <a:r>
               <a:rPr>
-                <a:hlinkClick r:id="rId2"/>
+                <a:hlinkClick r:id="rId1"/>
               </a:rPr>
               <a:t> https://wiki.sei.cmu.edu/confluence/display/java/SEI+CERT+Oracle+Coding+Standard+for+Java</a:t>
             </a:r>
@@ -9653,6 +9865,11 @@
               </a:rPr>
               <a:t>Copyright © 2021 by Elephant Scale, All Rights Reserved</a:t>
             </a:r>
+            <a:endParaRPr sz="800">
+              <a:solidFill>
+                <a:srgbClr val="000000"/>
+              </a:solidFill>
+            </a:endParaRPr>
           </a:p>
         </p:txBody>
       </p:sp>
@@ -9665,7 +9882,7 @@
           <p:nvPr/>
         </p:nvPicPr>
         <p:blipFill>
-          <a:blip r:embed="rId3"/>
+          <a:blip r:embed="rId2"/>
           <a:stretch>
             <a:fillRect/>
           </a:stretch>
@@ -9689,7 +9906,7 @@
 </file>
 
 <file path=ppt/slides/slide7.xml><?xml version="1.0" encoding="utf-8"?>
-<p:sld xmlns:a="http://schemas.openxmlformats.org/drawingml/2006/main" xmlns:p="http://schemas.openxmlformats.org/presentationml/2006/main" xmlns:r="http://schemas.openxmlformats.org/officeDocument/2006/relationships">
+<p:sld xmlns:a="http://schemas.openxmlformats.org/drawingml/2006/main" xmlns:r="http://schemas.openxmlformats.org/officeDocument/2006/relationships" xmlns:p="http://schemas.openxmlformats.org/presentationml/2006/main">
   <p:cSld>
     <p:spTree>
       <p:nvGrpSpPr>
@@ -9795,6 +10012,11 @@
               </a:rPr>
               <a:t>Copyright © 2021 by Elephant Scale, All Rights Reserved</a:t>
             </a:r>
+            <a:endParaRPr sz="800">
+              <a:solidFill>
+                <a:srgbClr val="000000"/>
+              </a:solidFill>
+            </a:endParaRPr>
           </a:p>
         </p:txBody>
       </p:sp>
@@ -9807,7 +10029,7 @@
 </file>
 
 <file path=ppt/slides/slide8.xml><?xml version="1.0" encoding="utf-8"?>
-<p:sld xmlns:a="http://schemas.openxmlformats.org/drawingml/2006/main" xmlns:p="http://schemas.openxmlformats.org/presentationml/2006/main" xmlns:r="http://schemas.openxmlformats.org/officeDocument/2006/relationships">
+<p:sld xmlns:a="http://schemas.openxmlformats.org/drawingml/2006/main" xmlns:r="http://schemas.openxmlformats.org/officeDocument/2006/relationships" xmlns:p="http://schemas.openxmlformats.org/presentationml/2006/main">
   <p:cSld>
     <p:spTree>
       <p:nvGrpSpPr>
@@ -9864,10 +10086,13 @@
           <a:p>
             <a:r>
               <a:rPr>
-                <a:latin typeface="Courier New"/>
+                <a:latin typeface="Courier New" panose="02070309020205020404"/>
               </a:rPr>
               <a:t> if(InVar=getc(input)!=EOF)</a:t>
             </a:r>
+            <a:endParaRPr>
+              <a:latin typeface="Courier New" panose="02070309020205020404"/>
+            </a:endParaRPr>
           </a:p>
           <a:p>
             <a:r>
@@ -9906,6 +10131,11 @@
               </a:rPr>
               <a:t>Copyright © 2021 by Elephant Scale, All Rights Reserved</a:t>
             </a:r>
+            <a:endParaRPr sz="800">
+              <a:solidFill>
+                <a:srgbClr val="000000"/>
+              </a:solidFill>
+            </a:endParaRPr>
           </a:p>
         </p:txBody>
       </p:sp>
@@ -9918,7 +10148,7 @@
 </file>
 
 <file path=ppt/slides/slide9.xml><?xml version="1.0" encoding="utf-8"?>
-<p:sld xmlns:a="http://schemas.openxmlformats.org/drawingml/2006/main" xmlns:p="http://schemas.openxmlformats.org/presentationml/2006/main" xmlns:r="http://schemas.openxmlformats.org/officeDocument/2006/relationships">
+<p:sld xmlns:a="http://schemas.openxmlformats.org/drawingml/2006/main" xmlns:r="http://schemas.openxmlformats.org/officeDocument/2006/relationships" xmlns:p="http://schemas.openxmlformats.org/presentationml/2006/main">
   <p:cSld>
     <p:spTree>
       <p:nvGrpSpPr>
@@ -10004,6 +10234,11 @@
               </a:rPr>
               <a:t>Copyright © 2021 by Elephant Scale, All Rights Reserved</a:t>
             </a:r>
+            <a:endParaRPr sz="800">
+              <a:solidFill>
+                <a:srgbClr val="000000"/>
+              </a:solidFill>
+            </a:endParaRPr>
           </a:p>
         </p:txBody>
       </p:sp>
@@ -10258,13 +10493,8 @@
           <a:headEnd type="none" w="med" len="med"/>
           <a:tailEnd type="none" w="med" len="med"/>
         </a:ln>
-        <a:effectLst/>
       </a:spPr>
-      <a:bodyPr vert="horz" wrap="square" lIns="91440" tIns="45720" rIns="91440" bIns="45720" numCol="1" anchor="t" anchorCtr="0" compatLnSpc="1">
-        <a:prstTxWarp prst="textNoShape">
-          <a:avLst/>
-        </a:prstTxWarp>
-      </a:bodyPr>
+      <a:bodyPr vert="horz" wrap="square" lIns="91440" tIns="45720" rIns="91440" bIns="45720" numCol="1" anchor="t" anchorCtr="0" compatLnSpc="1"/>
       <a:lstStyle>
         <a:defPPr marL="0" marR="0" indent="0" algn="ctr" defTabSz="914400" rtl="0" eaLnBrk="1" fontAlgn="base" latinLnBrk="0" hangingPunct="1">
           <a:lnSpc>
@@ -10280,7 +10510,6 @@
           <a:buSzTx/>
           <a:buFontTx/>
           <a:buNone/>
-          <a:tabLst/>
           <a:defRPr kumimoji="0" lang="en-US" sz="1000" b="0" i="0" u="none" strike="noStrike" cap="none" normalizeH="0" baseline="0">
             <a:ln>
               <a:noFill/>
@@ -10289,7 +10518,7 @@
               <a:schemeClr val="tx1"/>
             </a:solidFill>
             <a:effectLst/>
-            <a:latin typeface="Garamond" pitchFamily="-110" charset="0"/>
+            <a:latin typeface="Garamond" pitchFamily="18" charset="0"/>
           </a:defRPr>
         </a:defPPr>
       </a:lstStyle>
@@ -10320,13 +10549,8 @@
           <a:headEnd type="none" w="med" len="med"/>
           <a:tailEnd type="none" w="med" len="med"/>
         </a:ln>
-        <a:effectLst/>
       </a:spPr>
-      <a:bodyPr vert="horz" wrap="square" lIns="91440" tIns="45720" rIns="91440" bIns="45720" numCol="1" anchor="t" anchorCtr="0" compatLnSpc="1">
-        <a:prstTxWarp prst="textNoShape">
-          <a:avLst/>
-        </a:prstTxWarp>
-      </a:bodyPr>
+      <a:bodyPr vert="horz" wrap="square" lIns="91440" tIns="45720" rIns="91440" bIns="45720" numCol="1" anchor="t" anchorCtr="0" compatLnSpc="1"/>
       <a:lstStyle>
         <a:defPPr marL="0" marR="0" indent="0" algn="ctr" defTabSz="914400" rtl="0" eaLnBrk="1" fontAlgn="base" latinLnBrk="0" hangingPunct="1">
           <a:lnSpc>
@@ -10342,7 +10566,6 @@
           <a:buSzTx/>
           <a:buFontTx/>
           <a:buNone/>
-          <a:tabLst/>
           <a:defRPr kumimoji="0" lang="en-US" sz="1000" b="0" i="0" u="none" strike="noStrike" cap="none" normalizeH="0" baseline="0">
             <a:ln>
               <a:noFill/>
@@ -10351,7 +10574,7 @@
               <a:schemeClr val="tx1"/>
             </a:solidFill>
             <a:effectLst/>
-            <a:latin typeface="Garamond" pitchFamily="-110" charset="0"/>
+            <a:latin typeface="Garamond" pitchFamily="18" charset="0"/>
           </a:defRPr>
         </a:defPPr>
       </a:lstStyle>
@@ -10646,6 +10869,11 @@
       <a:clrMap bg1="dk2" tx1="lt1" bg2="dk1" tx2="lt2" accent1="accent1" accent2="accent2" accent3="accent3" accent4="accent4" accent5="accent5" accent6="accent6" hlink="hlink" folHlink="folHlink"/>
     </a:extraClrScheme>
   </a:extraClrSchemeLst>
+  <a:extLst>
+    <a:ext uri="{05A4C25C-085E-4340-85A3-A5531E510DB2}">
+      <thm15:themeFamily xmlns:thm15="http://schemas.microsoft.com/office/thememl/2012/main" name="Office Theme" id="{62F939B6-93AF-4DB8-9C6B-D6C7DFDC589F}" vid="{4A3C46E8-61CC-4603-A589-7422A47A8E4A}"/>
+    </a:ext>
+  </a:extLst>
 </a:theme>
 </file>
 
@@ -10963,7 +11191,11 @@
       </a:style>
     </a:lnDef>
   </a:objectDefaults>
-  <a:extraClrSchemeLst/>
+  <a:extLst>
+    <a:ext uri="{05A4C25C-085E-4340-85A3-A5531E510DB2}">
+      <thm15:themeFamily xmlns:thm15="http://schemas.microsoft.com/office/thememl/2012/main" name="Office Theme" id="{62F939B6-93AF-4DB8-9C6B-D6C7DFDC589F}" vid="{4A3C46E8-61CC-4603-A589-7422A47A8E4A}"/>
+    </a:ext>
+  </a:extLst>
 </a:theme>
 </file>
 
@@ -11281,6 +11513,10 @@
       </a:style>
     </a:lnDef>
   </a:objectDefaults>
-  <a:extraClrSchemeLst/>
+  <a:extLst>
+    <a:ext uri="{05A4C25C-085E-4340-85A3-A5531E510DB2}">
+      <thm15:themeFamily xmlns:thm15="http://schemas.microsoft.com/office/thememl/2012/main" name="Office Theme" id="{62F939B6-93AF-4DB8-9C6B-D6C7DFDC589F}" vid="{4A3C46E8-61CC-4603-A589-7422A47A8E4A}"/>
+    </a:ext>
+  </a:extLst>
 </a:theme>
 </file>